--- a/others/update_presentation.pptx
+++ b/others/update_presentation.pptx
@@ -3342,6 +3342,49 @@
           <a:chExt cx="0" cy="0"/>
         </a:xfrm>
       </p:grpSpPr>
+      <p:sp>
+        <p:nvSpPr>
+          <p:cNvPr id="4" name="Rectangle 3">
+            <a:extLst>
+              <a:ext uri="{FF2B5EF4-FFF2-40B4-BE49-F238E27FC236}">
+                <a16:creationId xmlns:a16="http://schemas.microsoft.com/office/drawing/2014/main" id="{F34C783B-C94D-CA94-7714-F3C728FCC27C}"/>
+              </a:ext>
+            </a:extLst>
+          </p:cNvPr>
+          <p:cNvSpPr/>
+          <p:nvPr/>
+        </p:nvSpPr>
+        <p:spPr>
+          <a:xfrm>
+            <a:off x="3139421" y="2828835"/>
+            <a:ext cx="5913157" cy="1200329"/>
+          </a:xfrm>
+          <a:prstGeom prst="rect">
+            <a:avLst/>
+          </a:prstGeom>
+          <a:noFill/>
+        </p:spPr>
+        <p:txBody>
+          <a:bodyPr wrap="none" lIns="91440" tIns="45720" rIns="91440" bIns="45720">
+            <a:spAutoFit/>
+          </a:bodyPr>
+          <a:lstStyle/>
+          <a:p>
+            <a:pPr algn="ctr"/>
+            <a:r>
+              <a:rPr lang="en-US" sz="7200" b="1" cap="none" spc="0" dirty="0">
+                <a:ln w="0"/>
+                <a:solidFill>
+                  <a:schemeClr val="tx1"/>
+                </a:solidFill>
+                <a:latin typeface="Arial" panose="020B0604020202020204" pitchFamily="34" charset="0"/>
+                <a:cs typeface="Arial" panose="020B0604020202020204" pitchFamily="34" charset="0"/>
+              </a:rPr>
+              <a:t>Hello World!!</a:t>
+            </a:r>
+          </a:p>
+        </p:txBody>
+      </p:sp>
     </p:spTree>
     <p:extLst>
       <p:ext uri="{BB962C8B-B14F-4D97-AF65-F5344CB8AC3E}">

--- a/others/update_presentation.pptx
+++ b/others/update_presentation.pptx
@@ -6,6 +6,7 @@
   </p:sldMasterIdLst>
   <p:sldIdLst>
     <p:sldId id="256" r:id="rId2"/>
+    <p:sldId id="257" r:id="rId3"/>
   </p:sldIdLst>
   <p:sldSz cx="12192000" cy="6858000"/>
   <p:notesSz cx="6858000" cy="9144000"/>
@@ -104,6 +105,11 @@
       </a:defRPr>
     </a:lvl9pPr>
   </p:defaultTextStyle>
+  <p:extLst>
+    <p:ext uri="{EFAFB233-063F-42B5-8137-9DF3F51BA10A}">
+      <p15:sldGuideLst xmlns:p15="http://schemas.microsoft.com/office/powerpoint/2012/main"/>
+    </p:ext>
+  </p:extLst>
 </p:presentation>
 </file>
 
@@ -256,7 +262,7 @@
           <a:p>
             <a:fld id="{D10F8AED-4671-44A6-8869-B20C2567E056}" type="datetimeFigureOut">
               <a:rPr lang="en-GB" smtClean="0"/>
-              <a:t>03/07/2025</a:t>
+              <a:t>04/07/2025</a:t>
             </a:fld>
             <a:endParaRPr lang="en-GB"/>
           </a:p>
@@ -456,7 +462,7 @@
           <a:p>
             <a:fld id="{D10F8AED-4671-44A6-8869-B20C2567E056}" type="datetimeFigureOut">
               <a:rPr lang="en-GB" smtClean="0"/>
-              <a:t>03/07/2025</a:t>
+              <a:t>04/07/2025</a:t>
             </a:fld>
             <a:endParaRPr lang="en-GB"/>
           </a:p>
@@ -666,7 +672,7 @@
           <a:p>
             <a:fld id="{D10F8AED-4671-44A6-8869-B20C2567E056}" type="datetimeFigureOut">
               <a:rPr lang="en-GB" smtClean="0"/>
-              <a:t>03/07/2025</a:t>
+              <a:t>04/07/2025</a:t>
             </a:fld>
             <a:endParaRPr lang="en-GB"/>
           </a:p>
@@ -866,7 +872,7 @@
           <a:p>
             <a:fld id="{D10F8AED-4671-44A6-8869-B20C2567E056}" type="datetimeFigureOut">
               <a:rPr lang="en-GB" smtClean="0"/>
-              <a:t>03/07/2025</a:t>
+              <a:t>04/07/2025</a:t>
             </a:fld>
             <a:endParaRPr lang="en-GB"/>
           </a:p>
@@ -1142,7 +1148,7 @@
           <a:p>
             <a:fld id="{D10F8AED-4671-44A6-8869-B20C2567E056}" type="datetimeFigureOut">
               <a:rPr lang="en-GB" smtClean="0"/>
-              <a:t>03/07/2025</a:t>
+              <a:t>04/07/2025</a:t>
             </a:fld>
             <a:endParaRPr lang="en-GB"/>
           </a:p>
@@ -1410,7 +1416,7 @@
           <a:p>
             <a:fld id="{D10F8AED-4671-44A6-8869-B20C2567E056}" type="datetimeFigureOut">
               <a:rPr lang="en-GB" smtClean="0"/>
-              <a:t>03/07/2025</a:t>
+              <a:t>04/07/2025</a:t>
             </a:fld>
             <a:endParaRPr lang="en-GB"/>
           </a:p>
@@ -1825,7 +1831,7 @@
           <a:p>
             <a:fld id="{D10F8AED-4671-44A6-8869-B20C2567E056}" type="datetimeFigureOut">
               <a:rPr lang="en-GB" smtClean="0"/>
-              <a:t>03/07/2025</a:t>
+              <a:t>04/07/2025</a:t>
             </a:fld>
             <a:endParaRPr lang="en-GB"/>
           </a:p>
@@ -1967,7 +1973,7 @@
           <a:p>
             <a:fld id="{D10F8AED-4671-44A6-8869-B20C2567E056}" type="datetimeFigureOut">
               <a:rPr lang="en-GB" smtClean="0"/>
-              <a:t>03/07/2025</a:t>
+              <a:t>04/07/2025</a:t>
             </a:fld>
             <a:endParaRPr lang="en-GB"/>
           </a:p>
@@ -2080,7 +2086,7 @@
           <a:p>
             <a:fld id="{D10F8AED-4671-44A6-8869-B20C2567E056}" type="datetimeFigureOut">
               <a:rPr lang="en-GB" smtClean="0"/>
-              <a:t>03/07/2025</a:t>
+              <a:t>04/07/2025</a:t>
             </a:fld>
             <a:endParaRPr lang="en-GB"/>
           </a:p>
@@ -2393,7 +2399,7 @@
           <a:p>
             <a:fld id="{D10F8AED-4671-44A6-8869-B20C2567E056}" type="datetimeFigureOut">
               <a:rPr lang="en-GB" smtClean="0"/>
-              <a:t>03/07/2025</a:t>
+              <a:t>04/07/2025</a:t>
             </a:fld>
             <a:endParaRPr lang="en-GB"/>
           </a:p>
@@ -2682,7 +2688,7 @@
           <a:p>
             <a:fld id="{D10F8AED-4671-44A6-8869-B20C2567E056}" type="datetimeFigureOut">
               <a:rPr lang="en-GB" smtClean="0"/>
-              <a:t>03/07/2025</a:t>
+              <a:t>04/07/2025</a:t>
             </a:fld>
             <a:endParaRPr lang="en-GB"/>
           </a:p>
@@ -2925,7 +2931,7 @@
           <a:p>
             <a:fld id="{D10F8AED-4671-44A6-8869-B20C2567E056}" type="datetimeFigureOut">
               <a:rPr lang="en-GB" smtClean="0"/>
-              <a:t>03/07/2025</a:t>
+              <a:t>04/07/2025</a:t>
             </a:fld>
             <a:endParaRPr lang="en-GB"/>
           </a:p>
@@ -3389,6 +3395,85 @@
     <p:extLst>
       <p:ext uri="{BB962C8B-B14F-4D97-AF65-F5344CB8AC3E}">
         <p14:creationId xmlns:p14="http://schemas.microsoft.com/office/powerpoint/2010/main" val="3916331215"/>
+      </p:ext>
+    </p:extLst>
+  </p:cSld>
+  <p:clrMapOvr>
+    <a:masterClrMapping/>
+  </p:clrMapOvr>
+</p:sld>
+</file>
+
+<file path=ppt/slides/slide2.xml><?xml version="1.0" encoding="utf-8"?>
+<p:sld xmlns:a="http://schemas.openxmlformats.org/drawingml/2006/main" xmlns:r="http://schemas.openxmlformats.org/officeDocument/2006/relationships" xmlns:p="http://schemas.openxmlformats.org/presentationml/2006/main">
+  <p:cSld>
+    <p:spTree>
+      <p:nvGrpSpPr>
+        <p:cNvPr id="1" name="">
+          <a:extLst>
+            <a:ext uri="{FF2B5EF4-FFF2-40B4-BE49-F238E27FC236}">
+              <a16:creationId xmlns:a16="http://schemas.microsoft.com/office/drawing/2014/main" id="{D106E9F1-AB61-8A49-F2F2-51C977A6E2A8}"/>
+            </a:ext>
+          </a:extLst>
+        </p:cNvPr>
+        <p:cNvGrpSpPr/>
+        <p:nvPr/>
+      </p:nvGrpSpPr>
+      <p:grpSpPr>
+        <a:xfrm>
+          <a:off x="0" y="0"/>
+          <a:ext cx="0" cy="0"/>
+          <a:chOff x="0" y="0"/>
+          <a:chExt cx="0" cy="0"/>
+        </a:xfrm>
+      </p:grpSpPr>
+      <p:sp>
+        <p:nvSpPr>
+          <p:cNvPr id="4" name="Rectangle 3">
+            <a:extLst>
+              <a:ext uri="{FF2B5EF4-FFF2-40B4-BE49-F238E27FC236}">
+                <a16:creationId xmlns:a16="http://schemas.microsoft.com/office/drawing/2014/main" id="{9E5AC985-7C77-700D-0A2F-1D9AC761AD6E}"/>
+              </a:ext>
+            </a:extLst>
+          </p:cNvPr>
+          <p:cNvSpPr/>
+          <p:nvPr/>
+        </p:nvSpPr>
+        <p:spPr>
+          <a:xfrm>
+            <a:off x="2446924" y="2828835"/>
+            <a:ext cx="7298152" cy="1200329"/>
+          </a:xfrm>
+          <a:prstGeom prst="rect">
+            <a:avLst/>
+          </a:prstGeom>
+          <a:noFill/>
+        </p:spPr>
+        <p:txBody>
+          <a:bodyPr wrap="none" lIns="91440" tIns="45720" rIns="91440" bIns="45720">
+            <a:spAutoFit/>
+          </a:bodyPr>
+          <a:lstStyle/>
+          <a:p>
+            <a:pPr algn="ctr"/>
+            <a:r>
+              <a:rPr lang="en-US" sz="7200" b="1" cap="none" spc="0" dirty="0">
+                <a:ln w="0"/>
+                <a:solidFill>
+                  <a:schemeClr val="tx1"/>
+                </a:solidFill>
+                <a:latin typeface="Arial" panose="020B0604020202020204" pitchFamily="34" charset="0"/>
+                <a:cs typeface="Arial" panose="020B0604020202020204" pitchFamily="34" charset="0"/>
+              </a:rPr>
+              <a:t>Hello World!! (2)</a:t>
+            </a:r>
+          </a:p>
+        </p:txBody>
+      </p:sp>
+    </p:spTree>
+    <p:extLst>
+      <p:ext uri="{BB962C8B-B14F-4D97-AF65-F5344CB8AC3E}">
+        <p14:creationId xmlns:p14="http://schemas.microsoft.com/office/powerpoint/2010/main" val="338137357"/>
       </p:ext>
     </p:extLst>
   </p:cSld>

--- a/others/update_presentation.pptx
+++ b/others/update_presentation.pptx
@@ -6,7 +6,6 @@
   </p:sldMasterIdLst>
   <p:sldIdLst>
     <p:sldId id="256" r:id="rId2"/>
-    <p:sldId id="257" r:id="rId3"/>
   </p:sldIdLst>
   <p:sldSz cx="12192000" cy="6858000"/>
   <p:notesSz cx="6858000" cy="9144000"/>
@@ -3395,85 +3394,6 @@
     <p:extLst>
       <p:ext uri="{BB962C8B-B14F-4D97-AF65-F5344CB8AC3E}">
         <p14:creationId xmlns:p14="http://schemas.microsoft.com/office/powerpoint/2010/main" val="3916331215"/>
-      </p:ext>
-    </p:extLst>
-  </p:cSld>
-  <p:clrMapOvr>
-    <a:masterClrMapping/>
-  </p:clrMapOvr>
-</p:sld>
-</file>
-
-<file path=ppt/slides/slide2.xml><?xml version="1.0" encoding="utf-8"?>
-<p:sld xmlns:a="http://schemas.openxmlformats.org/drawingml/2006/main" xmlns:r="http://schemas.openxmlformats.org/officeDocument/2006/relationships" xmlns:p="http://schemas.openxmlformats.org/presentationml/2006/main">
-  <p:cSld>
-    <p:spTree>
-      <p:nvGrpSpPr>
-        <p:cNvPr id="1" name="">
-          <a:extLst>
-            <a:ext uri="{FF2B5EF4-FFF2-40B4-BE49-F238E27FC236}">
-              <a16:creationId xmlns:a16="http://schemas.microsoft.com/office/drawing/2014/main" id="{D106E9F1-AB61-8A49-F2F2-51C977A6E2A8}"/>
-            </a:ext>
-          </a:extLst>
-        </p:cNvPr>
-        <p:cNvGrpSpPr/>
-        <p:nvPr/>
-      </p:nvGrpSpPr>
-      <p:grpSpPr>
-        <a:xfrm>
-          <a:off x="0" y="0"/>
-          <a:ext cx="0" cy="0"/>
-          <a:chOff x="0" y="0"/>
-          <a:chExt cx="0" cy="0"/>
-        </a:xfrm>
-      </p:grpSpPr>
-      <p:sp>
-        <p:nvSpPr>
-          <p:cNvPr id="4" name="Rectangle 3">
-            <a:extLst>
-              <a:ext uri="{FF2B5EF4-FFF2-40B4-BE49-F238E27FC236}">
-                <a16:creationId xmlns:a16="http://schemas.microsoft.com/office/drawing/2014/main" id="{9E5AC985-7C77-700D-0A2F-1D9AC761AD6E}"/>
-              </a:ext>
-            </a:extLst>
-          </p:cNvPr>
-          <p:cNvSpPr/>
-          <p:nvPr/>
-        </p:nvSpPr>
-        <p:spPr>
-          <a:xfrm>
-            <a:off x="2446924" y="2828835"/>
-            <a:ext cx="7298152" cy="1200329"/>
-          </a:xfrm>
-          <a:prstGeom prst="rect">
-            <a:avLst/>
-          </a:prstGeom>
-          <a:noFill/>
-        </p:spPr>
-        <p:txBody>
-          <a:bodyPr wrap="none" lIns="91440" tIns="45720" rIns="91440" bIns="45720">
-            <a:spAutoFit/>
-          </a:bodyPr>
-          <a:lstStyle/>
-          <a:p>
-            <a:pPr algn="ctr"/>
-            <a:r>
-              <a:rPr lang="en-US" sz="7200" b="1" cap="none" spc="0" dirty="0">
-                <a:ln w="0"/>
-                <a:solidFill>
-                  <a:schemeClr val="tx1"/>
-                </a:solidFill>
-                <a:latin typeface="Arial" panose="020B0604020202020204" pitchFamily="34" charset="0"/>
-                <a:cs typeface="Arial" panose="020B0604020202020204" pitchFamily="34" charset="0"/>
-              </a:rPr>
-              <a:t>Hello World!! (2)</a:t>
-            </a:r>
-          </a:p>
-        </p:txBody>
-      </p:sp>
-    </p:spTree>
-    <p:extLst>
-      <p:ext uri="{BB962C8B-B14F-4D97-AF65-F5344CB8AC3E}">
-        <p14:creationId xmlns:p14="http://schemas.microsoft.com/office/powerpoint/2010/main" val="338137357"/>
       </p:ext>
     </p:extLst>
   </p:cSld>

--- a/others/update_presentation.pptx
+++ b/others/update_presentation.pptx
@@ -4,8 +4,18 @@
   <p:sldMasterIdLst>
     <p:sldMasterId id="2147483648" r:id="rId1"/>
   </p:sldMasterIdLst>
+  <p:notesMasterIdLst>
+    <p:notesMasterId r:id="rId10"/>
+  </p:notesMasterIdLst>
   <p:sldIdLst>
     <p:sldId id="256" r:id="rId2"/>
+    <p:sldId id="262" r:id="rId3"/>
+    <p:sldId id="257" r:id="rId4"/>
+    <p:sldId id="258" r:id="rId5"/>
+    <p:sldId id="259" r:id="rId6"/>
+    <p:sldId id="263" r:id="rId7"/>
+    <p:sldId id="264" r:id="rId8"/>
+    <p:sldId id="265" r:id="rId9"/>
   </p:sldIdLst>
   <p:sldSz cx="12192000" cy="6858000"/>
   <p:notesSz cx="6858000" cy="9144000"/>
@@ -112,6 +122,355 @@
 </p:presentation>
 </file>
 
+<file path=ppt/notesMasters/notesMaster1.xml><?xml version="1.0" encoding="utf-8"?>
+<p:notesMaster xmlns:a="http://schemas.openxmlformats.org/drawingml/2006/main" xmlns:r="http://schemas.openxmlformats.org/officeDocument/2006/relationships" xmlns:p="http://schemas.openxmlformats.org/presentationml/2006/main">
+  <p:cSld>
+    <p:bg>
+      <p:bgRef idx="1001">
+        <a:schemeClr val="bg1"/>
+      </p:bgRef>
+    </p:bg>
+    <p:spTree>
+      <p:nvGrpSpPr>
+        <p:cNvPr id="1" name=""/>
+        <p:cNvGrpSpPr/>
+        <p:nvPr/>
+      </p:nvGrpSpPr>
+      <p:grpSpPr>
+        <a:xfrm>
+          <a:off x="0" y="0"/>
+          <a:ext cx="0" cy="0"/>
+          <a:chOff x="0" y="0"/>
+          <a:chExt cx="0" cy="0"/>
+        </a:xfrm>
+      </p:grpSpPr>
+      <p:sp>
+        <p:nvSpPr>
+          <p:cNvPr id="2" name="Header Placeholder 1"/>
+          <p:cNvSpPr>
+            <a:spLocks noGrp="1"/>
+          </p:cNvSpPr>
+          <p:nvPr>
+            <p:ph type="hdr" sz="quarter"/>
+          </p:nvPr>
+        </p:nvSpPr>
+        <p:spPr>
+          <a:xfrm>
+            <a:off x="0" y="0"/>
+            <a:ext cx="2971800" cy="458788"/>
+          </a:xfrm>
+          <a:prstGeom prst="rect">
+            <a:avLst/>
+          </a:prstGeom>
+        </p:spPr>
+        <p:txBody>
+          <a:bodyPr vert="horz" lIns="91440" tIns="45720" rIns="91440" bIns="45720" rtlCol="0"/>
+          <a:lstStyle>
+            <a:lvl1pPr algn="l">
+              <a:defRPr sz="1200"/>
+            </a:lvl1pPr>
+          </a:lstStyle>
+          <a:p>
+            <a:endParaRPr lang="en-US"/>
+          </a:p>
+        </p:txBody>
+      </p:sp>
+      <p:sp>
+        <p:nvSpPr>
+          <p:cNvPr id="3" name="Date Placeholder 2"/>
+          <p:cNvSpPr>
+            <a:spLocks noGrp="1"/>
+          </p:cNvSpPr>
+          <p:nvPr>
+            <p:ph type="dt" idx="1"/>
+          </p:nvPr>
+        </p:nvSpPr>
+        <p:spPr>
+          <a:xfrm>
+            <a:off x="3884613" y="0"/>
+            <a:ext cx="2971800" cy="458788"/>
+          </a:xfrm>
+          <a:prstGeom prst="rect">
+            <a:avLst/>
+          </a:prstGeom>
+        </p:spPr>
+        <p:txBody>
+          <a:bodyPr vert="horz" lIns="91440" tIns="45720" rIns="91440" bIns="45720" rtlCol="0"/>
+          <a:lstStyle>
+            <a:lvl1pPr algn="r">
+              <a:defRPr sz="1200"/>
+            </a:lvl1pPr>
+          </a:lstStyle>
+          <a:p>
+            <a:fld id="{2A5697F4-FBBD-4C19-8363-2A765E07F564}" type="datetimeFigureOut">
+              <a:rPr lang="en-US" smtClean="0"/>
+              <a:t>7/5/2025</a:t>
+            </a:fld>
+            <a:endParaRPr lang="en-US"/>
+          </a:p>
+        </p:txBody>
+      </p:sp>
+      <p:sp>
+        <p:nvSpPr>
+          <p:cNvPr id="4" name="Slide Image Placeholder 3"/>
+          <p:cNvSpPr>
+            <a:spLocks noGrp="1" noRot="1" noChangeAspect="1"/>
+          </p:cNvSpPr>
+          <p:nvPr>
+            <p:ph type="sldImg" idx="2"/>
+          </p:nvPr>
+        </p:nvSpPr>
+        <p:spPr>
+          <a:xfrm>
+            <a:off x="685800" y="1143000"/>
+            <a:ext cx="5486400" cy="3086100"/>
+          </a:xfrm>
+          <a:prstGeom prst="rect">
+            <a:avLst/>
+          </a:prstGeom>
+          <a:noFill/>
+          <a:ln w="12700">
+            <a:solidFill>
+              <a:prstClr val="black"/>
+            </a:solidFill>
+          </a:ln>
+        </p:spPr>
+        <p:txBody>
+          <a:bodyPr vert="horz" lIns="91440" tIns="45720" rIns="91440" bIns="45720" rtlCol="0" anchor="ctr"/>
+          <a:lstStyle/>
+          <a:p>
+            <a:endParaRPr lang="en-US"/>
+          </a:p>
+        </p:txBody>
+      </p:sp>
+      <p:sp>
+        <p:nvSpPr>
+          <p:cNvPr id="5" name="Notes Placeholder 4"/>
+          <p:cNvSpPr>
+            <a:spLocks noGrp="1"/>
+          </p:cNvSpPr>
+          <p:nvPr>
+            <p:ph type="body" sz="quarter" idx="3"/>
+          </p:nvPr>
+        </p:nvSpPr>
+        <p:spPr>
+          <a:xfrm>
+            <a:off x="685800" y="4400550"/>
+            <a:ext cx="5486400" cy="3600450"/>
+          </a:xfrm>
+          <a:prstGeom prst="rect">
+            <a:avLst/>
+          </a:prstGeom>
+        </p:spPr>
+        <p:txBody>
+          <a:bodyPr vert="horz" lIns="91440" tIns="45720" rIns="91440" bIns="45720" rtlCol="0"/>
+          <a:lstStyle/>
+          <a:p>
+            <a:pPr lvl="0"/>
+            <a:r>
+              <a:rPr lang="en-US"/>
+              <a:t>Click to edit Master text styles</a:t>
+            </a:r>
+          </a:p>
+          <a:p>
+            <a:pPr lvl="1"/>
+            <a:r>
+              <a:rPr lang="en-US"/>
+              <a:t>Second level</a:t>
+            </a:r>
+          </a:p>
+          <a:p>
+            <a:pPr lvl="2"/>
+            <a:r>
+              <a:rPr lang="en-US"/>
+              <a:t>Third level</a:t>
+            </a:r>
+          </a:p>
+          <a:p>
+            <a:pPr lvl="3"/>
+            <a:r>
+              <a:rPr lang="en-US"/>
+              <a:t>Fourth level</a:t>
+            </a:r>
+          </a:p>
+          <a:p>
+            <a:pPr lvl="4"/>
+            <a:r>
+              <a:rPr lang="en-US"/>
+              <a:t>Fifth level</a:t>
+            </a:r>
+          </a:p>
+        </p:txBody>
+      </p:sp>
+      <p:sp>
+        <p:nvSpPr>
+          <p:cNvPr id="6" name="Footer Placeholder 5"/>
+          <p:cNvSpPr>
+            <a:spLocks noGrp="1"/>
+          </p:cNvSpPr>
+          <p:nvPr>
+            <p:ph type="ftr" sz="quarter" idx="4"/>
+          </p:nvPr>
+        </p:nvSpPr>
+        <p:spPr>
+          <a:xfrm>
+            <a:off x="0" y="8685213"/>
+            <a:ext cx="2971800" cy="458787"/>
+          </a:xfrm>
+          <a:prstGeom prst="rect">
+            <a:avLst/>
+          </a:prstGeom>
+        </p:spPr>
+        <p:txBody>
+          <a:bodyPr vert="horz" lIns="91440" tIns="45720" rIns="91440" bIns="45720" rtlCol="0" anchor="b"/>
+          <a:lstStyle>
+            <a:lvl1pPr algn="l">
+              <a:defRPr sz="1200"/>
+            </a:lvl1pPr>
+          </a:lstStyle>
+          <a:p>
+            <a:endParaRPr lang="en-US"/>
+          </a:p>
+        </p:txBody>
+      </p:sp>
+      <p:sp>
+        <p:nvSpPr>
+          <p:cNvPr id="7" name="Slide Number Placeholder 6"/>
+          <p:cNvSpPr>
+            <a:spLocks noGrp="1"/>
+          </p:cNvSpPr>
+          <p:nvPr>
+            <p:ph type="sldNum" sz="quarter" idx="5"/>
+          </p:nvPr>
+        </p:nvSpPr>
+        <p:spPr>
+          <a:xfrm>
+            <a:off x="3884613" y="8685213"/>
+            <a:ext cx="2971800" cy="458787"/>
+          </a:xfrm>
+          <a:prstGeom prst="rect">
+            <a:avLst/>
+          </a:prstGeom>
+        </p:spPr>
+        <p:txBody>
+          <a:bodyPr vert="horz" lIns="91440" tIns="45720" rIns="91440" bIns="45720" rtlCol="0" anchor="b"/>
+          <a:lstStyle>
+            <a:lvl1pPr algn="r">
+              <a:defRPr sz="1200"/>
+            </a:lvl1pPr>
+          </a:lstStyle>
+          <a:p>
+            <a:fld id="{64D83C0C-FC36-481B-864C-9B998D8900B9}" type="slidenum">
+              <a:rPr lang="en-US" smtClean="0"/>
+              <a:t>‹#›</a:t>
+            </a:fld>
+            <a:endParaRPr lang="en-US"/>
+          </a:p>
+        </p:txBody>
+      </p:sp>
+    </p:spTree>
+    <p:extLst>
+      <p:ext uri="{BB962C8B-B14F-4D97-AF65-F5344CB8AC3E}">
+        <p14:creationId xmlns:p14="http://schemas.microsoft.com/office/powerpoint/2010/main" val="2885791788"/>
+      </p:ext>
+    </p:extLst>
+  </p:cSld>
+  <p:clrMap bg1="lt1" tx1="dk1" bg2="lt2" tx2="dk2" accent1="accent1" accent2="accent2" accent3="accent3" accent4="accent4" accent5="accent5" accent6="accent6" hlink="hlink" folHlink="folHlink"/>
+  <p:notesStyle>
+    <a:lvl1pPr marL="0" algn="l" defTabSz="914400" rtl="0" eaLnBrk="1" latinLnBrk="0" hangingPunct="1">
+      <a:defRPr sz="1200" kern="1200">
+        <a:solidFill>
+          <a:schemeClr val="tx1"/>
+        </a:solidFill>
+        <a:latin typeface="+mn-lt"/>
+        <a:ea typeface="+mn-ea"/>
+        <a:cs typeface="+mn-cs"/>
+      </a:defRPr>
+    </a:lvl1pPr>
+    <a:lvl2pPr marL="457200" algn="l" defTabSz="914400" rtl="0" eaLnBrk="1" latinLnBrk="0" hangingPunct="1">
+      <a:defRPr sz="1200" kern="1200">
+        <a:solidFill>
+          <a:schemeClr val="tx1"/>
+        </a:solidFill>
+        <a:latin typeface="+mn-lt"/>
+        <a:ea typeface="+mn-ea"/>
+        <a:cs typeface="+mn-cs"/>
+      </a:defRPr>
+    </a:lvl2pPr>
+    <a:lvl3pPr marL="914400" algn="l" defTabSz="914400" rtl="0" eaLnBrk="1" latinLnBrk="0" hangingPunct="1">
+      <a:defRPr sz="1200" kern="1200">
+        <a:solidFill>
+          <a:schemeClr val="tx1"/>
+        </a:solidFill>
+        <a:latin typeface="+mn-lt"/>
+        <a:ea typeface="+mn-ea"/>
+        <a:cs typeface="+mn-cs"/>
+      </a:defRPr>
+    </a:lvl3pPr>
+    <a:lvl4pPr marL="1371600" algn="l" defTabSz="914400" rtl="0" eaLnBrk="1" latinLnBrk="0" hangingPunct="1">
+      <a:defRPr sz="1200" kern="1200">
+        <a:solidFill>
+          <a:schemeClr val="tx1"/>
+        </a:solidFill>
+        <a:latin typeface="+mn-lt"/>
+        <a:ea typeface="+mn-ea"/>
+        <a:cs typeface="+mn-cs"/>
+      </a:defRPr>
+    </a:lvl4pPr>
+    <a:lvl5pPr marL="1828800" algn="l" defTabSz="914400" rtl="0" eaLnBrk="1" latinLnBrk="0" hangingPunct="1">
+      <a:defRPr sz="1200" kern="1200">
+        <a:solidFill>
+          <a:schemeClr val="tx1"/>
+        </a:solidFill>
+        <a:latin typeface="+mn-lt"/>
+        <a:ea typeface="+mn-ea"/>
+        <a:cs typeface="+mn-cs"/>
+      </a:defRPr>
+    </a:lvl5pPr>
+    <a:lvl6pPr marL="2286000" algn="l" defTabSz="914400" rtl="0" eaLnBrk="1" latinLnBrk="0" hangingPunct="1">
+      <a:defRPr sz="1200" kern="1200">
+        <a:solidFill>
+          <a:schemeClr val="tx1"/>
+        </a:solidFill>
+        <a:latin typeface="+mn-lt"/>
+        <a:ea typeface="+mn-ea"/>
+        <a:cs typeface="+mn-cs"/>
+      </a:defRPr>
+    </a:lvl6pPr>
+    <a:lvl7pPr marL="2743200" algn="l" defTabSz="914400" rtl="0" eaLnBrk="1" latinLnBrk="0" hangingPunct="1">
+      <a:defRPr sz="1200" kern="1200">
+        <a:solidFill>
+          <a:schemeClr val="tx1"/>
+        </a:solidFill>
+        <a:latin typeface="+mn-lt"/>
+        <a:ea typeface="+mn-ea"/>
+        <a:cs typeface="+mn-cs"/>
+      </a:defRPr>
+    </a:lvl7pPr>
+    <a:lvl8pPr marL="3200400" algn="l" defTabSz="914400" rtl="0" eaLnBrk="1" latinLnBrk="0" hangingPunct="1">
+      <a:defRPr sz="1200" kern="1200">
+        <a:solidFill>
+          <a:schemeClr val="tx1"/>
+        </a:solidFill>
+        <a:latin typeface="+mn-lt"/>
+        <a:ea typeface="+mn-ea"/>
+        <a:cs typeface="+mn-cs"/>
+      </a:defRPr>
+    </a:lvl8pPr>
+    <a:lvl9pPr marL="3657600" algn="l" defTabSz="914400" rtl="0" eaLnBrk="1" latinLnBrk="0" hangingPunct="1">
+      <a:defRPr sz="1200" kern="1200">
+        <a:solidFill>
+          <a:schemeClr val="tx1"/>
+        </a:solidFill>
+        <a:latin typeface="+mn-lt"/>
+        <a:ea typeface="+mn-ea"/>
+        <a:cs typeface="+mn-cs"/>
+      </a:defRPr>
+    </a:lvl9pPr>
+  </p:notesStyle>
+</p:notesMaster>
+</file>
+
 <file path=ppt/slideLayouts/slideLayout1.xml><?xml version="1.0" encoding="utf-8"?>
 <p:sldLayout xmlns:a="http://schemas.openxmlformats.org/drawingml/2006/main" xmlns:r="http://schemas.openxmlformats.org/officeDocument/2006/relationships" xmlns:p="http://schemas.openxmlformats.org/presentationml/2006/main" type="title" preserve="1">
   <p:cSld name="Title Slide">
@@ -259,10 +618,10 @@
           <a:bodyPr/>
           <a:lstStyle/>
           <a:p>
-            <a:fld id="{D10F8AED-4671-44A6-8869-B20C2567E056}" type="datetimeFigureOut">
-              <a:rPr lang="en-GB" smtClean="0"/>
-              <a:t>04/07/2025</a:t>
-            </a:fld>
+            <a:r>
+              <a:rPr lang="en-US"/>
+              <a:t>                           Group 2</a:t>
+            </a:r>
             <a:endParaRPr lang="en-GB"/>
           </a:p>
         </p:txBody>
@@ -288,6 +647,10 @@
           <a:bodyPr/>
           <a:lstStyle/>
           <a:p>
+            <a:r>
+              <a:rPr lang="sv-SE"/>
+              <a:t>Group 2 Abhishek Dutta Md Ishrak Mashroor  Ashab Mahmud Raseen  Sneha Nandy </a:t>
+            </a:r>
             <a:endParaRPr lang="en-GB"/>
           </a:p>
         </p:txBody>
@@ -459,10 +822,10 @@
           <a:bodyPr/>
           <a:lstStyle/>
           <a:p>
-            <a:fld id="{D10F8AED-4671-44A6-8869-B20C2567E056}" type="datetimeFigureOut">
-              <a:rPr lang="en-GB" smtClean="0"/>
-              <a:t>04/07/2025</a:t>
-            </a:fld>
+            <a:r>
+              <a:rPr lang="en-US"/>
+              <a:t>                           Group 2</a:t>
+            </a:r>
             <a:endParaRPr lang="en-GB"/>
           </a:p>
         </p:txBody>
@@ -488,6 +851,10 @@
           <a:bodyPr/>
           <a:lstStyle/>
           <a:p>
+            <a:r>
+              <a:rPr lang="sv-SE"/>
+              <a:t>Group 2 Abhishek Dutta Md Ishrak Mashroor  Ashab Mahmud Raseen  Sneha Nandy </a:t>
+            </a:r>
             <a:endParaRPr lang="en-GB"/>
           </a:p>
         </p:txBody>
@@ -669,10 +1036,10 @@
           <a:bodyPr/>
           <a:lstStyle/>
           <a:p>
-            <a:fld id="{D10F8AED-4671-44A6-8869-B20C2567E056}" type="datetimeFigureOut">
-              <a:rPr lang="en-GB" smtClean="0"/>
-              <a:t>04/07/2025</a:t>
-            </a:fld>
+            <a:r>
+              <a:rPr lang="en-US"/>
+              <a:t>                           Group 2</a:t>
+            </a:r>
             <a:endParaRPr lang="en-GB"/>
           </a:p>
         </p:txBody>
@@ -698,6 +1065,10 @@
           <a:bodyPr/>
           <a:lstStyle/>
           <a:p>
+            <a:r>
+              <a:rPr lang="sv-SE"/>
+              <a:t>Group 2 Abhishek Dutta Md Ishrak Mashroor  Ashab Mahmud Raseen  Sneha Nandy </a:t>
+            </a:r>
             <a:endParaRPr lang="en-GB"/>
           </a:p>
         </p:txBody>
@@ -869,10 +1240,10 @@
           <a:bodyPr/>
           <a:lstStyle/>
           <a:p>
-            <a:fld id="{D10F8AED-4671-44A6-8869-B20C2567E056}" type="datetimeFigureOut">
-              <a:rPr lang="en-GB" smtClean="0"/>
-              <a:t>04/07/2025</a:t>
-            </a:fld>
+            <a:r>
+              <a:rPr lang="en-US"/>
+              <a:t>                           Group 2</a:t>
+            </a:r>
             <a:endParaRPr lang="en-GB"/>
           </a:p>
         </p:txBody>
@@ -898,6 +1269,10 @@
           <a:bodyPr/>
           <a:lstStyle/>
           <a:p>
+            <a:r>
+              <a:rPr lang="sv-SE"/>
+              <a:t>Group 2 Abhishek Dutta Md Ishrak Mashroor  Ashab Mahmud Raseen  Sneha Nandy </a:t>
+            </a:r>
             <a:endParaRPr lang="en-GB"/>
           </a:p>
         </p:txBody>
@@ -1145,10 +1520,10 @@
           <a:bodyPr/>
           <a:lstStyle/>
           <a:p>
-            <a:fld id="{D10F8AED-4671-44A6-8869-B20C2567E056}" type="datetimeFigureOut">
-              <a:rPr lang="en-GB" smtClean="0"/>
-              <a:t>04/07/2025</a:t>
-            </a:fld>
+            <a:r>
+              <a:rPr lang="en-US"/>
+              <a:t>                           Group 2</a:t>
+            </a:r>
             <a:endParaRPr lang="en-GB"/>
           </a:p>
         </p:txBody>
@@ -1174,6 +1549,10 @@
           <a:bodyPr/>
           <a:lstStyle/>
           <a:p>
+            <a:r>
+              <a:rPr lang="sv-SE"/>
+              <a:t>Group 2 Abhishek Dutta Md Ishrak Mashroor  Ashab Mahmud Raseen  Sneha Nandy </a:t>
+            </a:r>
             <a:endParaRPr lang="en-GB"/>
           </a:p>
         </p:txBody>
@@ -1413,10 +1792,10 @@
           <a:bodyPr/>
           <a:lstStyle/>
           <a:p>
-            <a:fld id="{D10F8AED-4671-44A6-8869-B20C2567E056}" type="datetimeFigureOut">
-              <a:rPr lang="en-GB" smtClean="0"/>
-              <a:t>04/07/2025</a:t>
-            </a:fld>
+            <a:r>
+              <a:rPr lang="en-US"/>
+              <a:t>                           Group 2</a:t>
+            </a:r>
             <a:endParaRPr lang="en-GB"/>
           </a:p>
         </p:txBody>
@@ -1442,6 +1821,10 @@
           <a:bodyPr/>
           <a:lstStyle/>
           <a:p>
+            <a:r>
+              <a:rPr lang="sv-SE"/>
+              <a:t>Group 2 Abhishek Dutta Md Ishrak Mashroor  Ashab Mahmud Raseen  Sneha Nandy </a:t>
+            </a:r>
             <a:endParaRPr lang="en-GB"/>
           </a:p>
         </p:txBody>
@@ -1828,10 +2211,10 @@
           <a:bodyPr/>
           <a:lstStyle/>
           <a:p>
-            <a:fld id="{D10F8AED-4671-44A6-8869-B20C2567E056}" type="datetimeFigureOut">
-              <a:rPr lang="en-GB" smtClean="0"/>
-              <a:t>04/07/2025</a:t>
-            </a:fld>
+            <a:r>
+              <a:rPr lang="en-US"/>
+              <a:t>                           Group 2</a:t>
+            </a:r>
             <a:endParaRPr lang="en-GB"/>
           </a:p>
         </p:txBody>
@@ -1857,6 +2240,10 @@
           <a:bodyPr/>
           <a:lstStyle/>
           <a:p>
+            <a:r>
+              <a:rPr lang="sv-SE"/>
+              <a:t>Group 2 Abhishek Dutta Md Ishrak Mashroor  Ashab Mahmud Raseen  Sneha Nandy </a:t>
+            </a:r>
             <a:endParaRPr lang="en-GB"/>
           </a:p>
         </p:txBody>
@@ -1970,10 +2357,10 @@
           <a:bodyPr/>
           <a:lstStyle/>
           <a:p>
-            <a:fld id="{D10F8AED-4671-44A6-8869-B20C2567E056}" type="datetimeFigureOut">
-              <a:rPr lang="en-GB" smtClean="0"/>
-              <a:t>04/07/2025</a:t>
-            </a:fld>
+            <a:r>
+              <a:rPr lang="en-US"/>
+              <a:t>                           Group 2</a:t>
+            </a:r>
             <a:endParaRPr lang="en-GB"/>
           </a:p>
         </p:txBody>
@@ -1999,6 +2386,10 @@
           <a:bodyPr/>
           <a:lstStyle/>
           <a:p>
+            <a:r>
+              <a:rPr lang="sv-SE"/>
+              <a:t>Group 2 Abhishek Dutta Md Ishrak Mashroor  Ashab Mahmud Raseen  Sneha Nandy </a:t>
+            </a:r>
             <a:endParaRPr lang="en-GB"/>
           </a:p>
         </p:txBody>
@@ -2078,16 +2469,25 @@
             <p:ph type="dt" sz="half" idx="10"/>
           </p:nvPr>
         </p:nvSpPr>
-        <p:spPr/>
+        <p:spPr>
+          <a:xfrm>
+            <a:off x="5099116" y="6356349"/>
+            <a:ext cx="2743200" cy="365125"/>
+          </a:xfrm>
+        </p:spPr>
         <p:txBody>
           <a:bodyPr/>
-          <a:lstStyle/>
-          <a:p>
-            <a:fld id="{D10F8AED-4671-44A6-8869-B20C2567E056}" type="datetimeFigureOut">
-              <a:rPr lang="en-GB" smtClean="0"/>
-              <a:t>04/07/2025</a:t>
-            </a:fld>
-            <a:endParaRPr lang="en-GB"/>
+          <a:lstStyle>
+            <a:lvl1pPr>
+              <a:defRPr b="1"/>
+            </a:lvl1pPr>
+          </a:lstStyle>
+          <a:p>
+            <a:r>
+              <a:rPr lang="en-US"/>
+              <a:t>                           Group 2</a:t>
+            </a:r>
+            <a:endParaRPr lang="en-GB" sz="1600" dirty="0"/>
           </a:p>
         </p:txBody>
       </p:sp>
@@ -2107,12 +2507,25 @@
             <p:ph type="ftr" sz="quarter" idx="11"/>
           </p:nvPr>
         </p:nvSpPr>
-        <p:spPr/>
+        <p:spPr>
+          <a:xfrm>
+            <a:off x="103695" y="5943600"/>
+            <a:ext cx="4732257" cy="914400"/>
+          </a:xfrm>
+        </p:spPr>
         <p:txBody>
           <a:bodyPr/>
-          <a:lstStyle/>
-          <a:p>
-            <a:endParaRPr lang="en-GB"/>
+          <a:lstStyle>
+            <a:lvl1pPr>
+              <a:defRPr b="1"/>
+            </a:lvl1pPr>
+          </a:lstStyle>
+          <a:p>
+            <a:r>
+              <a:rPr lang="en-GB"/>
+              <a:t>Group 2 Abhishek Dutta Md Ishrak Mashroor  Ashab Mahmud Raseen  Sneha Nandy </a:t>
+            </a:r>
+            <a:endParaRPr lang="en-GB" dirty="0"/>
           </a:p>
         </p:txBody>
       </p:sp>
@@ -2396,10 +2809,10 @@
           <a:bodyPr/>
           <a:lstStyle/>
           <a:p>
-            <a:fld id="{D10F8AED-4671-44A6-8869-B20C2567E056}" type="datetimeFigureOut">
-              <a:rPr lang="en-GB" smtClean="0"/>
-              <a:t>04/07/2025</a:t>
-            </a:fld>
+            <a:r>
+              <a:rPr lang="en-US"/>
+              <a:t>                           Group 2</a:t>
+            </a:r>
             <a:endParaRPr lang="en-GB"/>
           </a:p>
         </p:txBody>
@@ -2425,6 +2838,10 @@
           <a:bodyPr/>
           <a:lstStyle/>
           <a:p>
+            <a:r>
+              <a:rPr lang="sv-SE"/>
+              <a:t>Group 2 Abhishek Dutta Md Ishrak Mashroor  Ashab Mahmud Raseen  Sneha Nandy </a:t>
+            </a:r>
             <a:endParaRPr lang="en-GB"/>
           </a:p>
         </p:txBody>
@@ -2685,10 +3102,10 @@
           <a:bodyPr/>
           <a:lstStyle/>
           <a:p>
-            <a:fld id="{D10F8AED-4671-44A6-8869-B20C2567E056}" type="datetimeFigureOut">
-              <a:rPr lang="en-GB" smtClean="0"/>
-              <a:t>04/07/2025</a:t>
-            </a:fld>
+            <a:r>
+              <a:rPr lang="en-US"/>
+              <a:t>                           Group 2</a:t>
+            </a:r>
             <a:endParaRPr lang="en-GB"/>
           </a:p>
         </p:txBody>
@@ -2714,6 +3131,10 @@
           <a:bodyPr/>
           <a:lstStyle/>
           <a:p>
+            <a:r>
+              <a:rPr lang="sv-SE"/>
+              <a:t>Group 2 Abhishek Dutta Md Ishrak Mashroor  Ashab Mahmud Raseen  Sneha Nandy </a:t>
+            </a:r>
             <a:endParaRPr lang="en-GB"/>
           </a:p>
         </p:txBody>
@@ -2854,38 +3275,38 @@
           <a:p>
             <a:pPr lvl="0"/>
             <a:r>
-              <a:rPr lang="en-US"/>
+              <a:rPr lang="en-US" dirty="0"/>
               <a:t>Click to edit Master text styles</a:t>
             </a:r>
           </a:p>
           <a:p>
             <a:pPr lvl="1"/>
             <a:r>
-              <a:rPr lang="en-US"/>
+              <a:rPr lang="en-US" dirty="0"/>
               <a:t>Second level</a:t>
             </a:r>
           </a:p>
           <a:p>
             <a:pPr lvl="2"/>
             <a:r>
-              <a:rPr lang="en-US"/>
+              <a:rPr lang="en-US" dirty="0"/>
               <a:t>Third level</a:t>
             </a:r>
           </a:p>
           <a:p>
             <a:pPr lvl="3"/>
             <a:r>
-              <a:rPr lang="en-US"/>
+              <a:rPr lang="en-US" dirty="0"/>
               <a:t>Fourth level</a:t>
             </a:r>
           </a:p>
           <a:p>
             <a:pPr lvl="4"/>
             <a:r>
-              <a:rPr lang="en-US"/>
+              <a:rPr lang="en-US" dirty="0"/>
               <a:t>Fifth level</a:t>
             </a:r>
-            <a:endParaRPr lang="en-GB"/>
+            <a:endParaRPr lang="en-GB" dirty="0"/>
           </a:p>
         </p:txBody>
       </p:sp>
@@ -2907,8 +3328,8 @@
         </p:nvSpPr>
         <p:spPr>
           <a:xfrm>
-            <a:off x="838200" y="6356350"/>
-            <a:ext cx="2743200" cy="365125"/>
+            <a:off x="1007883" y="6042581"/>
+            <a:ext cx="2668571" cy="678894"/>
           </a:xfrm>
           <a:prstGeom prst="rect">
             <a:avLst/>
@@ -2918,7 +3339,7 @@
           <a:bodyPr vert="horz" lIns="91440" tIns="45720" rIns="91440" bIns="45720" rtlCol="0" anchor="ctr"/>
           <a:lstStyle>
             <a:lvl1pPr algn="l">
-              <a:defRPr sz="1200">
+              <a:defRPr sz="1200" b="1">
                 <a:solidFill>
                   <a:schemeClr val="tx1">
                     <a:tint val="82000"/>
@@ -2928,11 +3349,11 @@
             </a:lvl1pPr>
           </a:lstStyle>
           <a:p>
-            <a:fld id="{D10F8AED-4671-44A6-8869-B20C2567E056}" type="datetimeFigureOut">
-              <a:rPr lang="en-GB" smtClean="0"/>
-              <a:t>04/07/2025</a:t>
-            </a:fld>
-            <a:endParaRPr lang="en-GB"/>
+            <a:r>
+              <a:rPr lang="en-US"/>
+              <a:t>                           Group 2</a:t>
+            </a:r>
+            <a:endParaRPr lang="en-GB" dirty="0"/>
           </a:p>
         </p:txBody>
       </p:sp>
@@ -2965,7 +3386,7 @@
           <a:bodyPr vert="horz" lIns="91440" tIns="45720" rIns="91440" bIns="45720" rtlCol="0" anchor="ctr"/>
           <a:lstStyle>
             <a:lvl1pPr algn="ctr">
-              <a:defRPr sz="1200">
+              <a:defRPr sz="1600" b="1">
                 <a:solidFill>
                   <a:schemeClr val="tx1">
                     <a:tint val="82000"/>
@@ -2975,7 +3396,11 @@
             </a:lvl1pPr>
           </a:lstStyle>
           <a:p>
-            <a:endParaRPr lang="en-GB"/>
+            <a:r>
+              <a:rPr lang="sv-SE"/>
+              <a:t>Group 2 Abhishek Dutta Md Ishrak Mashroor  Ashab Mahmud Raseen  Sneha Nandy </a:t>
+            </a:r>
+            <a:endParaRPr lang="en-GB" dirty="0"/>
           </a:p>
         </p:txBody>
       </p:sp>
@@ -3047,6 +3472,7 @@
     <p:sldLayoutId id="2147483658" r:id="rId10"/>
     <p:sldLayoutId id="2147483659" r:id="rId11"/>
   </p:sldLayoutIdLst>
+  <p:hf sldNum="0" hdr="0" dt="0"/>
   <p:txStyles>
     <p:titleStyle>
       <a:lvl1pPr algn="l" defTabSz="914400" rtl="0" eaLnBrk="1" latinLnBrk="0" hangingPunct="1">
@@ -3347,22 +3773,243 @@
           <a:chExt cx="0" cy="0"/>
         </a:xfrm>
       </p:grpSpPr>
-      <p:sp>
-        <p:nvSpPr>
-          <p:cNvPr id="4" name="Rectangle 3">
-            <a:extLst>
-              <a:ext uri="{FF2B5EF4-FFF2-40B4-BE49-F238E27FC236}">
-                <a16:creationId xmlns:a16="http://schemas.microsoft.com/office/drawing/2014/main" id="{F34C783B-C94D-CA94-7714-F3C728FCC27C}"/>
-              </a:ext>
-            </a:extLst>
-          </p:cNvPr>
-          <p:cNvSpPr/>
+      <p:cxnSp>
+        <p:nvCxnSpPr>
+          <p:cNvPr id="3" name="Straight Connector 2">
+            <a:extLst>
+              <a:ext uri="{FF2B5EF4-FFF2-40B4-BE49-F238E27FC236}">
+                <a16:creationId xmlns:a16="http://schemas.microsoft.com/office/drawing/2014/main" id="{C95AC15A-7FEE-130E-FEDE-B5DF55B2E8DC}"/>
+              </a:ext>
+            </a:extLst>
+          </p:cNvPr>
+          <p:cNvCxnSpPr>
+            <a:cxnSpLocks/>
+          </p:cNvCxnSpPr>
           <p:nvPr/>
-        </p:nvSpPr>
-        <p:spPr>
-          <a:xfrm>
-            <a:off x="3139421" y="2828835"/>
-            <a:ext cx="5913157" cy="1200329"/>
+        </p:nvCxnSpPr>
+        <p:spPr>
+          <a:xfrm>
+            <a:off x="233680" y="660934"/>
+            <a:ext cx="11531600" cy="0"/>
+          </a:xfrm>
+          <a:prstGeom prst="line">
+            <a:avLst/>
+          </a:prstGeom>
+          <a:ln/>
+        </p:spPr>
+        <p:style>
+          <a:lnRef idx="3">
+            <a:schemeClr val="accent4"/>
+          </a:lnRef>
+          <a:fillRef idx="0">
+            <a:schemeClr val="accent4"/>
+          </a:fillRef>
+          <a:effectRef idx="2">
+            <a:schemeClr val="accent4"/>
+          </a:effectRef>
+          <a:fontRef idx="minor">
+            <a:schemeClr val="tx1"/>
+          </a:fontRef>
+        </p:style>
+      </p:cxnSp>
+      <p:cxnSp>
+        <p:nvCxnSpPr>
+          <p:cNvPr id="8" name="Straight Connector 7">
+            <a:extLst>
+              <a:ext uri="{FF2B5EF4-FFF2-40B4-BE49-F238E27FC236}">
+                <a16:creationId xmlns:a16="http://schemas.microsoft.com/office/drawing/2014/main" id="{795BA55E-61DF-ADB2-A43D-268E731E7FEE}"/>
+              </a:ext>
+            </a:extLst>
+          </p:cNvPr>
+          <p:cNvCxnSpPr>
+            <a:cxnSpLocks/>
+          </p:cNvCxnSpPr>
+          <p:nvPr/>
+        </p:nvCxnSpPr>
+        <p:spPr>
+          <a:xfrm>
+            <a:off x="426720" y="6431814"/>
+            <a:ext cx="11338560" cy="0"/>
+          </a:xfrm>
+          <a:prstGeom prst="line">
+            <a:avLst/>
+          </a:prstGeom>
+          <a:ln/>
+        </p:spPr>
+        <p:style>
+          <a:lnRef idx="3">
+            <a:schemeClr val="accent4"/>
+          </a:lnRef>
+          <a:fillRef idx="0">
+            <a:schemeClr val="accent4"/>
+          </a:fillRef>
+          <a:effectRef idx="2">
+            <a:schemeClr val="accent4"/>
+          </a:effectRef>
+          <a:fontRef idx="minor">
+            <a:schemeClr val="tx1"/>
+          </a:fontRef>
+        </p:style>
+      </p:cxnSp>
+      <p:cxnSp>
+        <p:nvCxnSpPr>
+          <p:cNvPr id="10" name="Straight Connector 9">
+            <a:extLst>
+              <a:ext uri="{FF2B5EF4-FFF2-40B4-BE49-F238E27FC236}">
+                <a16:creationId xmlns:a16="http://schemas.microsoft.com/office/drawing/2014/main" id="{85532A23-6F1C-4590-22F4-E94229711BF8}"/>
+              </a:ext>
+            </a:extLst>
+          </p:cNvPr>
+          <p:cNvCxnSpPr>
+            <a:cxnSpLocks/>
+          </p:cNvCxnSpPr>
+          <p:nvPr/>
+        </p:nvCxnSpPr>
+        <p:spPr>
+          <a:xfrm flipV="1">
+            <a:off x="533934" y="660934"/>
+            <a:ext cx="0" cy="5770880"/>
+          </a:xfrm>
+          <a:prstGeom prst="line">
+            <a:avLst/>
+          </a:prstGeom>
+          <a:ln/>
+        </p:spPr>
+        <p:style>
+          <a:lnRef idx="3">
+            <a:schemeClr val="accent4"/>
+          </a:lnRef>
+          <a:fillRef idx="0">
+            <a:schemeClr val="accent4"/>
+          </a:fillRef>
+          <a:effectRef idx="2">
+            <a:schemeClr val="accent4"/>
+          </a:effectRef>
+          <a:fontRef idx="minor">
+            <a:schemeClr val="tx1"/>
+          </a:fontRef>
+        </p:style>
+      </p:cxnSp>
+      <p:cxnSp>
+        <p:nvCxnSpPr>
+          <p:cNvPr id="17" name="Straight Connector 16">
+            <a:extLst>
+              <a:ext uri="{FF2B5EF4-FFF2-40B4-BE49-F238E27FC236}">
+                <a16:creationId xmlns:a16="http://schemas.microsoft.com/office/drawing/2014/main" id="{AF1057EA-A75C-0334-9E60-34D042B5731C}"/>
+              </a:ext>
+            </a:extLst>
+          </p:cNvPr>
+          <p:cNvCxnSpPr>
+            <a:cxnSpLocks/>
+          </p:cNvCxnSpPr>
+          <p:nvPr/>
+        </p:nvCxnSpPr>
+        <p:spPr>
+          <a:xfrm flipV="1">
+            <a:off x="11598709" y="662597"/>
+            <a:ext cx="0" cy="5770880"/>
+          </a:xfrm>
+          <a:prstGeom prst="line">
+            <a:avLst/>
+          </a:prstGeom>
+          <a:ln/>
+        </p:spPr>
+        <p:style>
+          <a:lnRef idx="3">
+            <a:schemeClr val="accent4"/>
+          </a:lnRef>
+          <a:fillRef idx="0">
+            <a:schemeClr val="accent4"/>
+          </a:fillRef>
+          <a:effectRef idx="2">
+            <a:schemeClr val="accent4"/>
+          </a:effectRef>
+          <a:fontRef idx="minor">
+            <a:schemeClr val="tx1"/>
+          </a:fontRef>
+        </p:style>
+      </p:cxnSp>
+      <p:sp>
+        <p:nvSpPr>
+          <p:cNvPr id="24" name="Footer Placeholder 23">
+            <a:extLst>
+              <a:ext uri="{FF2B5EF4-FFF2-40B4-BE49-F238E27FC236}">
+                <a16:creationId xmlns:a16="http://schemas.microsoft.com/office/drawing/2014/main" id="{5B1CEB02-B4FA-26F4-F211-3033AD7808D5}"/>
+              </a:ext>
+            </a:extLst>
+          </p:cNvPr>
+          <p:cNvSpPr>
+            <a:spLocks noGrp="1"/>
+          </p:cNvSpPr>
+          <p:nvPr>
+            <p:ph type="ftr" sz="quarter" idx="11"/>
+          </p:nvPr>
+        </p:nvSpPr>
+        <p:spPr>
+          <a:xfrm>
+            <a:off x="7949934" y="5049544"/>
+            <a:ext cx="4704079" cy="1284583"/>
+          </a:xfrm>
+        </p:spPr>
+        <p:txBody>
+          <a:bodyPr/>
+          <a:lstStyle/>
+          <a:p>
+            <a:r>
+              <a:rPr lang="en-GB" dirty="0"/>
+              <a:t>Group 2 </a:t>
+            </a:r>
+          </a:p>
+          <a:p>
+            <a:r>
+              <a:rPr lang="en-GB" dirty="0"/>
+              <a:t>Abhishek Dutta </a:t>
+            </a:r>
+          </a:p>
+          <a:p>
+            <a:r>
+              <a:rPr lang="en-GB" dirty="0"/>
+              <a:t>Md Ishrak </a:t>
+            </a:r>
+            <a:r>
+              <a:rPr lang="en-GB" dirty="0" err="1"/>
+              <a:t>Mashroor</a:t>
+            </a:r>
+            <a:r>
+              <a:rPr lang="en-GB" dirty="0"/>
+              <a:t>  </a:t>
+            </a:r>
+          </a:p>
+          <a:p>
+            <a:r>
+              <a:rPr lang="en-GB" dirty="0"/>
+              <a:t>Ashab Mahmud Raseen</a:t>
+            </a:r>
+          </a:p>
+          <a:p>
+            <a:r>
+              <a:rPr lang="en-GB" dirty="0"/>
+              <a:t>  Sneha Nandy </a:t>
+            </a:r>
+          </a:p>
+        </p:txBody>
+      </p:sp>
+      <p:sp>
+        <p:nvSpPr>
+          <p:cNvPr id="27" name="TextBox 26">
+            <a:extLst>
+              <a:ext uri="{FF2B5EF4-FFF2-40B4-BE49-F238E27FC236}">
+                <a16:creationId xmlns:a16="http://schemas.microsoft.com/office/drawing/2014/main" id="{3983E092-03DF-76BF-376C-CACD6A42ABAF}"/>
+              </a:ext>
+            </a:extLst>
+          </p:cNvPr>
+          <p:cNvSpPr txBox="1"/>
+          <p:nvPr/>
+        </p:nvSpPr>
+        <p:spPr>
+          <a:xfrm>
+            <a:off x="3311935" y="1203683"/>
+            <a:ext cx="4317996" cy="3600986"/>
           </a:xfrm>
           <a:prstGeom prst="rect">
             <a:avLst/>
@@ -3370,30 +4017,4855 @@
           <a:noFill/>
         </p:spPr>
         <p:txBody>
-          <a:bodyPr wrap="none" lIns="91440" tIns="45720" rIns="91440" bIns="45720">
+          <a:bodyPr wrap="square" rtlCol="0" anchor="ctr">
             <a:spAutoFit/>
           </a:bodyPr>
           <a:lstStyle/>
           <a:p>
+            <a:r>
+              <a:rPr lang="en-US" sz="3600" b="1" dirty="0">
+                <a:solidFill>
+                  <a:schemeClr val="tx2">
+                    <a:lumMod val="90000"/>
+                    <a:lumOff val="10000"/>
+                  </a:schemeClr>
+                </a:solidFill>
+              </a:rPr>
+              <a:t>                  </a:t>
+            </a:r>
+            <a:r>
+              <a:rPr lang="en-US" sz="3600" b="1" dirty="0" err="1">
+                <a:solidFill>
+                  <a:schemeClr val="tx2">
+                    <a:lumMod val="90000"/>
+                    <a:lumOff val="10000"/>
+                  </a:schemeClr>
+                </a:solidFill>
+              </a:rPr>
+              <a:t>TicTacx</a:t>
+            </a:r>
+            <a:endParaRPr lang="en-US" sz="3600" b="1" dirty="0">
+              <a:solidFill>
+                <a:schemeClr val="tx2">
+                  <a:lumMod val="90000"/>
+                  <a:lumOff val="10000"/>
+                </a:schemeClr>
+              </a:solidFill>
+            </a:endParaRPr>
+          </a:p>
+          <a:p>
+            <a:pPr algn="r"/>
+            <a:r>
+              <a:rPr lang="en-US" sz="3200" b="1" dirty="0">
+                <a:solidFill>
+                  <a:schemeClr val="tx2">
+                    <a:lumMod val="90000"/>
+                    <a:lumOff val="10000"/>
+                  </a:schemeClr>
+                </a:solidFill>
+              </a:rPr>
+              <a:t>Course Code: CSE115.4</a:t>
+            </a:r>
+          </a:p>
+          <a:p>
+            <a:r>
+              <a:rPr lang="en-US" sz="3200" b="1" dirty="0">
+                <a:solidFill>
+                  <a:schemeClr val="tx2">
+                    <a:lumMod val="90000"/>
+                    <a:lumOff val="10000"/>
+                  </a:schemeClr>
+                </a:solidFill>
+              </a:rPr>
+              <a:t>               Group: 2</a:t>
+            </a:r>
+          </a:p>
+          <a:p>
+            <a:endParaRPr lang="en-US" sz="3200" b="1" dirty="0">
+              <a:solidFill>
+                <a:schemeClr val="tx2">
+                  <a:lumMod val="90000"/>
+                  <a:lumOff val="10000"/>
+                </a:schemeClr>
+              </a:solidFill>
+            </a:endParaRPr>
+          </a:p>
+          <a:p>
+            <a:endParaRPr lang="en-US" sz="3200" b="1" dirty="0">
+              <a:solidFill>
+                <a:schemeClr val="tx2">
+                  <a:lumMod val="90000"/>
+                  <a:lumOff val="10000"/>
+                </a:schemeClr>
+              </a:solidFill>
+            </a:endParaRPr>
+          </a:p>
+          <a:p>
+            <a:endParaRPr lang="en-US" sz="3200" b="1" dirty="0">
+              <a:solidFill>
+                <a:schemeClr val="tx2">
+                  <a:lumMod val="90000"/>
+                  <a:lumOff val="10000"/>
+                </a:schemeClr>
+              </a:solidFill>
+            </a:endParaRPr>
+          </a:p>
+          <a:p>
+            <a:endParaRPr lang="en-US" sz="3200" b="1" dirty="0">
+              <a:solidFill>
+                <a:schemeClr val="tx2">
+                  <a:lumMod val="90000"/>
+                  <a:lumOff val="10000"/>
+                </a:schemeClr>
+              </a:solidFill>
+            </a:endParaRPr>
+          </a:p>
+        </p:txBody>
+      </p:sp>
+      <p:sp>
+        <p:nvSpPr>
+          <p:cNvPr id="28" name="Rectangle: Rounded Corners 27">
+            <a:extLst>
+              <a:ext uri="{FF2B5EF4-FFF2-40B4-BE49-F238E27FC236}">
+                <a16:creationId xmlns:a16="http://schemas.microsoft.com/office/drawing/2014/main" id="{EB17B78A-79A9-80F8-056F-5E1F0C7AC2F7}"/>
+              </a:ext>
+            </a:extLst>
+          </p:cNvPr>
+          <p:cNvSpPr/>
+          <p:nvPr/>
+        </p:nvSpPr>
+        <p:spPr>
+          <a:xfrm>
+            <a:off x="1390882" y="3245628"/>
+            <a:ext cx="9307588" cy="991031"/>
+          </a:xfrm>
+          <a:prstGeom prst="roundRect">
+            <a:avLst/>
+          </a:prstGeom>
+          <a:noFill/>
+          <a:ln>
+            <a:solidFill>
+              <a:schemeClr val="tx2">
+                <a:lumMod val="75000"/>
+                <a:lumOff val="25000"/>
+              </a:schemeClr>
+            </a:solidFill>
+          </a:ln>
+        </p:spPr>
+        <p:style>
+          <a:lnRef idx="2">
+            <a:schemeClr val="accent1">
+              <a:shade val="15000"/>
+            </a:schemeClr>
+          </a:lnRef>
+          <a:fillRef idx="1">
+            <a:schemeClr val="accent1"/>
+          </a:fillRef>
+          <a:effectRef idx="0">
+            <a:schemeClr val="accent1"/>
+          </a:effectRef>
+          <a:fontRef idx="minor">
+            <a:schemeClr val="lt1"/>
+          </a:fontRef>
+        </p:style>
+        <p:txBody>
+          <a:bodyPr rtlCol="0" anchor="ctr"/>
+          <a:lstStyle/>
+          <a:p>
             <a:pPr algn="ctr"/>
-            <a:r>
-              <a:rPr lang="en-US" sz="7200" b="1" cap="none" spc="0" dirty="0">
-                <a:ln w="0"/>
+            <a:endParaRPr lang="en-US"/>
+          </a:p>
+        </p:txBody>
+      </p:sp>
+      <p:sp>
+        <p:nvSpPr>
+          <p:cNvPr id="30" name="TextBox 29">
+            <a:extLst>
+              <a:ext uri="{FF2B5EF4-FFF2-40B4-BE49-F238E27FC236}">
+                <a16:creationId xmlns:a16="http://schemas.microsoft.com/office/drawing/2014/main" id="{4CDCF876-022F-4AB2-B70F-B5033425CF36}"/>
+              </a:ext>
+            </a:extLst>
+          </p:cNvPr>
+          <p:cNvSpPr txBox="1"/>
+          <p:nvPr/>
+        </p:nvSpPr>
+        <p:spPr>
+          <a:xfrm rot="10800000" flipV="1">
+            <a:off x="1651004" y="3373120"/>
+            <a:ext cx="8889991" cy="677108"/>
+          </a:xfrm>
+          <a:prstGeom prst="rect">
+            <a:avLst/>
+          </a:prstGeom>
+          <a:noFill/>
+        </p:spPr>
+        <p:txBody>
+          <a:bodyPr wrap="square" rtlCol="0">
+            <a:spAutoFit/>
+          </a:bodyPr>
+          <a:lstStyle/>
+          <a:p>
+            <a:r>
+              <a:rPr lang="en-US" sz="2000" b="1" dirty="0">
                 <a:solidFill>
-                  <a:schemeClr val="tx1"/>
+                  <a:schemeClr val="tx2">
+                    <a:lumMod val="75000"/>
+                    <a:lumOff val="25000"/>
+                  </a:schemeClr>
                 </a:solidFill>
-                <a:latin typeface="Arial" panose="020B0604020202020204" pitchFamily="34" charset="0"/>
-                <a:cs typeface="Arial" panose="020B0604020202020204" pitchFamily="34" charset="0"/>
               </a:rPr>
-              <a:t>Hello World!!</a:t>
-            </a:r>
-          </a:p>
-        </p:txBody>
-      </p:sp>
+              <a:t>Project Description:</a:t>
+            </a:r>
+            <a:r>
+              <a:rPr lang="en-US" dirty="0"/>
+              <a:t> Developing a console-based version of the classic Tic-Tac-Toe game where two players can compete against each other.</a:t>
+            </a:r>
+          </a:p>
+        </p:txBody>
+      </p:sp>
+      <p:pic>
+        <p:nvPicPr>
+          <p:cNvPr id="34" name="Picture 33">
+            <a:extLst>
+              <a:ext uri="{FF2B5EF4-FFF2-40B4-BE49-F238E27FC236}">
+                <a16:creationId xmlns:a16="http://schemas.microsoft.com/office/drawing/2014/main" id="{499ADF3F-B235-0662-A1D5-E94F57AE4542}"/>
+              </a:ext>
+            </a:extLst>
+          </p:cNvPr>
+          <p:cNvPicPr>
+            <a:picLocks noChangeAspect="1"/>
+          </p:cNvPicPr>
+          <p:nvPr/>
+        </p:nvPicPr>
+        <p:blipFill>
+          <a:blip r:embed="rId2">
+            <a:extLst>
+              <a:ext uri="{BEBA8EAE-BF5A-486C-A8C5-ECC9F3942E4B}">
+                <a14:imgProps xmlns:a14="http://schemas.microsoft.com/office/drawing/2010/main">
+                  <a14:imgLayer r:embed="rId3">
+                    <a14:imgEffect>
+                      <a14:backgroundRemoval t="9912" b="89912" l="7692" r="95604">
+                        <a14:foregroundMark x1="32967" y1="26549" x2="32967" y2="26549"/>
+                        <a14:foregroundMark x1="8462" y1="40354" x2="8462" y2="40354"/>
+                        <a14:foregroundMark x1="79560" y1="46372" x2="79560" y2="46372"/>
+                        <a14:foregroundMark x1="67033" y1="29204" x2="67033" y2="29204"/>
+                        <a14:foregroundMark x1="93407" y1="56637" x2="93407" y2="56637"/>
+                        <a14:foregroundMark x1="95824" y1="56460" x2="95824" y2="56460"/>
+                        <a14:foregroundMark x1="93187" y1="37876" x2="93187" y2="37876"/>
+                        <a14:foregroundMark x1="93736" y1="35752" x2="93736" y2="35752"/>
+                        <a14:foregroundMark x1="89341" y1="83540" x2="89341" y2="83540"/>
+                        <a14:foregroundMark x1="90220" y1="80000" x2="90220" y2="80000"/>
+                        <a14:foregroundMark x1="8132" y1="82655" x2="8132" y2="82655"/>
+                        <a14:foregroundMark x1="7692" y1="40354" x2="7692" y2="40354"/>
+                        <a14:foregroundMark x1="58132" y1="26018" x2="58132" y2="26018"/>
+                        <a14:foregroundMark x1="41648" y1="43894" x2="41648" y2="43894"/>
+                        <a14:foregroundMark x1="44835" y1="40000" x2="44835" y2="40000"/>
+                        <a14:foregroundMark x1="44066" y1="26372" x2="44066" y2="26372"/>
+                        <a14:foregroundMark x1="54066" y1="34336" x2="54066" y2="34336"/>
+                        <a14:foregroundMark x1="54286" y1="54690" x2="54286" y2="54690"/>
+                        <a14:foregroundMark x1="59231" y1="48319" x2="59231" y2="48319"/>
+                        <a14:foregroundMark x1="57802" y1="61239" x2="57802" y2="61239"/>
+                        <a14:foregroundMark x1="42198" y1="66018" x2="42198" y2="66018"/>
+                        <a14:foregroundMark x1="39670" y1="71504" x2="39670" y2="71504"/>
+                      </a14:backgroundRemoval>
+                    </a14:imgEffect>
+                  </a14:imgLayer>
+                </a14:imgProps>
+              </a:ext>
+            </a:extLst>
+          </a:blip>
+          <a:stretch>
+            <a:fillRect/>
+          </a:stretch>
+        </p:blipFill>
+        <p:spPr>
+          <a:xfrm>
+            <a:off x="1463049" y="4258779"/>
+            <a:ext cx="3185260" cy="1977661"/>
+          </a:xfrm>
+          <a:prstGeom prst="rect">
+            <a:avLst/>
+          </a:prstGeom>
+        </p:spPr>
+      </p:pic>
+      <p:pic>
+        <p:nvPicPr>
+          <p:cNvPr id="36" name="Picture 35">
+            <a:extLst>
+              <a:ext uri="{FF2B5EF4-FFF2-40B4-BE49-F238E27FC236}">
+                <a16:creationId xmlns:a16="http://schemas.microsoft.com/office/drawing/2014/main" id="{17EB2491-60E5-E31E-7FD9-8956728B10A8}"/>
+              </a:ext>
+            </a:extLst>
+          </p:cNvPr>
+          <p:cNvPicPr>
+            <a:picLocks noChangeAspect="1"/>
+          </p:cNvPicPr>
+          <p:nvPr/>
+        </p:nvPicPr>
+        <p:blipFill>
+          <a:blip r:embed="rId4"/>
+          <a:stretch>
+            <a:fillRect/>
+          </a:stretch>
+        </p:blipFill>
+        <p:spPr>
+          <a:xfrm>
+            <a:off x="8418708" y="1087182"/>
+            <a:ext cx="1744307" cy="1744307"/>
+          </a:xfrm>
+          <a:prstGeom prst="rect">
+            <a:avLst/>
+          </a:prstGeom>
+        </p:spPr>
+      </p:pic>
     </p:spTree>
     <p:extLst>
       <p:ext uri="{BB962C8B-B14F-4D97-AF65-F5344CB8AC3E}">
         <p14:creationId xmlns:p14="http://schemas.microsoft.com/office/powerpoint/2010/main" val="3916331215"/>
+      </p:ext>
+    </p:extLst>
+  </p:cSld>
+  <p:clrMapOvr>
+    <a:masterClrMapping/>
+  </p:clrMapOvr>
+</p:sld>
+</file>
+
+<file path=ppt/slides/slide2.xml><?xml version="1.0" encoding="utf-8"?>
+<p:sld xmlns:a="http://schemas.openxmlformats.org/drawingml/2006/main" xmlns:r="http://schemas.openxmlformats.org/officeDocument/2006/relationships" xmlns:p="http://schemas.openxmlformats.org/presentationml/2006/main">
+  <p:cSld>
+    <p:spTree>
+      <p:nvGrpSpPr>
+        <p:cNvPr id="1" name="">
+          <a:extLst>
+            <a:ext uri="{FF2B5EF4-FFF2-40B4-BE49-F238E27FC236}">
+              <a16:creationId xmlns:a16="http://schemas.microsoft.com/office/drawing/2014/main" id="{4F5AC585-841A-B209-9F5F-2E4C53A449A9}"/>
+            </a:ext>
+          </a:extLst>
+        </p:cNvPr>
+        <p:cNvGrpSpPr/>
+        <p:nvPr/>
+      </p:nvGrpSpPr>
+      <p:grpSpPr>
+        <a:xfrm>
+          <a:off x="0" y="0"/>
+          <a:ext cx="0" cy="0"/>
+          <a:chOff x="0" y="0"/>
+          <a:chExt cx="0" cy="0"/>
+        </a:xfrm>
+      </p:grpSpPr>
+      <p:cxnSp>
+        <p:nvCxnSpPr>
+          <p:cNvPr id="3" name="Straight Connector 2">
+            <a:extLst>
+              <a:ext uri="{FF2B5EF4-FFF2-40B4-BE49-F238E27FC236}">
+                <a16:creationId xmlns:a16="http://schemas.microsoft.com/office/drawing/2014/main" id="{735F2D35-4453-6372-D6A6-D4F93B11F9CB}"/>
+              </a:ext>
+            </a:extLst>
+          </p:cNvPr>
+          <p:cNvCxnSpPr>
+            <a:cxnSpLocks/>
+          </p:cNvCxnSpPr>
+          <p:nvPr/>
+        </p:nvCxnSpPr>
+        <p:spPr>
+          <a:xfrm>
+            <a:off x="284480" y="487680"/>
+            <a:ext cx="11531600" cy="0"/>
+          </a:xfrm>
+          <a:prstGeom prst="line">
+            <a:avLst/>
+          </a:prstGeom>
+          <a:ln/>
+        </p:spPr>
+        <p:style>
+          <a:lnRef idx="3">
+            <a:schemeClr val="accent4"/>
+          </a:lnRef>
+          <a:fillRef idx="0">
+            <a:schemeClr val="accent4"/>
+          </a:fillRef>
+          <a:effectRef idx="2">
+            <a:schemeClr val="accent4"/>
+          </a:effectRef>
+          <a:fontRef idx="minor">
+            <a:schemeClr val="tx1"/>
+          </a:fontRef>
+        </p:style>
+      </p:cxnSp>
+      <p:cxnSp>
+        <p:nvCxnSpPr>
+          <p:cNvPr id="8" name="Straight Connector 7">
+            <a:extLst>
+              <a:ext uri="{FF2B5EF4-FFF2-40B4-BE49-F238E27FC236}">
+                <a16:creationId xmlns:a16="http://schemas.microsoft.com/office/drawing/2014/main" id="{C13E8E78-4BBD-0777-077D-62887565D46A}"/>
+              </a:ext>
+            </a:extLst>
+          </p:cNvPr>
+          <p:cNvCxnSpPr>
+            <a:cxnSpLocks/>
+          </p:cNvCxnSpPr>
+          <p:nvPr/>
+        </p:nvCxnSpPr>
+        <p:spPr>
+          <a:xfrm>
+            <a:off x="406400" y="6258560"/>
+            <a:ext cx="11338560" cy="0"/>
+          </a:xfrm>
+          <a:prstGeom prst="line">
+            <a:avLst/>
+          </a:prstGeom>
+          <a:ln/>
+        </p:spPr>
+        <p:style>
+          <a:lnRef idx="3">
+            <a:schemeClr val="accent4"/>
+          </a:lnRef>
+          <a:fillRef idx="0">
+            <a:schemeClr val="accent4"/>
+          </a:fillRef>
+          <a:effectRef idx="2">
+            <a:schemeClr val="accent4"/>
+          </a:effectRef>
+          <a:fontRef idx="minor">
+            <a:schemeClr val="tx1"/>
+          </a:fontRef>
+        </p:style>
+      </p:cxnSp>
+      <p:cxnSp>
+        <p:nvCxnSpPr>
+          <p:cNvPr id="10" name="Straight Connector 9">
+            <a:extLst>
+              <a:ext uri="{FF2B5EF4-FFF2-40B4-BE49-F238E27FC236}">
+                <a16:creationId xmlns:a16="http://schemas.microsoft.com/office/drawing/2014/main" id="{9FA35592-31E3-AFD6-9C1B-230DBCF3CAE5}"/>
+              </a:ext>
+            </a:extLst>
+          </p:cNvPr>
+          <p:cNvCxnSpPr>
+            <a:cxnSpLocks/>
+          </p:cNvCxnSpPr>
+          <p:nvPr/>
+        </p:nvCxnSpPr>
+        <p:spPr>
+          <a:xfrm flipV="1">
+            <a:off x="543559" y="487680"/>
+            <a:ext cx="0" cy="5770880"/>
+          </a:xfrm>
+          <a:prstGeom prst="line">
+            <a:avLst/>
+          </a:prstGeom>
+          <a:ln/>
+        </p:spPr>
+        <p:style>
+          <a:lnRef idx="3">
+            <a:schemeClr val="accent4"/>
+          </a:lnRef>
+          <a:fillRef idx="0">
+            <a:schemeClr val="accent4"/>
+          </a:fillRef>
+          <a:effectRef idx="2">
+            <a:schemeClr val="accent4"/>
+          </a:effectRef>
+          <a:fontRef idx="minor">
+            <a:schemeClr val="tx1"/>
+          </a:fontRef>
+        </p:style>
+      </p:cxnSp>
+      <p:cxnSp>
+        <p:nvCxnSpPr>
+          <p:cNvPr id="17" name="Straight Connector 16">
+            <a:extLst>
+              <a:ext uri="{FF2B5EF4-FFF2-40B4-BE49-F238E27FC236}">
+                <a16:creationId xmlns:a16="http://schemas.microsoft.com/office/drawing/2014/main" id="{708BACE1-A191-5E7E-D967-44289AD5673C}"/>
+              </a:ext>
+            </a:extLst>
+          </p:cNvPr>
+          <p:cNvCxnSpPr>
+            <a:cxnSpLocks/>
+          </p:cNvCxnSpPr>
+          <p:nvPr/>
+        </p:nvCxnSpPr>
+        <p:spPr>
+          <a:xfrm flipV="1">
+            <a:off x="11617959" y="487680"/>
+            <a:ext cx="0" cy="5770880"/>
+          </a:xfrm>
+          <a:prstGeom prst="line">
+            <a:avLst/>
+          </a:prstGeom>
+          <a:ln/>
+        </p:spPr>
+        <p:style>
+          <a:lnRef idx="3">
+            <a:schemeClr val="accent4"/>
+          </a:lnRef>
+          <a:fillRef idx="0">
+            <a:schemeClr val="accent4"/>
+          </a:fillRef>
+          <a:effectRef idx="2">
+            <a:schemeClr val="accent4"/>
+          </a:effectRef>
+          <a:fontRef idx="minor">
+            <a:schemeClr val="tx1"/>
+          </a:fontRef>
+        </p:style>
+      </p:cxnSp>
+      <p:sp>
+        <p:nvSpPr>
+          <p:cNvPr id="24" name="Footer Placeholder 23">
+            <a:extLst>
+              <a:ext uri="{FF2B5EF4-FFF2-40B4-BE49-F238E27FC236}">
+                <a16:creationId xmlns:a16="http://schemas.microsoft.com/office/drawing/2014/main" id="{D770F236-A383-7165-2032-172CD2A1E4B9}"/>
+              </a:ext>
+            </a:extLst>
+          </p:cNvPr>
+          <p:cNvSpPr>
+            <a:spLocks noGrp="1"/>
+          </p:cNvSpPr>
+          <p:nvPr>
+            <p:ph type="ftr" sz="quarter" idx="11"/>
+          </p:nvPr>
+        </p:nvSpPr>
+        <p:spPr>
+          <a:xfrm>
+            <a:off x="8155527" y="4919764"/>
+            <a:ext cx="4704079" cy="1284583"/>
+          </a:xfrm>
+        </p:spPr>
+        <p:txBody>
+          <a:bodyPr/>
+          <a:lstStyle/>
+          <a:p>
+            <a:r>
+              <a:rPr lang="en-GB" dirty="0"/>
+              <a:t>Group 2 </a:t>
+            </a:r>
+          </a:p>
+          <a:p>
+            <a:r>
+              <a:rPr lang="en-GB" dirty="0"/>
+              <a:t>Abhishek Dutta</a:t>
+            </a:r>
+          </a:p>
+          <a:p>
+            <a:r>
+              <a:rPr lang="en-GB" dirty="0"/>
+              <a:t> Md Ishrak </a:t>
+            </a:r>
+            <a:r>
+              <a:rPr lang="en-GB" dirty="0" err="1"/>
+              <a:t>Mashroor</a:t>
+            </a:r>
+            <a:r>
+              <a:rPr lang="en-GB" dirty="0"/>
+              <a:t>  </a:t>
+            </a:r>
+          </a:p>
+          <a:p>
+            <a:r>
+              <a:rPr lang="en-GB" dirty="0"/>
+              <a:t>Ashab Mahmud Raseen  </a:t>
+            </a:r>
+          </a:p>
+          <a:p>
+            <a:r>
+              <a:rPr lang="en-GB" dirty="0"/>
+              <a:t>Sneha Nandy </a:t>
+            </a:r>
+          </a:p>
+        </p:txBody>
+      </p:sp>
+      <p:sp>
+        <p:nvSpPr>
+          <p:cNvPr id="5" name="TextBox 4">
+            <a:extLst>
+              <a:ext uri="{FF2B5EF4-FFF2-40B4-BE49-F238E27FC236}">
+                <a16:creationId xmlns:a16="http://schemas.microsoft.com/office/drawing/2014/main" id="{F5711906-AACC-7B38-07EA-A2376650C057}"/>
+              </a:ext>
+            </a:extLst>
+          </p:cNvPr>
+          <p:cNvSpPr txBox="1"/>
+          <p:nvPr/>
+        </p:nvSpPr>
+        <p:spPr>
+          <a:xfrm>
+            <a:off x="1559293" y="934970"/>
+            <a:ext cx="4947385" cy="523220"/>
+          </a:xfrm>
+          <a:prstGeom prst="rect">
+            <a:avLst/>
+          </a:prstGeom>
+          <a:noFill/>
+        </p:spPr>
+        <p:txBody>
+          <a:bodyPr wrap="square" rtlCol="0">
+            <a:spAutoFit/>
+          </a:bodyPr>
+          <a:lstStyle/>
+          <a:p>
+            <a:r>
+              <a:rPr lang="en-US" sz="2800" b="1" dirty="0">
+                <a:solidFill>
+                  <a:schemeClr val="tx2">
+                    <a:lumMod val="90000"/>
+                    <a:lumOff val="10000"/>
+                  </a:schemeClr>
+                </a:solidFill>
+              </a:rPr>
+              <a:t>What we built: </a:t>
+            </a:r>
+          </a:p>
+        </p:txBody>
+      </p:sp>
+      <p:grpSp>
+        <p:nvGrpSpPr>
+          <p:cNvPr id="12" name="Group 11">
+            <a:extLst>
+              <a:ext uri="{FF2B5EF4-FFF2-40B4-BE49-F238E27FC236}">
+                <a16:creationId xmlns:a16="http://schemas.microsoft.com/office/drawing/2014/main" id="{2A0A95B0-8E91-831F-B1F0-80532A4C1A42}"/>
+              </a:ext>
+            </a:extLst>
+          </p:cNvPr>
+          <p:cNvGrpSpPr/>
+          <p:nvPr/>
+        </p:nvGrpSpPr>
+        <p:grpSpPr>
+          <a:xfrm>
+            <a:off x="2201542" y="1591818"/>
+            <a:ext cx="3874138" cy="1371873"/>
+            <a:chOff x="2420225" y="1830537"/>
+            <a:chExt cx="3874159" cy="1731670"/>
+          </a:xfrm>
+        </p:grpSpPr>
+        <p:sp>
+          <p:nvSpPr>
+            <p:cNvPr id="6" name="Speech Bubble: Rectangle with Corners Rounded 5">
+              <a:extLst>
+                <a:ext uri="{FF2B5EF4-FFF2-40B4-BE49-F238E27FC236}">
+                  <a16:creationId xmlns:a16="http://schemas.microsoft.com/office/drawing/2014/main" id="{091DE2D5-D1D8-C1F9-42DF-9B379D80F4B5}"/>
+                </a:ext>
+              </a:extLst>
+            </p:cNvPr>
+            <p:cNvSpPr/>
+            <p:nvPr/>
+          </p:nvSpPr>
+          <p:spPr>
+            <a:xfrm>
+              <a:off x="2420225" y="1830537"/>
+              <a:ext cx="3874140" cy="1731670"/>
+            </a:xfrm>
+            <a:prstGeom prst="wedgeRoundRectCallout">
+              <a:avLst>
+                <a:gd name="adj1" fmla="val -21459"/>
+                <a:gd name="adj2" fmla="val 78773"/>
+                <a:gd name="adj3" fmla="val 16667"/>
+              </a:avLst>
+            </a:prstGeom>
+            <a:noFill/>
+            <a:ln>
+              <a:solidFill>
+                <a:schemeClr val="tx2">
+                  <a:lumMod val="50000"/>
+                  <a:lumOff val="50000"/>
+                </a:schemeClr>
+              </a:solidFill>
+            </a:ln>
+          </p:spPr>
+          <p:style>
+            <a:lnRef idx="2">
+              <a:schemeClr val="accent1">
+                <a:shade val="15000"/>
+              </a:schemeClr>
+            </a:lnRef>
+            <a:fillRef idx="1">
+              <a:schemeClr val="accent1"/>
+            </a:fillRef>
+            <a:effectRef idx="0">
+              <a:schemeClr val="accent1"/>
+            </a:effectRef>
+            <a:fontRef idx="minor">
+              <a:schemeClr val="lt1"/>
+            </a:fontRef>
+          </p:style>
+          <p:txBody>
+            <a:bodyPr rtlCol="0" anchor="ctr"/>
+            <a:lstStyle/>
+            <a:p>
+              <a:pPr algn="ctr"/>
+              <a:endParaRPr lang="en-US"/>
+            </a:p>
+          </p:txBody>
+        </p:sp>
+        <p:sp>
+          <p:nvSpPr>
+            <p:cNvPr id="11" name="TextBox 10">
+              <a:extLst>
+                <a:ext uri="{FF2B5EF4-FFF2-40B4-BE49-F238E27FC236}">
+                  <a16:creationId xmlns:a16="http://schemas.microsoft.com/office/drawing/2014/main" id="{6B989C90-E2BB-E012-BAA3-45EB2B0BC5DC}"/>
+                </a:ext>
+              </a:extLst>
+            </p:cNvPr>
+            <p:cNvSpPr txBox="1"/>
+            <p:nvPr/>
+          </p:nvSpPr>
+          <p:spPr>
+            <a:xfrm>
+              <a:off x="2420225" y="2282924"/>
+              <a:ext cx="3874159" cy="400110"/>
+            </a:xfrm>
+            <a:prstGeom prst="rect">
+              <a:avLst/>
+            </a:prstGeom>
+            <a:noFill/>
+          </p:spPr>
+          <p:txBody>
+            <a:bodyPr wrap="square" rtlCol="0">
+              <a:spAutoFit/>
+            </a:bodyPr>
+            <a:lstStyle/>
+            <a:p>
+              <a:r>
+                <a:rPr lang="en-US" sz="2000" dirty="0"/>
+                <a:t>Classic 3x3 Tic-Tac-Toe game in C</a:t>
+              </a:r>
+            </a:p>
+          </p:txBody>
+        </p:sp>
+      </p:grpSp>
+      <p:grpSp>
+        <p:nvGrpSpPr>
+          <p:cNvPr id="13" name="Group 12">
+            <a:extLst>
+              <a:ext uri="{FF2B5EF4-FFF2-40B4-BE49-F238E27FC236}">
+                <a16:creationId xmlns:a16="http://schemas.microsoft.com/office/drawing/2014/main" id="{841F583F-C746-C7E9-43D5-1BC16A952754}"/>
+              </a:ext>
+            </a:extLst>
+          </p:cNvPr>
+          <p:cNvGrpSpPr/>
+          <p:nvPr/>
+        </p:nvGrpSpPr>
+        <p:grpSpPr>
+          <a:xfrm>
+            <a:off x="3965608" y="3137663"/>
+            <a:ext cx="3874142" cy="1432949"/>
+            <a:chOff x="2420225" y="1609730"/>
+            <a:chExt cx="3874159" cy="1755310"/>
+          </a:xfrm>
+        </p:grpSpPr>
+        <p:sp>
+          <p:nvSpPr>
+            <p:cNvPr id="14" name="Speech Bubble: Rectangle with Corners Rounded 13">
+              <a:extLst>
+                <a:ext uri="{FF2B5EF4-FFF2-40B4-BE49-F238E27FC236}">
+                  <a16:creationId xmlns:a16="http://schemas.microsoft.com/office/drawing/2014/main" id="{3B85D862-32E5-8244-7DD7-A5B8E9E23F5F}"/>
+                </a:ext>
+              </a:extLst>
+            </p:cNvPr>
+            <p:cNvSpPr/>
+            <p:nvPr/>
+          </p:nvSpPr>
+          <p:spPr>
+            <a:xfrm>
+              <a:off x="2420226" y="1609730"/>
+              <a:ext cx="3795299" cy="1755310"/>
+            </a:xfrm>
+            <a:prstGeom prst="wedgeRoundRectCallout">
+              <a:avLst>
+                <a:gd name="adj1" fmla="val -22204"/>
+                <a:gd name="adj2" fmla="val 80197"/>
+                <a:gd name="adj3" fmla="val 16667"/>
+              </a:avLst>
+            </a:prstGeom>
+            <a:noFill/>
+            <a:ln>
+              <a:solidFill>
+                <a:schemeClr val="tx2">
+                  <a:lumMod val="50000"/>
+                  <a:lumOff val="50000"/>
+                </a:schemeClr>
+              </a:solidFill>
+            </a:ln>
+          </p:spPr>
+          <p:style>
+            <a:lnRef idx="2">
+              <a:schemeClr val="accent1">
+                <a:shade val="15000"/>
+              </a:schemeClr>
+            </a:lnRef>
+            <a:fillRef idx="1">
+              <a:schemeClr val="accent1"/>
+            </a:fillRef>
+            <a:effectRef idx="0">
+              <a:schemeClr val="accent1"/>
+            </a:effectRef>
+            <a:fontRef idx="minor">
+              <a:schemeClr val="lt1"/>
+            </a:fontRef>
+          </p:style>
+          <p:txBody>
+            <a:bodyPr rtlCol="0" anchor="ctr"/>
+            <a:lstStyle/>
+            <a:p>
+              <a:pPr algn="ctr"/>
+              <a:endParaRPr lang="en-US"/>
+            </a:p>
+          </p:txBody>
+        </p:sp>
+        <p:sp>
+          <p:nvSpPr>
+            <p:cNvPr id="15" name="TextBox 14">
+              <a:extLst>
+                <a:ext uri="{FF2B5EF4-FFF2-40B4-BE49-F238E27FC236}">
+                  <a16:creationId xmlns:a16="http://schemas.microsoft.com/office/drawing/2014/main" id="{634DF2E1-CD28-100B-EB18-B8CDCD783C60}"/>
+                </a:ext>
+              </a:extLst>
+            </p:cNvPr>
+            <p:cNvSpPr txBox="1"/>
+            <p:nvPr/>
+          </p:nvSpPr>
+          <p:spPr>
+            <a:xfrm>
+              <a:off x="2420225" y="2282924"/>
+              <a:ext cx="3874159" cy="400110"/>
+            </a:xfrm>
+            <a:prstGeom prst="rect">
+              <a:avLst/>
+            </a:prstGeom>
+            <a:noFill/>
+          </p:spPr>
+          <p:txBody>
+            <a:bodyPr wrap="square" rtlCol="0">
+              <a:spAutoFit/>
+            </a:bodyPr>
+            <a:lstStyle/>
+            <a:p>
+              <a:r>
+                <a:rPr lang="en-US" sz="2000" dirty="0"/>
+                <a:t>CLI-based interface, fully playable</a:t>
+              </a:r>
+            </a:p>
+          </p:txBody>
+        </p:sp>
+      </p:grpSp>
+      <p:pic>
+        <p:nvPicPr>
+          <p:cNvPr id="18" name="Picture 17">
+            <a:extLst>
+              <a:ext uri="{FF2B5EF4-FFF2-40B4-BE49-F238E27FC236}">
+                <a16:creationId xmlns:a16="http://schemas.microsoft.com/office/drawing/2014/main" id="{B0CE12EC-025A-81CC-A76A-19484655F156}"/>
+              </a:ext>
+            </a:extLst>
+          </p:cNvPr>
+          <p:cNvPicPr>
+            <a:picLocks noChangeAspect="1"/>
+          </p:cNvPicPr>
+          <p:nvPr/>
+        </p:nvPicPr>
+        <p:blipFill>
+          <a:blip r:embed="rId2"/>
+          <a:stretch>
+            <a:fillRect/>
+          </a:stretch>
+        </p:blipFill>
+        <p:spPr>
+          <a:xfrm>
+            <a:off x="8404101" y="1454664"/>
+            <a:ext cx="1528750" cy="1528750"/>
+          </a:xfrm>
+          <a:prstGeom prst="rect">
+            <a:avLst/>
+          </a:prstGeom>
+        </p:spPr>
+      </p:pic>
+      <p:pic>
+        <p:nvPicPr>
+          <p:cNvPr id="29" name="Picture 28">
+            <a:extLst>
+              <a:ext uri="{FF2B5EF4-FFF2-40B4-BE49-F238E27FC236}">
+                <a16:creationId xmlns:a16="http://schemas.microsoft.com/office/drawing/2014/main" id="{C265C60B-0039-1D80-4B88-4D281C1681EA}"/>
+              </a:ext>
+            </a:extLst>
+          </p:cNvPr>
+          <p:cNvPicPr>
+            <a:picLocks noChangeAspect="1"/>
+          </p:cNvPicPr>
+          <p:nvPr/>
+        </p:nvPicPr>
+        <p:blipFill>
+          <a:blip r:embed="rId3"/>
+          <a:stretch>
+            <a:fillRect/>
+          </a:stretch>
+        </p:blipFill>
+        <p:spPr>
+          <a:xfrm>
+            <a:off x="1505893" y="3837360"/>
+            <a:ext cx="1724696" cy="1724696"/>
+          </a:xfrm>
+          <a:prstGeom prst="rect">
+            <a:avLst/>
+          </a:prstGeom>
+        </p:spPr>
+      </p:pic>
+    </p:spTree>
+    <p:extLst>
+      <p:ext uri="{BB962C8B-B14F-4D97-AF65-F5344CB8AC3E}">
+        <p14:creationId xmlns:p14="http://schemas.microsoft.com/office/powerpoint/2010/main" val="4085894783"/>
+      </p:ext>
+    </p:extLst>
+  </p:cSld>
+  <p:clrMapOvr>
+    <a:masterClrMapping/>
+  </p:clrMapOvr>
+</p:sld>
+</file>
+
+<file path=ppt/slides/slide3.xml><?xml version="1.0" encoding="utf-8"?>
+<p:sld xmlns:a="http://schemas.openxmlformats.org/drawingml/2006/main" xmlns:r="http://schemas.openxmlformats.org/officeDocument/2006/relationships" xmlns:p="http://schemas.openxmlformats.org/presentationml/2006/main">
+  <p:cSld>
+    <p:spTree>
+      <p:nvGrpSpPr>
+        <p:cNvPr id="1" name="">
+          <a:extLst>
+            <a:ext uri="{FF2B5EF4-FFF2-40B4-BE49-F238E27FC236}">
+              <a16:creationId xmlns:a16="http://schemas.microsoft.com/office/drawing/2014/main" id="{EABAF8E6-EDFB-7F8A-7773-E9E3B9F9FCDC}"/>
+            </a:ext>
+          </a:extLst>
+        </p:cNvPr>
+        <p:cNvGrpSpPr/>
+        <p:nvPr/>
+      </p:nvGrpSpPr>
+      <p:grpSpPr>
+        <a:xfrm>
+          <a:off x="0" y="0"/>
+          <a:ext cx="0" cy="0"/>
+          <a:chOff x="0" y="0"/>
+          <a:chExt cx="0" cy="0"/>
+        </a:xfrm>
+      </p:grpSpPr>
+      <p:cxnSp>
+        <p:nvCxnSpPr>
+          <p:cNvPr id="3" name="Straight Connector 2">
+            <a:extLst>
+              <a:ext uri="{FF2B5EF4-FFF2-40B4-BE49-F238E27FC236}">
+                <a16:creationId xmlns:a16="http://schemas.microsoft.com/office/drawing/2014/main" id="{34D68B0B-B9A2-B128-9819-2C349F3434A4}"/>
+              </a:ext>
+            </a:extLst>
+          </p:cNvPr>
+          <p:cNvCxnSpPr>
+            <a:cxnSpLocks/>
+          </p:cNvCxnSpPr>
+          <p:nvPr/>
+        </p:nvCxnSpPr>
+        <p:spPr>
+          <a:xfrm>
+            <a:off x="284480" y="487680"/>
+            <a:ext cx="11531600" cy="0"/>
+          </a:xfrm>
+          <a:prstGeom prst="line">
+            <a:avLst/>
+          </a:prstGeom>
+          <a:ln/>
+        </p:spPr>
+        <p:style>
+          <a:lnRef idx="3">
+            <a:schemeClr val="accent4"/>
+          </a:lnRef>
+          <a:fillRef idx="0">
+            <a:schemeClr val="accent4"/>
+          </a:fillRef>
+          <a:effectRef idx="2">
+            <a:schemeClr val="accent4"/>
+          </a:effectRef>
+          <a:fontRef idx="minor">
+            <a:schemeClr val="tx1"/>
+          </a:fontRef>
+        </p:style>
+      </p:cxnSp>
+      <p:cxnSp>
+        <p:nvCxnSpPr>
+          <p:cNvPr id="8" name="Straight Connector 7">
+            <a:extLst>
+              <a:ext uri="{FF2B5EF4-FFF2-40B4-BE49-F238E27FC236}">
+                <a16:creationId xmlns:a16="http://schemas.microsoft.com/office/drawing/2014/main" id="{CEB955DD-0ED7-8E78-D8D3-5EC461F4D7C8}"/>
+              </a:ext>
+            </a:extLst>
+          </p:cNvPr>
+          <p:cNvCxnSpPr>
+            <a:cxnSpLocks/>
+          </p:cNvCxnSpPr>
+          <p:nvPr/>
+        </p:nvCxnSpPr>
+        <p:spPr>
+          <a:xfrm>
+            <a:off x="406400" y="6258560"/>
+            <a:ext cx="11338560" cy="0"/>
+          </a:xfrm>
+          <a:prstGeom prst="line">
+            <a:avLst/>
+          </a:prstGeom>
+          <a:ln/>
+        </p:spPr>
+        <p:style>
+          <a:lnRef idx="3">
+            <a:schemeClr val="accent4"/>
+          </a:lnRef>
+          <a:fillRef idx="0">
+            <a:schemeClr val="accent4"/>
+          </a:fillRef>
+          <a:effectRef idx="2">
+            <a:schemeClr val="accent4"/>
+          </a:effectRef>
+          <a:fontRef idx="minor">
+            <a:schemeClr val="tx1"/>
+          </a:fontRef>
+        </p:style>
+      </p:cxnSp>
+      <p:cxnSp>
+        <p:nvCxnSpPr>
+          <p:cNvPr id="10" name="Straight Connector 9">
+            <a:extLst>
+              <a:ext uri="{FF2B5EF4-FFF2-40B4-BE49-F238E27FC236}">
+                <a16:creationId xmlns:a16="http://schemas.microsoft.com/office/drawing/2014/main" id="{97D5FD3F-8E8A-3AD2-E534-A02908DEA698}"/>
+              </a:ext>
+            </a:extLst>
+          </p:cNvPr>
+          <p:cNvCxnSpPr>
+            <a:cxnSpLocks/>
+          </p:cNvCxnSpPr>
+          <p:nvPr/>
+        </p:nvCxnSpPr>
+        <p:spPr>
+          <a:xfrm flipV="1">
+            <a:off x="543559" y="487680"/>
+            <a:ext cx="0" cy="5770880"/>
+          </a:xfrm>
+          <a:prstGeom prst="line">
+            <a:avLst/>
+          </a:prstGeom>
+          <a:ln/>
+        </p:spPr>
+        <p:style>
+          <a:lnRef idx="3">
+            <a:schemeClr val="accent4"/>
+          </a:lnRef>
+          <a:fillRef idx="0">
+            <a:schemeClr val="accent4"/>
+          </a:fillRef>
+          <a:effectRef idx="2">
+            <a:schemeClr val="accent4"/>
+          </a:effectRef>
+          <a:fontRef idx="minor">
+            <a:schemeClr val="tx1"/>
+          </a:fontRef>
+        </p:style>
+      </p:cxnSp>
+      <p:cxnSp>
+        <p:nvCxnSpPr>
+          <p:cNvPr id="17" name="Straight Connector 16">
+            <a:extLst>
+              <a:ext uri="{FF2B5EF4-FFF2-40B4-BE49-F238E27FC236}">
+                <a16:creationId xmlns:a16="http://schemas.microsoft.com/office/drawing/2014/main" id="{5C29E95F-801F-8DB1-62F1-A2DAF3805B69}"/>
+              </a:ext>
+            </a:extLst>
+          </p:cNvPr>
+          <p:cNvCxnSpPr>
+            <a:cxnSpLocks/>
+          </p:cNvCxnSpPr>
+          <p:nvPr/>
+        </p:nvCxnSpPr>
+        <p:spPr>
+          <a:xfrm flipV="1">
+            <a:off x="11617959" y="487680"/>
+            <a:ext cx="0" cy="5770880"/>
+          </a:xfrm>
+          <a:prstGeom prst="line">
+            <a:avLst/>
+          </a:prstGeom>
+          <a:ln/>
+        </p:spPr>
+        <p:style>
+          <a:lnRef idx="3">
+            <a:schemeClr val="accent4"/>
+          </a:lnRef>
+          <a:fillRef idx="0">
+            <a:schemeClr val="accent4"/>
+          </a:fillRef>
+          <a:effectRef idx="2">
+            <a:schemeClr val="accent4"/>
+          </a:effectRef>
+          <a:fontRef idx="minor">
+            <a:schemeClr val="tx1"/>
+          </a:fontRef>
+        </p:style>
+      </p:cxnSp>
+      <p:sp>
+        <p:nvSpPr>
+          <p:cNvPr id="24" name="Footer Placeholder 23">
+            <a:extLst>
+              <a:ext uri="{FF2B5EF4-FFF2-40B4-BE49-F238E27FC236}">
+                <a16:creationId xmlns:a16="http://schemas.microsoft.com/office/drawing/2014/main" id="{E7F51774-6E14-6A94-DD0C-47E4928EDACB}"/>
+              </a:ext>
+            </a:extLst>
+          </p:cNvPr>
+          <p:cNvSpPr>
+            <a:spLocks noGrp="1"/>
+          </p:cNvSpPr>
+          <p:nvPr>
+            <p:ph type="ftr" sz="quarter" idx="11"/>
+          </p:nvPr>
+        </p:nvSpPr>
+        <p:spPr>
+          <a:xfrm>
+            <a:off x="8154952" y="5006482"/>
+            <a:ext cx="4742541" cy="1197479"/>
+          </a:xfrm>
+        </p:spPr>
+        <p:txBody>
+          <a:bodyPr/>
+          <a:lstStyle/>
+          <a:p>
+            <a:r>
+              <a:rPr lang="en-GB" dirty="0"/>
+              <a:t>Group 2 </a:t>
+            </a:r>
+          </a:p>
+          <a:p>
+            <a:r>
+              <a:rPr lang="en-GB" dirty="0"/>
+              <a:t>Abhishek Dutta </a:t>
+            </a:r>
+          </a:p>
+          <a:p>
+            <a:r>
+              <a:rPr lang="en-GB" dirty="0"/>
+              <a:t>Md Ishrak </a:t>
+            </a:r>
+            <a:r>
+              <a:rPr lang="en-GB" dirty="0" err="1"/>
+              <a:t>Mashroor</a:t>
+            </a:r>
+            <a:r>
+              <a:rPr lang="en-GB" dirty="0"/>
+              <a:t>  </a:t>
+            </a:r>
+          </a:p>
+          <a:p>
+            <a:r>
+              <a:rPr lang="en-GB" dirty="0"/>
+              <a:t>Ashab Mahmud Raseen </a:t>
+            </a:r>
+          </a:p>
+          <a:p>
+            <a:r>
+              <a:rPr lang="en-GB" dirty="0"/>
+              <a:t> Sneha Nandy </a:t>
+            </a:r>
+          </a:p>
+        </p:txBody>
+      </p:sp>
+      <p:sp>
+        <p:nvSpPr>
+          <p:cNvPr id="2" name="TextBox 1">
+            <a:extLst>
+              <a:ext uri="{FF2B5EF4-FFF2-40B4-BE49-F238E27FC236}">
+                <a16:creationId xmlns:a16="http://schemas.microsoft.com/office/drawing/2014/main" id="{9422EC19-860F-8005-7606-5D663E3D8B42}"/>
+              </a:ext>
+            </a:extLst>
+          </p:cNvPr>
+          <p:cNvSpPr txBox="1"/>
+          <p:nvPr/>
+        </p:nvSpPr>
+        <p:spPr>
+          <a:xfrm>
+            <a:off x="4701211" y="1109989"/>
+            <a:ext cx="4825465" cy="523220"/>
+          </a:xfrm>
+          <a:prstGeom prst="rect">
+            <a:avLst/>
+          </a:prstGeom>
+          <a:noFill/>
+        </p:spPr>
+        <p:txBody>
+          <a:bodyPr wrap="square" rtlCol="0">
+            <a:spAutoFit/>
+          </a:bodyPr>
+          <a:lstStyle/>
+          <a:p>
+            <a:r>
+              <a:rPr lang="en-US" sz="2800" b="1" dirty="0">
+                <a:solidFill>
+                  <a:schemeClr val="tx2">
+                    <a:lumMod val="90000"/>
+                    <a:lumOff val="10000"/>
+                  </a:schemeClr>
+                </a:solidFill>
+              </a:rPr>
+              <a:t>Code Structure:</a:t>
+            </a:r>
+          </a:p>
+        </p:txBody>
+      </p:sp>
+      <p:sp>
+        <p:nvSpPr>
+          <p:cNvPr id="9" name="Arrow: Down 8">
+            <a:extLst>
+              <a:ext uri="{FF2B5EF4-FFF2-40B4-BE49-F238E27FC236}">
+                <a16:creationId xmlns:a16="http://schemas.microsoft.com/office/drawing/2014/main" id="{B09D8047-187D-90A4-81AB-9CA6AE88FD76}"/>
+              </a:ext>
+            </a:extLst>
+          </p:cNvPr>
+          <p:cNvSpPr/>
+          <p:nvPr/>
+        </p:nvSpPr>
+        <p:spPr>
+          <a:xfrm rot="16200000">
+            <a:off x="7423432" y="3314002"/>
+            <a:ext cx="484632" cy="978408"/>
+          </a:xfrm>
+          <a:prstGeom prst="downArrow">
+            <a:avLst/>
+          </a:prstGeom>
+          <a:noFill/>
+          <a:ln>
+            <a:solidFill>
+              <a:schemeClr val="tx1">
+                <a:lumMod val="50000"/>
+                <a:lumOff val="50000"/>
+              </a:schemeClr>
+            </a:solidFill>
+          </a:ln>
+        </p:spPr>
+        <p:style>
+          <a:lnRef idx="2">
+            <a:schemeClr val="accent1">
+              <a:shade val="15000"/>
+            </a:schemeClr>
+          </a:lnRef>
+          <a:fillRef idx="1">
+            <a:schemeClr val="accent1"/>
+          </a:fillRef>
+          <a:effectRef idx="0">
+            <a:schemeClr val="accent1"/>
+          </a:effectRef>
+          <a:fontRef idx="minor">
+            <a:schemeClr val="lt1"/>
+          </a:fontRef>
+        </p:style>
+        <p:txBody>
+          <a:bodyPr rtlCol="0" anchor="ctr"/>
+          <a:lstStyle/>
+          <a:p>
+            <a:pPr algn="ctr"/>
+            <a:endParaRPr lang="en-US"/>
+          </a:p>
+        </p:txBody>
+      </p:sp>
+      <p:sp>
+        <p:nvSpPr>
+          <p:cNvPr id="11" name="Arrow: Down 10">
+            <a:extLst>
+              <a:ext uri="{FF2B5EF4-FFF2-40B4-BE49-F238E27FC236}">
+                <a16:creationId xmlns:a16="http://schemas.microsoft.com/office/drawing/2014/main" id="{C4EFCED4-1C96-A366-594E-FF6A89998679}"/>
+              </a:ext>
+            </a:extLst>
+          </p:cNvPr>
+          <p:cNvSpPr/>
+          <p:nvPr/>
+        </p:nvSpPr>
+        <p:spPr>
+          <a:xfrm rot="16200000">
+            <a:off x="4176516" y="3280578"/>
+            <a:ext cx="484632" cy="978408"/>
+          </a:xfrm>
+          <a:prstGeom prst="downArrow">
+            <a:avLst/>
+          </a:prstGeom>
+          <a:noFill/>
+          <a:ln>
+            <a:solidFill>
+              <a:schemeClr val="tx1">
+                <a:lumMod val="50000"/>
+                <a:lumOff val="50000"/>
+              </a:schemeClr>
+            </a:solidFill>
+          </a:ln>
+        </p:spPr>
+        <p:style>
+          <a:lnRef idx="2">
+            <a:schemeClr val="accent1">
+              <a:shade val="15000"/>
+            </a:schemeClr>
+          </a:lnRef>
+          <a:fillRef idx="1">
+            <a:schemeClr val="accent1"/>
+          </a:fillRef>
+          <a:effectRef idx="0">
+            <a:schemeClr val="accent1"/>
+          </a:effectRef>
+          <a:fontRef idx="minor">
+            <a:schemeClr val="lt1"/>
+          </a:fontRef>
+        </p:style>
+        <p:txBody>
+          <a:bodyPr rtlCol="0" anchor="ctr"/>
+          <a:lstStyle/>
+          <a:p>
+            <a:pPr algn="ctr"/>
+            <a:endParaRPr lang="en-US"/>
+          </a:p>
+        </p:txBody>
+      </p:sp>
+      <p:grpSp>
+        <p:nvGrpSpPr>
+          <p:cNvPr id="20" name="Group 19">
+            <a:extLst>
+              <a:ext uri="{FF2B5EF4-FFF2-40B4-BE49-F238E27FC236}">
+                <a16:creationId xmlns:a16="http://schemas.microsoft.com/office/drawing/2014/main" id="{F313450A-F431-2373-3156-0D608CDF4268}"/>
+              </a:ext>
+            </a:extLst>
+          </p:cNvPr>
+          <p:cNvGrpSpPr/>
+          <p:nvPr/>
+        </p:nvGrpSpPr>
+        <p:grpSpPr>
+          <a:xfrm>
+            <a:off x="1869548" y="2282418"/>
+            <a:ext cx="1865915" cy="2556946"/>
+            <a:chOff x="1884589" y="1861044"/>
+            <a:chExt cx="1865915" cy="2556946"/>
+          </a:xfrm>
+        </p:grpSpPr>
+        <p:sp>
+          <p:nvSpPr>
+            <p:cNvPr id="5" name="Arrow: Pentagon 4">
+              <a:extLst>
+                <a:ext uri="{FF2B5EF4-FFF2-40B4-BE49-F238E27FC236}">
+                  <a16:creationId xmlns:a16="http://schemas.microsoft.com/office/drawing/2014/main" id="{096CB6E4-E14B-BB07-E103-77A0F499C93F}"/>
+                </a:ext>
+              </a:extLst>
+            </p:cNvPr>
+            <p:cNvSpPr/>
+            <p:nvPr/>
+          </p:nvSpPr>
+          <p:spPr>
+            <a:xfrm rot="16200000">
+              <a:off x="1528111" y="2217522"/>
+              <a:ext cx="2556946" cy="1843989"/>
+            </a:xfrm>
+            <a:prstGeom prst="homePlate">
+              <a:avLst/>
+            </a:prstGeom>
+            <a:solidFill>
+              <a:schemeClr val="tx2">
+                <a:lumMod val="10000"/>
+                <a:lumOff val="90000"/>
+              </a:schemeClr>
+            </a:solidFill>
+            <a:ln>
+              <a:solidFill>
+                <a:schemeClr val="tx2">
+                  <a:lumMod val="75000"/>
+                  <a:lumOff val="25000"/>
+                </a:schemeClr>
+              </a:solidFill>
+            </a:ln>
+          </p:spPr>
+          <p:style>
+            <a:lnRef idx="2">
+              <a:schemeClr val="accent1">
+                <a:shade val="15000"/>
+              </a:schemeClr>
+            </a:lnRef>
+            <a:fillRef idx="1">
+              <a:schemeClr val="accent1"/>
+            </a:fillRef>
+            <a:effectRef idx="0">
+              <a:schemeClr val="accent1"/>
+            </a:effectRef>
+            <a:fontRef idx="minor">
+              <a:schemeClr val="lt1"/>
+            </a:fontRef>
+          </p:style>
+          <p:txBody>
+            <a:bodyPr rtlCol="0" anchor="ctr"/>
+            <a:lstStyle/>
+            <a:p>
+              <a:pPr algn="ctr"/>
+              <a:endParaRPr lang="en-US"/>
+            </a:p>
+          </p:txBody>
+        </p:sp>
+        <p:sp>
+          <p:nvSpPr>
+            <p:cNvPr id="12" name="TextBox 11">
+              <a:extLst>
+                <a:ext uri="{FF2B5EF4-FFF2-40B4-BE49-F238E27FC236}">
+                  <a16:creationId xmlns:a16="http://schemas.microsoft.com/office/drawing/2014/main" id="{85568AE6-87C0-E442-A4D1-C21A4F5E1600}"/>
+                </a:ext>
+              </a:extLst>
+            </p:cNvPr>
+            <p:cNvSpPr txBox="1"/>
+            <p:nvPr/>
+          </p:nvSpPr>
+          <p:spPr>
+            <a:xfrm>
+              <a:off x="1980699" y="2864045"/>
+              <a:ext cx="1769805" cy="707886"/>
+            </a:xfrm>
+            <a:prstGeom prst="rect">
+              <a:avLst/>
+            </a:prstGeom>
+            <a:noFill/>
+          </p:spPr>
+          <p:txBody>
+            <a:bodyPr wrap="square" rtlCol="0">
+              <a:spAutoFit/>
+            </a:bodyPr>
+            <a:lstStyle/>
+            <a:p>
+              <a:r>
+                <a:rPr lang="en-US" sz="2000" b="1" dirty="0" err="1">
+                  <a:solidFill>
+                    <a:schemeClr val="bg1">
+                      <a:lumMod val="50000"/>
+                    </a:schemeClr>
+                  </a:solidFill>
+                </a:rPr>
+                <a:t>main.c</a:t>
+              </a:r>
+              <a:r>
+                <a:rPr lang="en-US" sz="2000" b="1" dirty="0">
+                  <a:solidFill>
+                    <a:schemeClr val="bg1">
+                      <a:lumMod val="50000"/>
+                    </a:schemeClr>
+                  </a:solidFill>
+                </a:rPr>
+                <a:t> : Controls flow </a:t>
+              </a:r>
+            </a:p>
+          </p:txBody>
+        </p:sp>
+      </p:grpSp>
+      <p:grpSp>
+        <p:nvGrpSpPr>
+          <p:cNvPr id="21" name="Group 20">
+            <a:extLst>
+              <a:ext uri="{FF2B5EF4-FFF2-40B4-BE49-F238E27FC236}">
+                <a16:creationId xmlns:a16="http://schemas.microsoft.com/office/drawing/2014/main" id="{D0A549FC-5DF4-3A8E-BC33-241705189617}"/>
+              </a:ext>
+            </a:extLst>
+          </p:cNvPr>
+          <p:cNvGrpSpPr/>
+          <p:nvPr/>
+        </p:nvGrpSpPr>
+        <p:grpSpPr>
+          <a:xfrm>
+            <a:off x="5110569" y="2294728"/>
+            <a:ext cx="1879421" cy="2556946"/>
+            <a:chOff x="5086241" y="1861043"/>
+            <a:chExt cx="1879421" cy="2556946"/>
+          </a:xfrm>
+        </p:grpSpPr>
+        <p:sp>
+          <p:nvSpPr>
+            <p:cNvPr id="6" name="Arrow: Pentagon 5">
+              <a:extLst>
+                <a:ext uri="{FF2B5EF4-FFF2-40B4-BE49-F238E27FC236}">
+                  <a16:creationId xmlns:a16="http://schemas.microsoft.com/office/drawing/2014/main" id="{7DC0E0BB-B5CA-9418-40E7-47184CBC1A66}"/>
+                </a:ext>
+              </a:extLst>
+            </p:cNvPr>
+            <p:cNvSpPr/>
+            <p:nvPr/>
+          </p:nvSpPr>
+          <p:spPr>
+            <a:xfrm rot="16200000">
+              <a:off x="4729763" y="2217521"/>
+              <a:ext cx="2556946" cy="1843989"/>
+            </a:xfrm>
+            <a:prstGeom prst="homePlate">
+              <a:avLst/>
+            </a:prstGeom>
+            <a:solidFill>
+              <a:schemeClr val="tx2">
+                <a:lumMod val="10000"/>
+                <a:lumOff val="90000"/>
+              </a:schemeClr>
+            </a:solidFill>
+            <a:ln>
+              <a:solidFill>
+                <a:schemeClr val="tx2">
+                  <a:lumMod val="75000"/>
+                  <a:lumOff val="25000"/>
+                </a:schemeClr>
+              </a:solidFill>
+            </a:ln>
+          </p:spPr>
+          <p:style>
+            <a:lnRef idx="2">
+              <a:schemeClr val="accent1">
+                <a:shade val="15000"/>
+              </a:schemeClr>
+            </a:lnRef>
+            <a:fillRef idx="1">
+              <a:schemeClr val="accent1"/>
+            </a:fillRef>
+            <a:effectRef idx="0">
+              <a:schemeClr val="accent1"/>
+            </a:effectRef>
+            <a:fontRef idx="minor">
+              <a:schemeClr val="lt1"/>
+            </a:fontRef>
+          </p:style>
+          <p:txBody>
+            <a:bodyPr rtlCol="0" anchor="ctr"/>
+            <a:lstStyle/>
+            <a:p>
+              <a:pPr algn="ctr"/>
+              <a:endParaRPr lang="en-US"/>
+            </a:p>
+          </p:txBody>
+        </p:sp>
+        <p:sp>
+          <p:nvSpPr>
+            <p:cNvPr id="13" name="TextBox 12">
+              <a:extLst>
+                <a:ext uri="{FF2B5EF4-FFF2-40B4-BE49-F238E27FC236}">
+                  <a16:creationId xmlns:a16="http://schemas.microsoft.com/office/drawing/2014/main" id="{1AFFD642-4EDE-EDE6-11F9-0B498AFCF01E}"/>
+                </a:ext>
+              </a:extLst>
+            </p:cNvPr>
+            <p:cNvSpPr txBox="1"/>
+            <p:nvPr/>
+          </p:nvSpPr>
+          <p:spPr>
+            <a:xfrm>
+              <a:off x="5195857" y="2847936"/>
+              <a:ext cx="1769805" cy="1015663"/>
+            </a:xfrm>
+            <a:prstGeom prst="rect">
+              <a:avLst/>
+            </a:prstGeom>
+            <a:noFill/>
+          </p:spPr>
+          <p:txBody>
+            <a:bodyPr wrap="square" rtlCol="0">
+              <a:spAutoFit/>
+            </a:bodyPr>
+            <a:lstStyle/>
+            <a:p>
+              <a:r>
+                <a:rPr lang="en-US" sz="2000" b="1" dirty="0" err="1">
+                  <a:solidFill>
+                    <a:schemeClr val="bg1">
+                      <a:lumMod val="50000"/>
+                    </a:schemeClr>
+                  </a:solidFill>
+                </a:rPr>
+                <a:t>game.c</a:t>
+              </a:r>
+              <a:r>
+                <a:rPr lang="en-US" sz="2000" b="1" dirty="0">
+                  <a:solidFill>
+                    <a:schemeClr val="bg1">
+                      <a:lumMod val="50000"/>
+                    </a:schemeClr>
+                  </a:solidFill>
+                </a:rPr>
+                <a:t> : </a:t>
+              </a:r>
+            </a:p>
+            <a:p>
+              <a:r>
+                <a:rPr lang="en-US" sz="2000" b="1" dirty="0" err="1">
+                  <a:solidFill>
+                    <a:schemeClr val="bg1">
+                      <a:lumMod val="50000"/>
+                    </a:schemeClr>
+                  </a:solidFill>
+                </a:rPr>
+                <a:t>Logic+Turn</a:t>
+              </a:r>
+              <a:r>
+                <a:rPr lang="en-US" sz="2000" b="1" dirty="0">
+                  <a:solidFill>
+                    <a:schemeClr val="bg1">
+                      <a:lumMod val="50000"/>
+                    </a:schemeClr>
+                  </a:solidFill>
+                </a:rPr>
+                <a:t> management </a:t>
+              </a:r>
+            </a:p>
+          </p:txBody>
+        </p:sp>
+      </p:grpSp>
+      <p:grpSp>
+        <p:nvGrpSpPr>
+          <p:cNvPr id="22" name="Group 21">
+            <a:extLst>
+              <a:ext uri="{FF2B5EF4-FFF2-40B4-BE49-F238E27FC236}">
+                <a16:creationId xmlns:a16="http://schemas.microsoft.com/office/drawing/2014/main" id="{492E70C7-AAF3-ECF4-F811-E89EFBD1ECB3}"/>
+              </a:ext>
+            </a:extLst>
+          </p:cNvPr>
+          <p:cNvGrpSpPr/>
+          <p:nvPr/>
+        </p:nvGrpSpPr>
+        <p:grpSpPr>
+          <a:xfrm>
+            <a:off x="8280547" y="2294729"/>
+            <a:ext cx="1843990" cy="2556946"/>
+            <a:chOff x="8232352" y="1873076"/>
+            <a:chExt cx="1843990" cy="2556946"/>
+          </a:xfrm>
+        </p:grpSpPr>
+        <p:sp>
+          <p:nvSpPr>
+            <p:cNvPr id="7" name="Arrow: Pentagon 6">
+              <a:extLst>
+                <a:ext uri="{FF2B5EF4-FFF2-40B4-BE49-F238E27FC236}">
+                  <a16:creationId xmlns:a16="http://schemas.microsoft.com/office/drawing/2014/main" id="{143B5D90-3686-065C-B8F1-FD3685018F43}"/>
+                </a:ext>
+              </a:extLst>
+            </p:cNvPr>
+            <p:cNvSpPr/>
+            <p:nvPr/>
+          </p:nvSpPr>
+          <p:spPr>
+            <a:xfrm rot="16200000">
+              <a:off x="7875874" y="2229554"/>
+              <a:ext cx="2556946" cy="1843989"/>
+            </a:xfrm>
+            <a:prstGeom prst="homePlate">
+              <a:avLst/>
+            </a:prstGeom>
+            <a:solidFill>
+              <a:schemeClr val="tx2">
+                <a:lumMod val="10000"/>
+                <a:lumOff val="90000"/>
+              </a:schemeClr>
+            </a:solidFill>
+            <a:ln>
+              <a:solidFill>
+                <a:schemeClr val="tx2">
+                  <a:lumMod val="75000"/>
+                  <a:lumOff val="25000"/>
+                </a:schemeClr>
+              </a:solidFill>
+            </a:ln>
+          </p:spPr>
+          <p:style>
+            <a:lnRef idx="2">
+              <a:schemeClr val="accent1">
+                <a:shade val="15000"/>
+              </a:schemeClr>
+            </a:lnRef>
+            <a:fillRef idx="1">
+              <a:schemeClr val="accent1"/>
+            </a:fillRef>
+            <a:effectRef idx="0">
+              <a:schemeClr val="accent1"/>
+            </a:effectRef>
+            <a:fontRef idx="minor">
+              <a:schemeClr val="lt1"/>
+            </a:fontRef>
+          </p:style>
+          <p:txBody>
+            <a:bodyPr rtlCol="0" anchor="ctr"/>
+            <a:lstStyle/>
+            <a:p>
+              <a:pPr algn="ctr"/>
+              <a:endParaRPr lang="en-US"/>
+            </a:p>
+          </p:txBody>
+        </p:sp>
+        <p:sp>
+          <p:nvSpPr>
+            <p:cNvPr id="14" name="TextBox 13">
+              <a:extLst>
+                <a:ext uri="{FF2B5EF4-FFF2-40B4-BE49-F238E27FC236}">
+                  <a16:creationId xmlns:a16="http://schemas.microsoft.com/office/drawing/2014/main" id="{6D79B62D-5078-B566-CFEA-33F6253D4CF8}"/>
+                </a:ext>
+              </a:extLst>
+            </p:cNvPr>
+            <p:cNvSpPr txBox="1"/>
+            <p:nvPr/>
+          </p:nvSpPr>
+          <p:spPr>
+            <a:xfrm>
+              <a:off x="8306537" y="2871470"/>
+              <a:ext cx="1769805" cy="1015663"/>
+            </a:xfrm>
+            <a:prstGeom prst="rect">
+              <a:avLst/>
+            </a:prstGeom>
+            <a:noFill/>
+          </p:spPr>
+          <p:txBody>
+            <a:bodyPr wrap="square" rtlCol="0">
+              <a:spAutoFit/>
+            </a:bodyPr>
+            <a:lstStyle/>
+            <a:p>
+              <a:r>
+                <a:rPr lang="en-US" sz="2000" b="1" dirty="0" err="1">
+                  <a:solidFill>
+                    <a:schemeClr val="bg1">
+                      <a:lumMod val="50000"/>
+                    </a:schemeClr>
+                  </a:solidFill>
+                </a:rPr>
+                <a:t>board.c</a:t>
+              </a:r>
+              <a:r>
+                <a:rPr lang="en-US" sz="2000" b="1" dirty="0">
+                  <a:solidFill>
+                    <a:schemeClr val="bg1">
+                      <a:lumMod val="50000"/>
+                    </a:schemeClr>
+                  </a:solidFill>
+                </a:rPr>
+                <a:t> : </a:t>
+              </a:r>
+            </a:p>
+            <a:p>
+              <a:r>
+                <a:rPr lang="en-US" sz="2000" b="1" dirty="0">
+                  <a:solidFill>
+                    <a:schemeClr val="bg1">
+                      <a:lumMod val="50000"/>
+                    </a:schemeClr>
+                  </a:solidFill>
+                </a:rPr>
+                <a:t>Display+ update </a:t>
+              </a:r>
+            </a:p>
+          </p:txBody>
+        </p:sp>
+      </p:grpSp>
+      <p:pic>
+        <p:nvPicPr>
+          <p:cNvPr id="19" name="Picture 18">
+            <a:extLst>
+              <a:ext uri="{FF2B5EF4-FFF2-40B4-BE49-F238E27FC236}">
+                <a16:creationId xmlns:a16="http://schemas.microsoft.com/office/drawing/2014/main" id="{DABB58D5-A0AD-D27C-1311-0B65AE7360EA}"/>
+              </a:ext>
+            </a:extLst>
+          </p:cNvPr>
+          <p:cNvPicPr>
+            <a:picLocks noChangeAspect="1"/>
+          </p:cNvPicPr>
+          <p:nvPr/>
+        </p:nvPicPr>
+        <p:blipFill>
+          <a:blip r:embed="rId2"/>
+          <a:stretch>
+            <a:fillRect/>
+          </a:stretch>
+        </p:blipFill>
+        <p:spPr>
+          <a:xfrm>
+            <a:off x="3140008" y="775173"/>
+            <a:ext cx="1377488" cy="1377488"/>
+          </a:xfrm>
+          <a:prstGeom prst="rect">
+            <a:avLst/>
+          </a:prstGeom>
+        </p:spPr>
+      </p:pic>
+      <p:pic>
+        <p:nvPicPr>
+          <p:cNvPr id="23" name="Picture 22">
+            <a:extLst>
+              <a:ext uri="{FF2B5EF4-FFF2-40B4-BE49-F238E27FC236}">
+                <a16:creationId xmlns:a16="http://schemas.microsoft.com/office/drawing/2014/main" id="{53F27490-DA38-B2D3-A221-1FA27D89BC52}"/>
+              </a:ext>
+            </a:extLst>
+          </p:cNvPr>
+          <p:cNvPicPr>
+            <a:picLocks noChangeAspect="1"/>
+          </p:cNvPicPr>
+          <p:nvPr/>
+        </p:nvPicPr>
+        <p:blipFill>
+          <a:blip r:embed="rId2"/>
+          <a:stretch>
+            <a:fillRect/>
+          </a:stretch>
+        </p:blipFill>
+        <p:spPr>
+          <a:xfrm>
+            <a:off x="7378983" y="831115"/>
+            <a:ext cx="1377488" cy="1377488"/>
+          </a:xfrm>
+          <a:prstGeom prst="rect">
+            <a:avLst/>
+          </a:prstGeom>
+        </p:spPr>
+      </p:pic>
+    </p:spTree>
+    <p:extLst>
+      <p:ext uri="{BB962C8B-B14F-4D97-AF65-F5344CB8AC3E}">
+        <p14:creationId xmlns:p14="http://schemas.microsoft.com/office/powerpoint/2010/main" val="3477554770"/>
+      </p:ext>
+    </p:extLst>
+  </p:cSld>
+  <p:clrMapOvr>
+    <a:masterClrMapping/>
+  </p:clrMapOvr>
+</p:sld>
+</file>
+
+<file path=ppt/slides/slide4.xml><?xml version="1.0" encoding="utf-8"?>
+<p:sld xmlns:a="http://schemas.openxmlformats.org/drawingml/2006/main" xmlns:r="http://schemas.openxmlformats.org/officeDocument/2006/relationships" xmlns:p="http://schemas.openxmlformats.org/presentationml/2006/main">
+  <p:cSld>
+    <p:spTree>
+      <p:nvGrpSpPr>
+        <p:cNvPr id="1" name="">
+          <a:extLst>
+            <a:ext uri="{FF2B5EF4-FFF2-40B4-BE49-F238E27FC236}">
+              <a16:creationId xmlns:a16="http://schemas.microsoft.com/office/drawing/2014/main" id="{E7EB1B3B-28BC-C386-5C09-8DA2550BD79D}"/>
+            </a:ext>
+          </a:extLst>
+        </p:cNvPr>
+        <p:cNvGrpSpPr/>
+        <p:nvPr/>
+      </p:nvGrpSpPr>
+      <p:grpSpPr>
+        <a:xfrm>
+          <a:off x="0" y="0"/>
+          <a:ext cx="0" cy="0"/>
+          <a:chOff x="0" y="0"/>
+          <a:chExt cx="0" cy="0"/>
+        </a:xfrm>
+      </p:grpSpPr>
+      <p:cxnSp>
+        <p:nvCxnSpPr>
+          <p:cNvPr id="3" name="Straight Connector 2">
+            <a:extLst>
+              <a:ext uri="{FF2B5EF4-FFF2-40B4-BE49-F238E27FC236}">
+                <a16:creationId xmlns:a16="http://schemas.microsoft.com/office/drawing/2014/main" id="{AC4D422E-7C2E-1624-556B-DB241E54394E}"/>
+              </a:ext>
+            </a:extLst>
+          </p:cNvPr>
+          <p:cNvCxnSpPr>
+            <a:cxnSpLocks/>
+          </p:cNvCxnSpPr>
+          <p:nvPr/>
+        </p:nvCxnSpPr>
+        <p:spPr>
+          <a:xfrm>
+            <a:off x="284480" y="487680"/>
+            <a:ext cx="11531600" cy="0"/>
+          </a:xfrm>
+          <a:prstGeom prst="line">
+            <a:avLst/>
+          </a:prstGeom>
+          <a:ln/>
+        </p:spPr>
+        <p:style>
+          <a:lnRef idx="3">
+            <a:schemeClr val="accent4"/>
+          </a:lnRef>
+          <a:fillRef idx="0">
+            <a:schemeClr val="accent4"/>
+          </a:fillRef>
+          <a:effectRef idx="2">
+            <a:schemeClr val="accent4"/>
+          </a:effectRef>
+          <a:fontRef idx="minor">
+            <a:schemeClr val="tx1"/>
+          </a:fontRef>
+        </p:style>
+      </p:cxnSp>
+      <p:cxnSp>
+        <p:nvCxnSpPr>
+          <p:cNvPr id="8" name="Straight Connector 7">
+            <a:extLst>
+              <a:ext uri="{FF2B5EF4-FFF2-40B4-BE49-F238E27FC236}">
+                <a16:creationId xmlns:a16="http://schemas.microsoft.com/office/drawing/2014/main" id="{C7449451-DDDC-F491-82DE-5D59543135BA}"/>
+              </a:ext>
+            </a:extLst>
+          </p:cNvPr>
+          <p:cNvCxnSpPr>
+            <a:cxnSpLocks/>
+          </p:cNvCxnSpPr>
+          <p:nvPr/>
+        </p:nvCxnSpPr>
+        <p:spPr>
+          <a:xfrm>
+            <a:off x="406400" y="6258560"/>
+            <a:ext cx="11338560" cy="0"/>
+          </a:xfrm>
+          <a:prstGeom prst="line">
+            <a:avLst/>
+          </a:prstGeom>
+          <a:ln/>
+        </p:spPr>
+        <p:style>
+          <a:lnRef idx="3">
+            <a:schemeClr val="accent4"/>
+          </a:lnRef>
+          <a:fillRef idx="0">
+            <a:schemeClr val="accent4"/>
+          </a:fillRef>
+          <a:effectRef idx="2">
+            <a:schemeClr val="accent4"/>
+          </a:effectRef>
+          <a:fontRef idx="minor">
+            <a:schemeClr val="tx1"/>
+          </a:fontRef>
+        </p:style>
+      </p:cxnSp>
+      <p:cxnSp>
+        <p:nvCxnSpPr>
+          <p:cNvPr id="10" name="Straight Connector 9">
+            <a:extLst>
+              <a:ext uri="{FF2B5EF4-FFF2-40B4-BE49-F238E27FC236}">
+                <a16:creationId xmlns:a16="http://schemas.microsoft.com/office/drawing/2014/main" id="{C2470014-838A-7A89-1821-4E35F0CC8BAA}"/>
+              </a:ext>
+            </a:extLst>
+          </p:cNvPr>
+          <p:cNvCxnSpPr>
+            <a:cxnSpLocks/>
+          </p:cNvCxnSpPr>
+          <p:nvPr/>
+        </p:nvCxnSpPr>
+        <p:spPr>
+          <a:xfrm flipV="1">
+            <a:off x="543559" y="487680"/>
+            <a:ext cx="0" cy="5770880"/>
+          </a:xfrm>
+          <a:prstGeom prst="line">
+            <a:avLst/>
+          </a:prstGeom>
+          <a:ln/>
+        </p:spPr>
+        <p:style>
+          <a:lnRef idx="3">
+            <a:schemeClr val="accent4"/>
+          </a:lnRef>
+          <a:fillRef idx="0">
+            <a:schemeClr val="accent4"/>
+          </a:fillRef>
+          <a:effectRef idx="2">
+            <a:schemeClr val="accent4"/>
+          </a:effectRef>
+          <a:fontRef idx="minor">
+            <a:schemeClr val="tx1"/>
+          </a:fontRef>
+        </p:style>
+      </p:cxnSp>
+      <p:cxnSp>
+        <p:nvCxnSpPr>
+          <p:cNvPr id="17" name="Straight Connector 16">
+            <a:extLst>
+              <a:ext uri="{FF2B5EF4-FFF2-40B4-BE49-F238E27FC236}">
+                <a16:creationId xmlns:a16="http://schemas.microsoft.com/office/drawing/2014/main" id="{A3FB781A-6695-EF15-CD1E-6147C3594A5C}"/>
+              </a:ext>
+            </a:extLst>
+          </p:cNvPr>
+          <p:cNvCxnSpPr>
+            <a:cxnSpLocks/>
+          </p:cNvCxnSpPr>
+          <p:nvPr/>
+        </p:nvCxnSpPr>
+        <p:spPr>
+          <a:xfrm flipV="1">
+            <a:off x="11617959" y="487680"/>
+            <a:ext cx="0" cy="5770880"/>
+          </a:xfrm>
+          <a:prstGeom prst="line">
+            <a:avLst/>
+          </a:prstGeom>
+          <a:ln/>
+        </p:spPr>
+        <p:style>
+          <a:lnRef idx="3">
+            <a:schemeClr val="accent4"/>
+          </a:lnRef>
+          <a:fillRef idx="0">
+            <a:schemeClr val="accent4"/>
+          </a:fillRef>
+          <a:effectRef idx="2">
+            <a:schemeClr val="accent4"/>
+          </a:effectRef>
+          <a:fontRef idx="minor">
+            <a:schemeClr val="tx1"/>
+          </a:fontRef>
+        </p:style>
+      </p:cxnSp>
+      <p:sp>
+        <p:nvSpPr>
+          <p:cNvPr id="24" name="Footer Placeholder 23">
+            <a:extLst>
+              <a:ext uri="{FF2B5EF4-FFF2-40B4-BE49-F238E27FC236}">
+                <a16:creationId xmlns:a16="http://schemas.microsoft.com/office/drawing/2014/main" id="{45E9415D-8FC9-2FC2-D04E-69C3011CAEBD}"/>
+              </a:ext>
+            </a:extLst>
+          </p:cNvPr>
+          <p:cNvSpPr>
+            <a:spLocks noGrp="1"/>
+          </p:cNvSpPr>
+          <p:nvPr>
+            <p:ph type="ftr" sz="quarter" idx="11"/>
+          </p:nvPr>
+        </p:nvSpPr>
+        <p:spPr>
+          <a:xfrm>
+            <a:off x="8309299" y="4734562"/>
+            <a:ext cx="4764810" cy="1523998"/>
+          </a:xfrm>
+        </p:spPr>
+        <p:txBody>
+          <a:bodyPr/>
+          <a:lstStyle/>
+          <a:p>
+            <a:r>
+              <a:rPr lang="en-GB" dirty="0"/>
+              <a:t>Group 2 </a:t>
+            </a:r>
+          </a:p>
+          <a:p>
+            <a:r>
+              <a:rPr lang="en-GB" dirty="0"/>
+              <a:t>Abhishek Dutta </a:t>
+            </a:r>
+          </a:p>
+          <a:p>
+            <a:r>
+              <a:rPr lang="en-GB" dirty="0"/>
+              <a:t>Md Ishrak </a:t>
+            </a:r>
+            <a:r>
+              <a:rPr lang="en-GB" dirty="0" err="1"/>
+              <a:t>Mashroor</a:t>
+            </a:r>
+            <a:r>
+              <a:rPr lang="en-GB" dirty="0"/>
+              <a:t>  </a:t>
+            </a:r>
+          </a:p>
+          <a:p>
+            <a:r>
+              <a:rPr lang="en-GB" dirty="0"/>
+              <a:t>Ashab Mahmud Raseen  </a:t>
+            </a:r>
+          </a:p>
+          <a:p>
+            <a:r>
+              <a:rPr lang="en-GB" dirty="0"/>
+              <a:t>Sneha Nandy </a:t>
+            </a:r>
+          </a:p>
+        </p:txBody>
+      </p:sp>
+      <p:sp>
+        <p:nvSpPr>
+          <p:cNvPr id="2" name="TextBox 1">
+            <a:extLst>
+              <a:ext uri="{FF2B5EF4-FFF2-40B4-BE49-F238E27FC236}">
+                <a16:creationId xmlns:a16="http://schemas.microsoft.com/office/drawing/2014/main" id="{AE3DB854-03B9-1CD5-0DFB-FC5B8505CE0A}"/>
+              </a:ext>
+            </a:extLst>
+          </p:cNvPr>
+          <p:cNvSpPr txBox="1"/>
+          <p:nvPr/>
+        </p:nvSpPr>
+        <p:spPr>
+          <a:xfrm>
+            <a:off x="1049154" y="779645"/>
+            <a:ext cx="3214836" cy="461665"/>
+          </a:xfrm>
+          <a:prstGeom prst="rect">
+            <a:avLst/>
+          </a:prstGeom>
+          <a:noFill/>
+        </p:spPr>
+        <p:txBody>
+          <a:bodyPr wrap="square" rtlCol="0">
+            <a:spAutoFit/>
+          </a:bodyPr>
+          <a:lstStyle/>
+          <a:p>
+            <a:r>
+              <a:rPr lang="en-US" sz="2400" b="1" dirty="0">
+                <a:solidFill>
+                  <a:schemeClr val="tx2">
+                    <a:lumMod val="90000"/>
+                    <a:lumOff val="10000"/>
+                  </a:schemeClr>
+                </a:solidFill>
+              </a:rPr>
+              <a:t>Game Flow:</a:t>
+            </a:r>
+          </a:p>
+        </p:txBody>
+      </p:sp>
+      <p:sp>
+        <p:nvSpPr>
+          <p:cNvPr id="6" name="Rectangle: Top Corners One Rounded and One Snipped 5">
+            <a:extLst>
+              <a:ext uri="{FF2B5EF4-FFF2-40B4-BE49-F238E27FC236}">
+                <a16:creationId xmlns:a16="http://schemas.microsoft.com/office/drawing/2014/main" id="{A162EBE9-76D6-C3D4-4CED-B7BCD166726D}"/>
+              </a:ext>
+            </a:extLst>
+          </p:cNvPr>
+          <p:cNvSpPr/>
+          <p:nvPr/>
+        </p:nvSpPr>
+        <p:spPr>
+          <a:xfrm>
+            <a:off x="4802216" y="1366130"/>
+            <a:ext cx="1949905" cy="558799"/>
+          </a:xfrm>
+          <a:prstGeom prst="snipRoundRect">
+            <a:avLst/>
+          </a:prstGeom>
+          <a:solidFill>
+            <a:srgbClr val="F6F9D7"/>
+          </a:solidFill>
+          <a:ln>
+            <a:solidFill>
+              <a:schemeClr val="bg2">
+                <a:lumMod val="75000"/>
+              </a:schemeClr>
+            </a:solidFill>
+          </a:ln>
+        </p:spPr>
+        <p:style>
+          <a:lnRef idx="2">
+            <a:schemeClr val="accent1">
+              <a:shade val="15000"/>
+            </a:schemeClr>
+          </a:lnRef>
+          <a:fillRef idx="1">
+            <a:schemeClr val="accent1"/>
+          </a:fillRef>
+          <a:effectRef idx="0">
+            <a:schemeClr val="accent1"/>
+          </a:effectRef>
+          <a:fontRef idx="minor">
+            <a:schemeClr val="lt1"/>
+          </a:fontRef>
+        </p:style>
+        <p:txBody>
+          <a:bodyPr rtlCol="0" anchor="ctr"/>
+          <a:lstStyle/>
+          <a:p>
+            <a:pPr algn="ctr"/>
+            <a:endParaRPr lang="en-US"/>
+          </a:p>
+        </p:txBody>
+      </p:sp>
+      <p:sp>
+        <p:nvSpPr>
+          <p:cNvPr id="7" name="Rectangle: Top Corners One Rounded and One Snipped 6">
+            <a:extLst>
+              <a:ext uri="{FF2B5EF4-FFF2-40B4-BE49-F238E27FC236}">
+                <a16:creationId xmlns:a16="http://schemas.microsoft.com/office/drawing/2014/main" id="{66463279-5D3A-AF09-BBAB-8B8FB423B564}"/>
+              </a:ext>
+            </a:extLst>
+          </p:cNvPr>
+          <p:cNvSpPr/>
+          <p:nvPr/>
+        </p:nvSpPr>
+        <p:spPr>
+          <a:xfrm>
+            <a:off x="4814247" y="3157986"/>
+            <a:ext cx="1949905" cy="558799"/>
+          </a:xfrm>
+          <a:prstGeom prst="snipRoundRect">
+            <a:avLst/>
+          </a:prstGeom>
+          <a:solidFill>
+            <a:srgbClr val="F6F9D7"/>
+          </a:solidFill>
+          <a:ln>
+            <a:solidFill>
+              <a:schemeClr val="bg2">
+                <a:lumMod val="75000"/>
+              </a:schemeClr>
+            </a:solidFill>
+          </a:ln>
+        </p:spPr>
+        <p:style>
+          <a:lnRef idx="2">
+            <a:schemeClr val="accent1">
+              <a:shade val="15000"/>
+            </a:schemeClr>
+          </a:lnRef>
+          <a:fillRef idx="1">
+            <a:schemeClr val="accent1"/>
+          </a:fillRef>
+          <a:effectRef idx="0">
+            <a:schemeClr val="accent1"/>
+          </a:effectRef>
+          <a:fontRef idx="minor">
+            <a:schemeClr val="lt1"/>
+          </a:fontRef>
+        </p:style>
+        <p:txBody>
+          <a:bodyPr rtlCol="0" anchor="ctr"/>
+          <a:lstStyle/>
+          <a:p>
+            <a:pPr algn="ctr"/>
+            <a:endParaRPr lang="en-US"/>
+          </a:p>
+        </p:txBody>
+      </p:sp>
+      <p:sp>
+        <p:nvSpPr>
+          <p:cNvPr id="9" name="Rectangle: Top Corners One Rounded and One Snipped 8">
+            <a:extLst>
+              <a:ext uri="{FF2B5EF4-FFF2-40B4-BE49-F238E27FC236}">
+                <a16:creationId xmlns:a16="http://schemas.microsoft.com/office/drawing/2014/main" id="{EE73CC4E-F1B7-1550-B5FD-74624F1A0A9B}"/>
+              </a:ext>
+            </a:extLst>
+          </p:cNvPr>
+          <p:cNvSpPr/>
+          <p:nvPr/>
+        </p:nvSpPr>
+        <p:spPr>
+          <a:xfrm>
+            <a:off x="4814247" y="4937676"/>
+            <a:ext cx="1949905" cy="558799"/>
+          </a:xfrm>
+          <a:prstGeom prst="snipRoundRect">
+            <a:avLst/>
+          </a:prstGeom>
+          <a:solidFill>
+            <a:srgbClr val="F6F9D7"/>
+          </a:solidFill>
+          <a:ln>
+            <a:solidFill>
+              <a:schemeClr val="bg2">
+                <a:lumMod val="75000"/>
+              </a:schemeClr>
+            </a:solidFill>
+          </a:ln>
+        </p:spPr>
+        <p:style>
+          <a:lnRef idx="2">
+            <a:schemeClr val="accent1">
+              <a:shade val="15000"/>
+            </a:schemeClr>
+          </a:lnRef>
+          <a:fillRef idx="1">
+            <a:schemeClr val="accent1"/>
+          </a:fillRef>
+          <a:effectRef idx="0">
+            <a:schemeClr val="accent1"/>
+          </a:effectRef>
+          <a:fontRef idx="minor">
+            <a:schemeClr val="lt1"/>
+          </a:fontRef>
+        </p:style>
+        <p:txBody>
+          <a:bodyPr rtlCol="0" anchor="ctr"/>
+          <a:lstStyle/>
+          <a:p>
+            <a:pPr algn="ctr"/>
+            <a:endParaRPr lang="en-US"/>
+          </a:p>
+        </p:txBody>
+      </p:sp>
+      <p:sp>
+        <p:nvSpPr>
+          <p:cNvPr id="11" name="Rectangle: Top Corners One Rounded and One Snipped 10">
+            <a:extLst>
+              <a:ext uri="{FF2B5EF4-FFF2-40B4-BE49-F238E27FC236}">
+                <a16:creationId xmlns:a16="http://schemas.microsoft.com/office/drawing/2014/main" id="{47817932-B6F0-4380-F295-9E10F8D0C243}"/>
+              </a:ext>
+            </a:extLst>
+          </p:cNvPr>
+          <p:cNvSpPr/>
+          <p:nvPr/>
+        </p:nvSpPr>
+        <p:spPr>
+          <a:xfrm>
+            <a:off x="1356668" y="1652632"/>
+            <a:ext cx="2560286" cy="1791849"/>
+          </a:xfrm>
+          <a:prstGeom prst="snipRoundRect">
+            <a:avLst/>
+          </a:prstGeom>
+          <a:solidFill>
+            <a:schemeClr val="accent6">
+              <a:lumMod val="20000"/>
+              <a:lumOff val="80000"/>
+            </a:schemeClr>
+          </a:solidFill>
+          <a:ln>
+            <a:solidFill>
+              <a:schemeClr val="accent6"/>
+            </a:solidFill>
+          </a:ln>
+        </p:spPr>
+        <p:style>
+          <a:lnRef idx="2">
+            <a:schemeClr val="accent1">
+              <a:shade val="15000"/>
+            </a:schemeClr>
+          </a:lnRef>
+          <a:fillRef idx="1">
+            <a:schemeClr val="accent1"/>
+          </a:fillRef>
+          <a:effectRef idx="0">
+            <a:schemeClr val="accent1"/>
+          </a:effectRef>
+          <a:fontRef idx="minor">
+            <a:schemeClr val="lt1"/>
+          </a:fontRef>
+        </p:style>
+        <p:txBody>
+          <a:bodyPr rtlCol="0" anchor="ctr"/>
+          <a:lstStyle/>
+          <a:p>
+            <a:pPr algn="ctr"/>
+            <a:endParaRPr lang="en-US"/>
+          </a:p>
+        </p:txBody>
+      </p:sp>
+      <p:sp>
+        <p:nvSpPr>
+          <p:cNvPr id="13" name="Rectangle: Top Corners One Rounded and One Snipped 12">
+            <a:extLst>
+              <a:ext uri="{FF2B5EF4-FFF2-40B4-BE49-F238E27FC236}">
+                <a16:creationId xmlns:a16="http://schemas.microsoft.com/office/drawing/2014/main" id="{75A564CE-9356-29C4-AF1F-BAF69AB1321C}"/>
+              </a:ext>
+            </a:extLst>
+          </p:cNvPr>
+          <p:cNvSpPr/>
+          <p:nvPr/>
+        </p:nvSpPr>
+        <p:spPr>
+          <a:xfrm>
+            <a:off x="4802216" y="4035311"/>
+            <a:ext cx="1949905" cy="558799"/>
+          </a:xfrm>
+          <a:prstGeom prst="snipRoundRect">
+            <a:avLst/>
+          </a:prstGeom>
+          <a:solidFill>
+            <a:srgbClr val="F6F9D7"/>
+          </a:solidFill>
+          <a:ln>
+            <a:solidFill>
+              <a:schemeClr val="bg2">
+                <a:lumMod val="75000"/>
+              </a:schemeClr>
+            </a:solidFill>
+          </a:ln>
+        </p:spPr>
+        <p:style>
+          <a:lnRef idx="2">
+            <a:schemeClr val="accent1">
+              <a:shade val="15000"/>
+            </a:schemeClr>
+          </a:lnRef>
+          <a:fillRef idx="1">
+            <a:schemeClr val="accent1"/>
+          </a:fillRef>
+          <a:effectRef idx="0">
+            <a:schemeClr val="accent1"/>
+          </a:effectRef>
+          <a:fontRef idx="minor">
+            <a:schemeClr val="lt1"/>
+          </a:fontRef>
+        </p:style>
+        <p:txBody>
+          <a:bodyPr rtlCol="0" anchor="ctr"/>
+          <a:lstStyle/>
+          <a:p>
+            <a:pPr algn="ctr"/>
+            <a:endParaRPr lang="en-US"/>
+          </a:p>
+        </p:txBody>
+      </p:sp>
+      <p:sp>
+        <p:nvSpPr>
+          <p:cNvPr id="14" name="Rectangle: Top Corners One Rounded and One Snipped 13">
+            <a:extLst>
+              <a:ext uri="{FF2B5EF4-FFF2-40B4-BE49-F238E27FC236}">
+                <a16:creationId xmlns:a16="http://schemas.microsoft.com/office/drawing/2014/main" id="{DAB1B4CC-05CD-D67C-3566-0FB28616B6AF}"/>
+              </a:ext>
+            </a:extLst>
+          </p:cNvPr>
+          <p:cNvSpPr/>
+          <p:nvPr/>
+        </p:nvSpPr>
+        <p:spPr>
+          <a:xfrm>
+            <a:off x="4802216" y="2253650"/>
+            <a:ext cx="1949905" cy="558799"/>
+          </a:xfrm>
+          <a:prstGeom prst="snipRoundRect">
+            <a:avLst/>
+          </a:prstGeom>
+          <a:solidFill>
+            <a:srgbClr val="F6F9D7"/>
+          </a:solidFill>
+          <a:ln>
+            <a:solidFill>
+              <a:schemeClr val="bg2">
+                <a:lumMod val="75000"/>
+              </a:schemeClr>
+            </a:solidFill>
+          </a:ln>
+        </p:spPr>
+        <p:style>
+          <a:lnRef idx="2">
+            <a:schemeClr val="accent1">
+              <a:shade val="15000"/>
+            </a:schemeClr>
+          </a:lnRef>
+          <a:fillRef idx="1">
+            <a:schemeClr val="accent1"/>
+          </a:fillRef>
+          <a:effectRef idx="0">
+            <a:schemeClr val="accent1"/>
+          </a:effectRef>
+          <a:fontRef idx="minor">
+            <a:schemeClr val="lt1"/>
+          </a:fontRef>
+        </p:style>
+        <p:txBody>
+          <a:bodyPr rtlCol="0" anchor="ctr"/>
+          <a:lstStyle/>
+          <a:p>
+            <a:pPr algn="ctr"/>
+            <a:endParaRPr lang="en-US"/>
+          </a:p>
+        </p:txBody>
+      </p:sp>
+      <p:sp>
+        <p:nvSpPr>
+          <p:cNvPr id="15" name="Rectangle: Top Corners One Rounded and One Snipped 14">
+            <a:extLst>
+              <a:ext uri="{FF2B5EF4-FFF2-40B4-BE49-F238E27FC236}">
+                <a16:creationId xmlns:a16="http://schemas.microsoft.com/office/drawing/2014/main" id="{35778EA0-4C65-FEF5-A5A9-01C22B28A24F}"/>
+              </a:ext>
+            </a:extLst>
+          </p:cNvPr>
+          <p:cNvSpPr/>
+          <p:nvPr/>
+        </p:nvSpPr>
+        <p:spPr>
+          <a:xfrm>
+            <a:off x="7994014" y="2802261"/>
+            <a:ext cx="2560286" cy="1791849"/>
+          </a:xfrm>
+          <a:prstGeom prst="snipRoundRect">
+            <a:avLst/>
+          </a:prstGeom>
+          <a:solidFill>
+            <a:schemeClr val="accent6">
+              <a:lumMod val="20000"/>
+              <a:lumOff val="80000"/>
+            </a:schemeClr>
+          </a:solidFill>
+          <a:ln>
+            <a:solidFill>
+              <a:schemeClr val="accent6"/>
+            </a:solidFill>
+          </a:ln>
+        </p:spPr>
+        <p:style>
+          <a:lnRef idx="2">
+            <a:schemeClr val="accent1">
+              <a:shade val="15000"/>
+            </a:schemeClr>
+          </a:lnRef>
+          <a:fillRef idx="1">
+            <a:schemeClr val="accent1"/>
+          </a:fillRef>
+          <a:effectRef idx="0">
+            <a:schemeClr val="accent1"/>
+          </a:effectRef>
+          <a:fontRef idx="minor">
+            <a:schemeClr val="lt1"/>
+          </a:fontRef>
+        </p:style>
+        <p:txBody>
+          <a:bodyPr rtlCol="0" anchor="ctr"/>
+          <a:lstStyle/>
+          <a:p>
+            <a:pPr algn="ctr"/>
+            <a:endParaRPr lang="en-US"/>
+          </a:p>
+        </p:txBody>
+      </p:sp>
+      <p:sp>
+        <p:nvSpPr>
+          <p:cNvPr id="16" name="TextBox 15">
+            <a:extLst>
+              <a:ext uri="{FF2B5EF4-FFF2-40B4-BE49-F238E27FC236}">
+                <a16:creationId xmlns:a16="http://schemas.microsoft.com/office/drawing/2014/main" id="{7084C18E-8125-7325-8FDE-9EC95F410A37}"/>
+              </a:ext>
+            </a:extLst>
+          </p:cNvPr>
+          <p:cNvSpPr txBox="1"/>
+          <p:nvPr/>
+        </p:nvSpPr>
+        <p:spPr>
+          <a:xfrm>
+            <a:off x="5309998" y="1404215"/>
+            <a:ext cx="1531363" cy="461665"/>
+          </a:xfrm>
+          <a:prstGeom prst="rect">
+            <a:avLst/>
+          </a:prstGeom>
+          <a:noFill/>
+        </p:spPr>
+        <p:txBody>
+          <a:bodyPr wrap="square" rtlCol="0">
+            <a:spAutoFit/>
+          </a:bodyPr>
+          <a:lstStyle/>
+          <a:p>
+            <a:r>
+              <a:rPr lang="en-US" sz="2400" b="1" dirty="0">
+                <a:solidFill>
+                  <a:srgbClr val="815917"/>
+                </a:solidFill>
+              </a:rPr>
+              <a:t>Menu</a:t>
+            </a:r>
+          </a:p>
+        </p:txBody>
+      </p:sp>
+      <p:sp>
+        <p:nvSpPr>
+          <p:cNvPr id="18" name="TextBox 17">
+            <a:extLst>
+              <a:ext uri="{FF2B5EF4-FFF2-40B4-BE49-F238E27FC236}">
+                <a16:creationId xmlns:a16="http://schemas.microsoft.com/office/drawing/2014/main" id="{81C73BB1-9F46-5B44-7B24-9CF71CE85984}"/>
+              </a:ext>
+            </a:extLst>
+          </p:cNvPr>
+          <p:cNvSpPr txBox="1"/>
+          <p:nvPr/>
+        </p:nvSpPr>
+        <p:spPr>
+          <a:xfrm>
+            <a:off x="5284258" y="2279671"/>
+            <a:ext cx="1531363" cy="461665"/>
+          </a:xfrm>
+          <a:prstGeom prst="rect">
+            <a:avLst/>
+          </a:prstGeom>
+          <a:noFill/>
+        </p:spPr>
+        <p:txBody>
+          <a:bodyPr wrap="square" rtlCol="0">
+            <a:spAutoFit/>
+          </a:bodyPr>
+          <a:lstStyle/>
+          <a:p>
+            <a:r>
+              <a:rPr lang="en-US" sz="2400" b="1" dirty="0">
+                <a:solidFill>
+                  <a:srgbClr val="815917"/>
+                </a:solidFill>
+              </a:rPr>
+              <a:t>Input</a:t>
+            </a:r>
+          </a:p>
+        </p:txBody>
+      </p:sp>
+      <p:sp>
+        <p:nvSpPr>
+          <p:cNvPr id="19" name="TextBox 18">
+            <a:extLst>
+              <a:ext uri="{FF2B5EF4-FFF2-40B4-BE49-F238E27FC236}">
+                <a16:creationId xmlns:a16="http://schemas.microsoft.com/office/drawing/2014/main" id="{85374918-2E9B-ED24-89D1-A72CBC2FCB6F}"/>
+              </a:ext>
+            </a:extLst>
+          </p:cNvPr>
+          <p:cNvSpPr txBox="1"/>
+          <p:nvPr/>
+        </p:nvSpPr>
+        <p:spPr>
+          <a:xfrm>
+            <a:off x="5296289" y="4992120"/>
+            <a:ext cx="1531363" cy="461665"/>
+          </a:xfrm>
+          <a:prstGeom prst="rect">
+            <a:avLst/>
+          </a:prstGeom>
+          <a:noFill/>
+        </p:spPr>
+        <p:txBody>
+          <a:bodyPr wrap="square" rtlCol="0">
+            <a:spAutoFit/>
+          </a:bodyPr>
+          <a:lstStyle/>
+          <a:p>
+            <a:r>
+              <a:rPr lang="en-US" sz="2400" b="1" dirty="0">
+                <a:solidFill>
+                  <a:srgbClr val="815917"/>
+                </a:solidFill>
+              </a:rPr>
+              <a:t>Result</a:t>
+            </a:r>
+          </a:p>
+        </p:txBody>
+      </p:sp>
+      <p:sp>
+        <p:nvSpPr>
+          <p:cNvPr id="20" name="TextBox 19">
+            <a:extLst>
+              <a:ext uri="{FF2B5EF4-FFF2-40B4-BE49-F238E27FC236}">
+                <a16:creationId xmlns:a16="http://schemas.microsoft.com/office/drawing/2014/main" id="{1176EAB6-919E-96E9-F8E7-38825CEEB274}"/>
+              </a:ext>
+            </a:extLst>
+          </p:cNvPr>
+          <p:cNvSpPr txBox="1"/>
+          <p:nvPr/>
+        </p:nvSpPr>
+        <p:spPr>
+          <a:xfrm>
+            <a:off x="5175664" y="4060351"/>
+            <a:ext cx="1531363" cy="461665"/>
+          </a:xfrm>
+          <a:prstGeom prst="rect">
+            <a:avLst/>
+          </a:prstGeom>
+          <a:noFill/>
+        </p:spPr>
+        <p:txBody>
+          <a:bodyPr wrap="square" rtlCol="0">
+            <a:spAutoFit/>
+          </a:bodyPr>
+          <a:lstStyle/>
+          <a:p>
+            <a:r>
+              <a:rPr lang="en-US" sz="2400" b="1" dirty="0">
+                <a:solidFill>
+                  <a:srgbClr val="815917"/>
+                </a:solidFill>
+              </a:rPr>
+              <a:t>Update</a:t>
+            </a:r>
+          </a:p>
+        </p:txBody>
+      </p:sp>
+      <p:sp>
+        <p:nvSpPr>
+          <p:cNvPr id="21" name="TextBox 20">
+            <a:extLst>
+              <a:ext uri="{FF2B5EF4-FFF2-40B4-BE49-F238E27FC236}">
+                <a16:creationId xmlns:a16="http://schemas.microsoft.com/office/drawing/2014/main" id="{18C41215-A0AB-5C87-28F4-2969ECD9A420}"/>
+              </a:ext>
+            </a:extLst>
+          </p:cNvPr>
+          <p:cNvSpPr txBox="1"/>
+          <p:nvPr/>
+        </p:nvSpPr>
+        <p:spPr>
+          <a:xfrm>
+            <a:off x="5043406" y="3206552"/>
+            <a:ext cx="1531363" cy="461665"/>
+          </a:xfrm>
+          <a:prstGeom prst="rect">
+            <a:avLst/>
+          </a:prstGeom>
+          <a:noFill/>
+        </p:spPr>
+        <p:txBody>
+          <a:bodyPr wrap="square" rtlCol="0">
+            <a:spAutoFit/>
+          </a:bodyPr>
+          <a:lstStyle/>
+          <a:p>
+            <a:r>
+              <a:rPr lang="en-US" sz="2400" b="1" dirty="0">
+                <a:solidFill>
+                  <a:srgbClr val="815917"/>
+                </a:solidFill>
+              </a:rPr>
+              <a:t>Validation</a:t>
+            </a:r>
+          </a:p>
+        </p:txBody>
+      </p:sp>
+      <p:sp>
+        <p:nvSpPr>
+          <p:cNvPr id="25" name="Arrow: Curved Right 24">
+            <a:extLst>
+              <a:ext uri="{FF2B5EF4-FFF2-40B4-BE49-F238E27FC236}">
+                <a16:creationId xmlns:a16="http://schemas.microsoft.com/office/drawing/2014/main" id="{5A2A768B-A341-0A24-317F-1884CC2F9963}"/>
+              </a:ext>
+            </a:extLst>
+          </p:cNvPr>
+          <p:cNvSpPr/>
+          <p:nvPr/>
+        </p:nvSpPr>
+        <p:spPr>
+          <a:xfrm>
+            <a:off x="4139449" y="3522661"/>
+            <a:ext cx="662767" cy="818897"/>
+          </a:xfrm>
+          <a:prstGeom prst="curvedRightArrow">
+            <a:avLst>
+              <a:gd name="adj1" fmla="val 25000"/>
+              <a:gd name="adj2" fmla="val 50000"/>
+              <a:gd name="adj3" fmla="val 25000"/>
+            </a:avLst>
+          </a:prstGeom>
+          <a:solidFill>
+            <a:srgbClr val="F6F9D7"/>
+          </a:solidFill>
+        </p:spPr>
+        <p:style>
+          <a:lnRef idx="2">
+            <a:schemeClr val="accent1">
+              <a:shade val="15000"/>
+            </a:schemeClr>
+          </a:lnRef>
+          <a:fillRef idx="1">
+            <a:schemeClr val="accent1"/>
+          </a:fillRef>
+          <a:effectRef idx="0">
+            <a:schemeClr val="accent1"/>
+          </a:effectRef>
+          <a:fontRef idx="minor">
+            <a:schemeClr val="lt1"/>
+          </a:fontRef>
+        </p:style>
+        <p:txBody>
+          <a:bodyPr rtlCol="0" anchor="ctr"/>
+          <a:lstStyle/>
+          <a:p>
+            <a:pPr algn="ctr"/>
+            <a:endParaRPr lang="en-US">
+              <a:solidFill>
+                <a:schemeClr val="tx1"/>
+              </a:solidFill>
+            </a:endParaRPr>
+          </a:p>
+        </p:txBody>
+      </p:sp>
+      <p:sp>
+        <p:nvSpPr>
+          <p:cNvPr id="26" name="Arrow: Curved Right 25">
+            <a:extLst>
+              <a:ext uri="{FF2B5EF4-FFF2-40B4-BE49-F238E27FC236}">
+                <a16:creationId xmlns:a16="http://schemas.microsoft.com/office/drawing/2014/main" id="{3AE7BB7F-51F6-68A3-E7FB-4FF6F4AB03A1}"/>
+              </a:ext>
+            </a:extLst>
+          </p:cNvPr>
+          <p:cNvSpPr/>
+          <p:nvPr/>
+        </p:nvSpPr>
+        <p:spPr>
+          <a:xfrm>
+            <a:off x="4132691" y="1742682"/>
+            <a:ext cx="662767" cy="818897"/>
+          </a:xfrm>
+          <a:prstGeom prst="curvedRightArrow">
+            <a:avLst>
+              <a:gd name="adj1" fmla="val 25000"/>
+              <a:gd name="adj2" fmla="val 50000"/>
+              <a:gd name="adj3" fmla="val 25000"/>
+            </a:avLst>
+          </a:prstGeom>
+          <a:solidFill>
+            <a:srgbClr val="F6F9D7"/>
+          </a:solidFill>
+        </p:spPr>
+        <p:style>
+          <a:lnRef idx="2">
+            <a:schemeClr val="accent1">
+              <a:shade val="15000"/>
+            </a:schemeClr>
+          </a:lnRef>
+          <a:fillRef idx="1">
+            <a:schemeClr val="accent1"/>
+          </a:fillRef>
+          <a:effectRef idx="0">
+            <a:schemeClr val="accent1"/>
+          </a:effectRef>
+          <a:fontRef idx="minor">
+            <a:schemeClr val="lt1"/>
+          </a:fontRef>
+        </p:style>
+        <p:txBody>
+          <a:bodyPr rtlCol="0" anchor="ctr"/>
+          <a:lstStyle/>
+          <a:p>
+            <a:pPr algn="ctr"/>
+            <a:endParaRPr lang="en-US">
+              <a:solidFill>
+                <a:schemeClr val="tx1"/>
+              </a:solidFill>
+            </a:endParaRPr>
+          </a:p>
+        </p:txBody>
+      </p:sp>
+      <p:sp>
+        <p:nvSpPr>
+          <p:cNvPr id="28" name="Arrow: Curved Left 27">
+            <a:extLst>
+              <a:ext uri="{FF2B5EF4-FFF2-40B4-BE49-F238E27FC236}">
+                <a16:creationId xmlns:a16="http://schemas.microsoft.com/office/drawing/2014/main" id="{7E89236C-F6CC-7CE7-76D8-EE31D5489306}"/>
+              </a:ext>
+            </a:extLst>
+          </p:cNvPr>
+          <p:cNvSpPr/>
+          <p:nvPr/>
+        </p:nvSpPr>
+        <p:spPr>
+          <a:xfrm>
+            <a:off x="6758879" y="2548556"/>
+            <a:ext cx="824112" cy="946566"/>
+          </a:xfrm>
+          <a:prstGeom prst="curvedLeftArrow">
+            <a:avLst/>
+          </a:prstGeom>
+          <a:solidFill>
+            <a:srgbClr val="F6F9D7"/>
+          </a:solidFill>
+        </p:spPr>
+        <p:style>
+          <a:lnRef idx="2">
+            <a:schemeClr val="accent1">
+              <a:shade val="15000"/>
+            </a:schemeClr>
+          </a:lnRef>
+          <a:fillRef idx="1">
+            <a:schemeClr val="accent1"/>
+          </a:fillRef>
+          <a:effectRef idx="0">
+            <a:schemeClr val="accent1"/>
+          </a:effectRef>
+          <a:fontRef idx="minor">
+            <a:schemeClr val="lt1"/>
+          </a:fontRef>
+        </p:style>
+        <p:txBody>
+          <a:bodyPr rtlCol="0" anchor="ctr"/>
+          <a:lstStyle/>
+          <a:p>
+            <a:pPr algn="ctr"/>
+            <a:endParaRPr lang="en-US">
+              <a:solidFill>
+                <a:schemeClr val="tx1"/>
+              </a:solidFill>
+            </a:endParaRPr>
+          </a:p>
+        </p:txBody>
+      </p:sp>
+      <p:sp>
+        <p:nvSpPr>
+          <p:cNvPr id="29" name="Arrow: Curved Left 28">
+            <a:extLst>
+              <a:ext uri="{FF2B5EF4-FFF2-40B4-BE49-F238E27FC236}">
+                <a16:creationId xmlns:a16="http://schemas.microsoft.com/office/drawing/2014/main" id="{ABD1C629-BFE9-5AA3-D5E4-68453153686B}"/>
+              </a:ext>
+            </a:extLst>
+          </p:cNvPr>
+          <p:cNvSpPr/>
+          <p:nvPr/>
+        </p:nvSpPr>
+        <p:spPr>
+          <a:xfrm>
+            <a:off x="6771179" y="4297174"/>
+            <a:ext cx="824112" cy="946566"/>
+          </a:xfrm>
+          <a:prstGeom prst="curvedLeftArrow">
+            <a:avLst/>
+          </a:prstGeom>
+          <a:solidFill>
+            <a:srgbClr val="F6F9D7"/>
+          </a:solidFill>
+        </p:spPr>
+        <p:style>
+          <a:lnRef idx="2">
+            <a:schemeClr val="accent1">
+              <a:shade val="15000"/>
+            </a:schemeClr>
+          </a:lnRef>
+          <a:fillRef idx="1">
+            <a:schemeClr val="accent1"/>
+          </a:fillRef>
+          <a:effectRef idx="0">
+            <a:schemeClr val="accent1"/>
+          </a:effectRef>
+          <a:fontRef idx="minor">
+            <a:schemeClr val="lt1"/>
+          </a:fontRef>
+        </p:style>
+        <p:txBody>
+          <a:bodyPr rtlCol="0" anchor="ctr"/>
+          <a:lstStyle/>
+          <a:p>
+            <a:pPr algn="ctr"/>
+            <a:endParaRPr lang="en-US">
+              <a:solidFill>
+                <a:schemeClr val="tx1"/>
+              </a:solidFill>
+            </a:endParaRPr>
+          </a:p>
+        </p:txBody>
+      </p:sp>
+      <p:sp>
+        <p:nvSpPr>
+          <p:cNvPr id="30" name="TextBox 29">
+            <a:extLst>
+              <a:ext uri="{FF2B5EF4-FFF2-40B4-BE49-F238E27FC236}">
+                <a16:creationId xmlns:a16="http://schemas.microsoft.com/office/drawing/2014/main" id="{FAEA3BED-B360-47B5-A0D4-196CB9440C09}"/>
+              </a:ext>
+            </a:extLst>
+          </p:cNvPr>
+          <p:cNvSpPr txBox="1"/>
+          <p:nvPr/>
+        </p:nvSpPr>
+        <p:spPr>
+          <a:xfrm>
+            <a:off x="1428822" y="2046085"/>
+            <a:ext cx="2518858" cy="830997"/>
+          </a:xfrm>
+          <a:prstGeom prst="rect">
+            <a:avLst/>
+          </a:prstGeom>
+          <a:noFill/>
+        </p:spPr>
+        <p:txBody>
+          <a:bodyPr wrap="square" rtlCol="0">
+            <a:spAutoFit/>
+          </a:bodyPr>
+          <a:lstStyle/>
+          <a:p>
+            <a:r>
+              <a:rPr lang="en-US" sz="2400" b="1" dirty="0">
+                <a:solidFill>
+                  <a:schemeClr val="accent3"/>
+                </a:solidFill>
+              </a:rPr>
+              <a:t>Draw or Win </a:t>
+            </a:r>
+            <a:r>
+              <a:rPr lang="en-US" sz="2400" b="1" dirty="0">
+                <a:solidFill>
+                  <a:schemeClr val="accent3"/>
+                </a:solidFill>
+                <a:sym typeface="Wingdings" panose="05000000000000000000" pitchFamily="2" charset="2"/>
+              </a:rPr>
+              <a:t></a:t>
+            </a:r>
+            <a:r>
+              <a:rPr lang="en-US" sz="2400" b="1" dirty="0">
+                <a:solidFill>
+                  <a:schemeClr val="accent3"/>
+                </a:solidFill>
+              </a:rPr>
+              <a:t>Replay Option</a:t>
+            </a:r>
+          </a:p>
+        </p:txBody>
+      </p:sp>
+      <p:sp>
+        <p:nvSpPr>
+          <p:cNvPr id="31" name="TextBox 30">
+            <a:extLst>
+              <a:ext uri="{FF2B5EF4-FFF2-40B4-BE49-F238E27FC236}">
+                <a16:creationId xmlns:a16="http://schemas.microsoft.com/office/drawing/2014/main" id="{5F71B41B-0690-A612-95A9-7DE40D8D0400}"/>
+              </a:ext>
+            </a:extLst>
+          </p:cNvPr>
+          <p:cNvSpPr txBox="1"/>
+          <p:nvPr/>
+        </p:nvSpPr>
+        <p:spPr>
+          <a:xfrm>
+            <a:off x="8021648" y="3229354"/>
+            <a:ext cx="2596152" cy="830997"/>
+          </a:xfrm>
+          <a:prstGeom prst="rect">
+            <a:avLst/>
+          </a:prstGeom>
+          <a:noFill/>
+        </p:spPr>
+        <p:txBody>
+          <a:bodyPr wrap="square" rtlCol="0">
+            <a:spAutoFit/>
+          </a:bodyPr>
+          <a:lstStyle/>
+          <a:p>
+            <a:r>
+              <a:rPr lang="en-US" sz="2400" b="1" dirty="0">
+                <a:solidFill>
+                  <a:schemeClr val="accent3"/>
+                </a:solidFill>
+              </a:rPr>
+              <a:t>Uses clear+ ANSI for clean updates</a:t>
+            </a:r>
+          </a:p>
+        </p:txBody>
+      </p:sp>
+      <p:pic>
+        <p:nvPicPr>
+          <p:cNvPr id="42" name="Picture 41">
+            <a:extLst>
+              <a:ext uri="{FF2B5EF4-FFF2-40B4-BE49-F238E27FC236}">
+                <a16:creationId xmlns:a16="http://schemas.microsoft.com/office/drawing/2014/main" id="{5CA85BE8-8B50-BDA4-31DE-DBA79C1B3F64}"/>
+              </a:ext>
+            </a:extLst>
+          </p:cNvPr>
+          <p:cNvPicPr>
+            <a:picLocks noChangeAspect="1"/>
+          </p:cNvPicPr>
+          <p:nvPr/>
+        </p:nvPicPr>
+        <p:blipFill>
+          <a:blip r:embed="rId2">
+            <a:extLst>
+              <a:ext uri="{BEBA8EAE-BF5A-486C-A8C5-ECC9F3942E4B}">
+                <a14:imgProps xmlns:a14="http://schemas.microsoft.com/office/drawing/2010/main">
+                  <a14:imgLayer r:embed="rId3">
+                    <a14:imgEffect>
+                      <a14:backgroundRemoval t="5943" b="96107" l="7009" r="89915">
+                        <a14:foregroundMark x1="7179" y1="50410" x2="7179" y2="50410"/>
+                        <a14:foregroundMark x1="27863" y1="15779" x2="27863" y2="15779"/>
+                        <a14:foregroundMark x1="76752" y1="14344" x2="76752" y2="14344"/>
+                        <a14:foregroundMark x1="75214" y1="14549" x2="75214" y2="14549"/>
+                        <a14:foregroundMark x1="74188" y1="17623" x2="74188" y2="17623"/>
+                        <a14:foregroundMark x1="78803" y1="6148" x2="78803" y2="6148"/>
+                        <a14:foregroundMark x1="76239" y1="8607" x2="76239" y2="8607"/>
+                        <a14:foregroundMark x1="76068" y1="9016" x2="73504" y2="10656"/>
+                        <a14:foregroundMark x1="73504" y1="12500" x2="81368" y2="17828"/>
+                        <a14:foregroundMark x1="81368" y1="17828" x2="80342" y2="5943"/>
+                        <a14:foregroundMark x1="80342" y1="5943" x2="80342" y2="6148"/>
+                        <a14:foregroundMark x1="76923" y1="12910" x2="76239" y2="16803"/>
+                        <a14:foregroundMark x1="84444" y1="17418" x2="84444" y2="17418"/>
+                        <a14:foregroundMark x1="82222" y1="53279" x2="82222" y2="53279"/>
+                        <a14:foregroundMark x1="82222" y1="53279" x2="82222" y2="53279"/>
+                        <a14:foregroundMark x1="68376" y1="52459" x2="68376" y2="52459"/>
+                        <a14:foregroundMark x1="70769" y1="60861" x2="70769" y2="60861"/>
+                        <a14:foregroundMark x1="75726" y1="67213" x2="75726" y2="67213"/>
+                        <a14:foregroundMark x1="75214" y1="77869" x2="75214" y2="77869"/>
+                        <a14:foregroundMark x1="76239" y1="91393" x2="76239" y2="91393"/>
+                        <a14:foregroundMark x1="22735" y1="91803" x2="22735" y2="91803"/>
+                        <a14:foregroundMark x1="20171" y1="91803" x2="20171" y2="91803"/>
+                        <a14:foregroundMark x1="20171" y1="91803" x2="20171" y2="91803"/>
+                        <a14:foregroundMark x1="20171" y1="91803" x2="22906" y2="95492"/>
+                        <a14:foregroundMark x1="20342" y1="92623" x2="20342" y2="95697"/>
+                        <a14:foregroundMark x1="17436" y1="89959" x2="19658" y2="96107"/>
+                        <a14:foregroundMark x1="17778" y1="93238" x2="24615" y2="94057"/>
+                        <a14:foregroundMark x1="75214" y1="66598" x2="75214" y2="66598"/>
+                        <a14:foregroundMark x1="76068" y1="66189" x2="74188" y2="67008"/>
+                      </a14:backgroundRemoval>
+                    </a14:imgEffect>
+                  </a14:imgLayer>
+                </a14:imgProps>
+              </a:ext>
+            </a:extLst>
+          </a:blip>
+          <a:stretch>
+            <a:fillRect/>
+          </a:stretch>
+        </p:blipFill>
+        <p:spPr>
+          <a:xfrm>
+            <a:off x="1398760" y="3837934"/>
+            <a:ext cx="2560286" cy="2135760"/>
+          </a:xfrm>
+          <a:prstGeom prst="rect">
+            <a:avLst/>
+          </a:prstGeom>
+        </p:spPr>
+      </p:pic>
+      <p:pic>
+        <p:nvPicPr>
+          <p:cNvPr id="44" name="Picture 43">
+            <a:extLst>
+              <a:ext uri="{FF2B5EF4-FFF2-40B4-BE49-F238E27FC236}">
+                <a16:creationId xmlns:a16="http://schemas.microsoft.com/office/drawing/2014/main" id="{8B07E7A2-D385-FD55-E844-05D3982375C1}"/>
+              </a:ext>
+            </a:extLst>
+          </p:cNvPr>
+          <p:cNvPicPr>
+            <a:picLocks noChangeAspect="1"/>
+          </p:cNvPicPr>
+          <p:nvPr/>
+        </p:nvPicPr>
+        <p:blipFill>
+          <a:blip r:embed="rId4">
+            <a:extLst>
+              <a:ext uri="{BEBA8EAE-BF5A-486C-A8C5-ECC9F3942E4B}">
+                <a14:imgProps xmlns:a14="http://schemas.microsoft.com/office/drawing/2010/main">
+                  <a14:imgLayer r:embed="rId5">
+                    <a14:imgEffect>
+                      <a14:backgroundRemoval t="9846" b="99807" l="4912" r="91552">
+                        <a14:foregroundMark x1="42829" y1="49228" x2="42829" y2="49228"/>
+                        <a14:foregroundMark x1="23772" y1="37452" x2="24951" y2="53861"/>
+                        <a14:foregroundMark x1="25737" y1="54826" x2="35167" y2="57529"/>
+                        <a14:foregroundMark x1="35167" y1="57529" x2="32220" y2="61583"/>
+                        <a14:foregroundMark x1="46955" y1="53475" x2="50098" y2="71815"/>
+                        <a14:foregroundMark x1="50098" y1="71815" x2="42043" y2="60618"/>
+                        <a14:foregroundMark x1="42043" y1="60618" x2="54813" y2="46332"/>
+                        <a14:foregroundMark x1="54813" y1="46332" x2="54813" y2="47104"/>
+                        <a14:foregroundMark x1="26719" y1="29537" x2="44401" y2="26448"/>
+                        <a14:foregroundMark x1="44401" y1="26448" x2="61493" y2="34556"/>
+                        <a14:foregroundMark x1="61493" y1="34556" x2="67780" y2="57915"/>
+                        <a14:foregroundMark x1="67780" y1="57915" x2="66994" y2="73745"/>
+                        <a14:foregroundMark x1="66994" y1="73745" x2="56385" y2="90927"/>
+                        <a14:foregroundMark x1="56385" y1="90927" x2="33988" y2="77606"/>
+                        <a14:foregroundMark x1="33988" y1="77606" x2="47544" y2="74517"/>
+                        <a14:foregroundMark x1="47544" y1="74517" x2="52652" y2="79730"/>
+                        <a14:foregroundMark x1="46562" y1="82239" x2="35953" y2="89189"/>
+                        <a14:foregroundMark x1="35953" y1="89189" x2="51473" y2="91120"/>
+                        <a14:foregroundMark x1="51473" y1="91120" x2="66601" y2="90347"/>
+                        <a14:foregroundMark x1="66601" y1="90347" x2="54028" y2="99228"/>
+                        <a14:foregroundMark x1="54028" y1="99228" x2="37721" y2="97876"/>
+                        <a14:foregroundMark x1="37721" y1="97876" x2="72495" y2="76062"/>
+                        <a14:foregroundMark x1="72495" y1="76062" x2="82122" y2="90927"/>
+                        <a14:foregroundMark x1="74853" y1="67954" x2="74853" y2="67954"/>
+                        <a14:foregroundMark x1="71316" y1="68533" x2="71316" y2="68533"/>
+                        <a14:foregroundMark x1="79764" y1="70656" x2="85069" y2="60425"/>
+                        <a14:foregroundMark x1="85069" y1="60425" x2="80157" y2="54826"/>
+                        <a14:foregroundMark x1="85855" y1="60425" x2="87819" y2="71815"/>
+                        <a14:foregroundMark x1="87819" y1="71815" x2="87033" y2="72201"/>
+                        <a14:foregroundMark x1="89784" y1="89575" x2="89784" y2="89575"/>
+                        <a14:foregroundMark x1="85658" y1="98842" x2="85265" y2="99228"/>
+                        <a14:foregroundMark x1="81532" y1="98456" x2="13752" y2="99807"/>
+                        <a14:foregroundMark x1="15128" y1="95946" x2="15914" y2="88610"/>
+                        <a14:foregroundMark x1="12181" y1="89189" x2="4912" y2="91699"/>
+                        <a14:foregroundMark x1="31238" y1="46139" x2="31631" y2="51158"/>
+                        <a14:foregroundMark x1="40864" y1="42471" x2="40864" y2="42471"/>
+                        <a14:foregroundMark x1="57760" y1="44015" x2="57760" y2="44015"/>
+                        <a14:foregroundMark x1="15717" y1="37259" x2="12574" y2="26834"/>
+                        <a14:foregroundMark x1="12574" y1="26834" x2="20629" y2="19884"/>
+                        <a14:foregroundMark x1="20629" y1="19884" x2="37917" y2="11969"/>
+                        <a14:foregroundMark x1="37917" y1="11969" x2="50098" y2="11776"/>
+                        <a14:foregroundMark x1="50098" y1="11776" x2="51277" y2="11776"/>
+                        <a14:foregroundMark x1="52456" y1="11776" x2="33006" y2="15830"/>
+                        <a14:foregroundMark x1="49902" y1="15637" x2="54028" y2="16216"/>
+                        <a14:foregroundMark x1="53438" y1="11776" x2="53438" y2="17375"/>
+                        <a14:foregroundMark x1="53242" y1="17375" x2="57171" y2="16988"/>
+                        <a14:foregroundMark x1="79371" y1="46332" x2="81139" y2="46332"/>
+                        <a14:foregroundMark x1="89391" y1="89768" x2="91552" y2="88803"/>
+                      </a14:backgroundRemoval>
+                    </a14:imgEffect>
+                  </a14:imgLayer>
+                </a14:imgProps>
+              </a:ext>
+            </a:extLst>
+          </a:blip>
+          <a:stretch>
+            <a:fillRect/>
+          </a:stretch>
+        </p:blipFill>
+        <p:spPr>
+          <a:xfrm>
+            <a:off x="8192327" y="519340"/>
+            <a:ext cx="1985426" cy="2020532"/>
+          </a:xfrm>
+          <a:prstGeom prst="rect">
+            <a:avLst/>
+          </a:prstGeom>
+        </p:spPr>
+      </p:pic>
+    </p:spTree>
+    <p:extLst>
+      <p:ext uri="{BB962C8B-B14F-4D97-AF65-F5344CB8AC3E}">
+        <p14:creationId xmlns:p14="http://schemas.microsoft.com/office/powerpoint/2010/main" val="3828035909"/>
+      </p:ext>
+    </p:extLst>
+  </p:cSld>
+  <p:clrMapOvr>
+    <a:masterClrMapping/>
+  </p:clrMapOvr>
+</p:sld>
+</file>
+
+<file path=ppt/slides/slide5.xml><?xml version="1.0" encoding="utf-8"?>
+<p:sld xmlns:a="http://schemas.openxmlformats.org/drawingml/2006/main" xmlns:r="http://schemas.openxmlformats.org/officeDocument/2006/relationships" xmlns:p="http://schemas.openxmlformats.org/presentationml/2006/main">
+  <p:cSld>
+    <p:spTree>
+      <p:nvGrpSpPr>
+        <p:cNvPr id="1" name="">
+          <a:extLst>
+            <a:ext uri="{FF2B5EF4-FFF2-40B4-BE49-F238E27FC236}">
+              <a16:creationId xmlns:a16="http://schemas.microsoft.com/office/drawing/2014/main" id="{0D5E1024-BA54-76FC-72F0-E3F618AFBC8A}"/>
+            </a:ext>
+          </a:extLst>
+        </p:cNvPr>
+        <p:cNvGrpSpPr/>
+        <p:nvPr/>
+      </p:nvGrpSpPr>
+      <p:grpSpPr>
+        <a:xfrm>
+          <a:off x="0" y="0"/>
+          <a:ext cx="0" cy="0"/>
+          <a:chOff x="0" y="0"/>
+          <a:chExt cx="0" cy="0"/>
+        </a:xfrm>
+      </p:grpSpPr>
+      <p:cxnSp>
+        <p:nvCxnSpPr>
+          <p:cNvPr id="3" name="Straight Connector 2">
+            <a:extLst>
+              <a:ext uri="{FF2B5EF4-FFF2-40B4-BE49-F238E27FC236}">
+                <a16:creationId xmlns:a16="http://schemas.microsoft.com/office/drawing/2014/main" id="{2F2EDC45-CDE4-C3A2-3D2A-319E45F9C0B7}"/>
+              </a:ext>
+            </a:extLst>
+          </p:cNvPr>
+          <p:cNvCxnSpPr>
+            <a:cxnSpLocks/>
+          </p:cNvCxnSpPr>
+          <p:nvPr/>
+        </p:nvCxnSpPr>
+        <p:spPr>
+          <a:xfrm>
+            <a:off x="284480" y="487680"/>
+            <a:ext cx="11531600" cy="0"/>
+          </a:xfrm>
+          <a:prstGeom prst="line">
+            <a:avLst/>
+          </a:prstGeom>
+          <a:ln/>
+        </p:spPr>
+        <p:style>
+          <a:lnRef idx="3">
+            <a:schemeClr val="accent4"/>
+          </a:lnRef>
+          <a:fillRef idx="0">
+            <a:schemeClr val="accent4"/>
+          </a:fillRef>
+          <a:effectRef idx="2">
+            <a:schemeClr val="accent4"/>
+          </a:effectRef>
+          <a:fontRef idx="minor">
+            <a:schemeClr val="tx1"/>
+          </a:fontRef>
+        </p:style>
+      </p:cxnSp>
+      <p:cxnSp>
+        <p:nvCxnSpPr>
+          <p:cNvPr id="8" name="Straight Connector 7">
+            <a:extLst>
+              <a:ext uri="{FF2B5EF4-FFF2-40B4-BE49-F238E27FC236}">
+                <a16:creationId xmlns:a16="http://schemas.microsoft.com/office/drawing/2014/main" id="{A3B2C83C-7822-ADD0-EEF6-D8329EDF0E54}"/>
+              </a:ext>
+            </a:extLst>
+          </p:cNvPr>
+          <p:cNvCxnSpPr>
+            <a:cxnSpLocks/>
+          </p:cNvCxnSpPr>
+          <p:nvPr/>
+        </p:nvCxnSpPr>
+        <p:spPr>
+          <a:xfrm>
+            <a:off x="406400" y="6258560"/>
+            <a:ext cx="11338560" cy="0"/>
+          </a:xfrm>
+          <a:prstGeom prst="line">
+            <a:avLst/>
+          </a:prstGeom>
+          <a:ln/>
+        </p:spPr>
+        <p:style>
+          <a:lnRef idx="3">
+            <a:schemeClr val="accent4"/>
+          </a:lnRef>
+          <a:fillRef idx="0">
+            <a:schemeClr val="accent4"/>
+          </a:fillRef>
+          <a:effectRef idx="2">
+            <a:schemeClr val="accent4"/>
+          </a:effectRef>
+          <a:fontRef idx="minor">
+            <a:schemeClr val="tx1"/>
+          </a:fontRef>
+        </p:style>
+      </p:cxnSp>
+      <p:cxnSp>
+        <p:nvCxnSpPr>
+          <p:cNvPr id="10" name="Straight Connector 9">
+            <a:extLst>
+              <a:ext uri="{FF2B5EF4-FFF2-40B4-BE49-F238E27FC236}">
+                <a16:creationId xmlns:a16="http://schemas.microsoft.com/office/drawing/2014/main" id="{59C4DFCC-C828-19FA-9500-39DEE170345A}"/>
+              </a:ext>
+            </a:extLst>
+          </p:cNvPr>
+          <p:cNvCxnSpPr>
+            <a:cxnSpLocks/>
+          </p:cNvCxnSpPr>
+          <p:nvPr/>
+        </p:nvCxnSpPr>
+        <p:spPr>
+          <a:xfrm flipV="1">
+            <a:off x="543559" y="487680"/>
+            <a:ext cx="0" cy="5770880"/>
+          </a:xfrm>
+          <a:prstGeom prst="line">
+            <a:avLst/>
+          </a:prstGeom>
+          <a:ln/>
+        </p:spPr>
+        <p:style>
+          <a:lnRef idx="3">
+            <a:schemeClr val="accent4"/>
+          </a:lnRef>
+          <a:fillRef idx="0">
+            <a:schemeClr val="accent4"/>
+          </a:fillRef>
+          <a:effectRef idx="2">
+            <a:schemeClr val="accent4"/>
+          </a:effectRef>
+          <a:fontRef idx="minor">
+            <a:schemeClr val="tx1"/>
+          </a:fontRef>
+        </p:style>
+      </p:cxnSp>
+      <p:cxnSp>
+        <p:nvCxnSpPr>
+          <p:cNvPr id="17" name="Straight Connector 16">
+            <a:extLst>
+              <a:ext uri="{FF2B5EF4-FFF2-40B4-BE49-F238E27FC236}">
+                <a16:creationId xmlns:a16="http://schemas.microsoft.com/office/drawing/2014/main" id="{22E79E08-FE7E-93DE-97F3-1EAAC5CA316B}"/>
+              </a:ext>
+            </a:extLst>
+          </p:cNvPr>
+          <p:cNvCxnSpPr>
+            <a:cxnSpLocks/>
+          </p:cNvCxnSpPr>
+          <p:nvPr/>
+        </p:nvCxnSpPr>
+        <p:spPr>
+          <a:xfrm flipV="1">
+            <a:off x="11617959" y="487680"/>
+            <a:ext cx="0" cy="5770880"/>
+          </a:xfrm>
+          <a:prstGeom prst="line">
+            <a:avLst/>
+          </a:prstGeom>
+          <a:ln/>
+        </p:spPr>
+        <p:style>
+          <a:lnRef idx="3">
+            <a:schemeClr val="accent4"/>
+          </a:lnRef>
+          <a:fillRef idx="0">
+            <a:schemeClr val="accent4"/>
+          </a:fillRef>
+          <a:effectRef idx="2">
+            <a:schemeClr val="accent4"/>
+          </a:effectRef>
+          <a:fontRef idx="minor">
+            <a:schemeClr val="tx1"/>
+          </a:fontRef>
+        </p:style>
+      </p:cxnSp>
+      <p:sp>
+        <p:nvSpPr>
+          <p:cNvPr id="24" name="Footer Placeholder 23">
+            <a:extLst>
+              <a:ext uri="{FF2B5EF4-FFF2-40B4-BE49-F238E27FC236}">
+                <a16:creationId xmlns:a16="http://schemas.microsoft.com/office/drawing/2014/main" id="{81BB132F-017D-181C-566E-5DA49E5D4772}"/>
+              </a:ext>
+            </a:extLst>
+          </p:cNvPr>
+          <p:cNvSpPr>
+            <a:spLocks noGrp="1"/>
+          </p:cNvSpPr>
+          <p:nvPr>
+            <p:ph type="ftr" sz="quarter" idx="11"/>
+          </p:nvPr>
+        </p:nvSpPr>
+        <p:spPr>
+          <a:xfrm>
+            <a:off x="8049416" y="4846322"/>
+            <a:ext cx="4764810" cy="1523998"/>
+          </a:xfrm>
+        </p:spPr>
+        <p:txBody>
+          <a:bodyPr/>
+          <a:lstStyle/>
+          <a:p>
+            <a:r>
+              <a:rPr lang="en-GB" dirty="0"/>
+              <a:t>Group 2 </a:t>
+            </a:r>
+          </a:p>
+          <a:p>
+            <a:r>
+              <a:rPr lang="en-GB" dirty="0"/>
+              <a:t>Abhishek Dutta </a:t>
+            </a:r>
+          </a:p>
+          <a:p>
+            <a:r>
+              <a:rPr lang="en-GB" dirty="0"/>
+              <a:t>Md Ishrak </a:t>
+            </a:r>
+            <a:r>
+              <a:rPr lang="en-GB" dirty="0" err="1"/>
+              <a:t>Mashroor</a:t>
+            </a:r>
+            <a:r>
+              <a:rPr lang="en-GB" dirty="0"/>
+              <a:t>  </a:t>
+            </a:r>
+          </a:p>
+          <a:p>
+            <a:r>
+              <a:rPr lang="en-GB" dirty="0"/>
+              <a:t>Ashab Mahmud Raseen </a:t>
+            </a:r>
+          </a:p>
+          <a:p>
+            <a:r>
+              <a:rPr lang="en-GB" dirty="0"/>
+              <a:t> Sneha Nandy </a:t>
+            </a:r>
+          </a:p>
+        </p:txBody>
+      </p:sp>
+      <p:sp>
+        <p:nvSpPr>
+          <p:cNvPr id="2" name="TextBox 1">
+            <a:extLst>
+              <a:ext uri="{FF2B5EF4-FFF2-40B4-BE49-F238E27FC236}">
+                <a16:creationId xmlns:a16="http://schemas.microsoft.com/office/drawing/2014/main" id="{54F0963D-FEDE-4596-F287-2F3C2F556828}"/>
+              </a:ext>
+            </a:extLst>
+          </p:cNvPr>
+          <p:cNvSpPr txBox="1"/>
+          <p:nvPr/>
+        </p:nvSpPr>
+        <p:spPr>
+          <a:xfrm>
+            <a:off x="4745254" y="842447"/>
+            <a:ext cx="2858703" cy="461665"/>
+          </a:xfrm>
+          <a:prstGeom prst="rect">
+            <a:avLst/>
+          </a:prstGeom>
+          <a:noFill/>
+        </p:spPr>
+        <p:txBody>
+          <a:bodyPr wrap="square" rtlCol="0">
+            <a:spAutoFit/>
+          </a:bodyPr>
+          <a:lstStyle/>
+          <a:p>
+            <a:r>
+              <a:rPr lang="en-US" sz="2400" b="1" dirty="0">
+                <a:solidFill>
+                  <a:schemeClr val="tx2">
+                    <a:lumMod val="90000"/>
+                    <a:lumOff val="10000"/>
+                  </a:schemeClr>
+                </a:solidFill>
+              </a:rPr>
+              <a:t>Error Handling &amp; UX</a:t>
+            </a:r>
+          </a:p>
+        </p:txBody>
+      </p:sp>
+      <p:pic>
+        <p:nvPicPr>
+          <p:cNvPr id="5" name="Picture 4">
+            <a:extLst>
+              <a:ext uri="{FF2B5EF4-FFF2-40B4-BE49-F238E27FC236}">
+                <a16:creationId xmlns:a16="http://schemas.microsoft.com/office/drawing/2014/main" id="{1183A7D1-DFA9-19A2-EB83-3922751F5FA0}"/>
+              </a:ext>
+            </a:extLst>
+          </p:cNvPr>
+          <p:cNvPicPr>
+            <a:picLocks noChangeAspect="1"/>
+          </p:cNvPicPr>
+          <p:nvPr/>
+        </p:nvPicPr>
+        <p:blipFill>
+          <a:blip r:embed="rId2">
+            <a:extLst>
+              <a:ext uri="{BEBA8EAE-BF5A-486C-A8C5-ECC9F3942E4B}">
+                <a14:imgProps xmlns:a14="http://schemas.microsoft.com/office/drawing/2010/main">
+                  <a14:imgLayer r:embed="rId3">
+                    <a14:imgEffect>
+                      <a14:backgroundRemoval t="9981" b="94626" l="9041" r="95941">
+                        <a14:foregroundMark x1="25277" y1="15163" x2="25277" y2="15163"/>
+                        <a14:foregroundMark x1="92066" y1="23417" x2="92066" y2="23417"/>
+                        <a14:foregroundMark x1="92435" y1="36660" x2="92435" y2="36660"/>
+                        <a14:foregroundMark x1="89114" y1="28983" x2="89114" y2="28983"/>
+                        <a14:foregroundMark x1="83948" y1="24376" x2="83948" y2="24376"/>
+                        <a14:foregroundMark x1="64207" y1="15547" x2="64207" y2="15547"/>
+                        <a14:foregroundMark x1="50923" y1="15355" x2="68635" y2="16123"/>
+                        <a14:foregroundMark x1="46310" y1="72745" x2="72140" y2="71017"/>
+                        <a14:foregroundMark x1="72140" y1="71017" x2="49446" y2="80230"/>
+                        <a14:foregroundMark x1="49446" y1="80230" x2="41513" y2="74856"/>
+                        <a14:foregroundMark x1="58303" y1="89251" x2="43173" y2="92514"/>
+                        <a14:foregroundMark x1="43173" y1="92514" x2="42066" y2="93090"/>
+                        <a14:foregroundMark x1="48155" y1="94626" x2="71402" y2="94626"/>
+                        <a14:foregroundMark x1="9041" y1="76008" x2="9041" y2="76008"/>
+                        <a14:foregroundMark x1="16421" y1="78503" x2="16421" y2="78503"/>
+                        <a14:foregroundMark x1="21218" y1="73704" x2="21218" y2="73704"/>
+                        <a14:foregroundMark x1="22325" y1="80038" x2="22325" y2="80038"/>
+                        <a14:foregroundMark x1="67897" y1="68138" x2="67897" y2="68138"/>
+                        <a14:foregroundMark x1="93911" y1="29367" x2="95941" y2="27639"/>
+                        <a14:foregroundMark x1="95018" y1="27639" x2="91328" y2="22841"/>
+                        <a14:foregroundMark x1="52583" y1="39347" x2="52583" y2="39347"/>
+                        <a14:foregroundMark x1="52583" y1="39347" x2="29705" y2="38580"/>
+                        <a14:foregroundMark x1="58487" y1="67179" x2="78229" y2="62956"/>
+                        <a14:foregroundMark x1="54982" y1="67946" x2="43727" y2="67946"/>
+                      </a14:backgroundRemoval>
+                    </a14:imgEffect>
+                  </a14:imgLayer>
+                </a14:imgProps>
+              </a:ext>
+            </a:extLst>
+          </a:blip>
+          <a:stretch>
+            <a:fillRect/>
+          </a:stretch>
+        </p:blipFill>
+        <p:spPr>
+          <a:xfrm>
+            <a:off x="936785" y="2021276"/>
+            <a:ext cx="2461588" cy="2366213"/>
+          </a:xfrm>
+          <a:prstGeom prst="rect">
+            <a:avLst/>
+          </a:prstGeom>
+        </p:spPr>
+      </p:pic>
+      <p:grpSp>
+        <p:nvGrpSpPr>
+          <p:cNvPr id="13" name="Group 12">
+            <a:extLst>
+              <a:ext uri="{FF2B5EF4-FFF2-40B4-BE49-F238E27FC236}">
+                <a16:creationId xmlns:a16="http://schemas.microsoft.com/office/drawing/2014/main" id="{46CA56FD-C8DE-2B31-F894-DE7A216C729B}"/>
+              </a:ext>
+            </a:extLst>
+          </p:cNvPr>
+          <p:cNvGrpSpPr/>
+          <p:nvPr/>
+        </p:nvGrpSpPr>
+        <p:grpSpPr>
+          <a:xfrm>
+            <a:off x="3728098" y="1573653"/>
+            <a:ext cx="5125278" cy="1828128"/>
+            <a:chOff x="3377077" y="3314738"/>
+            <a:chExt cx="5125278" cy="1828128"/>
+          </a:xfrm>
+        </p:grpSpPr>
+        <p:sp>
+          <p:nvSpPr>
+            <p:cNvPr id="9" name="Flowchart: Card 8">
+              <a:extLst>
+                <a:ext uri="{FF2B5EF4-FFF2-40B4-BE49-F238E27FC236}">
+                  <a16:creationId xmlns:a16="http://schemas.microsoft.com/office/drawing/2014/main" id="{A41DFE9F-64E2-5A1A-E266-7AC93693ED8D}"/>
+                </a:ext>
+              </a:extLst>
+            </p:cNvPr>
+            <p:cNvSpPr/>
+            <p:nvPr/>
+          </p:nvSpPr>
+          <p:spPr>
+            <a:xfrm>
+              <a:off x="3377077" y="3314738"/>
+              <a:ext cx="5061778" cy="1828128"/>
+            </a:xfrm>
+            <a:prstGeom prst="flowChartPunchedCard">
+              <a:avLst/>
+            </a:prstGeom>
+            <a:solidFill>
+              <a:srgbClr val="FDEFE7"/>
+            </a:solidFill>
+          </p:spPr>
+          <p:style>
+            <a:lnRef idx="2">
+              <a:schemeClr val="accent1">
+                <a:shade val="15000"/>
+              </a:schemeClr>
+            </a:lnRef>
+            <a:fillRef idx="1">
+              <a:schemeClr val="accent1"/>
+            </a:fillRef>
+            <a:effectRef idx="0">
+              <a:schemeClr val="accent1"/>
+            </a:effectRef>
+            <a:fontRef idx="minor">
+              <a:schemeClr val="lt1"/>
+            </a:fontRef>
+          </p:style>
+          <p:txBody>
+            <a:bodyPr rtlCol="0" anchor="ctr"/>
+            <a:lstStyle/>
+            <a:p>
+              <a:pPr algn="ctr"/>
+              <a:endParaRPr lang="en-US"/>
+            </a:p>
+          </p:txBody>
+        </p:sp>
+        <p:sp>
+          <p:nvSpPr>
+            <p:cNvPr id="12" name="TextBox 11">
+              <a:extLst>
+                <a:ext uri="{FF2B5EF4-FFF2-40B4-BE49-F238E27FC236}">
+                  <a16:creationId xmlns:a16="http://schemas.microsoft.com/office/drawing/2014/main" id="{EED3D3DB-82D6-1D32-3901-A4646223CFF3}"/>
+                </a:ext>
+              </a:extLst>
+            </p:cNvPr>
+            <p:cNvSpPr txBox="1"/>
+            <p:nvPr/>
+          </p:nvSpPr>
+          <p:spPr>
+            <a:xfrm>
+              <a:off x="3379468" y="3659415"/>
+              <a:ext cx="5122887" cy="1138773"/>
+            </a:xfrm>
+            <a:prstGeom prst="rect">
+              <a:avLst/>
+            </a:prstGeom>
+            <a:noFill/>
+          </p:spPr>
+          <p:txBody>
+            <a:bodyPr wrap="square" rtlCol="0">
+              <a:spAutoFit/>
+            </a:bodyPr>
+            <a:lstStyle/>
+            <a:p>
+              <a:r>
+                <a:rPr lang="en-US" sz="2000" b="1" dirty="0">
+                  <a:solidFill>
+                    <a:schemeClr val="accent2">
+                      <a:lumMod val="75000"/>
+                    </a:schemeClr>
+                  </a:solidFill>
+                </a:rPr>
+                <a:t>      Invalid Input Handling</a:t>
+              </a:r>
+            </a:p>
+            <a:p>
+              <a:r>
+                <a:rPr lang="en-US" sz="1600" dirty="0"/>
+                <a:t>If a user enters a non-integer or an invalid move (such as an already filled cell), the program displays a clear error message and prompts the user to try again.</a:t>
+              </a:r>
+            </a:p>
+          </p:txBody>
+        </p:sp>
+      </p:grpSp>
+      <p:grpSp>
+        <p:nvGrpSpPr>
+          <p:cNvPr id="14" name="Group 13">
+            <a:extLst>
+              <a:ext uri="{FF2B5EF4-FFF2-40B4-BE49-F238E27FC236}">
+                <a16:creationId xmlns:a16="http://schemas.microsoft.com/office/drawing/2014/main" id="{AD75BAE8-A8F4-9B7D-C1ED-1090668159AC}"/>
+              </a:ext>
+            </a:extLst>
+          </p:cNvPr>
+          <p:cNvGrpSpPr/>
+          <p:nvPr/>
+        </p:nvGrpSpPr>
+        <p:grpSpPr>
+          <a:xfrm>
+            <a:off x="3308143" y="3642702"/>
+            <a:ext cx="5125278" cy="1828128"/>
+            <a:chOff x="3377077" y="3314738"/>
+            <a:chExt cx="5125278" cy="1828128"/>
+          </a:xfrm>
+        </p:grpSpPr>
+        <p:sp>
+          <p:nvSpPr>
+            <p:cNvPr id="15" name="Flowchart: Card 14">
+              <a:extLst>
+                <a:ext uri="{FF2B5EF4-FFF2-40B4-BE49-F238E27FC236}">
+                  <a16:creationId xmlns:a16="http://schemas.microsoft.com/office/drawing/2014/main" id="{915C8E93-44B4-A460-CA24-6471903CED20}"/>
+                </a:ext>
+              </a:extLst>
+            </p:cNvPr>
+            <p:cNvSpPr/>
+            <p:nvPr/>
+          </p:nvSpPr>
+          <p:spPr>
+            <a:xfrm>
+              <a:off x="3377077" y="3314738"/>
+              <a:ext cx="5061778" cy="1828128"/>
+            </a:xfrm>
+            <a:prstGeom prst="flowChartPunchedCard">
+              <a:avLst/>
+            </a:prstGeom>
+            <a:solidFill>
+              <a:srgbClr val="FDEFE7"/>
+            </a:solidFill>
+          </p:spPr>
+          <p:style>
+            <a:lnRef idx="2">
+              <a:schemeClr val="accent1">
+                <a:shade val="15000"/>
+              </a:schemeClr>
+            </a:lnRef>
+            <a:fillRef idx="1">
+              <a:schemeClr val="accent1"/>
+            </a:fillRef>
+            <a:effectRef idx="0">
+              <a:schemeClr val="accent1"/>
+            </a:effectRef>
+            <a:fontRef idx="minor">
+              <a:schemeClr val="lt1"/>
+            </a:fontRef>
+          </p:style>
+          <p:txBody>
+            <a:bodyPr rtlCol="0" anchor="ctr"/>
+            <a:lstStyle/>
+            <a:p>
+              <a:pPr algn="ctr"/>
+              <a:endParaRPr lang="en-US"/>
+            </a:p>
+          </p:txBody>
+        </p:sp>
+        <p:sp>
+          <p:nvSpPr>
+            <p:cNvPr id="16" name="TextBox 15">
+              <a:extLst>
+                <a:ext uri="{FF2B5EF4-FFF2-40B4-BE49-F238E27FC236}">
+                  <a16:creationId xmlns:a16="http://schemas.microsoft.com/office/drawing/2014/main" id="{A37DA1D6-A45F-DBA8-6C62-F4B211C91D46}"/>
+                </a:ext>
+              </a:extLst>
+            </p:cNvPr>
+            <p:cNvSpPr txBox="1"/>
+            <p:nvPr/>
+          </p:nvSpPr>
+          <p:spPr>
+            <a:xfrm>
+              <a:off x="3379468" y="3659415"/>
+              <a:ext cx="5122887" cy="400110"/>
+            </a:xfrm>
+            <a:prstGeom prst="rect">
+              <a:avLst/>
+            </a:prstGeom>
+            <a:noFill/>
+          </p:spPr>
+          <p:txBody>
+            <a:bodyPr wrap="square" rtlCol="0">
+              <a:spAutoFit/>
+            </a:bodyPr>
+            <a:lstStyle/>
+            <a:p>
+              <a:endParaRPr lang="en-US" sz="2000" b="1" dirty="0">
+                <a:solidFill>
+                  <a:schemeClr val="accent2">
+                    <a:lumMod val="75000"/>
+                  </a:schemeClr>
+                </a:solidFill>
+              </a:endParaRPr>
+            </a:p>
+          </p:txBody>
+        </p:sp>
+      </p:grpSp>
+      <p:sp>
+        <p:nvSpPr>
+          <p:cNvPr id="19" name="TextBox 18">
+            <a:extLst>
+              <a:ext uri="{FF2B5EF4-FFF2-40B4-BE49-F238E27FC236}">
+                <a16:creationId xmlns:a16="http://schemas.microsoft.com/office/drawing/2014/main" id="{3F44CBA9-7A51-9459-1C31-7B68021DDB47}"/>
+              </a:ext>
+            </a:extLst>
+          </p:cNvPr>
+          <p:cNvSpPr txBox="1"/>
+          <p:nvPr/>
+        </p:nvSpPr>
+        <p:spPr>
+          <a:xfrm>
+            <a:off x="3728098" y="3938625"/>
+            <a:ext cx="5743159" cy="1169551"/>
+          </a:xfrm>
+          <a:prstGeom prst="rect">
+            <a:avLst/>
+          </a:prstGeom>
+          <a:noFill/>
+        </p:spPr>
+        <p:txBody>
+          <a:bodyPr wrap="square">
+            <a:spAutoFit/>
+          </a:bodyPr>
+          <a:lstStyle/>
+          <a:p>
+            <a:r>
+              <a:rPr lang="en-US" dirty="0"/>
+              <a:t> </a:t>
+            </a:r>
+            <a:r>
+              <a:rPr lang="en-US" sz="2000" b="1" dirty="0">
+                <a:solidFill>
+                  <a:schemeClr val="accent2">
+                    <a:lumMod val="75000"/>
+                  </a:schemeClr>
+                </a:solidFill>
+              </a:rPr>
+              <a:t>Responsive CLI Design</a:t>
+            </a:r>
+          </a:p>
+          <a:p>
+            <a:pPr marL="285750" indent="-285750">
+              <a:buFont typeface="Arial" panose="020B0604020202020204" pitchFamily="34" charset="0"/>
+              <a:buChar char="•"/>
+            </a:pPr>
+            <a:r>
+              <a:rPr lang="en-US" sz="1600" dirty="0"/>
+              <a:t>Clean, minimal interface with neat formatting.</a:t>
+            </a:r>
+          </a:p>
+          <a:p>
+            <a:pPr marL="285750" indent="-285750">
+              <a:buFont typeface="Arial" panose="020B0604020202020204" pitchFamily="34" charset="0"/>
+              <a:buChar char="•"/>
+            </a:pPr>
+            <a:r>
+              <a:rPr lang="en-US" sz="1600" dirty="0"/>
+              <a:t>Makes it easy to view the board even in a basic</a:t>
+            </a:r>
+          </a:p>
+          <a:p>
+            <a:r>
+              <a:rPr lang="en-US" sz="1600" dirty="0"/>
+              <a:t> terminal</a:t>
+            </a:r>
+            <a:r>
+              <a:rPr lang="en-US" dirty="0"/>
+              <a:t>.</a:t>
+            </a:r>
+          </a:p>
+        </p:txBody>
+      </p:sp>
+      <p:sp>
+        <p:nvSpPr>
+          <p:cNvPr id="20" name="Rectangle: Folded Corner 19">
+            <a:extLst>
+              <a:ext uri="{FF2B5EF4-FFF2-40B4-BE49-F238E27FC236}">
+                <a16:creationId xmlns:a16="http://schemas.microsoft.com/office/drawing/2014/main" id="{4EE0D7B0-CF3E-CD70-CA62-9926257C9D8D}"/>
+              </a:ext>
+            </a:extLst>
+          </p:cNvPr>
+          <p:cNvSpPr/>
+          <p:nvPr/>
+        </p:nvSpPr>
+        <p:spPr>
+          <a:xfrm>
+            <a:off x="9364277" y="2303788"/>
+            <a:ext cx="1656101" cy="2194288"/>
+          </a:xfrm>
+          <a:prstGeom prst="foldedCorner">
+            <a:avLst>
+              <a:gd name="adj" fmla="val 32360"/>
+            </a:avLst>
+          </a:prstGeom>
+          <a:solidFill>
+            <a:srgbClr val="E0E0E0"/>
+          </a:solidFill>
+          <a:ln>
+            <a:solidFill>
+              <a:schemeClr val="bg1">
+                <a:lumMod val="75000"/>
+              </a:schemeClr>
+            </a:solidFill>
+          </a:ln>
+        </p:spPr>
+        <p:style>
+          <a:lnRef idx="2">
+            <a:schemeClr val="accent1">
+              <a:shade val="15000"/>
+            </a:schemeClr>
+          </a:lnRef>
+          <a:fillRef idx="1">
+            <a:schemeClr val="accent1"/>
+          </a:fillRef>
+          <a:effectRef idx="0">
+            <a:schemeClr val="accent1"/>
+          </a:effectRef>
+          <a:fontRef idx="minor">
+            <a:schemeClr val="lt1"/>
+          </a:fontRef>
+        </p:style>
+        <p:txBody>
+          <a:bodyPr rtlCol="0" anchor="ctr"/>
+          <a:lstStyle/>
+          <a:p>
+            <a:pPr algn="ctr"/>
+            <a:endParaRPr lang="en-US"/>
+          </a:p>
+        </p:txBody>
+      </p:sp>
+      <p:sp>
+        <p:nvSpPr>
+          <p:cNvPr id="21" name="TextBox 20">
+            <a:extLst>
+              <a:ext uri="{FF2B5EF4-FFF2-40B4-BE49-F238E27FC236}">
+                <a16:creationId xmlns:a16="http://schemas.microsoft.com/office/drawing/2014/main" id="{E048E9E6-563F-D5C5-DF3D-DB267267A562}"/>
+              </a:ext>
+            </a:extLst>
+          </p:cNvPr>
+          <p:cNvSpPr txBox="1"/>
+          <p:nvPr/>
+        </p:nvSpPr>
+        <p:spPr>
+          <a:xfrm>
+            <a:off x="9374231" y="2634456"/>
+            <a:ext cx="1880984" cy="1477328"/>
+          </a:xfrm>
+          <a:prstGeom prst="rect">
+            <a:avLst/>
+          </a:prstGeom>
+          <a:noFill/>
+        </p:spPr>
+        <p:txBody>
+          <a:bodyPr wrap="square" rtlCol="0">
+            <a:spAutoFit/>
+          </a:bodyPr>
+          <a:lstStyle/>
+          <a:p>
+            <a:r>
+              <a:rPr lang="en-US" b="1" dirty="0" err="1"/>
+              <a:t>scanf</a:t>
+            </a:r>
+            <a:r>
+              <a:rPr lang="en-US" b="1" dirty="0"/>
+              <a:t>() handled both int and string input to avoid buffer issues.</a:t>
+            </a:r>
+          </a:p>
+        </p:txBody>
+      </p:sp>
+      <p:pic>
+        <p:nvPicPr>
+          <p:cNvPr id="6" name="Picture 5">
+            <a:extLst>
+              <a:ext uri="{FF2B5EF4-FFF2-40B4-BE49-F238E27FC236}">
+                <a16:creationId xmlns:a16="http://schemas.microsoft.com/office/drawing/2014/main" id="{4CC7BDD5-060A-F324-0266-5C1E8B2DAABF}"/>
+              </a:ext>
+            </a:extLst>
+          </p:cNvPr>
+          <p:cNvPicPr>
+            <a:picLocks noChangeAspect="1"/>
+          </p:cNvPicPr>
+          <p:nvPr/>
+        </p:nvPicPr>
+        <p:blipFill>
+          <a:blip r:embed="rId4"/>
+          <a:stretch>
+            <a:fillRect/>
+          </a:stretch>
+        </p:blipFill>
+        <p:spPr>
+          <a:xfrm>
+            <a:off x="9363577" y="750108"/>
+            <a:ext cx="1744180" cy="1472967"/>
+          </a:xfrm>
+          <a:prstGeom prst="rect">
+            <a:avLst/>
+          </a:prstGeom>
+        </p:spPr>
+      </p:pic>
+    </p:spTree>
+    <p:extLst>
+      <p:ext uri="{BB962C8B-B14F-4D97-AF65-F5344CB8AC3E}">
+        <p14:creationId xmlns:p14="http://schemas.microsoft.com/office/powerpoint/2010/main" val="1589292078"/>
+      </p:ext>
+    </p:extLst>
+  </p:cSld>
+  <p:clrMapOvr>
+    <a:masterClrMapping/>
+  </p:clrMapOvr>
+</p:sld>
+</file>
+
+<file path=ppt/slides/slide6.xml><?xml version="1.0" encoding="utf-8"?>
+<p:sld xmlns:a="http://schemas.openxmlformats.org/drawingml/2006/main" xmlns:r="http://schemas.openxmlformats.org/officeDocument/2006/relationships" xmlns:p="http://schemas.openxmlformats.org/presentationml/2006/main">
+  <p:cSld>
+    <p:spTree>
+      <p:nvGrpSpPr>
+        <p:cNvPr id="1" name="">
+          <a:extLst>
+            <a:ext uri="{FF2B5EF4-FFF2-40B4-BE49-F238E27FC236}">
+              <a16:creationId xmlns:a16="http://schemas.microsoft.com/office/drawing/2014/main" id="{F34D7A08-7C13-0C88-94B7-63F6F38365C7}"/>
+            </a:ext>
+          </a:extLst>
+        </p:cNvPr>
+        <p:cNvGrpSpPr/>
+        <p:nvPr/>
+      </p:nvGrpSpPr>
+      <p:grpSpPr>
+        <a:xfrm>
+          <a:off x="0" y="0"/>
+          <a:ext cx="0" cy="0"/>
+          <a:chOff x="0" y="0"/>
+          <a:chExt cx="0" cy="0"/>
+        </a:xfrm>
+      </p:grpSpPr>
+      <p:cxnSp>
+        <p:nvCxnSpPr>
+          <p:cNvPr id="3" name="Straight Connector 2">
+            <a:extLst>
+              <a:ext uri="{FF2B5EF4-FFF2-40B4-BE49-F238E27FC236}">
+                <a16:creationId xmlns:a16="http://schemas.microsoft.com/office/drawing/2014/main" id="{5D77BDA1-A82E-0756-FEFC-BB0D58570698}"/>
+              </a:ext>
+            </a:extLst>
+          </p:cNvPr>
+          <p:cNvCxnSpPr>
+            <a:cxnSpLocks/>
+          </p:cNvCxnSpPr>
+          <p:nvPr/>
+        </p:nvCxnSpPr>
+        <p:spPr>
+          <a:xfrm>
+            <a:off x="284480" y="487680"/>
+            <a:ext cx="11531600" cy="0"/>
+          </a:xfrm>
+          <a:prstGeom prst="line">
+            <a:avLst/>
+          </a:prstGeom>
+          <a:ln/>
+        </p:spPr>
+        <p:style>
+          <a:lnRef idx="3">
+            <a:schemeClr val="accent4"/>
+          </a:lnRef>
+          <a:fillRef idx="0">
+            <a:schemeClr val="accent4"/>
+          </a:fillRef>
+          <a:effectRef idx="2">
+            <a:schemeClr val="accent4"/>
+          </a:effectRef>
+          <a:fontRef idx="minor">
+            <a:schemeClr val="tx1"/>
+          </a:fontRef>
+        </p:style>
+      </p:cxnSp>
+      <p:cxnSp>
+        <p:nvCxnSpPr>
+          <p:cNvPr id="8" name="Straight Connector 7">
+            <a:extLst>
+              <a:ext uri="{FF2B5EF4-FFF2-40B4-BE49-F238E27FC236}">
+                <a16:creationId xmlns:a16="http://schemas.microsoft.com/office/drawing/2014/main" id="{128E80B5-AB98-FAD7-373E-BD6D63C10FB4}"/>
+              </a:ext>
+            </a:extLst>
+          </p:cNvPr>
+          <p:cNvCxnSpPr>
+            <a:cxnSpLocks/>
+          </p:cNvCxnSpPr>
+          <p:nvPr/>
+        </p:nvCxnSpPr>
+        <p:spPr>
+          <a:xfrm>
+            <a:off x="406400" y="6258560"/>
+            <a:ext cx="11338560" cy="0"/>
+          </a:xfrm>
+          <a:prstGeom prst="line">
+            <a:avLst/>
+          </a:prstGeom>
+          <a:ln/>
+        </p:spPr>
+        <p:style>
+          <a:lnRef idx="3">
+            <a:schemeClr val="accent4"/>
+          </a:lnRef>
+          <a:fillRef idx="0">
+            <a:schemeClr val="accent4"/>
+          </a:fillRef>
+          <a:effectRef idx="2">
+            <a:schemeClr val="accent4"/>
+          </a:effectRef>
+          <a:fontRef idx="minor">
+            <a:schemeClr val="tx1"/>
+          </a:fontRef>
+        </p:style>
+      </p:cxnSp>
+      <p:cxnSp>
+        <p:nvCxnSpPr>
+          <p:cNvPr id="10" name="Straight Connector 9">
+            <a:extLst>
+              <a:ext uri="{FF2B5EF4-FFF2-40B4-BE49-F238E27FC236}">
+                <a16:creationId xmlns:a16="http://schemas.microsoft.com/office/drawing/2014/main" id="{0A4C4350-DB6C-46F0-EBF4-86E8DDE10B99}"/>
+              </a:ext>
+            </a:extLst>
+          </p:cNvPr>
+          <p:cNvCxnSpPr>
+            <a:cxnSpLocks/>
+          </p:cNvCxnSpPr>
+          <p:nvPr/>
+        </p:nvCxnSpPr>
+        <p:spPr>
+          <a:xfrm flipV="1">
+            <a:off x="543559" y="487680"/>
+            <a:ext cx="0" cy="5770880"/>
+          </a:xfrm>
+          <a:prstGeom prst="line">
+            <a:avLst/>
+          </a:prstGeom>
+          <a:ln/>
+        </p:spPr>
+        <p:style>
+          <a:lnRef idx="3">
+            <a:schemeClr val="accent4"/>
+          </a:lnRef>
+          <a:fillRef idx="0">
+            <a:schemeClr val="accent4"/>
+          </a:fillRef>
+          <a:effectRef idx="2">
+            <a:schemeClr val="accent4"/>
+          </a:effectRef>
+          <a:fontRef idx="minor">
+            <a:schemeClr val="tx1"/>
+          </a:fontRef>
+        </p:style>
+      </p:cxnSp>
+      <p:cxnSp>
+        <p:nvCxnSpPr>
+          <p:cNvPr id="17" name="Straight Connector 16">
+            <a:extLst>
+              <a:ext uri="{FF2B5EF4-FFF2-40B4-BE49-F238E27FC236}">
+                <a16:creationId xmlns:a16="http://schemas.microsoft.com/office/drawing/2014/main" id="{0CB62E46-5775-8019-036D-F607F9D074D8}"/>
+              </a:ext>
+            </a:extLst>
+          </p:cNvPr>
+          <p:cNvCxnSpPr>
+            <a:cxnSpLocks/>
+          </p:cNvCxnSpPr>
+          <p:nvPr/>
+        </p:nvCxnSpPr>
+        <p:spPr>
+          <a:xfrm flipV="1">
+            <a:off x="11617959" y="487680"/>
+            <a:ext cx="0" cy="5770880"/>
+          </a:xfrm>
+          <a:prstGeom prst="line">
+            <a:avLst/>
+          </a:prstGeom>
+          <a:ln/>
+        </p:spPr>
+        <p:style>
+          <a:lnRef idx="3">
+            <a:schemeClr val="accent4"/>
+          </a:lnRef>
+          <a:fillRef idx="0">
+            <a:schemeClr val="accent4"/>
+          </a:fillRef>
+          <a:effectRef idx="2">
+            <a:schemeClr val="accent4"/>
+          </a:effectRef>
+          <a:fontRef idx="minor">
+            <a:schemeClr val="tx1"/>
+          </a:fontRef>
+        </p:style>
+      </p:cxnSp>
+      <p:sp>
+        <p:nvSpPr>
+          <p:cNvPr id="24" name="Footer Placeholder 23">
+            <a:extLst>
+              <a:ext uri="{FF2B5EF4-FFF2-40B4-BE49-F238E27FC236}">
+                <a16:creationId xmlns:a16="http://schemas.microsoft.com/office/drawing/2014/main" id="{E96B4E64-7827-4446-46B5-924C08051B91}"/>
+              </a:ext>
+            </a:extLst>
+          </p:cNvPr>
+          <p:cNvSpPr>
+            <a:spLocks noGrp="1"/>
+          </p:cNvSpPr>
+          <p:nvPr>
+            <p:ph type="ftr" sz="quarter" idx="11"/>
+          </p:nvPr>
+        </p:nvSpPr>
+        <p:spPr>
+          <a:xfrm>
+            <a:off x="8068667" y="4846322"/>
+            <a:ext cx="4764810" cy="1523998"/>
+          </a:xfrm>
+        </p:spPr>
+        <p:txBody>
+          <a:bodyPr/>
+          <a:lstStyle/>
+          <a:p>
+            <a:r>
+              <a:rPr lang="en-GB" dirty="0"/>
+              <a:t>Group 2 </a:t>
+            </a:r>
+          </a:p>
+          <a:p>
+            <a:r>
+              <a:rPr lang="en-GB" dirty="0"/>
+              <a:t>Abhishek Dutta </a:t>
+            </a:r>
+          </a:p>
+          <a:p>
+            <a:r>
+              <a:rPr lang="en-GB" dirty="0"/>
+              <a:t>Md Ishrak </a:t>
+            </a:r>
+            <a:r>
+              <a:rPr lang="en-GB" dirty="0" err="1"/>
+              <a:t>Mashroor</a:t>
+            </a:r>
+            <a:r>
+              <a:rPr lang="en-GB" dirty="0"/>
+              <a:t>  </a:t>
+            </a:r>
+          </a:p>
+          <a:p>
+            <a:r>
+              <a:rPr lang="en-GB" dirty="0"/>
+              <a:t>Ashab Mahmud Raseen </a:t>
+            </a:r>
+          </a:p>
+          <a:p>
+            <a:r>
+              <a:rPr lang="en-GB" dirty="0"/>
+              <a:t>Sneha Nandy </a:t>
+            </a:r>
+          </a:p>
+        </p:txBody>
+      </p:sp>
+      <p:sp>
+        <p:nvSpPr>
+          <p:cNvPr id="2" name="TextBox 1">
+            <a:extLst>
+              <a:ext uri="{FF2B5EF4-FFF2-40B4-BE49-F238E27FC236}">
+                <a16:creationId xmlns:a16="http://schemas.microsoft.com/office/drawing/2014/main" id="{43937DB0-3466-A183-3A49-C3458CC096A5}"/>
+              </a:ext>
+            </a:extLst>
+          </p:cNvPr>
+          <p:cNvSpPr txBox="1"/>
+          <p:nvPr/>
+        </p:nvSpPr>
+        <p:spPr>
+          <a:xfrm>
+            <a:off x="943275" y="798896"/>
+            <a:ext cx="2858703" cy="461665"/>
+          </a:xfrm>
+          <a:prstGeom prst="rect">
+            <a:avLst/>
+          </a:prstGeom>
+          <a:noFill/>
+        </p:spPr>
+        <p:txBody>
+          <a:bodyPr wrap="square" rtlCol="0">
+            <a:spAutoFit/>
+          </a:bodyPr>
+          <a:lstStyle/>
+          <a:p>
+            <a:r>
+              <a:rPr lang="en-US" sz="2400" b="1" dirty="0">
+                <a:solidFill>
+                  <a:schemeClr val="tx2">
+                    <a:lumMod val="90000"/>
+                    <a:lumOff val="10000"/>
+                  </a:schemeClr>
+                </a:solidFill>
+              </a:rPr>
+              <a:t>Key Challenges:</a:t>
+            </a:r>
+          </a:p>
+        </p:txBody>
+      </p:sp>
+    </p:spTree>
+    <p:extLst>
+      <p:ext uri="{BB962C8B-B14F-4D97-AF65-F5344CB8AC3E}">
+        <p14:creationId xmlns:p14="http://schemas.microsoft.com/office/powerpoint/2010/main" val="3317183055"/>
+      </p:ext>
+    </p:extLst>
+  </p:cSld>
+  <p:clrMapOvr>
+    <a:masterClrMapping/>
+  </p:clrMapOvr>
+</p:sld>
+</file>
+
+<file path=ppt/slides/slide7.xml><?xml version="1.0" encoding="utf-8"?>
+<p:sld xmlns:a="http://schemas.openxmlformats.org/drawingml/2006/main" xmlns:r="http://schemas.openxmlformats.org/officeDocument/2006/relationships" xmlns:p="http://schemas.openxmlformats.org/presentationml/2006/main">
+  <p:cSld>
+    <p:spTree>
+      <p:nvGrpSpPr>
+        <p:cNvPr id="1" name="">
+          <a:extLst>
+            <a:ext uri="{FF2B5EF4-FFF2-40B4-BE49-F238E27FC236}">
+              <a16:creationId xmlns:a16="http://schemas.microsoft.com/office/drawing/2014/main" id="{F69DD704-B5E6-5C8B-6298-4541A382B2E1}"/>
+            </a:ext>
+          </a:extLst>
+        </p:cNvPr>
+        <p:cNvGrpSpPr/>
+        <p:nvPr/>
+      </p:nvGrpSpPr>
+      <p:grpSpPr>
+        <a:xfrm>
+          <a:off x="0" y="0"/>
+          <a:ext cx="0" cy="0"/>
+          <a:chOff x="0" y="0"/>
+          <a:chExt cx="0" cy="0"/>
+        </a:xfrm>
+      </p:grpSpPr>
+      <p:cxnSp>
+        <p:nvCxnSpPr>
+          <p:cNvPr id="3" name="Straight Connector 2">
+            <a:extLst>
+              <a:ext uri="{FF2B5EF4-FFF2-40B4-BE49-F238E27FC236}">
+                <a16:creationId xmlns:a16="http://schemas.microsoft.com/office/drawing/2014/main" id="{9C8A52D2-7D34-E1A0-4CB7-6B923858BBE0}"/>
+              </a:ext>
+            </a:extLst>
+          </p:cNvPr>
+          <p:cNvCxnSpPr>
+            <a:cxnSpLocks/>
+          </p:cNvCxnSpPr>
+          <p:nvPr/>
+        </p:nvCxnSpPr>
+        <p:spPr>
+          <a:xfrm>
+            <a:off x="284480" y="487680"/>
+            <a:ext cx="11531600" cy="0"/>
+          </a:xfrm>
+          <a:prstGeom prst="line">
+            <a:avLst/>
+          </a:prstGeom>
+          <a:ln/>
+        </p:spPr>
+        <p:style>
+          <a:lnRef idx="3">
+            <a:schemeClr val="accent4"/>
+          </a:lnRef>
+          <a:fillRef idx="0">
+            <a:schemeClr val="accent4"/>
+          </a:fillRef>
+          <a:effectRef idx="2">
+            <a:schemeClr val="accent4"/>
+          </a:effectRef>
+          <a:fontRef idx="minor">
+            <a:schemeClr val="tx1"/>
+          </a:fontRef>
+        </p:style>
+      </p:cxnSp>
+      <p:cxnSp>
+        <p:nvCxnSpPr>
+          <p:cNvPr id="8" name="Straight Connector 7">
+            <a:extLst>
+              <a:ext uri="{FF2B5EF4-FFF2-40B4-BE49-F238E27FC236}">
+                <a16:creationId xmlns:a16="http://schemas.microsoft.com/office/drawing/2014/main" id="{2DD16993-F7AF-5A7D-6285-32E1E18C0240}"/>
+              </a:ext>
+            </a:extLst>
+          </p:cNvPr>
+          <p:cNvCxnSpPr>
+            <a:cxnSpLocks/>
+          </p:cNvCxnSpPr>
+          <p:nvPr/>
+        </p:nvCxnSpPr>
+        <p:spPr>
+          <a:xfrm>
+            <a:off x="406400" y="6258560"/>
+            <a:ext cx="11338560" cy="0"/>
+          </a:xfrm>
+          <a:prstGeom prst="line">
+            <a:avLst/>
+          </a:prstGeom>
+          <a:ln/>
+        </p:spPr>
+        <p:style>
+          <a:lnRef idx="3">
+            <a:schemeClr val="accent4"/>
+          </a:lnRef>
+          <a:fillRef idx="0">
+            <a:schemeClr val="accent4"/>
+          </a:fillRef>
+          <a:effectRef idx="2">
+            <a:schemeClr val="accent4"/>
+          </a:effectRef>
+          <a:fontRef idx="minor">
+            <a:schemeClr val="tx1"/>
+          </a:fontRef>
+        </p:style>
+      </p:cxnSp>
+      <p:cxnSp>
+        <p:nvCxnSpPr>
+          <p:cNvPr id="10" name="Straight Connector 9">
+            <a:extLst>
+              <a:ext uri="{FF2B5EF4-FFF2-40B4-BE49-F238E27FC236}">
+                <a16:creationId xmlns:a16="http://schemas.microsoft.com/office/drawing/2014/main" id="{8552B348-1E28-50D5-2B50-9C5B7368707D}"/>
+              </a:ext>
+            </a:extLst>
+          </p:cNvPr>
+          <p:cNvCxnSpPr>
+            <a:cxnSpLocks/>
+          </p:cNvCxnSpPr>
+          <p:nvPr/>
+        </p:nvCxnSpPr>
+        <p:spPr>
+          <a:xfrm flipV="1">
+            <a:off x="543559" y="487680"/>
+            <a:ext cx="0" cy="5770880"/>
+          </a:xfrm>
+          <a:prstGeom prst="line">
+            <a:avLst/>
+          </a:prstGeom>
+          <a:ln/>
+        </p:spPr>
+        <p:style>
+          <a:lnRef idx="3">
+            <a:schemeClr val="accent4"/>
+          </a:lnRef>
+          <a:fillRef idx="0">
+            <a:schemeClr val="accent4"/>
+          </a:fillRef>
+          <a:effectRef idx="2">
+            <a:schemeClr val="accent4"/>
+          </a:effectRef>
+          <a:fontRef idx="minor">
+            <a:schemeClr val="tx1"/>
+          </a:fontRef>
+        </p:style>
+      </p:cxnSp>
+      <p:cxnSp>
+        <p:nvCxnSpPr>
+          <p:cNvPr id="17" name="Straight Connector 16">
+            <a:extLst>
+              <a:ext uri="{FF2B5EF4-FFF2-40B4-BE49-F238E27FC236}">
+                <a16:creationId xmlns:a16="http://schemas.microsoft.com/office/drawing/2014/main" id="{2E1F4E29-7B11-F952-B7C0-DBD1029F5534}"/>
+              </a:ext>
+            </a:extLst>
+          </p:cNvPr>
+          <p:cNvCxnSpPr>
+            <a:cxnSpLocks/>
+          </p:cNvCxnSpPr>
+          <p:nvPr/>
+        </p:nvCxnSpPr>
+        <p:spPr>
+          <a:xfrm flipV="1">
+            <a:off x="11617959" y="487680"/>
+            <a:ext cx="0" cy="5770880"/>
+          </a:xfrm>
+          <a:prstGeom prst="line">
+            <a:avLst/>
+          </a:prstGeom>
+          <a:ln/>
+        </p:spPr>
+        <p:style>
+          <a:lnRef idx="3">
+            <a:schemeClr val="accent4"/>
+          </a:lnRef>
+          <a:fillRef idx="0">
+            <a:schemeClr val="accent4"/>
+          </a:fillRef>
+          <a:effectRef idx="2">
+            <a:schemeClr val="accent4"/>
+          </a:effectRef>
+          <a:fontRef idx="minor">
+            <a:schemeClr val="tx1"/>
+          </a:fontRef>
+        </p:style>
+      </p:cxnSp>
+      <p:sp>
+        <p:nvSpPr>
+          <p:cNvPr id="24" name="Footer Placeholder 23">
+            <a:extLst>
+              <a:ext uri="{FF2B5EF4-FFF2-40B4-BE49-F238E27FC236}">
+                <a16:creationId xmlns:a16="http://schemas.microsoft.com/office/drawing/2014/main" id="{175C964A-4988-04B1-8A97-03A4D588408A}"/>
+              </a:ext>
+            </a:extLst>
+          </p:cNvPr>
+          <p:cNvSpPr>
+            <a:spLocks noGrp="1"/>
+          </p:cNvSpPr>
+          <p:nvPr>
+            <p:ph type="ftr" sz="quarter" idx="11"/>
+          </p:nvPr>
+        </p:nvSpPr>
+        <p:spPr>
+          <a:xfrm>
+            <a:off x="8126418" y="4846322"/>
+            <a:ext cx="4764810" cy="1523998"/>
+          </a:xfrm>
+        </p:spPr>
+        <p:txBody>
+          <a:bodyPr/>
+          <a:lstStyle/>
+          <a:p>
+            <a:r>
+              <a:rPr lang="en-GB" dirty="0"/>
+              <a:t>Group 2 </a:t>
+            </a:r>
+          </a:p>
+          <a:p>
+            <a:r>
+              <a:rPr lang="en-GB" dirty="0"/>
+              <a:t>Abhishek Dutta </a:t>
+            </a:r>
+          </a:p>
+          <a:p>
+            <a:r>
+              <a:rPr lang="en-GB" dirty="0"/>
+              <a:t>Md Ishrak </a:t>
+            </a:r>
+            <a:r>
+              <a:rPr lang="en-GB" dirty="0" err="1"/>
+              <a:t>Mashroor</a:t>
+            </a:r>
+            <a:r>
+              <a:rPr lang="en-GB" dirty="0"/>
+              <a:t>  </a:t>
+            </a:r>
+          </a:p>
+          <a:p>
+            <a:r>
+              <a:rPr lang="en-GB" dirty="0"/>
+              <a:t>Ashab Mahmud Raseen </a:t>
+            </a:r>
+          </a:p>
+          <a:p>
+            <a:r>
+              <a:rPr lang="en-GB" dirty="0"/>
+              <a:t> Sneha Nandy </a:t>
+            </a:r>
+          </a:p>
+        </p:txBody>
+      </p:sp>
+      <p:sp>
+        <p:nvSpPr>
+          <p:cNvPr id="2" name="TextBox 1">
+            <a:extLst>
+              <a:ext uri="{FF2B5EF4-FFF2-40B4-BE49-F238E27FC236}">
+                <a16:creationId xmlns:a16="http://schemas.microsoft.com/office/drawing/2014/main" id="{F8394E75-BD4D-F10E-E7BD-A9938B9BA58E}"/>
+              </a:ext>
+            </a:extLst>
+          </p:cNvPr>
+          <p:cNvSpPr txBox="1"/>
+          <p:nvPr/>
+        </p:nvSpPr>
+        <p:spPr>
+          <a:xfrm>
+            <a:off x="962527" y="798896"/>
+            <a:ext cx="1909010" cy="461665"/>
+          </a:xfrm>
+          <a:prstGeom prst="rect">
+            <a:avLst/>
+          </a:prstGeom>
+          <a:noFill/>
+        </p:spPr>
+        <p:txBody>
+          <a:bodyPr wrap="square" rtlCol="0">
+            <a:spAutoFit/>
+          </a:bodyPr>
+          <a:lstStyle/>
+          <a:p>
+            <a:r>
+              <a:rPr lang="en-US" sz="2400" b="1" dirty="0">
+                <a:solidFill>
+                  <a:schemeClr val="tx2">
+                    <a:lumMod val="90000"/>
+                    <a:lumOff val="10000"/>
+                  </a:schemeClr>
+                </a:solidFill>
+              </a:rPr>
+              <a:t>Future Plan</a:t>
+            </a:r>
+          </a:p>
+        </p:txBody>
+      </p:sp>
+    </p:spTree>
+    <p:extLst>
+      <p:ext uri="{BB962C8B-B14F-4D97-AF65-F5344CB8AC3E}">
+        <p14:creationId xmlns:p14="http://schemas.microsoft.com/office/powerpoint/2010/main" val="3910344058"/>
+      </p:ext>
+    </p:extLst>
+  </p:cSld>
+  <p:clrMapOvr>
+    <a:masterClrMapping/>
+  </p:clrMapOvr>
+</p:sld>
+</file>
+
+<file path=ppt/slides/slide8.xml><?xml version="1.0" encoding="utf-8"?>
+<p:sld xmlns:a="http://schemas.openxmlformats.org/drawingml/2006/main" xmlns:r="http://schemas.openxmlformats.org/officeDocument/2006/relationships" xmlns:p="http://schemas.openxmlformats.org/presentationml/2006/main">
+  <p:cSld>
+    <p:spTree>
+      <p:nvGrpSpPr>
+        <p:cNvPr id="1" name="">
+          <a:extLst>
+            <a:ext uri="{FF2B5EF4-FFF2-40B4-BE49-F238E27FC236}">
+              <a16:creationId xmlns:a16="http://schemas.microsoft.com/office/drawing/2014/main" id="{53C1E92C-405B-AA1A-CE69-78590E77F6FE}"/>
+            </a:ext>
+          </a:extLst>
+        </p:cNvPr>
+        <p:cNvGrpSpPr/>
+        <p:nvPr/>
+      </p:nvGrpSpPr>
+      <p:grpSpPr>
+        <a:xfrm>
+          <a:off x="0" y="0"/>
+          <a:ext cx="0" cy="0"/>
+          <a:chOff x="0" y="0"/>
+          <a:chExt cx="0" cy="0"/>
+        </a:xfrm>
+      </p:grpSpPr>
+      <p:cxnSp>
+        <p:nvCxnSpPr>
+          <p:cNvPr id="3" name="Straight Connector 2">
+            <a:extLst>
+              <a:ext uri="{FF2B5EF4-FFF2-40B4-BE49-F238E27FC236}">
+                <a16:creationId xmlns:a16="http://schemas.microsoft.com/office/drawing/2014/main" id="{9FB01A14-817A-A76E-7143-4FE934CF6580}"/>
+              </a:ext>
+            </a:extLst>
+          </p:cNvPr>
+          <p:cNvCxnSpPr>
+            <a:cxnSpLocks/>
+          </p:cNvCxnSpPr>
+          <p:nvPr/>
+        </p:nvCxnSpPr>
+        <p:spPr>
+          <a:xfrm>
+            <a:off x="284480" y="487680"/>
+            <a:ext cx="11531600" cy="0"/>
+          </a:xfrm>
+          <a:prstGeom prst="line">
+            <a:avLst/>
+          </a:prstGeom>
+          <a:ln/>
+        </p:spPr>
+        <p:style>
+          <a:lnRef idx="3">
+            <a:schemeClr val="accent4"/>
+          </a:lnRef>
+          <a:fillRef idx="0">
+            <a:schemeClr val="accent4"/>
+          </a:fillRef>
+          <a:effectRef idx="2">
+            <a:schemeClr val="accent4"/>
+          </a:effectRef>
+          <a:fontRef idx="minor">
+            <a:schemeClr val="tx1"/>
+          </a:fontRef>
+        </p:style>
+      </p:cxnSp>
+      <p:cxnSp>
+        <p:nvCxnSpPr>
+          <p:cNvPr id="8" name="Straight Connector 7">
+            <a:extLst>
+              <a:ext uri="{FF2B5EF4-FFF2-40B4-BE49-F238E27FC236}">
+                <a16:creationId xmlns:a16="http://schemas.microsoft.com/office/drawing/2014/main" id="{18A033D0-D886-9871-26A2-ACEE2E812F73}"/>
+              </a:ext>
+            </a:extLst>
+          </p:cNvPr>
+          <p:cNvCxnSpPr>
+            <a:cxnSpLocks/>
+          </p:cNvCxnSpPr>
+          <p:nvPr/>
+        </p:nvCxnSpPr>
+        <p:spPr>
+          <a:xfrm>
+            <a:off x="406400" y="6258560"/>
+            <a:ext cx="11338560" cy="0"/>
+          </a:xfrm>
+          <a:prstGeom prst="line">
+            <a:avLst/>
+          </a:prstGeom>
+          <a:ln/>
+        </p:spPr>
+        <p:style>
+          <a:lnRef idx="3">
+            <a:schemeClr val="accent4"/>
+          </a:lnRef>
+          <a:fillRef idx="0">
+            <a:schemeClr val="accent4"/>
+          </a:fillRef>
+          <a:effectRef idx="2">
+            <a:schemeClr val="accent4"/>
+          </a:effectRef>
+          <a:fontRef idx="minor">
+            <a:schemeClr val="tx1"/>
+          </a:fontRef>
+        </p:style>
+      </p:cxnSp>
+      <p:cxnSp>
+        <p:nvCxnSpPr>
+          <p:cNvPr id="10" name="Straight Connector 9">
+            <a:extLst>
+              <a:ext uri="{FF2B5EF4-FFF2-40B4-BE49-F238E27FC236}">
+                <a16:creationId xmlns:a16="http://schemas.microsoft.com/office/drawing/2014/main" id="{F6E04C21-2A43-7626-F630-9EB5661D59BA}"/>
+              </a:ext>
+            </a:extLst>
+          </p:cNvPr>
+          <p:cNvCxnSpPr>
+            <a:cxnSpLocks/>
+          </p:cNvCxnSpPr>
+          <p:nvPr/>
+        </p:nvCxnSpPr>
+        <p:spPr>
+          <a:xfrm flipV="1">
+            <a:off x="543559" y="487680"/>
+            <a:ext cx="0" cy="5770880"/>
+          </a:xfrm>
+          <a:prstGeom prst="line">
+            <a:avLst/>
+          </a:prstGeom>
+          <a:ln/>
+        </p:spPr>
+        <p:style>
+          <a:lnRef idx="3">
+            <a:schemeClr val="accent4"/>
+          </a:lnRef>
+          <a:fillRef idx="0">
+            <a:schemeClr val="accent4"/>
+          </a:fillRef>
+          <a:effectRef idx="2">
+            <a:schemeClr val="accent4"/>
+          </a:effectRef>
+          <a:fontRef idx="minor">
+            <a:schemeClr val="tx1"/>
+          </a:fontRef>
+        </p:style>
+      </p:cxnSp>
+      <p:cxnSp>
+        <p:nvCxnSpPr>
+          <p:cNvPr id="17" name="Straight Connector 16">
+            <a:extLst>
+              <a:ext uri="{FF2B5EF4-FFF2-40B4-BE49-F238E27FC236}">
+                <a16:creationId xmlns:a16="http://schemas.microsoft.com/office/drawing/2014/main" id="{F5061854-F043-E49D-8935-3F58D745992A}"/>
+              </a:ext>
+            </a:extLst>
+          </p:cNvPr>
+          <p:cNvCxnSpPr>
+            <a:cxnSpLocks/>
+          </p:cNvCxnSpPr>
+          <p:nvPr/>
+        </p:nvCxnSpPr>
+        <p:spPr>
+          <a:xfrm flipV="1">
+            <a:off x="11617959" y="487680"/>
+            <a:ext cx="0" cy="5770880"/>
+          </a:xfrm>
+          <a:prstGeom prst="line">
+            <a:avLst/>
+          </a:prstGeom>
+          <a:ln/>
+        </p:spPr>
+        <p:style>
+          <a:lnRef idx="3">
+            <a:schemeClr val="accent4"/>
+          </a:lnRef>
+          <a:fillRef idx="0">
+            <a:schemeClr val="accent4"/>
+          </a:fillRef>
+          <a:effectRef idx="2">
+            <a:schemeClr val="accent4"/>
+          </a:effectRef>
+          <a:fontRef idx="minor">
+            <a:schemeClr val="tx1"/>
+          </a:fontRef>
+        </p:style>
+      </p:cxnSp>
+      <p:sp>
+        <p:nvSpPr>
+          <p:cNvPr id="24" name="Footer Placeholder 23">
+            <a:extLst>
+              <a:ext uri="{FF2B5EF4-FFF2-40B4-BE49-F238E27FC236}">
+                <a16:creationId xmlns:a16="http://schemas.microsoft.com/office/drawing/2014/main" id="{841E4BD7-3018-8235-9754-94A5D65EE9F5}"/>
+              </a:ext>
+            </a:extLst>
+          </p:cNvPr>
+          <p:cNvSpPr>
+            <a:spLocks noGrp="1"/>
+          </p:cNvSpPr>
+          <p:nvPr>
+            <p:ph type="ftr" sz="quarter" idx="11"/>
+          </p:nvPr>
+        </p:nvSpPr>
+        <p:spPr>
+          <a:xfrm>
+            <a:off x="8126418" y="4846322"/>
+            <a:ext cx="4764810" cy="1523998"/>
+          </a:xfrm>
+        </p:spPr>
+        <p:txBody>
+          <a:bodyPr/>
+          <a:lstStyle/>
+          <a:p>
+            <a:r>
+              <a:rPr lang="en-GB" dirty="0"/>
+              <a:t>Group 2 </a:t>
+            </a:r>
+          </a:p>
+          <a:p>
+            <a:r>
+              <a:rPr lang="en-GB" dirty="0"/>
+              <a:t>Abhishek Dutta </a:t>
+            </a:r>
+          </a:p>
+          <a:p>
+            <a:r>
+              <a:rPr lang="en-GB" dirty="0"/>
+              <a:t>Md Ishrak </a:t>
+            </a:r>
+            <a:r>
+              <a:rPr lang="en-GB" dirty="0" err="1"/>
+              <a:t>Mashroor</a:t>
+            </a:r>
+            <a:r>
+              <a:rPr lang="en-GB" dirty="0"/>
+              <a:t> </a:t>
+            </a:r>
+          </a:p>
+          <a:p>
+            <a:r>
+              <a:rPr lang="en-GB" dirty="0"/>
+              <a:t> Ashab Mahmud Raseen  </a:t>
+            </a:r>
+          </a:p>
+          <a:p>
+            <a:r>
+              <a:rPr lang="en-GB" dirty="0"/>
+              <a:t>Sneha Nandy </a:t>
+            </a:r>
+          </a:p>
+        </p:txBody>
+      </p:sp>
+      <p:sp>
+        <p:nvSpPr>
+          <p:cNvPr id="2" name="TextBox 1">
+            <a:extLst>
+              <a:ext uri="{FF2B5EF4-FFF2-40B4-BE49-F238E27FC236}">
+                <a16:creationId xmlns:a16="http://schemas.microsoft.com/office/drawing/2014/main" id="{91F82502-3D25-2120-D0ED-07E7C67CA2C3}"/>
+              </a:ext>
+            </a:extLst>
+          </p:cNvPr>
+          <p:cNvSpPr txBox="1"/>
+          <p:nvPr/>
+        </p:nvSpPr>
+        <p:spPr>
+          <a:xfrm>
+            <a:off x="4186989" y="827772"/>
+            <a:ext cx="2858703" cy="461665"/>
+          </a:xfrm>
+          <a:prstGeom prst="rect">
+            <a:avLst/>
+          </a:prstGeom>
+          <a:noFill/>
+        </p:spPr>
+        <p:txBody>
+          <a:bodyPr wrap="square" rtlCol="0">
+            <a:spAutoFit/>
+          </a:bodyPr>
+          <a:lstStyle/>
+          <a:p>
+            <a:r>
+              <a:rPr lang="en-US" sz="2400" b="1" dirty="0">
+                <a:solidFill>
+                  <a:schemeClr val="tx2">
+                    <a:lumMod val="90000"/>
+                    <a:lumOff val="10000"/>
+                  </a:schemeClr>
+                </a:solidFill>
+              </a:rPr>
+              <a:t>GitHub Report Link</a:t>
+            </a:r>
+          </a:p>
+        </p:txBody>
+      </p:sp>
+    </p:spTree>
+    <p:extLst>
+      <p:ext uri="{BB962C8B-B14F-4D97-AF65-F5344CB8AC3E}">
+        <p14:creationId xmlns:p14="http://schemas.microsoft.com/office/powerpoint/2010/main" val="476987411"/>
       </p:ext>
     </p:extLst>
   </p:cSld>
@@ -3444,110 +8916,16 @@
         <a:srgbClr val="96607D"/>
       </a:folHlink>
     </a:clrScheme>
-    <a:fontScheme name="Office">
+    <a:fontScheme name="Custom 1">
       <a:majorFont>
-        <a:latin typeface="Aptos Display" panose="02110004020202020204"/>
+        <a:latin typeface="Cambria Math"/>
         <a:ea typeface=""/>
         <a:cs typeface=""/>
-        <a:font script="Jpan" typeface="游ゴシック Light"/>
-        <a:font script="Hang" typeface="맑은 고딕"/>
-        <a:font script="Hans" typeface="等线 Light"/>
-        <a:font script="Hant" typeface="新細明體"/>
-        <a:font script="Arab" typeface="Times New Roman"/>
-        <a:font script="Hebr" typeface="Times New Roman"/>
-        <a:font script="Thai" typeface="Angsana New"/>
-        <a:font script="Ethi" typeface="Nyala"/>
-        <a:font script="Beng" typeface="Vrinda"/>
-        <a:font script="Gujr" typeface="Shruti"/>
-        <a:font script="Khmr" typeface="MoolBoran"/>
-        <a:font script="Knda" typeface="Tunga"/>
-        <a:font script="Guru" typeface="Raavi"/>
-        <a:font script="Cans" typeface="Euphemia"/>
-        <a:font script="Cher" typeface="Plantagenet Cherokee"/>
-        <a:font script="Yiii" typeface="Microsoft Yi Baiti"/>
-        <a:font script="Tibt" typeface="Microsoft Himalaya"/>
-        <a:font script="Thaa" typeface="MV Boli"/>
-        <a:font script="Deva" typeface="Mangal"/>
-        <a:font script="Telu" typeface="Gautami"/>
-        <a:font script="Taml" typeface="Latha"/>
-        <a:font script="Syrc" typeface="Estrangelo Edessa"/>
-        <a:font script="Orya" typeface="Kalinga"/>
-        <a:font script="Mlym" typeface="Kartika"/>
-        <a:font script="Laoo" typeface="DokChampa"/>
-        <a:font script="Sinh" typeface="Iskoola Pota"/>
-        <a:font script="Mong" typeface="Mongolian Baiti"/>
-        <a:font script="Viet" typeface="Times New Roman"/>
-        <a:font script="Uigh" typeface="Microsoft Uighur"/>
-        <a:font script="Geor" typeface="Sylfaen"/>
-        <a:font script="Armn" typeface="Arial"/>
-        <a:font script="Bugi" typeface="Leelawadee UI"/>
-        <a:font script="Bopo" typeface="Microsoft JhengHei"/>
-        <a:font script="Java" typeface="Javanese Text"/>
-        <a:font script="Lisu" typeface="Segoe UI"/>
-        <a:font script="Mymr" typeface="Myanmar Text"/>
-        <a:font script="Nkoo" typeface="Ebrima"/>
-        <a:font script="Olck" typeface="Nirmala UI"/>
-        <a:font script="Osma" typeface="Ebrima"/>
-        <a:font script="Phag" typeface="Phagspa"/>
-        <a:font script="Syrn" typeface="Estrangelo Edessa"/>
-        <a:font script="Syrj" typeface="Estrangelo Edessa"/>
-        <a:font script="Syre" typeface="Estrangelo Edessa"/>
-        <a:font script="Sora" typeface="Nirmala UI"/>
-        <a:font script="Tale" typeface="Microsoft Tai Le"/>
-        <a:font script="Talu" typeface="Microsoft New Tai Lue"/>
-        <a:font script="Tfng" typeface="Ebrima"/>
       </a:majorFont>
       <a:minorFont>
-        <a:latin typeface="Aptos" panose="02110004020202020204"/>
+        <a:latin typeface="Cambria Math"/>
         <a:ea typeface=""/>
         <a:cs typeface=""/>
-        <a:font script="Jpan" typeface="游ゴシック"/>
-        <a:font script="Hang" typeface="맑은 고딕"/>
-        <a:font script="Hans" typeface="等线"/>
-        <a:font script="Hant" typeface="新細明體"/>
-        <a:font script="Arab" typeface="Arial"/>
-        <a:font script="Hebr" typeface="Arial"/>
-        <a:font script="Thai" typeface="Cordia New"/>
-        <a:font script="Ethi" typeface="Nyala"/>
-        <a:font script="Beng" typeface="Vrinda"/>
-        <a:font script="Gujr" typeface="Shruti"/>
-        <a:font script="Khmr" typeface="DaunPenh"/>
-        <a:font script="Knda" typeface="Tunga"/>
-        <a:font script="Guru" typeface="Raavi"/>
-        <a:font script="Cans" typeface="Euphemia"/>
-        <a:font script="Cher" typeface="Plantagenet Cherokee"/>
-        <a:font script="Yiii" typeface="Microsoft Yi Baiti"/>
-        <a:font script="Tibt" typeface="Microsoft Himalaya"/>
-        <a:font script="Thaa" typeface="MV Boli"/>
-        <a:font script="Deva" typeface="Mangal"/>
-        <a:font script="Telu" typeface="Gautami"/>
-        <a:font script="Taml" typeface="Latha"/>
-        <a:font script="Syrc" typeface="Estrangelo Edessa"/>
-        <a:font script="Orya" typeface="Kalinga"/>
-        <a:font script="Mlym" typeface="Kartika"/>
-        <a:font script="Laoo" typeface="DokChampa"/>
-        <a:font script="Sinh" typeface="Iskoola Pota"/>
-        <a:font script="Mong" typeface="Mongolian Baiti"/>
-        <a:font script="Viet" typeface="Arial"/>
-        <a:font script="Uigh" typeface="Microsoft Uighur"/>
-        <a:font script="Geor" typeface="Sylfaen"/>
-        <a:font script="Armn" typeface="Arial"/>
-        <a:font script="Bugi" typeface="Leelawadee UI"/>
-        <a:font script="Bopo" typeface="Microsoft JhengHei"/>
-        <a:font script="Java" typeface="Javanese Text"/>
-        <a:font script="Lisu" typeface="Segoe UI"/>
-        <a:font script="Mymr" typeface="Myanmar Text"/>
-        <a:font script="Nkoo" typeface="Ebrima"/>
-        <a:font script="Olck" typeface="Nirmala UI"/>
-        <a:font script="Osma" typeface="Ebrima"/>
-        <a:font script="Phag" typeface="Phagspa"/>
-        <a:font script="Syrn" typeface="Estrangelo Edessa"/>
-        <a:font script="Syrj" typeface="Estrangelo Edessa"/>
-        <a:font script="Syre" typeface="Estrangelo Edessa"/>
-        <a:font script="Sora" typeface="Nirmala UI"/>
-        <a:font script="Tale" typeface="Microsoft Tai Le"/>
-        <a:font script="Talu" typeface="Microsoft New Tai Lue"/>
-        <a:font script="Tfng" typeface="Ebrima"/>
       </a:minorFont>
     </a:fontScheme>
     <a:fmtScheme name="Office">
@@ -3716,4 +9094,299 @@
     </a:ext>
   </a:extLst>
 </a:theme>
+</file>
+
+<file path=ppt/theme/theme2.xml><?xml version="1.0" encoding="utf-8"?>
+<a:theme xmlns:a="http://schemas.openxmlformats.org/drawingml/2006/main" name="Office Theme">
+  <a:themeElements>
+    <a:clrScheme name="Office">
+      <a:dk1>
+        <a:sysClr val="windowText" lastClr="000000"/>
+      </a:dk1>
+      <a:lt1>
+        <a:sysClr val="window" lastClr="FFFFFF"/>
+      </a:lt1>
+      <a:dk2>
+        <a:srgbClr val="44546A"/>
+      </a:dk2>
+      <a:lt2>
+        <a:srgbClr val="E7E6E6"/>
+      </a:lt2>
+      <a:accent1>
+        <a:srgbClr val="4472C4"/>
+      </a:accent1>
+      <a:accent2>
+        <a:srgbClr val="ED7D31"/>
+      </a:accent2>
+      <a:accent3>
+        <a:srgbClr val="A5A5A5"/>
+      </a:accent3>
+      <a:accent4>
+        <a:srgbClr val="FFC000"/>
+      </a:accent4>
+      <a:accent5>
+        <a:srgbClr val="5B9BD5"/>
+      </a:accent5>
+      <a:accent6>
+        <a:srgbClr val="70AD47"/>
+      </a:accent6>
+      <a:hlink>
+        <a:srgbClr val="0563C1"/>
+      </a:hlink>
+      <a:folHlink>
+        <a:srgbClr val="954F72"/>
+      </a:folHlink>
+    </a:clrScheme>
+    <a:fontScheme name="Office">
+      <a:majorFont>
+        <a:latin typeface="Calibri Light" panose="020F0302020204030204"/>
+        <a:ea typeface=""/>
+        <a:cs typeface=""/>
+        <a:font script="Jpan" typeface="游ゴシック Light"/>
+        <a:font script="Hang" typeface="맑은 고딕"/>
+        <a:font script="Hans" typeface="等线 Light"/>
+        <a:font script="Hant" typeface="新細明體"/>
+        <a:font script="Arab" typeface="Times New Roman"/>
+        <a:font script="Hebr" typeface="Times New Roman"/>
+        <a:font script="Thai" typeface="Angsana New"/>
+        <a:font script="Ethi" typeface="Nyala"/>
+        <a:font script="Beng" typeface="Vrinda"/>
+        <a:font script="Gujr" typeface="Shruti"/>
+        <a:font script="Khmr" typeface="MoolBoran"/>
+        <a:font script="Knda" typeface="Tunga"/>
+        <a:font script="Guru" typeface="Raavi"/>
+        <a:font script="Cans" typeface="Euphemia"/>
+        <a:font script="Cher" typeface="Plantagenet Cherokee"/>
+        <a:font script="Yiii" typeface="Microsoft Yi Baiti"/>
+        <a:font script="Tibt" typeface="Microsoft Himalaya"/>
+        <a:font script="Thaa" typeface="MV Boli"/>
+        <a:font script="Deva" typeface="Mangal"/>
+        <a:font script="Telu" typeface="Gautami"/>
+        <a:font script="Taml" typeface="Latha"/>
+        <a:font script="Syrc" typeface="Estrangelo Edessa"/>
+        <a:font script="Orya" typeface="Kalinga"/>
+        <a:font script="Mlym" typeface="Kartika"/>
+        <a:font script="Laoo" typeface="DokChampa"/>
+        <a:font script="Sinh" typeface="Iskoola Pota"/>
+        <a:font script="Mong" typeface="Mongolian Baiti"/>
+        <a:font script="Viet" typeface="Times New Roman"/>
+        <a:font script="Uigh" typeface="Microsoft Uighur"/>
+        <a:font script="Geor" typeface="Sylfaen"/>
+        <a:font script="Armn" typeface="Arial"/>
+        <a:font script="Bugi" typeface="Leelawadee UI"/>
+        <a:font script="Bopo" typeface="Microsoft JhengHei"/>
+        <a:font script="Java" typeface="Javanese Text"/>
+        <a:font script="Lisu" typeface="Segoe UI"/>
+        <a:font script="Mymr" typeface="Myanmar Text"/>
+        <a:font script="Nkoo" typeface="Ebrima"/>
+        <a:font script="Olck" typeface="Nirmala UI"/>
+        <a:font script="Osma" typeface="Ebrima"/>
+        <a:font script="Phag" typeface="Phagspa"/>
+        <a:font script="Syrn" typeface="Estrangelo Edessa"/>
+        <a:font script="Syrj" typeface="Estrangelo Edessa"/>
+        <a:font script="Syre" typeface="Estrangelo Edessa"/>
+        <a:font script="Sora" typeface="Nirmala UI"/>
+        <a:font script="Tale" typeface="Microsoft Tai Le"/>
+        <a:font script="Talu" typeface="Microsoft New Tai Lue"/>
+        <a:font script="Tfng" typeface="Ebrima"/>
+      </a:majorFont>
+      <a:minorFont>
+        <a:latin typeface="Calibri" panose="020F0502020204030204"/>
+        <a:ea typeface=""/>
+        <a:cs typeface=""/>
+        <a:font script="Jpan" typeface="游ゴシック"/>
+        <a:font script="Hang" typeface="맑은 고딕"/>
+        <a:font script="Hans" typeface="等线"/>
+        <a:font script="Hant" typeface="新細明體"/>
+        <a:font script="Arab" typeface="Arial"/>
+        <a:font script="Hebr" typeface="Arial"/>
+        <a:font script="Thai" typeface="Cordia New"/>
+        <a:font script="Ethi" typeface="Nyala"/>
+        <a:font script="Beng" typeface="Vrinda"/>
+        <a:font script="Gujr" typeface="Shruti"/>
+        <a:font script="Khmr" typeface="DaunPenh"/>
+        <a:font script="Knda" typeface="Tunga"/>
+        <a:font script="Guru" typeface="Raavi"/>
+        <a:font script="Cans" typeface="Euphemia"/>
+        <a:font script="Cher" typeface="Plantagenet Cherokee"/>
+        <a:font script="Yiii" typeface="Microsoft Yi Baiti"/>
+        <a:font script="Tibt" typeface="Microsoft Himalaya"/>
+        <a:font script="Thaa" typeface="MV Boli"/>
+        <a:font script="Deva" typeface="Mangal"/>
+        <a:font script="Telu" typeface="Gautami"/>
+        <a:font script="Taml" typeface="Latha"/>
+        <a:font script="Syrc" typeface="Estrangelo Edessa"/>
+        <a:font script="Orya" typeface="Kalinga"/>
+        <a:font script="Mlym" typeface="Kartika"/>
+        <a:font script="Laoo" typeface="DokChampa"/>
+        <a:font script="Sinh" typeface="Iskoola Pota"/>
+        <a:font script="Mong" typeface="Mongolian Baiti"/>
+        <a:font script="Viet" typeface="Arial"/>
+        <a:font script="Uigh" typeface="Microsoft Uighur"/>
+        <a:font script="Geor" typeface="Sylfaen"/>
+        <a:font script="Armn" typeface="Arial"/>
+        <a:font script="Bugi" typeface="Leelawadee UI"/>
+        <a:font script="Bopo" typeface="Microsoft JhengHei"/>
+        <a:font script="Java" typeface="Javanese Text"/>
+        <a:font script="Lisu" typeface="Segoe UI"/>
+        <a:font script="Mymr" typeface="Myanmar Text"/>
+        <a:font script="Nkoo" typeface="Ebrima"/>
+        <a:font script="Olck" typeface="Nirmala UI"/>
+        <a:font script="Osma" typeface="Ebrima"/>
+        <a:font script="Phag" typeface="Phagspa"/>
+        <a:font script="Syrn" typeface="Estrangelo Edessa"/>
+        <a:font script="Syrj" typeface="Estrangelo Edessa"/>
+        <a:font script="Syre" typeface="Estrangelo Edessa"/>
+        <a:font script="Sora" typeface="Nirmala UI"/>
+        <a:font script="Tale" typeface="Microsoft Tai Le"/>
+        <a:font script="Talu" typeface="Microsoft New Tai Lue"/>
+        <a:font script="Tfng" typeface="Ebrima"/>
+      </a:minorFont>
+    </a:fontScheme>
+    <a:fmtScheme name="Office">
+      <a:fillStyleLst>
+        <a:solidFill>
+          <a:schemeClr val="phClr"/>
+        </a:solidFill>
+        <a:gradFill rotWithShape="1">
+          <a:gsLst>
+            <a:gs pos="0">
+              <a:schemeClr val="phClr">
+                <a:lumMod val="110000"/>
+                <a:satMod val="105000"/>
+                <a:tint val="67000"/>
+              </a:schemeClr>
+            </a:gs>
+            <a:gs pos="50000">
+              <a:schemeClr val="phClr">
+                <a:lumMod val="105000"/>
+                <a:satMod val="103000"/>
+                <a:tint val="73000"/>
+              </a:schemeClr>
+            </a:gs>
+            <a:gs pos="100000">
+              <a:schemeClr val="phClr">
+                <a:lumMod val="105000"/>
+                <a:satMod val="109000"/>
+                <a:tint val="81000"/>
+              </a:schemeClr>
+            </a:gs>
+          </a:gsLst>
+          <a:lin ang="5400000" scaled="0"/>
+        </a:gradFill>
+        <a:gradFill rotWithShape="1">
+          <a:gsLst>
+            <a:gs pos="0">
+              <a:schemeClr val="phClr">
+                <a:satMod val="103000"/>
+                <a:lumMod val="102000"/>
+                <a:tint val="94000"/>
+              </a:schemeClr>
+            </a:gs>
+            <a:gs pos="50000">
+              <a:schemeClr val="phClr">
+                <a:satMod val="110000"/>
+                <a:lumMod val="100000"/>
+                <a:shade val="100000"/>
+              </a:schemeClr>
+            </a:gs>
+            <a:gs pos="100000">
+              <a:schemeClr val="phClr">
+                <a:lumMod val="99000"/>
+                <a:satMod val="120000"/>
+                <a:shade val="78000"/>
+              </a:schemeClr>
+            </a:gs>
+          </a:gsLst>
+          <a:lin ang="5400000" scaled="0"/>
+        </a:gradFill>
+      </a:fillStyleLst>
+      <a:lnStyleLst>
+        <a:ln w="6350" cap="flat" cmpd="sng" algn="ctr">
+          <a:solidFill>
+            <a:schemeClr val="phClr"/>
+          </a:solidFill>
+          <a:prstDash val="solid"/>
+          <a:miter lim="800000"/>
+        </a:ln>
+        <a:ln w="12700" cap="flat" cmpd="sng" algn="ctr">
+          <a:solidFill>
+            <a:schemeClr val="phClr"/>
+          </a:solidFill>
+          <a:prstDash val="solid"/>
+          <a:miter lim="800000"/>
+        </a:ln>
+        <a:ln w="19050" cap="flat" cmpd="sng" algn="ctr">
+          <a:solidFill>
+            <a:schemeClr val="phClr"/>
+          </a:solidFill>
+          <a:prstDash val="solid"/>
+          <a:miter lim="800000"/>
+        </a:ln>
+      </a:lnStyleLst>
+      <a:effectStyleLst>
+        <a:effectStyle>
+          <a:effectLst/>
+        </a:effectStyle>
+        <a:effectStyle>
+          <a:effectLst/>
+        </a:effectStyle>
+        <a:effectStyle>
+          <a:effectLst>
+            <a:outerShdw blurRad="57150" dist="19050" dir="5400000" algn="ctr" rotWithShape="0">
+              <a:srgbClr val="000000">
+                <a:alpha val="63000"/>
+              </a:srgbClr>
+            </a:outerShdw>
+          </a:effectLst>
+        </a:effectStyle>
+      </a:effectStyleLst>
+      <a:bgFillStyleLst>
+        <a:solidFill>
+          <a:schemeClr val="phClr"/>
+        </a:solidFill>
+        <a:solidFill>
+          <a:schemeClr val="phClr">
+            <a:tint val="95000"/>
+            <a:satMod val="170000"/>
+          </a:schemeClr>
+        </a:solidFill>
+        <a:gradFill rotWithShape="1">
+          <a:gsLst>
+            <a:gs pos="0">
+              <a:schemeClr val="phClr">
+                <a:tint val="93000"/>
+                <a:satMod val="150000"/>
+                <a:shade val="98000"/>
+                <a:lumMod val="102000"/>
+              </a:schemeClr>
+            </a:gs>
+            <a:gs pos="50000">
+              <a:schemeClr val="phClr">
+                <a:tint val="98000"/>
+                <a:satMod val="130000"/>
+                <a:shade val="90000"/>
+                <a:lumMod val="103000"/>
+              </a:schemeClr>
+            </a:gs>
+            <a:gs pos="100000">
+              <a:schemeClr val="phClr">
+                <a:shade val="63000"/>
+                <a:satMod val="120000"/>
+              </a:schemeClr>
+            </a:gs>
+          </a:gsLst>
+          <a:lin ang="5400000" scaled="0"/>
+        </a:gradFill>
+      </a:bgFillStyleLst>
+    </a:fmtScheme>
+  </a:themeElements>
+  <a:objectDefaults/>
+  <a:extraClrSchemeLst/>
+  <a:extLst>
+    <a:ext uri="{05A4C25C-085E-4340-85A3-A5531E510DB2}">
+      <thm15:themeFamily xmlns:thm15="http://schemas.microsoft.com/office/thememl/2012/main" name="Office Theme" id="{62F939B6-93AF-4DB8-9C6B-D6C7DFDC589F}" vid="{4A3C46E8-61CC-4603-A589-7422A47A8E4A}"/>
+    </a:ext>
+  </a:extLst>
+</a:theme>
 </file>
--- a/others/update_presentation.pptx
+++ b/others/update_presentation.pptx
@@ -4008,8 +4008,8 @@
         </p:nvSpPr>
         <p:spPr>
           <a:xfrm>
-            <a:off x="3311935" y="1203683"/>
-            <a:ext cx="4317996" cy="3600986"/>
+            <a:off x="3311934" y="1112740"/>
+            <a:ext cx="5100539" cy="3600986"/>
           </a:xfrm>
           <a:prstGeom prst="rect">
             <a:avLst/>
@@ -4031,7 +4031,7 @@
                   </a:schemeClr>
                 </a:solidFill>
               </a:rPr>
-              <a:t>                  </a:t>
+              <a:t>             </a:t>
             </a:r>
             <a:r>
               <a:rPr lang="en-US" sz="3600" b="1" dirty="0" err="1">
@@ -4223,101 +4223,6 @@
           </a:p>
         </p:txBody>
       </p:sp>
-      <p:pic>
-        <p:nvPicPr>
-          <p:cNvPr id="34" name="Picture 33">
-            <a:extLst>
-              <a:ext uri="{FF2B5EF4-FFF2-40B4-BE49-F238E27FC236}">
-                <a16:creationId xmlns:a16="http://schemas.microsoft.com/office/drawing/2014/main" id="{499ADF3F-B235-0662-A1D5-E94F57AE4542}"/>
-              </a:ext>
-            </a:extLst>
-          </p:cNvPr>
-          <p:cNvPicPr>
-            <a:picLocks noChangeAspect="1"/>
-          </p:cNvPicPr>
-          <p:nvPr/>
-        </p:nvPicPr>
-        <p:blipFill>
-          <a:blip r:embed="rId2">
-            <a:extLst>
-              <a:ext uri="{BEBA8EAE-BF5A-486C-A8C5-ECC9F3942E4B}">
-                <a14:imgProps xmlns:a14="http://schemas.microsoft.com/office/drawing/2010/main">
-                  <a14:imgLayer r:embed="rId3">
-                    <a14:imgEffect>
-                      <a14:backgroundRemoval t="9912" b="89912" l="7692" r="95604">
-                        <a14:foregroundMark x1="32967" y1="26549" x2="32967" y2="26549"/>
-                        <a14:foregroundMark x1="8462" y1="40354" x2="8462" y2="40354"/>
-                        <a14:foregroundMark x1="79560" y1="46372" x2="79560" y2="46372"/>
-                        <a14:foregroundMark x1="67033" y1="29204" x2="67033" y2="29204"/>
-                        <a14:foregroundMark x1="93407" y1="56637" x2="93407" y2="56637"/>
-                        <a14:foregroundMark x1="95824" y1="56460" x2="95824" y2="56460"/>
-                        <a14:foregroundMark x1="93187" y1="37876" x2="93187" y2="37876"/>
-                        <a14:foregroundMark x1="93736" y1="35752" x2="93736" y2="35752"/>
-                        <a14:foregroundMark x1="89341" y1="83540" x2="89341" y2="83540"/>
-                        <a14:foregroundMark x1="90220" y1="80000" x2="90220" y2="80000"/>
-                        <a14:foregroundMark x1="8132" y1="82655" x2="8132" y2="82655"/>
-                        <a14:foregroundMark x1="7692" y1="40354" x2="7692" y2="40354"/>
-                        <a14:foregroundMark x1="58132" y1="26018" x2="58132" y2="26018"/>
-                        <a14:foregroundMark x1="41648" y1="43894" x2="41648" y2="43894"/>
-                        <a14:foregroundMark x1="44835" y1="40000" x2="44835" y2="40000"/>
-                        <a14:foregroundMark x1="44066" y1="26372" x2="44066" y2="26372"/>
-                        <a14:foregroundMark x1="54066" y1="34336" x2="54066" y2="34336"/>
-                        <a14:foregroundMark x1="54286" y1="54690" x2="54286" y2="54690"/>
-                        <a14:foregroundMark x1="59231" y1="48319" x2="59231" y2="48319"/>
-                        <a14:foregroundMark x1="57802" y1="61239" x2="57802" y2="61239"/>
-                        <a14:foregroundMark x1="42198" y1="66018" x2="42198" y2="66018"/>
-                        <a14:foregroundMark x1="39670" y1="71504" x2="39670" y2="71504"/>
-                      </a14:backgroundRemoval>
-                    </a14:imgEffect>
-                  </a14:imgLayer>
-                </a14:imgProps>
-              </a:ext>
-            </a:extLst>
-          </a:blip>
-          <a:stretch>
-            <a:fillRect/>
-          </a:stretch>
-        </p:blipFill>
-        <p:spPr>
-          <a:xfrm>
-            <a:off x="1463049" y="4258779"/>
-            <a:ext cx="3185260" cy="1977661"/>
-          </a:xfrm>
-          <a:prstGeom prst="rect">
-            <a:avLst/>
-          </a:prstGeom>
-        </p:spPr>
-      </p:pic>
-      <p:pic>
-        <p:nvPicPr>
-          <p:cNvPr id="36" name="Picture 35">
-            <a:extLst>
-              <a:ext uri="{FF2B5EF4-FFF2-40B4-BE49-F238E27FC236}">
-                <a16:creationId xmlns:a16="http://schemas.microsoft.com/office/drawing/2014/main" id="{17EB2491-60E5-E31E-7FD9-8956728B10A8}"/>
-              </a:ext>
-            </a:extLst>
-          </p:cNvPr>
-          <p:cNvPicPr>
-            <a:picLocks noChangeAspect="1"/>
-          </p:cNvPicPr>
-          <p:nvPr/>
-        </p:nvPicPr>
-        <p:blipFill>
-          <a:blip r:embed="rId4"/>
-          <a:stretch>
-            <a:fillRect/>
-          </a:stretch>
-        </p:blipFill>
-        <p:spPr>
-          <a:xfrm>
-            <a:off x="8418708" y="1087182"/>
-            <a:ext cx="1744307" cy="1744307"/>
-          </a:xfrm>
-          <a:prstGeom prst="rect">
-            <a:avLst/>
-          </a:prstGeom>
-        </p:spPr>
-      </p:pic>
     </p:spTree>
     <p:extLst>
       <p:ext uri="{BB962C8B-B14F-4D97-AF65-F5344CB8AC3E}">
@@ -4631,7 +4536,7 @@
         </p:nvGrpSpPr>
         <p:grpSpPr>
           <a:xfrm>
-            <a:off x="2201542" y="1591818"/>
+            <a:off x="3898411" y="1835285"/>
             <a:ext cx="3874138" cy="1371873"/>
             <a:chOff x="2420225" y="1830537"/>
             <a:chExt cx="3874159" cy="1731670"/>
@@ -4746,10 +4651,10 @@
         </p:nvGrpSpPr>
         <p:grpSpPr>
           <a:xfrm>
-            <a:off x="3965608" y="3137663"/>
-            <a:ext cx="3874142" cy="1432949"/>
-            <a:chOff x="2420225" y="1609730"/>
-            <a:chExt cx="3874159" cy="1755310"/>
+            <a:off x="4005993" y="3762579"/>
+            <a:ext cx="4149534" cy="1432949"/>
+            <a:chOff x="2420226" y="1609730"/>
+            <a:chExt cx="4149552" cy="1755310"/>
           </a:xfrm>
         </p:grpSpPr>
         <p:sp>
@@ -4825,7 +4730,7 @@
           </p:nvSpPr>
           <p:spPr>
             <a:xfrm>
-              <a:off x="2420225" y="2282924"/>
+              <a:off x="2695619" y="2062812"/>
               <a:ext cx="3874159" cy="400110"/>
             </a:xfrm>
             <a:prstGeom prst="rect">
@@ -4847,66 +4752,6 @@
           </p:txBody>
         </p:sp>
       </p:grpSp>
-      <p:pic>
-        <p:nvPicPr>
-          <p:cNvPr id="18" name="Picture 17">
-            <a:extLst>
-              <a:ext uri="{FF2B5EF4-FFF2-40B4-BE49-F238E27FC236}">
-                <a16:creationId xmlns:a16="http://schemas.microsoft.com/office/drawing/2014/main" id="{B0CE12EC-025A-81CC-A76A-19484655F156}"/>
-              </a:ext>
-            </a:extLst>
-          </p:cNvPr>
-          <p:cNvPicPr>
-            <a:picLocks noChangeAspect="1"/>
-          </p:cNvPicPr>
-          <p:nvPr/>
-        </p:nvPicPr>
-        <p:blipFill>
-          <a:blip r:embed="rId2"/>
-          <a:stretch>
-            <a:fillRect/>
-          </a:stretch>
-        </p:blipFill>
-        <p:spPr>
-          <a:xfrm>
-            <a:off x="8404101" y="1454664"/>
-            <a:ext cx="1528750" cy="1528750"/>
-          </a:xfrm>
-          <a:prstGeom prst="rect">
-            <a:avLst/>
-          </a:prstGeom>
-        </p:spPr>
-      </p:pic>
-      <p:pic>
-        <p:nvPicPr>
-          <p:cNvPr id="29" name="Picture 28">
-            <a:extLst>
-              <a:ext uri="{FF2B5EF4-FFF2-40B4-BE49-F238E27FC236}">
-                <a16:creationId xmlns:a16="http://schemas.microsoft.com/office/drawing/2014/main" id="{C265C60B-0039-1D80-4B88-4D281C1681EA}"/>
-              </a:ext>
-            </a:extLst>
-          </p:cNvPr>
-          <p:cNvPicPr>
-            <a:picLocks noChangeAspect="1"/>
-          </p:cNvPicPr>
-          <p:nvPr/>
-        </p:nvPicPr>
-        <p:blipFill>
-          <a:blip r:embed="rId3"/>
-          <a:stretch>
-            <a:fillRect/>
-          </a:stretch>
-        </p:blipFill>
-        <p:spPr>
-          <a:xfrm>
-            <a:off x="1505893" y="3837360"/>
-            <a:ext cx="1724696" cy="1724696"/>
-          </a:xfrm>
-          <a:prstGeom prst="rect">
-            <a:avLst/>
-          </a:prstGeom>
-        </p:spPr>
-      </p:pic>
     </p:spTree>
     <p:extLst>
       <p:ext uri="{BB962C8B-B14F-4D97-AF65-F5344CB8AC3E}">
@@ -5463,9 +5308,9 @@
         <p:grpSpPr>
           <a:xfrm>
             <a:off x="5110569" y="2294728"/>
-            <a:ext cx="1879421" cy="2556946"/>
+            <a:ext cx="1843989" cy="2556946"/>
             <a:chOff x="5086241" y="1861043"/>
-            <a:chExt cx="1879421" cy="2556946"/>
+            <a:chExt cx="1843989" cy="2556946"/>
           </a:xfrm>
         </p:grpSpPr>
         <p:sp>
@@ -5542,7 +5387,7 @@
           </p:nvSpPr>
           <p:spPr>
             <a:xfrm>
-              <a:off x="5195857" y="2847936"/>
+              <a:off x="5141049" y="2843416"/>
               <a:ext cx="1769805" cy="1015663"/>
             </a:xfrm>
             <a:prstGeom prst="rect">
@@ -5748,10 +5593,10 @@
       </p:grpSp>
       <p:pic>
         <p:nvPicPr>
-          <p:cNvPr id="19" name="Picture 18">
-            <a:extLst>
-              <a:ext uri="{FF2B5EF4-FFF2-40B4-BE49-F238E27FC236}">
-                <a16:creationId xmlns:a16="http://schemas.microsoft.com/office/drawing/2014/main" id="{DABB58D5-A0AD-D27C-1311-0B65AE7360EA}"/>
+          <p:cNvPr id="4" name="Picture 3">
+            <a:extLst>
+              <a:ext uri="{FF2B5EF4-FFF2-40B4-BE49-F238E27FC236}">
+                <a16:creationId xmlns:a16="http://schemas.microsoft.com/office/drawing/2014/main" id="{30C436EE-0D71-4D4B-0A52-C5397C0D00ED}"/>
               </a:ext>
             </a:extLst>
           </p:cNvPr>
@@ -5768,8 +5613,8 @@
         </p:blipFill>
         <p:spPr>
           <a:xfrm>
-            <a:off x="3140008" y="775173"/>
-            <a:ext cx="1377488" cy="1377488"/>
+            <a:off x="3343083" y="898483"/>
+            <a:ext cx="1075749" cy="1075749"/>
           </a:xfrm>
           <a:prstGeom prst="rect">
             <a:avLst/>
@@ -5778,10 +5623,10 @@
       </p:pic>
       <p:pic>
         <p:nvPicPr>
-          <p:cNvPr id="23" name="Picture 22">
-            <a:extLst>
-              <a:ext uri="{FF2B5EF4-FFF2-40B4-BE49-F238E27FC236}">
-                <a16:creationId xmlns:a16="http://schemas.microsoft.com/office/drawing/2014/main" id="{53F27490-DA38-B2D3-A221-1FA27D89BC52}"/>
+          <p:cNvPr id="15" name="Picture 14">
+            <a:extLst>
+              <a:ext uri="{FF2B5EF4-FFF2-40B4-BE49-F238E27FC236}">
+                <a16:creationId xmlns:a16="http://schemas.microsoft.com/office/drawing/2014/main" id="{DED4FBD0-194F-ECA8-751B-9E41F356BD7B}"/>
               </a:ext>
             </a:extLst>
           </p:cNvPr>
@@ -5798,8 +5643,8 @@
         </p:blipFill>
         <p:spPr>
           <a:xfrm>
-            <a:off x="7378983" y="831115"/>
-            <a:ext cx="1377488" cy="1377488"/>
+            <a:off x="7773170" y="910766"/>
+            <a:ext cx="1075749" cy="1075749"/>
           </a:xfrm>
           <a:prstGeom prst="rect">
             <a:avLst/>
@@ -6016,7 +5861,7 @@
         </p:nvSpPr>
         <p:spPr>
           <a:xfrm>
-            <a:off x="8309299" y="4734562"/>
+            <a:off x="8014659" y="4803560"/>
             <a:ext cx="4764810" cy="1523998"/>
           </a:xfrm>
         </p:spPr>
@@ -6456,7 +6301,7 @@
         </p:nvSpPr>
         <p:spPr>
           <a:xfrm>
-            <a:off x="7994014" y="2802261"/>
+            <a:off x="8096567" y="2802261"/>
             <a:ext cx="2560286" cy="1791849"/>
           </a:xfrm>
           <a:prstGeom prst="snipRoundRect">
@@ -6669,8 +6514,8 @@
         </p:nvSpPr>
         <p:spPr>
           <a:xfrm>
-            <a:off x="5043406" y="3206552"/>
-            <a:ext cx="1531363" cy="461665"/>
+            <a:off x="4970564" y="3206901"/>
+            <a:ext cx="1663621" cy="461665"/>
           </a:xfrm>
           <a:prstGeom prst="rect">
             <a:avLst/>
@@ -6928,8 +6773,8 @@
         </p:nvSpPr>
         <p:spPr>
           <a:xfrm>
-            <a:off x="1428822" y="2046085"/>
-            <a:ext cx="2518858" cy="830997"/>
+            <a:off x="1356668" y="2058185"/>
+            <a:ext cx="2649023" cy="830997"/>
           </a:xfrm>
           <a:prstGeom prst="rect">
             <a:avLst/>
@@ -6984,7 +6829,7 @@
         </p:nvSpPr>
         <p:spPr>
           <a:xfrm>
-            <a:off x="8021648" y="3229354"/>
+            <a:off x="8306478" y="3107613"/>
             <a:ext cx="2596152" cy="830997"/>
           </a:xfrm>
           <a:prstGeom prst="rect">
@@ -7009,169 +6854,6 @@
           </a:p>
         </p:txBody>
       </p:sp>
-      <p:pic>
-        <p:nvPicPr>
-          <p:cNvPr id="42" name="Picture 41">
-            <a:extLst>
-              <a:ext uri="{FF2B5EF4-FFF2-40B4-BE49-F238E27FC236}">
-                <a16:creationId xmlns:a16="http://schemas.microsoft.com/office/drawing/2014/main" id="{5CA85BE8-8B50-BDA4-31DE-DBA79C1B3F64}"/>
-              </a:ext>
-            </a:extLst>
-          </p:cNvPr>
-          <p:cNvPicPr>
-            <a:picLocks noChangeAspect="1"/>
-          </p:cNvPicPr>
-          <p:nvPr/>
-        </p:nvPicPr>
-        <p:blipFill>
-          <a:blip r:embed="rId2">
-            <a:extLst>
-              <a:ext uri="{BEBA8EAE-BF5A-486C-A8C5-ECC9F3942E4B}">
-                <a14:imgProps xmlns:a14="http://schemas.microsoft.com/office/drawing/2010/main">
-                  <a14:imgLayer r:embed="rId3">
-                    <a14:imgEffect>
-                      <a14:backgroundRemoval t="5943" b="96107" l="7009" r="89915">
-                        <a14:foregroundMark x1="7179" y1="50410" x2="7179" y2="50410"/>
-                        <a14:foregroundMark x1="27863" y1="15779" x2="27863" y2="15779"/>
-                        <a14:foregroundMark x1="76752" y1="14344" x2="76752" y2="14344"/>
-                        <a14:foregroundMark x1="75214" y1="14549" x2="75214" y2="14549"/>
-                        <a14:foregroundMark x1="74188" y1="17623" x2="74188" y2="17623"/>
-                        <a14:foregroundMark x1="78803" y1="6148" x2="78803" y2="6148"/>
-                        <a14:foregroundMark x1="76239" y1="8607" x2="76239" y2="8607"/>
-                        <a14:foregroundMark x1="76068" y1="9016" x2="73504" y2="10656"/>
-                        <a14:foregroundMark x1="73504" y1="12500" x2="81368" y2="17828"/>
-                        <a14:foregroundMark x1="81368" y1="17828" x2="80342" y2="5943"/>
-                        <a14:foregroundMark x1="80342" y1="5943" x2="80342" y2="6148"/>
-                        <a14:foregroundMark x1="76923" y1="12910" x2="76239" y2="16803"/>
-                        <a14:foregroundMark x1="84444" y1="17418" x2="84444" y2="17418"/>
-                        <a14:foregroundMark x1="82222" y1="53279" x2="82222" y2="53279"/>
-                        <a14:foregroundMark x1="82222" y1="53279" x2="82222" y2="53279"/>
-                        <a14:foregroundMark x1="68376" y1="52459" x2="68376" y2="52459"/>
-                        <a14:foregroundMark x1="70769" y1="60861" x2="70769" y2="60861"/>
-                        <a14:foregroundMark x1="75726" y1="67213" x2="75726" y2="67213"/>
-                        <a14:foregroundMark x1="75214" y1="77869" x2="75214" y2="77869"/>
-                        <a14:foregroundMark x1="76239" y1="91393" x2="76239" y2="91393"/>
-                        <a14:foregroundMark x1="22735" y1="91803" x2="22735" y2="91803"/>
-                        <a14:foregroundMark x1="20171" y1="91803" x2="20171" y2="91803"/>
-                        <a14:foregroundMark x1="20171" y1="91803" x2="20171" y2="91803"/>
-                        <a14:foregroundMark x1="20171" y1="91803" x2="22906" y2="95492"/>
-                        <a14:foregroundMark x1="20342" y1="92623" x2="20342" y2="95697"/>
-                        <a14:foregroundMark x1="17436" y1="89959" x2="19658" y2="96107"/>
-                        <a14:foregroundMark x1="17778" y1="93238" x2="24615" y2="94057"/>
-                        <a14:foregroundMark x1="75214" y1="66598" x2="75214" y2="66598"/>
-                        <a14:foregroundMark x1="76068" y1="66189" x2="74188" y2="67008"/>
-                      </a14:backgroundRemoval>
-                    </a14:imgEffect>
-                  </a14:imgLayer>
-                </a14:imgProps>
-              </a:ext>
-            </a:extLst>
-          </a:blip>
-          <a:stretch>
-            <a:fillRect/>
-          </a:stretch>
-        </p:blipFill>
-        <p:spPr>
-          <a:xfrm>
-            <a:off x="1398760" y="3837934"/>
-            <a:ext cx="2560286" cy="2135760"/>
-          </a:xfrm>
-          <a:prstGeom prst="rect">
-            <a:avLst/>
-          </a:prstGeom>
-        </p:spPr>
-      </p:pic>
-      <p:pic>
-        <p:nvPicPr>
-          <p:cNvPr id="44" name="Picture 43">
-            <a:extLst>
-              <a:ext uri="{FF2B5EF4-FFF2-40B4-BE49-F238E27FC236}">
-                <a16:creationId xmlns:a16="http://schemas.microsoft.com/office/drawing/2014/main" id="{8B07E7A2-D385-FD55-E844-05D3982375C1}"/>
-              </a:ext>
-            </a:extLst>
-          </p:cNvPr>
-          <p:cNvPicPr>
-            <a:picLocks noChangeAspect="1"/>
-          </p:cNvPicPr>
-          <p:nvPr/>
-        </p:nvPicPr>
-        <p:blipFill>
-          <a:blip r:embed="rId4">
-            <a:extLst>
-              <a:ext uri="{BEBA8EAE-BF5A-486C-A8C5-ECC9F3942E4B}">
-                <a14:imgProps xmlns:a14="http://schemas.microsoft.com/office/drawing/2010/main">
-                  <a14:imgLayer r:embed="rId5">
-                    <a14:imgEffect>
-                      <a14:backgroundRemoval t="9846" b="99807" l="4912" r="91552">
-                        <a14:foregroundMark x1="42829" y1="49228" x2="42829" y2="49228"/>
-                        <a14:foregroundMark x1="23772" y1="37452" x2="24951" y2="53861"/>
-                        <a14:foregroundMark x1="25737" y1="54826" x2="35167" y2="57529"/>
-                        <a14:foregroundMark x1="35167" y1="57529" x2="32220" y2="61583"/>
-                        <a14:foregroundMark x1="46955" y1="53475" x2="50098" y2="71815"/>
-                        <a14:foregroundMark x1="50098" y1="71815" x2="42043" y2="60618"/>
-                        <a14:foregroundMark x1="42043" y1="60618" x2="54813" y2="46332"/>
-                        <a14:foregroundMark x1="54813" y1="46332" x2="54813" y2="47104"/>
-                        <a14:foregroundMark x1="26719" y1="29537" x2="44401" y2="26448"/>
-                        <a14:foregroundMark x1="44401" y1="26448" x2="61493" y2="34556"/>
-                        <a14:foregroundMark x1="61493" y1="34556" x2="67780" y2="57915"/>
-                        <a14:foregroundMark x1="67780" y1="57915" x2="66994" y2="73745"/>
-                        <a14:foregroundMark x1="66994" y1="73745" x2="56385" y2="90927"/>
-                        <a14:foregroundMark x1="56385" y1="90927" x2="33988" y2="77606"/>
-                        <a14:foregroundMark x1="33988" y1="77606" x2="47544" y2="74517"/>
-                        <a14:foregroundMark x1="47544" y1="74517" x2="52652" y2="79730"/>
-                        <a14:foregroundMark x1="46562" y1="82239" x2="35953" y2="89189"/>
-                        <a14:foregroundMark x1="35953" y1="89189" x2="51473" y2="91120"/>
-                        <a14:foregroundMark x1="51473" y1="91120" x2="66601" y2="90347"/>
-                        <a14:foregroundMark x1="66601" y1="90347" x2="54028" y2="99228"/>
-                        <a14:foregroundMark x1="54028" y1="99228" x2="37721" y2="97876"/>
-                        <a14:foregroundMark x1="37721" y1="97876" x2="72495" y2="76062"/>
-                        <a14:foregroundMark x1="72495" y1="76062" x2="82122" y2="90927"/>
-                        <a14:foregroundMark x1="74853" y1="67954" x2="74853" y2="67954"/>
-                        <a14:foregroundMark x1="71316" y1="68533" x2="71316" y2="68533"/>
-                        <a14:foregroundMark x1="79764" y1="70656" x2="85069" y2="60425"/>
-                        <a14:foregroundMark x1="85069" y1="60425" x2="80157" y2="54826"/>
-                        <a14:foregroundMark x1="85855" y1="60425" x2="87819" y2="71815"/>
-                        <a14:foregroundMark x1="87819" y1="71815" x2="87033" y2="72201"/>
-                        <a14:foregroundMark x1="89784" y1="89575" x2="89784" y2="89575"/>
-                        <a14:foregroundMark x1="85658" y1="98842" x2="85265" y2="99228"/>
-                        <a14:foregroundMark x1="81532" y1="98456" x2="13752" y2="99807"/>
-                        <a14:foregroundMark x1="15128" y1="95946" x2="15914" y2="88610"/>
-                        <a14:foregroundMark x1="12181" y1="89189" x2="4912" y2="91699"/>
-                        <a14:foregroundMark x1="31238" y1="46139" x2="31631" y2="51158"/>
-                        <a14:foregroundMark x1="40864" y1="42471" x2="40864" y2="42471"/>
-                        <a14:foregroundMark x1="57760" y1="44015" x2="57760" y2="44015"/>
-                        <a14:foregroundMark x1="15717" y1="37259" x2="12574" y2="26834"/>
-                        <a14:foregroundMark x1="12574" y1="26834" x2="20629" y2="19884"/>
-                        <a14:foregroundMark x1="20629" y1="19884" x2="37917" y2="11969"/>
-                        <a14:foregroundMark x1="37917" y1="11969" x2="50098" y2="11776"/>
-                        <a14:foregroundMark x1="50098" y1="11776" x2="51277" y2="11776"/>
-                        <a14:foregroundMark x1="52456" y1="11776" x2="33006" y2="15830"/>
-                        <a14:foregroundMark x1="49902" y1="15637" x2="54028" y2="16216"/>
-                        <a14:foregroundMark x1="53438" y1="11776" x2="53438" y2="17375"/>
-                        <a14:foregroundMark x1="53242" y1="17375" x2="57171" y2="16988"/>
-                        <a14:foregroundMark x1="79371" y1="46332" x2="81139" y2="46332"/>
-                        <a14:foregroundMark x1="89391" y1="89768" x2="91552" y2="88803"/>
-                      </a14:backgroundRemoval>
-                    </a14:imgEffect>
-                  </a14:imgLayer>
-                </a14:imgProps>
-              </a:ext>
-            </a:extLst>
-          </a:blip>
-          <a:stretch>
-            <a:fillRect/>
-          </a:stretch>
-        </p:blipFill>
-        <p:spPr>
-          <a:xfrm>
-            <a:off x="8192327" y="519340"/>
-            <a:ext cx="1985426" cy="2020532"/>
-          </a:xfrm>
-          <a:prstGeom prst="rect">
-            <a:avLst/>
-          </a:prstGeom>
-        </p:spPr>
-      </p:pic>
     </p:spTree>
     <p:extLst>
       <p:ext uri="{BB962C8B-B14F-4D97-AF65-F5344CB8AC3E}">
@@ -7444,7 +7126,7 @@
         <p:spPr>
           <a:xfrm>
             <a:off x="4745254" y="842447"/>
-            <a:ext cx="2858703" cy="461665"/>
+            <a:ext cx="3304159" cy="461665"/>
           </a:xfrm>
           <a:prstGeom prst="rect">
             <a:avLst/>
@@ -7471,73 +7153,6 @@
           </a:p>
         </p:txBody>
       </p:sp>
-      <p:pic>
-        <p:nvPicPr>
-          <p:cNvPr id="5" name="Picture 4">
-            <a:extLst>
-              <a:ext uri="{FF2B5EF4-FFF2-40B4-BE49-F238E27FC236}">
-                <a16:creationId xmlns:a16="http://schemas.microsoft.com/office/drawing/2014/main" id="{1183A7D1-DFA9-19A2-EB83-3922751F5FA0}"/>
-              </a:ext>
-            </a:extLst>
-          </p:cNvPr>
-          <p:cNvPicPr>
-            <a:picLocks noChangeAspect="1"/>
-          </p:cNvPicPr>
-          <p:nvPr/>
-        </p:nvPicPr>
-        <p:blipFill>
-          <a:blip r:embed="rId2">
-            <a:extLst>
-              <a:ext uri="{BEBA8EAE-BF5A-486C-A8C5-ECC9F3942E4B}">
-                <a14:imgProps xmlns:a14="http://schemas.microsoft.com/office/drawing/2010/main">
-                  <a14:imgLayer r:embed="rId3">
-                    <a14:imgEffect>
-                      <a14:backgroundRemoval t="9981" b="94626" l="9041" r="95941">
-                        <a14:foregroundMark x1="25277" y1="15163" x2="25277" y2="15163"/>
-                        <a14:foregroundMark x1="92066" y1="23417" x2="92066" y2="23417"/>
-                        <a14:foregroundMark x1="92435" y1="36660" x2="92435" y2="36660"/>
-                        <a14:foregroundMark x1="89114" y1="28983" x2="89114" y2="28983"/>
-                        <a14:foregroundMark x1="83948" y1="24376" x2="83948" y2="24376"/>
-                        <a14:foregroundMark x1="64207" y1="15547" x2="64207" y2="15547"/>
-                        <a14:foregroundMark x1="50923" y1="15355" x2="68635" y2="16123"/>
-                        <a14:foregroundMark x1="46310" y1="72745" x2="72140" y2="71017"/>
-                        <a14:foregroundMark x1="72140" y1="71017" x2="49446" y2="80230"/>
-                        <a14:foregroundMark x1="49446" y1="80230" x2="41513" y2="74856"/>
-                        <a14:foregroundMark x1="58303" y1="89251" x2="43173" y2="92514"/>
-                        <a14:foregroundMark x1="43173" y1="92514" x2="42066" y2="93090"/>
-                        <a14:foregroundMark x1="48155" y1="94626" x2="71402" y2="94626"/>
-                        <a14:foregroundMark x1="9041" y1="76008" x2="9041" y2="76008"/>
-                        <a14:foregroundMark x1="16421" y1="78503" x2="16421" y2="78503"/>
-                        <a14:foregroundMark x1="21218" y1="73704" x2="21218" y2="73704"/>
-                        <a14:foregroundMark x1="22325" y1="80038" x2="22325" y2="80038"/>
-                        <a14:foregroundMark x1="67897" y1="68138" x2="67897" y2="68138"/>
-                        <a14:foregroundMark x1="93911" y1="29367" x2="95941" y2="27639"/>
-                        <a14:foregroundMark x1="95018" y1="27639" x2="91328" y2="22841"/>
-                        <a14:foregroundMark x1="52583" y1="39347" x2="52583" y2="39347"/>
-                        <a14:foregroundMark x1="52583" y1="39347" x2="29705" y2="38580"/>
-                        <a14:foregroundMark x1="58487" y1="67179" x2="78229" y2="62956"/>
-                        <a14:foregroundMark x1="54982" y1="67946" x2="43727" y2="67946"/>
-                      </a14:backgroundRemoval>
-                    </a14:imgEffect>
-                  </a14:imgLayer>
-                </a14:imgProps>
-              </a:ext>
-            </a:extLst>
-          </a:blip>
-          <a:stretch>
-            <a:fillRect/>
-          </a:stretch>
-        </p:blipFill>
-        <p:spPr>
-          <a:xfrm>
-            <a:off x="936785" y="2021276"/>
-            <a:ext cx="2461588" cy="2366213"/>
-          </a:xfrm>
-          <a:prstGeom prst="rect">
-            <a:avLst/>
-          </a:prstGeom>
-        </p:spPr>
-      </p:pic>
       <p:grpSp>
         <p:nvGrpSpPr>
           <p:cNvPr id="13" name="Group 12">
@@ -7552,7 +7167,7 @@
         </p:nvGrpSpPr>
         <p:grpSpPr>
           <a:xfrm>
-            <a:off x="3728098" y="1573653"/>
+            <a:off x="1970418" y="1651664"/>
             <a:ext cx="5125278" cy="1828128"/>
             <a:chOff x="3377077" y="3314738"/>
             <a:chExt cx="5125278" cy="1828128"/>
@@ -7852,8 +7467,8 @@
         </p:nvSpPr>
         <p:spPr>
           <a:xfrm>
-            <a:off x="9364277" y="2303788"/>
-            <a:ext cx="1656101" cy="2194288"/>
+            <a:off x="9197309" y="1993145"/>
+            <a:ext cx="1880980" cy="2304531"/>
           </a:xfrm>
           <a:prstGeom prst="foldedCorner">
             <a:avLst>
@@ -7910,7 +7525,7 @@
         </p:nvSpPr>
         <p:spPr>
           <a:xfrm>
-            <a:off x="9374231" y="2634456"/>
+            <a:off x="9242398" y="2386428"/>
             <a:ext cx="1880984" cy="1477328"/>
           </a:xfrm>
           <a:prstGeom prst="rect">
@@ -7935,36 +7550,6 @@
           </a:p>
         </p:txBody>
       </p:sp>
-      <p:pic>
-        <p:nvPicPr>
-          <p:cNvPr id="6" name="Picture 5">
-            <a:extLst>
-              <a:ext uri="{FF2B5EF4-FFF2-40B4-BE49-F238E27FC236}">
-                <a16:creationId xmlns:a16="http://schemas.microsoft.com/office/drawing/2014/main" id="{4CC7BDD5-060A-F324-0266-5C1E8B2DAABF}"/>
-              </a:ext>
-            </a:extLst>
-          </p:cNvPr>
-          <p:cNvPicPr>
-            <a:picLocks noChangeAspect="1"/>
-          </p:cNvPicPr>
-          <p:nvPr/>
-        </p:nvPicPr>
-        <p:blipFill>
-          <a:blip r:embed="rId4"/>
-          <a:stretch>
-            <a:fillRect/>
-          </a:stretch>
-        </p:blipFill>
-        <p:spPr>
-          <a:xfrm>
-            <a:off x="9363577" y="750108"/>
-            <a:ext cx="1744180" cy="1472967"/>
-          </a:xfrm>
-          <a:prstGeom prst="rect">
-            <a:avLst/>
-          </a:prstGeom>
-        </p:spPr>
-      </p:pic>
     </p:spTree>
     <p:extLst>
       <p:ext uri="{BB962C8B-B14F-4D97-AF65-F5344CB8AC3E}">
@@ -8175,7 +7760,7 @@
         </p:nvSpPr>
         <p:spPr>
           <a:xfrm>
-            <a:off x="8068667" y="4846322"/>
+            <a:off x="8084947" y="4864304"/>
             <a:ext cx="4764810" cy="1523998"/>
           </a:xfrm>
         </p:spPr>
@@ -8264,6 +7849,715 @@
           </a:p>
         </p:txBody>
       </p:sp>
+      <p:sp>
+        <p:nvSpPr>
+          <p:cNvPr id="4" name="Flowchart: Stored Data 3">
+            <a:extLst>
+              <a:ext uri="{FF2B5EF4-FFF2-40B4-BE49-F238E27FC236}">
+                <a16:creationId xmlns:a16="http://schemas.microsoft.com/office/drawing/2014/main" id="{E48C11CF-289D-25B9-BD2E-B5C9D358B45E}"/>
+              </a:ext>
+            </a:extLst>
+          </p:cNvPr>
+          <p:cNvSpPr/>
+          <p:nvPr/>
+        </p:nvSpPr>
+        <p:spPr>
+          <a:xfrm>
+            <a:off x="1479498" y="1374152"/>
+            <a:ext cx="4133049" cy="1302751"/>
+          </a:xfrm>
+          <a:prstGeom prst="flowChartOnlineStorage">
+            <a:avLst/>
+          </a:prstGeom>
+          <a:solidFill>
+            <a:srgbClr val="F6EAEE"/>
+          </a:solidFill>
+          <a:ln>
+            <a:solidFill>
+              <a:schemeClr val="tx1">
+                <a:lumMod val="50000"/>
+                <a:lumOff val="50000"/>
+              </a:schemeClr>
+            </a:solidFill>
+          </a:ln>
+        </p:spPr>
+        <p:style>
+          <a:lnRef idx="2">
+            <a:schemeClr val="accent1">
+              <a:shade val="15000"/>
+            </a:schemeClr>
+          </a:lnRef>
+          <a:fillRef idx="1">
+            <a:schemeClr val="accent1"/>
+          </a:fillRef>
+          <a:effectRef idx="0">
+            <a:schemeClr val="accent1"/>
+          </a:effectRef>
+          <a:fontRef idx="minor">
+            <a:schemeClr val="lt1"/>
+          </a:fontRef>
+        </p:style>
+        <p:txBody>
+          <a:bodyPr rtlCol="0" anchor="ctr"/>
+          <a:lstStyle/>
+          <a:p>
+            <a:pPr algn="ctr"/>
+            <a:endParaRPr lang="en-US"/>
+          </a:p>
+        </p:txBody>
+      </p:sp>
+      <p:sp>
+        <p:nvSpPr>
+          <p:cNvPr id="7" name="TextBox 6">
+            <a:extLst>
+              <a:ext uri="{FF2B5EF4-FFF2-40B4-BE49-F238E27FC236}">
+                <a16:creationId xmlns:a16="http://schemas.microsoft.com/office/drawing/2014/main" id="{76E2B44F-4D02-F606-4B60-7D3B6581B1F5}"/>
+              </a:ext>
+            </a:extLst>
+          </p:cNvPr>
+          <p:cNvSpPr txBox="1"/>
+          <p:nvPr/>
+        </p:nvSpPr>
+        <p:spPr>
+          <a:xfrm>
+            <a:off x="2025383" y="1472009"/>
+            <a:ext cx="3395712" cy="1200329"/>
+          </a:xfrm>
+          <a:prstGeom prst="rect">
+            <a:avLst/>
+          </a:prstGeom>
+          <a:noFill/>
+        </p:spPr>
+        <p:txBody>
+          <a:bodyPr wrap="square" rtlCol="0">
+            <a:spAutoFit/>
+          </a:bodyPr>
+          <a:lstStyle/>
+          <a:p>
+            <a:r>
+              <a:rPr lang="en-US" b="1" dirty="0"/>
+              <a:t>Input Buffer Issues:</a:t>
+            </a:r>
+          </a:p>
+          <a:p>
+            <a:r>
+              <a:rPr lang="en-US" dirty="0"/>
+              <a:t>After using </a:t>
+            </a:r>
+            <a:r>
+              <a:rPr lang="en-US" dirty="0" err="1"/>
+              <a:t>scanf</a:t>
+            </a:r>
+            <a:r>
+              <a:rPr lang="en-US" dirty="0"/>
+              <a:t>(), leftover newline characters caused unintended skips.</a:t>
+            </a:r>
+          </a:p>
+        </p:txBody>
+      </p:sp>
+      <p:grpSp>
+        <p:nvGrpSpPr>
+          <p:cNvPr id="12" name="Group 11">
+            <a:extLst>
+              <a:ext uri="{FF2B5EF4-FFF2-40B4-BE49-F238E27FC236}">
+                <a16:creationId xmlns:a16="http://schemas.microsoft.com/office/drawing/2014/main" id="{1BA2B284-B5D8-0197-295B-0DD65637BDFF}"/>
+              </a:ext>
+            </a:extLst>
+          </p:cNvPr>
+          <p:cNvGrpSpPr/>
+          <p:nvPr/>
+        </p:nvGrpSpPr>
+        <p:grpSpPr>
+          <a:xfrm>
+            <a:off x="6031579" y="1378007"/>
+            <a:ext cx="3896713" cy="1621032"/>
+            <a:chOff x="6382391" y="1346701"/>
+            <a:chExt cx="3680941" cy="1655437"/>
+          </a:xfrm>
+        </p:grpSpPr>
+        <p:sp>
+          <p:nvSpPr>
+            <p:cNvPr id="13" name="Flowchart: Stored Data 12">
+              <a:extLst>
+                <a:ext uri="{FF2B5EF4-FFF2-40B4-BE49-F238E27FC236}">
+                  <a16:creationId xmlns:a16="http://schemas.microsoft.com/office/drawing/2014/main" id="{4C709557-C1E2-2C05-E751-D24E529041D3}"/>
+                </a:ext>
+              </a:extLst>
+            </p:cNvPr>
+            <p:cNvSpPr/>
+            <p:nvPr/>
+          </p:nvSpPr>
+          <p:spPr>
+            <a:xfrm rot="10800000">
+              <a:off x="6382391" y="1346701"/>
+              <a:ext cx="3680941" cy="1302754"/>
+            </a:xfrm>
+            <a:prstGeom prst="flowChartOnlineStorage">
+              <a:avLst/>
+            </a:prstGeom>
+            <a:solidFill>
+              <a:srgbClr val="F6EAEE"/>
+            </a:solidFill>
+            <a:ln>
+              <a:solidFill>
+                <a:schemeClr val="tx1">
+                  <a:lumMod val="50000"/>
+                  <a:lumOff val="50000"/>
+                </a:schemeClr>
+              </a:solidFill>
+            </a:ln>
+          </p:spPr>
+          <p:style>
+            <a:lnRef idx="2">
+              <a:schemeClr val="accent1">
+                <a:shade val="15000"/>
+              </a:schemeClr>
+            </a:lnRef>
+            <a:fillRef idx="1">
+              <a:schemeClr val="accent1"/>
+            </a:fillRef>
+            <a:effectRef idx="0">
+              <a:schemeClr val="accent1"/>
+            </a:effectRef>
+            <a:fontRef idx="minor">
+              <a:schemeClr val="lt1"/>
+            </a:fontRef>
+          </p:style>
+          <p:txBody>
+            <a:bodyPr rtlCol="0" anchor="ctr"/>
+            <a:lstStyle/>
+            <a:p>
+              <a:pPr algn="ctr"/>
+              <a:endParaRPr lang="en-US" dirty="0"/>
+            </a:p>
+          </p:txBody>
+        </p:sp>
+        <p:sp>
+          <p:nvSpPr>
+            <p:cNvPr id="14" name="TextBox 13">
+              <a:extLst>
+                <a:ext uri="{FF2B5EF4-FFF2-40B4-BE49-F238E27FC236}">
+                  <a16:creationId xmlns:a16="http://schemas.microsoft.com/office/drawing/2014/main" id="{1338E7B4-41B6-A0E2-0455-08C823C27C95}"/>
+                </a:ext>
+              </a:extLst>
+            </p:cNvPr>
+            <p:cNvSpPr txBox="1"/>
+            <p:nvPr/>
+          </p:nvSpPr>
+          <p:spPr>
+            <a:xfrm>
+              <a:off x="6974486" y="1524810"/>
+              <a:ext cx="2934759" cy="1477328"/>
+            </a:xfrm>
+            <a:prstGeom prst="rect">
+              <a:avLst/>
+            </a:prstGeom>
+            <a:noFill/>
+          </p:spPr>
+          <p:txBody>
+            <a:bodyPr wrap="square" rtlCol="0">
+              <a:spAutoFit/>
+            </a:bodyPr>
+            <a:lstStyle/>
+            <a:p>
+              <a:r>
+                <a:rPr lang="en-US" dirty="0"/>
+                <a:t>Used </a:t>
+              </a:r>
+              <a:r>
+                <a:rPr lang="en-US" dirty="0" err="1"/>
+                <a:t>getchar</a:t>
+              </a:r>
+              <a:r>
+                <a:rPr lang="en-US" dirty="0"/>
+                <a:t>() to flush the buffer before reading the next input.</a:t>
+              </a:r>
+            </a:p>
+            <a:p>
+              <a:br>
+                <a:rPr lang="en-US" dirty="0"/>
+              </a:br>
+              <a:endParaRPr lang="en-US" dirty="0"/>
+            </a:p>
+          </p:txBody>
+        </p:sp>
+      </p:grpSp>
+      <p:grpSp>
+        <p:nvGrpSpPr>
+          <p:cNvPr id="28" name="Group 27">
+            <a:extLst>
+              <a:ext uri="{FF2B5EF4-FFF2-40B4-BE49-F238E27FC236}">
+                <a16:creationId xmlns:a16="http://schemas.microsoft.com/office/drawing/2014/main" id="{48B7CE72-6F0F-EE3B-7D9D-18A90CE37579}"/>
+              </a:ext>
+            </a:extLst>
+          </p:cNvPr>
+          <p:cNvGrpSpPr/>
+          <p:nvPr/>
+        </p:nvGrpSpPr>
+        <p:grpSpPr>
+          <a:xfrm>
+            <a:off x="1510383" y="2754787"/>
+            <a:ext cx="4133057" cy="1246259"/>
+            <a:chOff x="2053491" y="2782905"/>
+            <a:chExt cx="4133057" cy="1246259"/>
+          </a:xfrm>
+        </p:grpSpPr>
+        <p:sp>
+          <p:nvSpPr>
+            <p:cNvPr id="9" name="Flowchart: Stored Data 8">
+              <a:extLst>
+                <a:ext uri="{FF2B5EF4-FFF2-40B4-BE49-F238E27FC236}">
+                  <a16:creationId xmlns:a16="http://schemas.microsoft.com/office/drawing/2014/main" id="{368790E3-8BA6-B319-09C7-DAEA776D3E3E}"/>
+                </a:ext>
+              </a:extLst>
+            </p:cNvPr>
+            <p:cNvSpPr/>
+            <p:nvPr/>
+          </p:nvSpPr>
+          <p:spPr>
+            <a:xfrm>
+              <a:off x="2053491" y="2782905"/>
+              <a:ext cx="4133057" cy="1225739"/>
+            </a:xfrm>
+            <a:prstGeom prst="flowChartOnlineStorage">
+              <a:avLst/>
+            </a:prstGeom>
+            <a:solidFill>
+              <a:srgbClr val="F6EAEE"/>
+            </a:solidFill>
+            <a:ln>
+              <a:solidFill>
+                <a:schemeClr val="tx1">
+                  <a:lumMod val="50000"/>
+                  <a:lumOff val="50000"/>
+                </a:schemeClr>
+              </a:solidFill>
+            </a:ln>
+          </p:spPr>
+          <p:style>
+            <a:lnRef idx="2">
+              <a:schemeClr val="accent1">
+                <a:shade val="15000"/>
+              </a:schemeClr>
+            </a:lnRef>
+            <a:fillRef idx="1">
+              <a:schemeClr val="accent1"/>
+            </a:fillRef>
+            <a:effectRef idx="0">
+              <a:schemeClr val="accent1"/>
+            </a:effectRef>
+            <a:fontRef idx="minor">
+              <a:schemeClr val="lt1"/>
+            </a:fontRef>
+          </p:style>
+          <p:txBody>
+            <a:bodyPr rtlCol="0" anchor="ctr"/>
+            <a:lstStyle/>
+            <a:p>
+              <a:pPr algn="ctr"/>
+              <a:endParaRPr lang="en-US" dirty="0"/>
+            </a:p>
+          </p:txBody>
+        </p:sp>
+        <p:sp>
+          <p:nvSpPr>
+            <p:cNvPr id="15" name="TextBox 14">
+              <a:extLst>
+                <a:ext uri="{FF2B5EF4-FFF2-40B4-BE49-F238E27FC236}">
+                  <a16:creationId xmlns:a16="http://schemas.microsoft.com/office/drawing/2014/main" id="{E9D426C1-4C85-E41C-4048-8D959C015780}"/>
+                </a:ext>
+              </a:extLst>
+            </p:cNvPr>
+            <p:cNvSpPr txBox="1"/>
+            <p:nvPr/>
+          </p:nvSpPr>
+          <p:spPr>
+            <a:xfrm>
+              <a:off x="2372626" y="2828835"/>
+              <a:ext cx="3180287" cy="1200329"/>
+            </a:xfrm>
+            <a:prstGeom prst="rect">
+              <a:avLst/>
+            </a:prstGeom>
+            <a:noFill/>
+          </p:spPr>
+          <p:txBody>
+            <a:bodyPr wrap="square" rtlCol="0">
+              <a:spAutoFit/>
+            </a:bodyPr>
+            <a:lstStyle/>
+            <a:p>
+              <a:r>
+                <a:rPr lang="en-US" b="1" dirty="0"/>
+                <a:t>Segmentation Fault </a:t>
+              </a:r>
+            </a:p>
+            <a:p>
+              <a:r>
+                <a:rPr lang="en-US" b="1" dirty="0"/>
+                <a:t>During Replay:</a:t>
+              </a:r>
+            </a:p>
+            <a:p>
+              <a:r>
+                <a:rPr lang="en-US" dirty="0"/>
+                <a:t>The game crashed when </a:t>
+              </a:r>
+            </a:p>
+            <a:p>
+              <a:r>
+                <a:rPr lang="en-US" dirty="0"/>
+                <a:t>restarting after a match.</a:t>
+              </a:r>
+            </a:p>
+          </p:txBody>
+        </p:sp>
+      </p:grpSp>
+      <p:grpSp>
+        <p:nvGrpSpPr>
+          <p:cNvPr id="25" name="Group 24">
+            <a:extLst>
+              <a:ext uri="{FF2B5EF4-FFF2-40B4-BE49-F238E27FC236}">
+                <a16:creationId xmlns:a16="http://schemas.microsoft.com/office/drawing/2014/main" id="{2823E1BA-CCF3-EBFB-2A9C-1721E9099DE5}"/>
+              </a:ext>
+            </a:extLst>
+          </p:cNvPr>
+          <p:cNvGrpSpPr/>
+          <p:nvPr/>
+        </p:nvGrpSpPr>
+        <p:grpSpPr>
+          <a:xfrm>
+            <a:off x="1534442" y="4097218"/>
+            <a:ext cx="4133057" cy="1225742"/>
+            <a:chOff x="2094148" y="4108105"/>
+            <a:chExt cx="4133057" cy="1225742"/>
+          </a:xfrm>
+        </p:grpSpPr>
+        <p:sp>
+          <p:nvSpPr>
+            <p:cNvPr id="11" name="Flowchart: Stored Data 10">
+              <a:extLst>
+                <a:ext uri="{FF2B5EF4-FFF2-40B4-BE49-F238E27FC236}">
+                  <a16:creationId xmlns:a16="http://schemas.microsoft.com/office/drawing/2014/main" id="{5D3D84D9-B0E8-F528-1C4C-9F8313E1D1EA}"/>
+                </a:ext>
+              </a:extLst>
+            </p:cNvPr>
+            <p:cNvSpPr/>
+            <p:nvPr/>
+          </p:nvSpPr>
+          <p:spPr>
+            <a:xfrm>
+              <a:off x="2094148" y="4108105"/>
+              <a:ext cx="4133057" cy="1225742"/>
+            </a:xfrm>
+            <a:prstGeom prst="flowChartOnlineStorage">
+              <a:avLst/>
+            </a:prstGeom>
+            <a:solidFill>
+              <a:srgbClr val="F6EAEE"/>
+            </a:solidFill>
+            <a:ln>
+              <a:solidFill>
+                <a:schemeClr val="tx1">
+                  <a:lumMod val="50000"/>
+                  <a:lumOff val="50000"/>
+                </a:schemeClr>
+              </a:solidFill>
+            </a:ln>
+          </p:spPr>
+          <p:style>
+            <a:lnRef idx="2">
+              <a:schemeClr val="accent1">
+                <a:shade val="15000"/>
+              </a:schemeClr>
+            </a:lnRef>
+            <a:fillRef idx="1">
+              <a:schemeClr val="accent1"/>
+            </a:fillRef>
+            <a:effectRef idx="0">
+              <a:schemeClr val="accent1"/>
+            </a:effectRef>
+            <a:fontRef idx="minor">
+              <a:schemeClr val="lt1"/>
+            </a:fontRef>
+          </p:style>
+          <p:txBody>
+            <a:bodyPr rtlCol="0" anchor="ctr"/>
+            <a:lstStyle/>
+            <a:p>
+              <a:pPr algn="ctr"/>
+              <a:endParaRPr lang="en-US"/>
+            </a:p>
+          </p:txBody>
+        </p:sp>
+        <p:sp>
+          <p:nvSpPr>
+            <p:cNvPr id="16" name="TextBox 15">
+              <a:extLst>
+                <a:ext uri="{FF2B5EF4-FFF2-40B4-BE49-F238E27FC236}">
+                  <a16:creationId xmlns:a16="http://schemas.microsoft.com/office/drawing/2014/main" id="{EB8564E5-3FA1-F099-DB13-DE39D90F6164}"/>
+                </a:ext>
+              </a:extLst>
+            </p:cNvPr>
+            <p:cNvSpPr txBox="1"/>
+            <p:nvPr/>
+          </p:nvSpPr>
+          <p:spPr>
+            <a:xfrm rot="10800000" flipV="1">
+              <a:off x="2210742" y="4248782"/>
+              <a:ext cx="3764219" cy="923330"/>
+            </a:xfrm>
+            <a:prstGeom prst="rect">
+              <a:avLst/>
+            </a:prstGeom>
+            <a:noFill/>
+          </p:spPr>
+          <p:txBody>
+            <a:bodyPr wrap="square" rtlCol="0">
+              <a:spAutoFit/>
+            </a:bodyPr>
+            <a:lstStyle/>
+            <a:p>
+              <a:r>
+                <a:rPr lang="en-US" b="1" dirty="0"/>
+                <a:t> Cross-Platform Color Issues:</a:t>
+              </a:r>
+            </a:p>
+            <a:p>
+              <a:r>
+                <a:rPr lang="en-US" dirty="0"/>
+                <a:t>ANSI color codes didn’t render properly on some terminals</a:t>
+              </a:r>
+            </a:p>
+          </p:txBody>
+        </p:sp>
+      </p:grpSp>
+      <p:grpSp>
+        <p:nvGrpSpPr>
+          <p:cNvPr id="18" name="Group 17">
+            <a:extLst>
+              <a:ext uri="{FF2B5EF4-FFF2-40B4-BE49-F238E27FC236}">
+                <a16:creationId xmlns:a16="http://schemas.microsoft.com/office/drawing/2014/main" id="{4DEA0FA2-C8B3-064F-200E-B45231707475}"/>
+              </a:ext>
+            </a:extLst>
+          </p:cNvPr>
+          <p:cNvGrpSpPr/>
+          <p:nvPr/>
+        </p:nvGrpSpPr>
+        <p:grpSpPr>
+          <a:xfrm>
+            <a:off x="6091650" y="2754786"/>
+            <a:ext cx="3933497" cy="1225739"/>
+            <a:chOff x="6270826" y="2737926"/>
+            <a:chExt cx="3957111" cy="1317739"/>
+          </a:xfrm>
+        </p:grpSpPr>
+        <p:sp>
+          <p:nvSpPr>
+            <p:cNvPr id="19" name="Flowchart: Stored Data 18">
+              <a:extLst>
+                <a:ext uri="{FF2B5EF4-FFF2-40B4-BE49-F238E27FC236}">
+                  <a16:creationId xmlns:a16="http://schemas.microsoft.com/office/drawing/2014/main" id="{50759E01-6720-B556-C4FF-D5F36E6ACACC}"/>
+                </a:ext>
+              </a:extLst>
+            </p:cNvPr>
+            <p:cNvSpPr/>
+            <p:nvPr/>
+          </p:nvSpPr>
+          <p:spPr>
+            <a:xfrm rot="10800000">
+              <a:off x="6270826" y="2737926"/>
+              <a:ext cx="3957111" cy="1317739"/>
+            </a:xfrm>
+            <a:prstGeom prst="flowChartOnlineStorage">
+              <a:avLst/>
+            </a:prstGeom>
+            <a:solidFill>
+              <a:srgbClr val="F6EAEE"/>
+            </a:solidFill>
+            <a:ln>
+              <a:solidFill>
+                <a:schemeClr val="tx1">
+                  <a:lumMod val="50000"/>
+                  <a:lumOff val="50000"/>
+                </a:schemeClr>
+              </a:solidFill>
+            </a:ln>
+          </p:spPr>
+          <p:style>
+            <a:lnRef idx="2">
+              <a:schemeClr val="accent1">
+                <a:shade val="15000"/>
+              </a:schemeClr>
+            </a:lnRef>
+            <a:fillRef idx="1">
+              <a:schemeClr val="accent1"/>
+            </a:fillRef>
+            <a:effectRef idx="0">
+              <a:schemeClr val="accent1"/>
+            </a:effectRef>
+            <a:fontRef idx="minor">
+              <a:schemeClr val="lt1"/>
+            </a:fontRef>
+          </p:style>
+          <p:txBody>
+            <a:bodyPr rtlCol="0" anchor="ctr"/>
+            <a:lstStyle/>
+            <a:p>
+              <a:pPr algn="ctr"/>
+              <a:endParaRPr lang="en-US" dirty="0"/>
+            </a:p>
+          </p:txBody>
+        </p:sp>
+        <p:sp>
+          <p:nvSpPr>
+            <p:cNvPr id="20" name="TextBox 19">
+              <a:extLst>
+                <a:ext uri="{FF2B5EF4-FFF2-40B4-BE49-F238E27FC236}">
+                  <a16:creationId xmlns:a16="http://schemas.microsoft.com/office/drawing/2014/main" id="{FC4B2E59-9E6E-5FAB-8900-E5C91E8276C1}"/>
+                </a:ext>
+              </a:extLst>
+            </p:cNvPr>
+            <p:cNvSpPr txBox="1"/>
+            <p:nvPr/>
+          </p:nvSpPr>
+          <p:spPr>
+            <a:xfrm rot="10800000" flipV="1">
+              <a:off x="7050952" y="2882360"/>
+              <a:ext cx="2763608" cy="923330"/>
+            </a:xfrm>
+            <a:prstGeom prst="rect">
+              <a:avLst/>
+            </a:prstGeom>
+            <a:noFill/>
+          </p:spPr>
+          <p:txBody>
+            <a:bodyPr wrap="square" rtlCol="0">
+              <a:spAutoFit/>
+            </a:bodyPr>
+            <a:lstStyle/>
+            <a:p>
+              <a:r>
+                <a:rPr lang="en-US" dirty="0"/>
+                <a:t>Properly reinitialized the board and all game variables at replay.</a:t>
+              </a:r>
+            </a:p>
+          </p:txBody>
+        </p:sp>
+      </p:grpSp>
+      <p:grpSp>
+        <p:nvGrpSpPr>
+          <p:cNvPr id="21" name="Group 20">
+            <a:extLst>
+              <a:ext uri="{FF2B5EF4-FFF2-40B4-BE49-F238E27FC236}">
+                <a16:creationId xmlns:a16="http://schemas.microsoft.com/office/drawing/2014/main" id="{174EAE79-AFBD-32AF-8AFA-C33ECDB358B2}"/>
+              </a:ext>
+            </a:extLst>
+          </p:cNvPr>
+          <p:cNvGrpSpPr/>
+          <p:nvPr/>
+        </p:nvGrpSpPr>
+        <p:grpSpPr>
+          <a:xfrm>
+            <a:off x="6149181" y="4092555"/>
+            <a:ext cx="4182995" cy="1230404"/>
+            <a:chOff x="6294436" y="4148615"/>
+            <a:chExt cx="4182995" cy="1230404"/>
+          </a:xfrm>
+        </p:grpSpPr>
+        <p:sp>
+          <p:nvSpPr>
+            <p:cNvPr id="22" name="Flowchart: Stored Data 21">
+              <a:extLst>
+                <a:ext uri="{FF2B5EF4-FFF2-40B4-BE49-F238E27FC236}">
+                  <a16:creationId xmlns:a16="http://schemas.microsoft.com/office/drawing/2014/main" id="{EB4A557B-140D-FA0D-38CB-2D018E01FDB3}"/>
+                </a:ext>
+              </a:extLst>
+            </p:cNvPr>
+            <p:cNvSpPr/>
+            <p:nvPr/>
+          </p:nvSpPr>
+          <p:spPr>
+            <a:xfrm rot="10800000">
+              <a:off x="6294436" y="4148615"/>
+              <a:ext cx="3933497" cy="1230404"/>
+            </a:xfrm>
+            <a:prstGeom prst="flowChartOnlineStorage">
+              <a:avLst/>
+            </a:prstGeom>
+            <a:solidFill>
+              <a:srgbClr val="F6EAEE"/>
+            </a:solidFill>
+            <a:ln>
+              <a:solidFill>
+                <a:schemeClr val="tx1">
+                  <a:lumMod val="50000"/>
+                  <a:lumOff val="50000"/>
+                </a:schemeClr>
+              </a:solidFill>
+            </a:ln>
+          </p:spPr>
+          <p:style>
+            <a:lnRef idx="2">
+              <a:schemeClr val="accent1">
+                <a:shade val="15000"/>
+              </a:schemeClr>
+            </a:lnRef>
+            <a:fillRef idx="1">
+              <a:schemeClr val="accent1"/>
+            </a:fillRef>
+            <a:effectRef idx="0">
+              <a:schemeClr val="accent1"/>
+            </a:effectRef>
+            <a:fontRef idx="minor">
+              <a:schemeClr val="lt1"/>
+            </a:fontRef>
+          </p:style>
+          <p:txBody>
+            <a:bodyPr rtlCol="0" anchor="ctr"/>
+            <a:lstStyle/>
+            <a:p>
+              <a:pPr algn="ctr"/>
+              <a:endParaRPr lang="en-US" dirty="0"/>
+            </a:p>
+          </p:txBody>
+        </p:sp>
+        <p:sp>
+          <p:nvSpPr>
+            <p:cNvPr id="23" name="TextBox 22">
+              <a:extLst>
+                <a:ext uri="{FF2B5EF4-FFF2-40B4-BE49-F238E27FC236}">
+                  <a16:creationId xmlns:a16="http://schemas.microsoft.com/office/drawing/2014/main" id="{2058E61F-00AF-D56D-431B-60B4320124E1}"/>
+                </a:ext>
+              </a:extLst>
+            </p:cNvPr>
+            <p:cNvSpPr txBox="1"/>
+            <p:nvPr/>
+          </p:nvSpPr>
+          <p:spPr>
+            <a:xfrm rot="10800000" flipV="1">
+              <a:off x="6991225" y="4338855"/>
+              <a:ext cx="3486206" cy="923330"/>
+            </a:xfrm>
+            <a:prstGeom prst="rect">
+              <a:avLst/>
+            </a:prstGeom>
+            <a:noFill/>
+          </p:spPr>
+          <p:txBody>
+            <a:bodyPr wrap="square" rtlCol="0">
+              <a:spAutoFit/>
+            </a:bodyPr>
+            <a:lstStyle/>
+            <a:p>
+              <a:r>
+                <a:rPr lang="en-US" dirty="0"/>
+                <a:t>Used simple fallback colors or none, depending on system capability.</a:t>
+              </a:r>
+            </a:p>
+          </p:txBody>
+        </p:sp>
+      </p:grpSp>
     </p:spTree>
     <p:extLst>
       <p:ext uri="{BB962C8B-B14F-4D97-AF65-F5344CB8AC3E}">
@@ -8916,16 +9210,76 @@
         <a:srgbClr val="96607D"/>
       </a:folHlink>
     </a:clrScheme>
-    <a:fontScheme name="Custom 1">
+    <a:fontScheme name="Arial">
       <a:majorFont>
-        <a:latin typeface="Cambria Math"/>
+        <a:latin typeface="Arial" panose="020B0604020202020204"/>
         <a:ea typeface=""/>
         <a:cs typeface=""/>
+        <a:font script="Jpan" typeface="ＭＳ Ｐゴシック"/>
+        <a:font script="Hang" typeface="굴림"/>
+        <a:font script="Hans" typeface="黑体"/>
+        <a:font script="Hant" typeface="微軟正黑體"/>
+        <a:font script="Arab" typeface="Arial"/>
+        <a:font script="Hebr" typeface="Arial"/>
+        <a:font script="Thai" typeface="Cordia New"/>
+        <a:font script="Ethi" typeface="Nyala"/>
+        <a:font script="Beng" typeface="Vrinda"/>
+        <a:font script="Gujr" typeface="Shruti"/>
+        <a:font script="Khmr" typeface="DaunPenh"/>
+        <a:font script="Knda" typeface="Tunga"/>
+        <a:font script="Guru" typeface="Raavi"/>
+        <a:font script="Cans" typeface="Euphemia"/>
+        <a:font script="Cher" typeface="Plantagenet Cherokee"/>
+        <a:font script="Yiii" typeface="Microsoft Yi Baiti"/>
+        <a:font script="Tibt" typeface="Microsoft Himalaya"/>
+        <a:font script="Thaa" typeface="MV Boli"/>
+        <a:font script="Deva" typeface="Mangal"/>
+        <a:font script="Telu" typeface="Gautami"/>
+        <a:font script="Taml" typeface="Latha"/>
+        <a:font script="Syrc" typeface="Estrangelo Edessa"/>
+        <a:font script="Orya" typeface="Kalinga"/>
+        <a:font script="Mlym" typeface="Kartika"/>
+        <a:font script="Laoo" typeface="DokChampa"/>
+        <a:font script="Sinh" typeface="Iskoola Pota"/>
+        <a:font script="Mong" typeface="Mongolian Baiti"/>
+        <a:font script="Viet" typeface="Arial"/>
+        <a:font script="Uigh" typeface="Microsoft Uighur"/>
+        <a:font script="Geor" typeface="Sylfaen"/>
       </a:majorFont>
       <a:minorFont>
-        <a:latin typeface="Cambria Math"/>
+        <a:latin typeface="Arial" panose="020B0604020202020204"/>
         <a:ea typeface=""/>
         <a:cs typeface=""/>
+        <a:font script="Jpan" typeface="ＭＳ Ｐゴシック"/>
+        <a:font script="Hang" typeface="굴림"/>
+        <a:font script="Hans" typeface="黑体"/>
+        <a:font script="Hant" typeface="微軟正黑體"/>
+        <a:font script="Arab" typeface="Arial"/>
+        <a:font script="Hebr" typeface="Arial"/>
+        <a:font script="Thai" typeface="Cordia New"/>
+        <a:font script="Ethi" typeface="Nyala"/>
+        <a:font script="Beng" typeface="Vrinda"/>
+        <a:font script="Gujr" typeface="Shruti"/>
+        <a:font script="Khmr" typeface="DaunPenh"/>
+        <a:font script="Knda" typeface="Tunga"/>
+        <a:font script="Guru" typeface="Raavi"/>
+        <a:font script="Cans" typeface="Euphemia"/>
+        <a:font script="Cher" typeface="Plantagenet Cherokee"/>
+        <a:font script="Yiii" typeface="Microsoft Yi Baiti"/>
+        <a:font script="Tibt" typeface="Microsoft Himalaya"/>
+        <a:font script="Thaa" typeface="MV Boli"/>
+        <a:font script="Deva" typeface="Mangal"/>
+        <a:font script="Telu" typeface="Gautami"/>
+        <a:font script="Taml" typeface="Latha"/>
+        <a:font script="Syrc" typeface="Estrangelo Edessa"/>
+        <a:font script="Orya" typeface="Kalinga"/>
+        <a:font script="Mlym" typeface="Kartika"/>
+        <a:font script="Laoo" typeface="DokChampa"/>
+        <a:font script="Sinh" typeface="Iskoola Pota"/>
+        <a:font script="Mong" typeface="Mongolian Baiti"/>
+        <a:font script="Viet" typeface="Arial"/>
+        <a:font script="Uigh" typeface="Microsoft Uighur"/>
+        <a:font script="Geor" typeface="Sylfaen"/>
       </a:minorFont>
     </a:fontScheme>
     <a:fmtScheme name="Office">

--- a/others/update_presentation.pptx
+++ b/others/update_presentation.pptx
@@ -5,7 +5,7 @@
     <p:sldMasterId id="2147483660" r:id="rId1"/>
   </p:sldMasterIdLst>
   <p:notesMasterIdLst>
-    <p:notesMasterId r:id="rId12"/>
+    <p:notesMasterId r:id="rId13"/>
   </p:notesMasterIdLst>
   <p:sldIdLst>
     <p:sldId id="256" r:id="rId2"/>
@@ -13,11 +13,12 @@
     <p:sldId id="262" r:id="rId4"/>
     <p:sldId id="257" r:id="rId5"/>
     <p:sldId id="258" r:id="rId6"/>
-    <p:sldId id="267" r:id="rId7"/>
-    <p:sldId id="259" r:id="rId8"/>
-    <p:sldId id="263" r:id="rId9"/>
-    <p:sldId id="264" r:id="rId10"/>
-    <p:sldId id="265" r:id="rId11"/>
+    <p:sldId id="268" r:id="rId7"/>
+    <p:sldId id="267" r:id="rId8"/>
+    <p:sldId id="259" r:id="rId9"/>
+    <p:sldId id="263" r:id="rId10"/>
+    <p:sldId id="264" r:id="rId11"/>
+    <p:sldId id="265" r:id="rId12"/>
   </p:sldIdLst>
   <p:sldSz cx="12192000" cy="6858000"/>
   <p:notesSz cx="6858000" cy="9144000"/>
@@ -122,6 +123,322 @@
     </p:ext>
   </p:extLst>
 </p:presentation>
+</file>
+
+<file path=ppt/revisionInfo.xml><?xml version="1.0" encoding="utf-8"?>
+<p1510:revInfo xmlns:a="http://schemas.openxmlformats.org/drawingml/2006/main" xmlns:r="http://schemas.openxmlformats.org/officeDocument/2006/relationships" xmlns:p1510="http://schemas.microsoft.com/office/powerpoint/2015/10/main">
+  <p1510:revLst>
+    <p1510:client id="{5DC25D61-3FC5-4CF2-A57F-38293948189E}" v="4" dt="2025-07-05T18:17:36.943"/>
+  </p1510:revLst>
+</p1510:revInfo>
+</file>
+
+<file path=ppt/changesInfos/changesInfo1.xml><?xml version="1.0" encoding="utf-8"?>
+<pc:chgInfo xmlns:a="http://schemas.openxmlformats.org/drawingml/2006/main" xmlns:r="http://schemas.openxmlformats.org/officeDocument/2006/relationships" xmlns:ac="http://schemas.microsoft.com/office/drawing/2013/main/command" xmlns:pc="http://schemas.microsoft.com/office/powerpoint/2013/main/command">
+  <pc:docChgLst>
+    <pc:chgData name="Md Ishrak Mashroor" userId="e451b154c326eb62" providerId="LiveId" clId="{5DC25D61-3FC5-4CF2-A57F-38293948189E}"/>
+    <pc:docChg chg="undo custSel addSld modSld">
+      <pc:chgData name="Md Ishrak Mashroor" userId="e451b154c326eb62" providerId="LiveId" clId="{5DC25D61-3FC5-4CF2-A57F-38293948189E}" dt="2025-07-05T18:18:19.253" v="119" actId="1076"/>
+      <pc:docMkLst>
+        <pc:docMk/>
+      </pc:docMkLst>
+      <pc:sldChg chg="addSp delSp modSp mod">
+        <pc:chgData name="Md Ishrak Mashroor" userId="e451b154c326eb62" providerId="LiveId" clId="{5DC25D61-3FC5-4CF2-A57F-38293948189E}" dt="2025-07-05T18:15:09.609" v="55" actId="22"/>
+        <pc:sldMkLst>
+          <pc:docMk/>
+          <pc:sldMk cId="4085894783" sldId="262"/>
+        </pc:sldMkLst>
+        <pc:picChg chg="add mod">
+          <ac:chgData name="Md Ishrak Mashroor" userId="e451b154c326eb62" providerId="LiveId" clId="{5DC25D61-3FC5-4CF2-A57F-38293948189E}" dt="2025-07-05T18:08:29.720" v="17" actId="1076"/>
+          <ac:picMkLst>
+            <pc:docMk/>
+            <pc:sldMk cId="4085894783" sldId="262"/>
+            <ac:picMk id="3" creationId="{471FFA3B-0E9F-3F20-A9DA-0BDB31A62570}"/>
+          </ac:picMkLst>
+        </pc:picChg>
+        <pc:picChg chg="add del">
+          <ac:chgData name="Md Ishrak Mashroor" userId="e451b154c326eb62" providerId="LiveId" clId="{5DC25D61-3FC5-4CF2-A57F-38293948189E}" dt="2025-07-05T18:15:09.609" v="55" actId="22"/>
+          <ac:picMkLst>
+            <pc:docMk/>
+            <pc:sldMk cId="4085894783" sldId="262"/>
+            <ac:picMk id="6" creationId="{528DA9F7-D22E-F163-0129-D49542AF31E5}"/>
+          </ac:picMkLst>
+        </pc:picChg>
+      </pc:sldChg>
+      <pc:sldChg chg="addSp delSp modSp new mod setBg setClrOvrMap">
+        <pc:chgData name="Md Ishrak Mashroor" userId="e451b154c326eb62" providerId="LiveId" clId="{5DC25D61-3FC5-4CF2-A57F-38293948189E}" dt="2025-07-05T18:18:19.253" v="119" actId="1076"/>
+        <pc:sldMkLst>
+          <pc:docMk/>
+          <pc:sldMk cId="3836086495" sldId="268"/>
+        </pc:sldMkLst>
+        <pc:spChg chg="add mod">
+          <ac:chgData name="Md Ishrak Mashroor" userId="e451b154c326eb62" providerId="LiveId" clId="{5DC25D61-3FC5-4CF2-A57F-38293948189E}" dt="2025-07-05T18:18:19.253" v="119" actId="1076"/>
+          <ac:spMkLst>
+            <pc:docMk/>
+            <pc:sldMk cId="3836086495" sldId="268"/>
+            <ac:spMk id="9" creationId="{84EB1CFA-52F1-08DD-0F99-0D96BDBE9876}"/>
+          </ac:spMkLst>
+        </pc:spChg>
+        <pc:spChg chg="add del">
+          <ac:chgData name="Md Ishrak Mashroor" userId="e451b154c326eb62" providerId="LiveId" clId="{5DC25D61-3FC5-4CF2-A57F-38293948189E}" dt="2025-07-05T18:11:37.725" v="25" actId="26606"/>
+          <ac:spMkLst>
+            <pc:docMk/>
+            <pc:sldMk cId="3836086495" sldId="268"/>
+            <ac:spMk id="10" creationId="{2FC2BEB8-DB52-4740-AD58-9AD79D4DA72A}"/>
+          </ac:spMkLst>
+        </pc:spChg>
+        <pc:spChg chg="add mod">
+          <ac:chgData name="Md Ishrak Mashroor" userId="e451b154c326eb62" providerId="LiveId" clId="{5DC25D61-3FC5-4CF2-A57F-38293948189E}" dt="2025-07-05T18:17:33.397" v="96" actId="1076"/>
+          <ac:spMkLst>
+            <pc:docMk/>
+            <pc:sldMk cId="3836086495" sldId="268"/>
+            <ac:spMk id="11" creationId="{38BA8816-B275-9EC4-F641-D735A009D0EF}"/>
+          </ac:spMkLst>
+        </pc:spChg>
+        <pc:spChg chg="add del">
+          <ac:chgData name="Md Ishrak Mashroor" userId="e451b154c326eb62" providerId="LiveId" clId="{5DC25D61-3FC5-4CF2-A57F-38293948189E}" dt="2025-07-05T18:11:37.725" v="25" actId="26606"/>
+          <ac:spMkLst>
+            <pc:docMk/>
+            <pc:sldMk cId="3836086495" sldId="268"/>
+            <ac:spMk id="12" creationId="{341FBD78-9B8B-4612-8E4E-39FF2DC4506C}"/>
+          </ac:spMkLst>
+        </pc:spChg>
+        <pc:spChg chg="add mod">
+          <ac:chgData name="Md Ishrak Mashroor" userId="e451b154c326eb62" providerId="LiveId" clId="{5DC25D61-3FC5-4CF2-A57F-38293948189E}" dt="2025-07-05T18:18:16.019" v="118" actId="1076"/>
+          <ac:spMkLst>
+            <pc:docMk/>
+            <pc:sldMk cId="3836086495" sldId="268"/>
+            <ac:spMk id="13" creationId="{D6F640BC-DBBA-C8C8-3BA0-B0B9E712BB17}"/>
+          </ac:spMkLst>
+        </pc:spChg>
+        <pc:spChg chg="add del">
+          <ac:chgData name="Md Ishrak Mashroor" userId="e451b154c326eb62" providerId="LiveId" clId="{5DC25D61-3FC5-4CF2-A57F-38293948189E}" dt="2025-07-05T18:11:37.725" v="25" actId="26606"/>
+          <ac:spMkLst>
+            <pc:docMk/>
+            <pc:sldMk cId="3836086495" sldId="268"/>
+            <ac:spMk id="14" creationId="{682FDA4F-079B-4A51-BDFE-A5CC94D17435}"/>
+          </ac:spMkLst>
+        </pc:spChg>
+        <pc:spChg chg="add del">
+          <ac:chgData name="Md Ishrak Mashroor" userId="e451b154c326eb62" providerId="LiveId" clId="{5DC25D61-3FC5-4CF2-A57F-38293948189E}" dt="2025-07-05T18:11:37.725" v="25" actId="26606"/>
+          <ac:spMkLst>
+            <pc:docMk/>
+            <pc:sldMk cId="3836086495" sldId="268"/>
+            <ac:spMk id="16" creationId="{CA0B358C-0BB2-47F4-85EF-018578763C2D}"/>
+          </ac:spMkLst>
+        </pc:spChg>
+        <pc:spChg chg="add del">
+          <ac:chgData name="Md Ishrak Mashroor" userId="e451b154c326eb62" providerId="LiveId" clId="{5DC25D61-3FC5-4CF2-A57F-38293948189E}" dt="2025-07-05T18:11:37.725" v="25" actId="26606"/>
+          <ac:spMkLst>
+            <pc:docMk/>
+            <pc:sldMk cId="3836086495" sldId="268"/>
+            <ac:spMk id="18" creationId="{1578FE84-C352-4EA1-94F1-90356CF5DD0C}"/>
+          </ac:spMkLst>
+        </pc:spChg>
+        <pc:spChg chg="add del">
+          <ac:chgData name="Md Ishrak Mashroor" userId="e451b154c326eb62" providerId="LiveId" clId="{5DC25D61-3FC5-4CF2-A57F-38293948189E}" dt="2025-07-05T18:11:41.394" v="27" actId="26606"/>
+          <ac:spMkLst>
+            <pc:docMk/>
+            <pc:sldMk cId="3836086495" sldId="268"/>
+            <ac:spMk id="20" creationId="{552CF15B-B62D-425C-826D-EDECC5BA3C66}"/>
+          </ac:spMkLst>
+        </pc:spChg>
+        <pc:spChg chg="add del">
+          <ac:chgData name="Md Ishrak Mashroor" userId="e451b154c326eb62" providerId="LiveId" clId="{5DC25D61-3FC5-4CF2-A57F-38293948189E}" dt="2025-07-05T18:11:41.394" v="27" actId="26606"/>
+          <ac:spMkLst>
+            <pc:docMk/>
+            <pc:sldMk cId="3836086495" sldId="268"/>
+            <ac:spMk id="21" creationId="{C3299DF8-AE9C-4FAD-9FFA-8EF6DD8EC6EB}"/>
+          </ac:spMkLst>
+        </pc:spChg>
+        <pc:spChg chg="add del">
+          <ac:chgData name="Md Ishrak Mashroor" userId="e451b154c326eb62" providerId="LiveId" clId="{5DC25D61-3FC5-4CF2-A57F-38293948189E}" dt="2025-07-05T18:11:41.394" v="27" actId="26606"/>
+          <ac:spMkLst>
+            <pc:docMk/>
+            <pc:sldMk cId="3836086495" sldId="268"/>
+            <ac:spMk id="22" creationId="{E988BDCF-FA66-4854-A037-4AC6C70E1B7E}"/>
+          </ac:spMkLst>
+        </pc:spChg>
+        <pc:spChg chg="add del">
+          <ac:chgData name="Md Ishrak Mashroor" userId="e451b154c326eb62" providerId="LiveId" clId="{5DC25D61-3FC5-4CF2-A57F-38293948189E}" dt="2025-07-05T18:11:41.394" v="27" actId="26606"/>
+          <ac:spMkLst>
+            <pc:docMk/>
+            <pc:sldMk cId="3836086495" sldId="268"/>
+            <ac:spMk id="23" creationId="{F54F5317-715A-4856-908F-8B232EB6D19B}"/>
+          </ac:spMkLst>
+        </pc:spChg>
+        <pc:spChg chg="add del">
+          <ac:chgData name="Md Ishrak Mashroor" userId="e451b154c326eb62" providerId="LiveId" clId="{5DC25D61-3FC5-4CF2-A57F-38293948189E}" dt="2025-07-05T18:11:42.865" v="29" actId="26606"/>
+          <ac:spMkLst>
+            <pc:docMk/>
+            <pc:sldMk cId="3836086495" sldId="268"/>
+            <ac:spMk id="25" creationId="{B68D5A8A-E72D-4933-8095-4D1CD9515EA5}"/>
+          </ac:spMkLst>
+        </pc:spChg>
+        <pc:spChg chg="add del">
+          <ac:chgData name="Md Ishrak Mashroor" userId="e451b154c326eb62" providerId="LiveId" clId="{5DC25D61-3FC5-4CF2-A57F-38293948189E}" dt="2025-07-05T18:11:42.865" v="29" actId="26606"/>
+          <ac:spMkLst>
+            <pc:docMk/>
+            <pc:sldMk cId="3836086495" sldId="268"/>
+            <ac:spMk id="26" creationId="{DDBE9514-FEDA-44BD-88A7-BCFD92C303B1}"/>
+          </ac:spMkLst>
+        </pc:spChg>
+        <pc:spChg chg="add del">
+          <ac:chgData name="Md Ishrak Mashroor" userId="e451b154c326eb62" providerId="LiveId" clId="{5DC25D61-3FC5-4CF2-A57F-38293948189E}" dt="2025-07-05T18:11:42.865" v="29" actId="26606"/>
+          <ac:spMkLst>
+            <pc:docMk/>
+            <pc:sldMk cId="3836086495" sldId="268"/>
+            <ac:spMk id="27" creationId="{1C5EA01F-B580-4D48-82C9-76FD6752EC09}"/>
+          </ac:spMkLst>
+        </pc:spChg>
+        <pc:spChg chg="add del">
+          <ac:chgData name="Md Ishrak Mashroor" userId="e451b154c326eb62" providerId="LiveId" clId="{5DC25D61-3FC5-4CF2-A57F-38293948189E}" dt="2025-07-05T18:11:42.865" v="29" actId="26606"/>
+          <ac:spMkLst>
+            <pc:docMk/>
+            <pc:sldMk cId="3836086495" sldId="268"/>
+            <ac:spMk id="28" creationId="{9D25E54F-44EC-4453-8B23-A4481040C14F}"/>
+          </ac:spMkLst>
+        </pc:spChg>
+        <pc:spChg chg="add del">
+          <ac:chgData name="Md Ishrak Mashroor" userId="e451b154c326eb62" providerId="LiveId" clId="{5DC25D61-3FC5-4CF2-A57F-38293948189E}" dt="2025-07-05T18:11:44.679" v="31" actId="26606"/>
+          <ac:spMkLst>
+            <pc:docMk/>
+            <pc:sldMk cId="3836086495" sldId="268"/>
+            <ac:spMk id="30" creationId="{552CF15B-B62D-425C-826D-EDECC5BA3C66}"/>
+          </ac:spMkLst>
+        </pc:spChg>
+        <pc:spChg chg="add del">
+          <ac:chgData name="Md Ishrak Mashroor" userId="e451b154c326eb62" providerId="LiveId" clId="{5DC25D61-3FC5-4CF2-A57F-38293948189E}" dt="2025-07-05T18:11:44.679" v="31" actId="26606"/>
+          <ac:spMkLst>
+            <pc:docMk/>
+            <pc:sldMk cId="3836086495" sldId="268"/>
+            <ac:spMk id="31" creationId="{C3299DF8-AE9C-4FAD-9FFA-8EF6DD8EC6EB}"/>
+          </ac:spMkLst>
+        </pc:spChg>
+        <pc:spChg chg="add del">
+          <ac:chgData name="Md Ishrak Mashroor" userId="e451b154c326eb62" providerId="LiveId" clId="{5DC25D61-3FC5-4CF2-A57F-38293948189E}" dt="2025-07-05T18:11:44.679" v="31" actId="26606"/>
+          <ac:spMkLst>
+            <pc:docMk/>
+            <pc:sldMk cId="3836086495" sldId="268"/>
+            <ac:spMk id="32" creationId="{E988BDCF-FA66-4854-A037-4AC6C70E1B7E}"/>
+          </ac:spMkLst>
+        </pc:spChg>
+        <pc:spChg chg="add del">
+          <ac:chgData name="Md Ishrak Mashroor" userId="e451b154c326eb62" providerId="LiveId" clId="{5DC25D61-3FC5-4CF2-A57F-38293948189E}" dt="2025-07-05T18:11:44.679" v="31" actId="26606"/>
+          <ac:spMkLst>
+            <pc:docMk/>
+            <pc:sldMk cId="3836086495" sldId="268"/>
+            <ac:spMk id="33" creationId="{F54F5317-715A-4856-908F-8B232EB6D19B}"/>
+          </ac:spMkLst>
+        </pc:spChg>
+        <pc:spChg chg="add del">
+          <ac:chgData name="Md Ishrak Mashroor" userId="e451b154c326eb62" providerId="LiveId" clId="{5DC25D61-3FC5-4CF2-A57F-38293948189E}" dt="2025-07-05T18:11:46.767" v="33" actId="26606"/>
+          <ac:spMkLst>
+            <pc:docMk/>
+            <pc:sldMk cId="3836086495" sldId="268"/>
+            <ac:spMk id="35" creationId="{2FC2BEB8-DB52-4740-AD58-9AD79D4DA72A}"/>
+          </ac:spMkLst>
+        </pc:spChg>
+        <pc:spChg chg="add del">
+          <ac:chgData name="Md Ishrak Mashroor" userId="e451b154c326eb62" providerId="LiveId" clId="{5DC25D61-3FC5-4CF2-A57F-38293948189E}" dt="2025-07-05T18:11:46.767" v="33" actId="26606"/>
+          <ac:spMkLst>
+            <pc:docMk/>
+            <pc:sldMk cId="3836086495" sldId="268"/>
+            <ac:spMk id="36" creationId="{341FBD78-9B8B-4612-8E4E-39FF2DC4506C}"/>
+          </ac:spMkLst>
+        </pc:spChg>
+        <pc:spChg chg="add del">
+          <ac:chgData name="Md Ishrak Mashroor" userId="e451b154c326eb62" providerId="LiveId" clId="{5DC25D61-3FC5-4CF2-A57F-38293948189E}" dt="2025-07-05T18:11:46.767" v="33" actId="26606"/>
+          <ac:spMkLst>
+            <pc:docMk/>
+            <pc:sldMk cId="3836086495" sldId="268"/>
+            <ac:spMk id="37" creationId="{682FDA4F-079B-4A51-BDFE-A5CC94D17435}"/>
+          </ac:spMkLst>
+        </pc:spChg>
+        <pc:spChg chg="add del">
+          <ac:chgData name="Md Ishrak Mashroor" userId="e451b154c326eb62" providerId="LiveId" clId="{5DC25D61-3FC5-4CF2-A57F-38293948189E}" dt="2025-07-05T18:11:46.767" v="33" actId="26606"/>
+          <ac:spMkLst>
+            <pc:docMk/>
+            <pc:sldMk cId="3836086495" sldId="268"/>
+            <ac:spMk id="38" creationId="{CA0B358C-0BB2-47F4-85EF-018578763C2D}"/>
+          </ac:spMkLst>
+        </pc:spChg>
+        <pc:spChg chg="add del">
+          <ac:chgData name="Md Ishrak Mashroor" userId="e451b154c326eb62" providerId="LiveId" clId="{5DC25D61-3FC5-4CF2-A57F-38293948189E}" dt="2025-07-05T18:11:46.767" v="33" actId="26606"/>
+          <ac:spMkLst>
+            <pc:docMk/>
+            <pc:sldMk cId="3836086495" sldId="268"/>
+            <ac:spMk id="39" creationId="{1578FE84-C352-4EA1-94F1-90356CF5DD0C}"/>
+          </ac:spMkLst>
+        </pc:spChg>
+        <pc:spChg chg="add del">
+          <ac:chgData name="Md Ishrak Mashroor" userId="e451b154c326eb62" providerId="LiveId" clId="{5DC25D61-3FC5-4CF2-A57F-38293948189E}" dt="2025-07-05T18:11:53.788" v="37" actId="26606"/>
+          <ac:spMkLst>
+            <pc:docMk/>
+            <pc:sldMk cId="3836086495" sldId="268"/>
+            <ac:spMk id="41" creationId="{552CF15B-B62D-425C-826D-EDECC5BA3C66}"/>
+          </ac:spMkLst>
+        </pc:spChg>
+        <pc:spChg chg="add del">
+          <ac:chgData name="Md Ishrak Mashroor" userId="e451b154c326eb62" providerId="LiveId" clId="{5DC25D61-3FC5-4CF2-A57F-38293948189E}" dt="2025-07-05T18:11:53.788" v="37" actId="26606"/>
+          <ac:spMkLst>
+            <pc:docMk/>
+            <pc:sldMk cId="3836086495" sldId="268"/>
+            <ac:spMk id="42" creationId="{C3299DF8-AE9C-4FAD-9FFA-8EF6DD8EC6EB}"/>
+          </ac:spMkLst>
+        </pc:spChg>
+        <pc:spChg chg="add del">
+          <ac:chgData name="Md Ishrak Mashroor" userId="e451b154c326eb62" providerId="LiveId" clId="{5DC25D61-3FC5-4CF2-A57F-38293948189E}" dt="2025-07-05T18:11:53.788" v="37" actId="26606"/>
+          <ac:spMkLst>
+            <pc:docMk/>
+            <pc:sldMk cId="3836086495" sldId="268"/>
+            <ac:spMk id="43" creationId="{E988BDCF-FA66-4854-A037-4AC6C70E1B7E}"/>
+          </ac:spMkLst>
+        </pc:spChg>
+        <pc:spChg chg="add del">
+          <ac:chgData name="Md Ishrak Mashroor" userId="e451b154c326eb62" providerId="LiveId" clId="{5DC25D61-3FC5-4CF2-A57F-38293948189E}" dt="2025-07-05T18:11:53.788" v="37" actId="26606"/>
+          <ac:spMkLst>
+            <pc:docMk/>
+            <pc:sldMk cId="3836086495" sldId="268"/>
+            <ac:spMk id="44" creationId="{F54F5317-715A-4856-908F-8B232EB6D19B}"/>
+          </ac:spMkLst>
+        </pc:spChg>
+        <pc:picChg chg="add mod ord">
+          <ac:chgData name="Md Ishrak Mashroor" userId="e451b154c326eb62" providerId="LiveId" clId="{5DC25D61-3FC5-4CF2-A57F-38293948189E}" dt="2025-07-05T18:17:09.525" v="92" actId="1076"/>
+          <ac:picMkLst>
+            <pc:docMk/>
+            <pc:sldMk cId="3836086495" sldId="268"/>
+            <ac:picMk id="3" creationId="{F75288DE-B217-BB66-79A2-7D5F9F98DE53}"/>
+          </ac:picMkLst>
+        </pc:picChg>
+        <pc:picChg chg="add del mod">
+          <ac:chgData name="Md Ishrak Mashroor" userId="e451b154c326eb62" providerId="LiveId" clId="{5DC25D61-3FC5-4CF2-A57F-38293948189E}" dt="2025-07-05T18:11:59.567" v="40" actId="22"/>
+          <ac:picMkLst>
+            <pc:docMk/>
+            <pc:sldMk cId="3836086495" sldId="268"/>
+            <ac:picMk id="5" creationId="{8E5030DE-E092-8D5C-A2CF-8BD865F973AF}"/>
+          </ac:picMkLst>
+        </pc:picChg>
+        <pc:picChg chg="add mod">
+          <ac:chgData name="Md Ishrak Mashroor" userId="e451b154c326eb62" providerId="LiveId" clId="{5DC25D61-3FC5-4CF2-A57F-38293948189E}" dt="2025-07-05T18:17:11.139" v="93" actId="1076"/>
+          <ac:picMkLst>
+            <pc:docMk/>
+            <pc:sldMk cId="3836086495" sldId="268"/>
+            <ac:picMk id="7" creationId="{AFBBD130-000F-CD0F-1CE4-396E97659F77}"/>
+          </ac:picMkLst>
+        </pc:picChg>
+        <pc:picChg chg="add mod">
+          <ac:chgData name="Md Ishrak Mashroor" userId="e451b154c326eb62" providerId="LiveId" clId="{5DC25D61-3FC5-4CF2-A57F-38293948189E}" dt="2025-07-05T18:17:01.869" v="88" actId="1076"/>
+          <ac:picMkLst>
+            <pc:docMk/>
+            <pc:sldMk cId="3836086495" sldId="268"/>
+            <ac:picMk id="8" creationId="{5173751C-CE7A-D97F-7A91-D892AEE52F24}"/>
+          </ac:picMkLst>
+        </pc:picChg>
+      </pc:sldChg>
+    </pc:docChg>
+  </pc:docChgLst>
+</pc:chgInfo>
 </file>
 
 <file path=ppt/notesMasters/notesMaster1.xml><?xml version="1.0" encoding="utf-8"?>
@@ -7230,6 +7547,343 @@
         <p:cNvPr id="1" name="">
           <a:extLst>
             <a:ext uri="{FF2B5EF4-FFF2-40B4-BE49-F238E27FC236}">
+              <a16:creationId xmlns:a16="http://schemas.microsoft.com/office/drawing/2014/main" id="{F69DD704-B5E6-5C8B-6298-4541A382B2E1}"/>
+            </a:ext>
+          </a:extLst>
+        </p:cNvPr>
+        <p:cNvGrpSpPr/>
+        <p:nvPr/>
+      </p:nvGrpSpPr>
+      <p:grpSpPr>
+        <a:xfrm>
+          <a:off x="0" y="0"/>
+          <a:ext cx="0" cy="0"/>
+          <a:chOff x="0" y="0"/>
+          <a:chExt cx="0" cy="0"/>
+        </a:xfrm>
+      </p:grpSpPr>
+      <p:sp>
+        <p:nvSpPr>
+          <p:cNvPr id="5" name="Rectangle 4">
+            <a:extLst>
+              <a:ext uri="{FF2B5EF4-FFF2-40B4-BE49-F238E27FC236}">
+                <a16:creationId xmlns:a16="http://schemas.microsoft.com/office/drawing/2014/main" id="{A615949C-5236-F699-FBA5-BC723689527C}"/>
+              </a:ext>
+            </a:extLst>
+          </p:cNvPr>
+          <p:cNvSpPr/>
+          <p:nvPr/>
+        </p:nvSpPr>
+        <p:spPr>
+          <a:xfrm>
+            <a:off x="819223" y="644552"/>
+            <a:ext cx="3289683" cy="769441"/>
+          </a:xfrm>
+          <a:prstGeom prst="rect">
+            <a:avLst/>
+          </a:prstGeom>
+          <a:noFill/>
+        </p:spPr>
+        <p:txBody>
+          <a:bodyPr wrap="none" lIns="91440" tIns="45720" rIns="91440" bIns="45720">
+            <a:spAutoFit/>
+          </a:bodyPr>
+          <a:lstStyle/>
+          <a:p>
+            <a:r>
+              <a:rPr lang="en-US" sz="4400" b="1" cap="none" spc="0" dirty="0">
+                <a:ln w="0"/>
+                <a:solidFill>
+                  <a:schemeClr val="tx1"/>
+                </a:solidFill>
+                <a:latin typeface="Arial" panose="020B0604020202020204" pitchFamily="34" charset="0"/>
+                <a:cs typeface="Arial" panose="020B0604020202020204" pitchFamily="34" charset="0"/>
+              </a:rPr>
+              <a:t>Future Plan</a:t>
+            </a:r>
+          </a:p>
+        </p:txBody>
+      </p:sp>
+      <p:cxnSp>
+        <p:nvCxnSpPr>
+          <p:cNvPr id="6" name="Straight Connector 5">
+            <a:extLst>
+              <a:ext uri="{FF2B5EF4-FFF2-40B4-BE49-F238E27FC236}">
+                <a16:creationId xmlns:a16="http://schemas.microsoft.com/office/drawing/2014/main" id="{12440A21-6096-109C-D6BC-35E830BF3178}"/>
+              </a:ext>
+            </a:extLst>
+          </p:cNvPr>
+          <p:cNvCxnSpPr/>
+          <p:nvPr/>
+        </p:nvCxnSpPr>
+        <p:spPr>
+          <a:xfrm>
+            <a:off x="787984" y="1524000"/>
+            <a:ext cx="10616032" cy="0"/>
+          </a:xfrm>
+          <a:prstGeom prst="line">
+            <a:avLst/>
+          </a:prstGeom>
+          <a:ln w="28575">
+            <a:solidFill>
+              <a:schemeClr val="tx1"/>
+            </a:solidFill>
+          </a:ln>
+        </p:spPr>
+        <p:style>
+          <a:lnRef idx="1">
+            <a:schemeClr val="accent1"/>
+          </a:lnRef>
+          <a:fillRef idx="0">
+            <a:schemeClr val="accent1"/>
+          </a:fillRef>
+          <a:effectRef idx="0">
+            <a:schemeClr val="accent1"/>
+          </a:effectRef>
+          <a:fontRef idx="minor">
+            <a:schemeClr val="tx1"/>
+          </a:fontRef>
+        </p:style>
+      </p:cxnSp>
+      <p:sp>
+        <p:nvSpPr>
+          <p:cNvPr id="7" name="Flowchart: Card 6">
+            <a:extLst>
+              <a:ext uri="{FF2B5EF4-FFF2-40B4-BE49-F238E27FC236}">
+                <a16:creationId xmlns:a16="http://schemas.microsoft.com/office/drawing/2014/main" id="{800B6688-1F14-A589-2967-3D0B2B72AD62}"/>
+              </a:ext>
+            </a:extLst>
+          </p:cNvPr>
+          <p:cNvSpPr/>
+          <p:nvPr/>
+        </p:nvSpPr>
+        <p:spPr>
+          <a:xfrm flipH="1">
+            <a:off x="1262986" y="1871452"/>
+            <a:ext cx="9585842" cy="4036943"/>
+          </a:xfrm>
+          <a:prstGeom prst="flowChartPunchedCard">
+            <a:avLst/>
+          </a:prstGeom>
+          <a:solidFill>
+            <a:schemeClr val="bg2"/>
+          </a:solidFill>
+          <a:ln>
+            <a:solidFill>
+              <a:srgbClr val="E0E0E0"/>
+            </a:solidFill>
+          </a:ln>
+        </p:spPr>
+        <p:style>
+          <a:lnRef idx="2">
+            <a:schemeClr val="accent1">
+              <a:shade val="15000"/>
+            </a:schemeClr>
+          </a:lnRef>
+          <a:fillRef idx="1">
+            <a:schemeClr val="accent1"/>
+          </a:fillRef>
+          <a:effectRef idx="0">
+            <a:schemeClr val="accent1"/>
+          </a:effectRef>
+          <a:fontRef idx="minor">
+            <a:schemeClr val="lt1"/>
+          </a:fontRef>
+        </p:style>
+        <p:txBody>
+          <a:bodyPr rtlCol="0" anchor="ctr"/>
+          <a:lstStyle/>
+          <a:p>
+            <a:pPr algn="ctr"/>
+            <a:endParaRPr lang="en-US" dirty="0"/>
+          </a:p>
+        </p:txBody>
+      </p:sp>
+      <p:sp>
+        <p:nvSpPr>
+          <p:cNvPr id="9" name="TextBox 8">
+            <a:extLst>
+              <a:ext uri="{FF2B5EF4-FFF2-40B4-BE49-F238E27FC236}">
+                <a16:creationId xmlns:a16="http://schemas.microsoft.com/office/drawing/2014/main" id="{2067F548-9F09-AE13-5378-5AA5D3393C3B}"/>
+              </a:ext>
+            </a:extLst>
+          </p:cNvPr>
+          <p:cNvSpPr txBox="1"/>
+          <p:nvPr/>
+        </p:nvSpPr>
+        <p:spPr>
+          <a:xfrm>
+            <a:off x="1534090" y="2093740"/>
+            <a:ext cx="4901406" cy="400110"/>
+          </a:xfrm>
+          <a:prstGeom prst="rect">
+            <a:avLst/>
+          </a:prstGeom>
+          <a:noFill/>
+        </p:spPr>
+        <p:txBody>
+          <a:bodyPr wrap="square">
+            <a:spAutoFit/>
+          </a:bodyPr>
+          <a:lstStyle/>
+          <a:p>
+            <a:pPr>
+              <a:spcAft>
+                <a:spcPts val="600"/>
+              </a:spcAft>
+            </a:pPr>
+            <a:r>
+              <a:rPr lang="en-US" sz="2000" b="1" dirty="0">
+                <a:latin typeface="Arial" panose="020B0604020202020204" pitchFamily="34" charset="0"/>
+                <a:cs typeface="Arial" panose="020B0604020202020204" pitchFamily="34" charset="0"/>
+              </a:rPr>
+              <a:t>Human vs AI Mode</a:t>
+            </a:r>
+          </a:p>
+        </p:txBody>
+      </p:sp>
+      <p:sp>
+        <p:nvSpPr>
+          <p:cNvPr id="11" name="TextBox 10">
+            <a:extLst>
+              <a:ext uri="{FF2B5EF4-FFF2-40B4-BE49-F238E27FC236}">
+                <a16:creationId xmlns:a16="http://schemas.microsoft.com/office/drawing/2014/main" id="{09D3A6E4-1CFC-031C-4E48-8E542CAF8A9C}"/>
+              </a:ext>
+            </a:extLst>
+          </p:cNvPr>
+          <p:cNvSpPr txBox="1"/>
+          <p:nvPr/>
+        </p:nvSpPr>
+        <p:spPr>
+          <a:xfrm>
+            <a:off x="1534090" y="2616036"/>
+            <a:ext cx="4901406" cy="1554272"/>
+          </a:xfrm>
+          <a:prstGeom prst="rect">
+            <a:avLst/>
+          </a:prstGeom>
+          <a:noFill/>
+        </p:spPr>
+        <p:txBody>
+          <a:bodyPr wrap="square">
+            <a:spAutoFit/>
+          </a:bodyPr>
+          <a:lstStyle/>
+          <a:p>
+            <a:pPr marL="285750" indent="-285750">
+              <a:spcAft>
+                <a:spcPts val="600"/>
+              </a:spcAft>
+              <a:buFont typeface="Arial" panose="020B0604020202020204" pitchFamily="34" charset="0"/>
+              <a:buChar char="•"/>
+            </a:pPr>
+            <a:r>
+              <a:rPr lang="en-US" sz="1600" dirty="0">
+                <a:latin typeface="Arial" panose="020B0604020202020204" pitchFamily="34" charset="0"/>
+                <a:cs typeface="Arial" panose="020B0604020202020204" pitchFamily="34" charset="0"/>
+              </a:rPr>
+              <a:t>Generate move using rand() function</a:t>
+            </a:r>
+          </a:p>
+          <a:p>
+            <a:pPr marL="285750" indent="-285750">
+              <a:spcAft>
+                <a:spcPts val="600"/>
+              </a:spcAft>
+              <a:buFont typeface="Arial" panose="020B0604020202020204" pitchFamily="34" charset="0"/>
+              <a:buChar char="•"/>
+            </a:pPr>
+            <a:r>
+              <a:rPr lang="en-US" sz="1600" dirty="0">
+                <a:latin typeface="Arial" panose="020B0604020202020204" pitchFamily="34" charset="0"/>
+                <a:cs typeface="Arial" panose="020B0604020202020204" pitchFamily="34" charset="0"/>
+              </a:rPr>
+              <a:t>Seed by </a:t>
+            </a:r>
+            <a:r>
+              <a:rPr lang="en-US" sz="1600" dirty="0" err="1">
+                <a:latin typeface="Arial" panose="020B0604020202020204" pitchFamily="34" charset="0"/>
+                <a:cs typeface="Arial" panose="020B0604020202020204" pitchFamily="34" charset="0"/>
+              </a:rPr>
+              <a:t>srand</a:t>
+            </a:r>
+            <a:r>
+              <a:rPr lang="en-US" sz="1600" dirty="0">
+                <a:latin typeface="Arial" panose="020B0604020202020204" pitchFamily="34" charset="0"/>
+                <a:cs typeface="Arial" panose="020B0604020202020204" pitchFamily="34" charset="0"/>
+              </a:rPr>
+              <a:t>() and time() from &lt;</a:t>
+            </a:r>
+            <a:r>
+              <a:rPr lang="en-US" sz="1600" dirty="0" err="1">
+                <a:latin typeface="Arial" panose="020B0604020202020204" pitchFamily="34" charset="0"/>
+                <a:cs typeface="Arial" panose="020B0604020202020204" pitchFamily="34" charset="0"/>
+              </a:rPr>
+              <a:t>time.h</a:t>
+            </a:r>
+            <a:r>
+              <a:rPr lang="en-US" sz="1600" dirty="0">
+                <a:latin typeface="Arial" panose="020B0604020202020204" pitchFamily="34" charset="0"/>
+                <a:cs typeface="Arial" panose="020B0604020202020204" pitchFamily="34" charset="0"/>
+              </a:rPr>
+              <a:t>&gt; file</a:t>
+            </a:r>
+          </a:p>
+          <a:p>
+            <a:pPr marL="285750" indent="-285750">
+              <a:spcAft>
+                <a:spcPts val="600"/>
+              </a:spcAft>
+              <a:buFont typeface="Arial" panose="020B0604020202020204" pitchFamily="34" charset="0"/>
+              <a:buChar char="•"/>
+            </a:pPr>
+            <a:r>
+              <a:rPr lang="en-US" sz="1600" dirty="0">
+                <a:latin typeface="Arial" panose="020B0604020202020204" pitchFamily="34" charset="0"/>
+                <a:cs typeface="Arial" panose="020B0604020202020204" pitchFamily="34" charset="0"/>
+              </a:rPr>
+              <a:t>Using pointer variables to return two values (row and column)</a:t>
+            </a:r>
+          </a:p>
+          <a:p>
+            <a:pPr marL="285750" indent="-285750">
+              <a:spcAft>
+                <a:spcPts val="600"/>
+              </a:spcAft>
+              <a:buFont typeface="Arial" panose="020B0604020202020204" pitchFamily="34" charset="0"/>
+              <a:buChar char="•"/>
+            </a:pPr>
+            <a:r>
+              <a:rPr lang="en-US" sz="1600" dirty="0">
+                <a:latin typeface="Arial" panose="020B0604020202020204" pitchFamily="34" charset="0"/>
+                <a:cs typeface="Arial" panose="020B0604020202020204" pitchFamily="34" charset="0"/>
+              </a:rPr>
+              <a:t>Scalable code – Hard AI and AI vs AI mode</a:t>
+            </a:r>
+          </a:p>
+        </p:txBody>
+      </p:sp>
+    </p:spTree>
+    <p:extLst>
+      <p:ext uri="{BB962C8B-B14F-4D97-AF65-F5344CB8AC3E}">
+        <p14:creationId xmlns:p14="http://schemas.microsoft.com/office/powerpoint/2010/main" val="3910344058"/>
+      </p:ext>
+    </p:extLst>
+  </p:cSld>
+  <p:clrMapOvr>
+    <a:masterClrMapping/>
+  </p:clrMapOvr>
+</p:sld>
+</file>
+
+<file path=ppt/slides/slide11.xml><?xml version="1.0" encoding="utf-8"?>
+<p:sld xmlns:a="http://schemas.openxmlformats.org/drawingml/2006/main" xmlns:r="http://schemas.openxmlformats.org/officeDocument/2006/relationships" xmlns:p="http://schemas.openxmlformats.org/presentationml/2006/main">
+  <p:cSld>
+    <p:spTree>
+      <p:nvGrpSpPr>
+        <p:cNvPr id="1" name="">
+          <a:extLst>
+            <a:ext uri="{FF2B5EF4-FFF2-40B4-BE49-F238E27FC236}">
               <a16:creationId xmlns:a16="http://schemas.microsoft.com/office/drawing/2014/main" id="{53C1E92C-405B-AA1A-CE69-78590E77F6FE}"/>
             </a:ext>
           </a:extLst>
@@ -7945,6 +8599,53 @@
           </a:p>
         </p:txBody>
       </p:sp>
+      <p:pic>
+        <p:nvPicPr>
+          <p:cNvPr id="3" name="Picture 2">
+            <a:extLst>
+              <a:ext uri="{FF2B5EF4-FFF2-40B4-BE49-F238E27FC236}">
+                <a16:creationId xmlns:a16="http://schemas.microsoft.com/office/drawing/2014/main" id="{471FFA3B-0E9F-3F20-A9DA-0BDB31A62570}"/>
+              </a:ext>
+            </a:extLst>
+          </p:cNvPr>
+          <p:cNvPicPr>
+            <a:picLocks noChangeAspect="1"/>
+          </p:cNvPicPr>
+          <p:nvPr/>
+        </p:nvPicPr>
+        <p:blipFill>
+          <a:blip r:embed="rId2"/>
+          <a:stretch>
+            <a:fillRect/>
+          </a:stretch>
+        </p:blipFill>
+        <p:spPr>
+          <a:xfrm>
+            <a:off x="7345338" y="3685303"/>
+            <a:ext cx="2888018" cy="1648696"/>
+          </a:xfrm>
+          <a:prstGeom prst="rect">
+            <a:avLst/>
+          </a:prstGeom>
+          <a:ln>
+            <a:noFill/>
+          </a:ln>
+          <a:effectLst>
+            <a:reflection blurRad="12700" stA="30000" endPos="30000" dist="5000" dir="5400000" sy="-100000" algn="bl" rotWithShape="0"/>
+          </a:effectLst>
+          <a:scene3d>
+            <a:camera prst="perspectiveContrastingLeftFacing">
+              <a:rot lat="300000" lon="19800000" rev="0"/>
+            </a:camera>
+            <a:lightRig rig="threePt" dir="t">
+              <a:rot lat="0" lon="0" rev="2700000"/>
+            </a:lightRig>
+          </a:scene3d>
+          <a:sp3d>
+            <a:bevelT w="63500" h="50800"/>
+          </a:sp3d>
+        </p:spPr>
+      </p:pic>
     </p:spTree>
     <p:extLst>
       <p:ext uri="{BB962C8B-B14F-4D97-AF65-F5344CB8AC3E}">
@@ -9453,6 +10154,274 @@
   <p:cSld>
     <p:spTree>
       <p:nvGrpSpPr>
+        <p:cNvPr id="1" name=""/>
+        <p:cNvGrpSpPr/>
+        <p:nvPr/>
+      </p:nvGrpSpPr>
+      <p:grpSpPr>
+        <a:xfrm>
+          <a:off x="0" y="0"/>
+          <a:ext cx="0" cy="0"/>
+          <a:chOff x="0" y="0"/>
+          <a:chExt cx="0" cy="0"/>
+        </a:xfrm>
+      </p:grpSpPr>
+      <p:pic>
+        <p:nvPicPr>
+          <p:cNvPr id="3" name="Picture 2">
+            <a:extLst>
+              <a:ext uri="{FF2B5EF4-FFF2-40B4-BE49-F238E27FC236}">
+                <a16:creationId xmlns:a16="http://schemas.microsoft.com/office/drawing/2014/main" id="{F75288DE-B217-BB66-79A2-7D5F9F98DE53}"/>
+              </a:ext>
+            </a:extLst>
+          </p:cNvPr>
+          <p:cNvPicPr>
+            <a:picLocks noChangeAspect="1"/>
+          </p:cNvPicPr>
+          <p:nvPr/>
+        </p:nvPicPr>
+        <p:blipFill>
+          <a:blip r:embed="rId2"/>
+          <a:stretch>
+            <a:fillRect/>
+          </a:stretch>
+        </p:blipFill>
+        <p:spPr>
+          <a:xfrm>
+            <a:off x="842004" y="802653"/>
+            <a:ext cx="3398125" cy="1827293"/>
+          </a:xfrm>
+          <a:prstGeom prst="rect">
+            <a:avLst/>
+          </a:prstGeom>
+          <a:ln>
+            <a:noFill/>
+          </a:ln>
+          <a:effectLst>
+            <a:reflection blurRad="12700" stA="30000" endPos="30000" dist="5000" dir="5400000" sy="-100000" algn="bl" rotWithShape="0"/>
+          </a:effectLst>
+          <a:scene3d>
+            <a:camera prst="perspectiveContrastingLeftFacing">
+              <a:rot lat="300000" lon="19800000" rev="0"/>
+            </a:camera>
+            <a:lightRig rig="threePt" dir="t">
+              <a:rot lat="0" lon="0" rev="2700000"/>
+            </a:lightRig>
+          </a:scene3d>
+          <a:sp3d>
+            <a:bevelT w="63500" h="50800"/>
+          </a:sp3d>
+        </p:spPr>
+      </p:pic>
+      <p:pic>
+        <p:nvPicPr>
+          <p:cNvPr id="7" name="Picture 6">
+            <a:extLst>
+              <a:ext uri="{FF2B5EF4-FFF2-40B4-BE49-F238E27FC236}">
+                <a16:creationId xmlns:a16="http://schemas.microsoft.com/office/drawing/2014/main" id="{AFBBD130-000F-CD0F-1CE4-396E97659F77}"/>
+              </a:ext>
+            </a:extLst>
+          </p:cNvPr>
+          <p:cNvPicPr>
+            <a:picLocks noChangeAspect="1"/>
+          </p:cNvPicPr>
+          <p:nvPr/>
+        </p:nvPicPr>
+        <p:blipFill>
+          <a:blip r:embed="rId3"/>
+          <a:stretch>
+            <a:fillRect/>
+          </a:stretch>
+        </p:blipFill>
+        <p:spPr>
+          <a:xfrm>
+            <a:off x="842004" y="3429000"/>
+            <a:ext cx="3460877" cy="2516401"/>
+          </a:xfrm>
+          <a:prstGeom prst="rect">
+            <a:avLst/>
+          </a:prstGeom>
+          <a:ln>
+            <a:noFill/>
+          </a:ln>
+          <a:effectLst>
+            <a:reflection blurRad="12700" stA="30000" endPos="30000" dist="5000" dir="5400000" sy="-100000" algn="bl" rotWithShape="0"/>
+          </a:effectLst>
+          <a:scene3d>
+            <a:camera prst="perspectiveContrastingLeftFacing">
+              <a:rot lat="300000" lon="19800000" rev="0"/>
+            </a:camera>
+            <a:lightRig rig="threePt" dir="t">
+              <a:rot lat="0" lon="0" rev="2700000"/>
+            </a:lightRig>
+          </a:scene3d>
+          <a:sp3d>
+            <a:bevelT w="63500" h="50800"/>
+          </a:sp3d>
+        </p:spPr>
+      </p:pic>
+      <p:pic>
+        <p:nvPicPr>
+          <p:cNvPr id="8" name="Picture 7">
+            <a:extLst>
+              <a:ext uri="{FF2B5EF4-FFF2-40B4-BE49-F238E27FC236}">
+                <a16:creationId xmlns:a16="http://schemas.microsoft.com/office/drawing/2014/main" id="{5173751C-CE7A-D97F-7A91-D892AEE52F24}"/>
+              </a:ext>
+            </a:extLst>
+          </p:cNvPr>
+          <p:cNvPicPr>
+            <a:picLocks noChangeAspect="1"/>
+          </p:cNvPicPr>
+          <p:nvPr/>
+        </p:nvPicPr>
+        <p:blipFill>
+          <a:blip r:embed="rId4"/>
+          <a:stretch>
+            <a:fillRect/>
+          </a:stretch>
+        </p:blipFill>
+        <p:spPr>
+          <a:xfrm>
+            <a:off x="7494309" y="3225474"/>
+            <a:ext cx="3732398" cy="5061625"/>
+          </a:xfrm>
+          <a:prstGeom prst="rect">
+            <a:avLst/>
+          </a:prstGeom>
+        </p:spPr>
+      </p:pic>
+      <p:sp>
+        <p:nvSpPr>
+          <p:cNvPr id="9" name="TextBox 8">
+            <a:extLst>
+              <a:ext uri="{FF2B5EF4-FFF2-40B4-BE49-F238E27FC236}">
+                <a16:creationId xmlns:a16="http://schemas.microsoft.com/office/drawing/2014/main" id="{84EB1CFA-52F1-08DD-0F99-0D96BDBE9876}"/>
+              </a:ext>
+            </a:extLst>
+          </p:cNvPr>
+          <p:cNvSpPr txBox="1"/>
+          <p:nvPr/>
+        </p:nvSpPr>
+        <p:spPr>
+          <a:xfrm>
+            <a:off x="4236987" y="1008668"/>
+            <a:ext cx="1326004" cy="369332"/>
+          </a:xfrm>
+          <a:prstGeom prst="rect">
+            <a:avLst/>
+          </a:prstGeom>
+          <a:noFill/>
+        </p:spPr>
+        <p:txBody>
+          <a:bodyPr wrap="none" rtlCol="0">
+            <a:spAutoFit/>
+          </a:bodyPr>
+          <a:lstStyle/>
+          <a:p>
+            <a:r>
+              <a:rPr lang="en-US" dirty="0">
+                <a:latin typeface="Arial" panose="020B0604020202020204" pitchFamily="34" charset="0"/>
+                <a:cs typeface="Arial" panose="020B0604020202020204" pitchFamily="34" charset="0"/>
+              </a:rPr>
+              <a:t>Main Menu</a:t>
+            </a:r>
+          </a:p>
+        </p:txBody>
+      </p:sp>
+      <p:sp>
+        <p:nvSpPr>
+          <p:cNvPr id="11" name="TextBox 10">
+            <a:extLst>
+              <a:ext uri="{FF2B5EF4-FFF2-40B4-BE49-F238E27FC236}">
+                <a16:creationId xmlns:a16="http://schemas.microsoft.com/office/drawing/2014/main" id="{38BA8816-B275-9EC4-F641-D735A009D0EF}"/>
+              </a:ext>
+            </a:extLst>
+          </p:cNvPr>
+          <p:cNvSpPr txBox="1"/>
+          <p:nvPr/>
+        </p:nvSpPr>
+        <p:spPr>
+          <a:xfrm>
+            <a:off x="9790773" y="2856142"/>
+            <a:ext cx="1236236" cy="369332"/>
+          </a:xfrm>
+          <a:prstGeom prst="rect">
+            <a:avLst/>
+          </a:prstGeom>
+          <a:noFill/>
+        </p:spPr>
+        <p:txBody>
+          <a:bodyPr wrap="none" rtlCol="0">
+            <a:spAutoFit/>
+          </a:bodyPr>
+          <a:lstStyle/>
+          <a:p>
+            <a:r>
+              <a:rPr lang="en-US" dirty="0">
+                <a:latin typeface="Arial" panose="020B0604020202020204" pitchFamily="34" charset="0"/>
+                <a:cs typeface="Arial" panose="020B0604020202020204" pitchFamily="34" charset="0"/>
+              </a:rPr>
+              <a:t>Gameplay</a:t>
+            </a:r>
+          </a:p>
+        </p:txBody>
+      </p:sp>
+      <p:sp>
+        <p:nvSpPr>
+          <p:cNvPr id="13" name="TextBox 12">
+            <a:extLst>
+              <a:ext uri="{FF2B5EF4-FFF2-40B4-BE49-F238E27FC236}">
+                <a16:creationId xmlns:a16="http://schemas.microsoft.com/office/drawing/2014/main" id="{D6F640BC-DBBA-C8C8-3BA0-B0B9E712BB17}"/>
+              </a:ext>
+            </a:extLst>
+          </p:cNvPr>
+          <p:cNvSpPr txBox="1"/>
+          <p:nvPr/>
+        </p:nvSpPr>
+        <p:spPr>
+          <a:xfrm>
+            <a:off x="4236987" y="3429000"/>
+            <a:ext cx="2086151" cy="369332"/>
+          </a:xfrm>
+          <a:prstGeom prst="rect">
+            <a:avLst/>
+          </a:prstGeom>
+          <a:noFill/>
+        </p:spPr>
+        <p:txBody>
+          <a:bodyPr wrap="square" rtlCol="0">
+            <a:spAutoFit/>
+          </a:bodyPr>
+          <a:lstStyle/>
+          <a:p>
+            <a:r>
+              <a:rPr lang="en-US" dirty="0">
+                <a:latin typeface="Arial" panose="020B0604020202020204" pitchFamily="34" charset="0"/>
+                <a:cs typeface="Arial" panose="020B0604020202020204" pitchFamily="34" charset="0"/>
+              </a:rPr>
+              <a:t>About menu </a:t>
+            </a:r>
+          </a:p>
+        </p:txBody>
+      </p:sp>
+    </p:spTree>
+    <p:extLst>
+      <p:ext uri="{BB962C8B-B14F-4D97-AF65-F5344CB8AC3E}">
+        <p14:creationId xmlns:p14="http://schemas.microsoft.com/office/powerpoint/2010/main" val="3836086495"/>
+      </p:ext>
+    </p:extLst>
+  </p:cSld>
+  <p:clrMapOvr>
+    <a:masterClrMapping/>
+  </p:clrMapOvr>
+</p:sld>
+</file>
+
+<file path=ppt/slides/slide7.xml><?xml version="1.0" encoding="utf-8"?>
+<p:sld xmlns:a="http://schemas.openxmlformats.org/drawingml/2006/main" xmlns:r="http://schemas.openxmlformats.org/officeDocument/2006/relationships" xmlns:p="http://schemas.openxmlformats.org/presentationml/2006/main">
+  <p:cSld>
+    <p:spTree>
+      <p:nvGrpSpPr>
         <p:cNvPr id="1" name="">
           <a:extLst>
             <a:ext uri="{FF2B5EF4-FFF2-40B4-BE49-F238E27FC236}">
@@ -10088,7 +11057,7 @@
 </p:sld>
 </file>
 
-<file path=ppt/slides/slide7.xml><?xml version="1.0" encoding="utf-8"?>
+<file path=ppt/slides/slide8.xml><?xml version="1.0" encoding="utf-8"?>
 <p:sld xmlns:a="http://schemas.openxmlformats.org/drawingml/2006/main" xmlns:r="http://schemas.openxmlformats.org/officeDocument/2006/relationships" xmlns:p="http://schemas.openxmlformats.org/presentationml/2006/main">
   <p:cSld>
     <p:spTree>
@@ -10688,7 +11657,7 @@
 </p:sld>
 </file>
 
-<file path=ppt/slides/slide8.xml><?xml version="1.0" encoding="utf-8"?>
+<file path=ppt/slides/slide9.xml><?xml version="1.0" encoding="utf-8"?>
 <p:sld xmlns:a="http://schemas.openxmlformats.org/drawingml/2006/main" xmlns:r="http://schemas.openxmlformats.org/officeDocument/2006/relationships" xmlns:p="http://schemas.openxmlformats.org/presentationml/2006/main">
   <p:cSld>
     <p:spTree>
@@ -11249,343 +12218,6 @@
     <p:extLst>
       <p:ext uri="{BB962C8B-B14F-4D97-AF65-F5344CB8AC3E}">
         <p14:creationId xmlns:p14="http://schemas.microsoft.com/office/powerpoint/2010/main" val="3317183055"/>
-      </p:ext>
-    </p:extLst>
-  </p:cSld>
-  <p:clrMapOvr>
-    <a:masterClrMapping/>
-  </p:clrMapOvr>
-</p:sld>
-</file>
-
-<file path=ppt/slides/slide9.xml><?xml version="1.0" encoding="utf-8"?>
-<p:sld xmlns:a="http://schemas.openxmlformats.org/drawingml/2006/main" xmlns:r="http://schemas.openxmlformats.org/officeDocument/2006/relationships" xmlns:p="http://schemas.openxmlformats.org/presentationml/2006/main">
-  <p:cSld>
-    <p:spTree>
-      <p:nvGrpSpPr>
-        <p:cNvPr id="1" name="">
-          <a:extLst>
-            <a:ext uri="{FF2B5EF4-FFF2-40B4-BE49-F238E27FC236}">
-              <a16:creationId xmlns:a16="http://schemas.microsoft.com/office/drawing/2014/main" id="{F69DD704-B5E6-5C8B-6298-4541A382B2E1}"/>
-            </a:ext>
-          </a:extLst>
-        </p:cNvPr>
-        <p:cNvGrpSpPr/>
-        <p:nvPr/>
-      </p:nvGrpSpPr>
-      <p:grpSpPr>
-        <a:xfrm>
-          <a:off x="0" y="0"/>
-          <a:ext cx="0" cy="0"/>
-          <a:chOff x="0" y="0"/>
-          <a:chExt cx="0" cy="0"/>
-        </a:xfrm>
-      </p:grpSpPr>
-      <p:sp>
-        <p:nvSpPr>
-          <p:cNvPr id="5" name="Rectangle 4">
-            <a:extLst>
-              <a:ext uri="{FF2B5EF4-FFF2-40B4-BE49-F238E27FC236}">
-                <a16:creationId xmlns:a16="http://schemas.microsoft.com/office/drawing/2014/main" id="{A615949C-5236-F699-FBA5-BC723689527C}"/>
-              </a:ext>
-            </a:extLst>
-          </p:cNvPr>
-          <p:cNvSpPr/>
-          <p:nvPr/>
-        </p:nvSpPr>
-        <p:spPr>
-          <a:xfrm>
-            <a:off x="819223" y="644552"/>
-            <a:ext cx="3289683" cy="769441"/>
-          </a:xfrm>
-          <a:prstGeom prst="rect">
-            <a:avLst/>
-          </a:prstGeom>
-          <a:noFill/>
-        </p:spPr>
-        <p:txBody>
-          <a:bodyPr wrap="none" lIns="91440" tIns="45720" rIns="91440" bIns="45720">
-            <a:spAutoFit/>
-          </a:bodyPr>
-          <a:lstStyle/>
-          <a:p>
-            <a:r>
-              <a:rPr lang="en-US" sz="4400" b="1" cap="none" spc="0" dirty="0">
-                <a:ln w="0"/>
-                <a:solidFill>
-                  <a:schemeClr val="tx1"/>
-                </a:solidFill>
-                <a:latin typeface="Arial" panose="020B0604020202020204" pitchFamily="34" charset="0"/>
-                <a:cs typeface="Arial" panose="020B0604020202020204" pitchFamily="34" charset="0"/>
-              </a:rPr>
-              <a:t>Future Plan</a:t>
-            </a:r>
-          </a:p>
-        </p:txBody>
-      </p:sp>
-      <p:cxnSp>
-        <p:nvCxnSpPr>
-          <p:cNvPr id="6" name="Straight Connector 5">
-            <a:extLst>
-              <a:ext uri="{FF2B5EF4-FFF2-40B4-BE49-F238E27FC236}">
-                <a16:creationId xmlns:a16="http://schemas.microsoft.com/office/drawing/2014/main" id="{12440A21-6096-109C-D6BC-35E830BF3178}"/>
-              </a:ext>
-            </a:extLst>
-          </p:cNvPr>
-          <p:cNvCxnSpPr/>
-          <p:nvPr/>
-        </p:nvCxnSpPr>
-        <p:spPr>
-          <a:xfrm>
-            <a:off x="787984" y="1524000"/>
-            <a:ext cx="10616032" cy="0"/>
-          </a:xfrm>
-          <a:prstGeom prst="line">
-            <a:avLst/>
-          </a:prstGeom>
-          <a:ln w="28575">
-            <a:solidFill>
-              <a:schemeClr val="tx1"/>
-            </a:solidFill>
-          </a:ln>
-        </p:spPr>
-        <p:style>
-          <a:lnRef idx="1">
-            <a:schemeClr val="accent1"/>
-          </a:lnRef>
-          <a:fillRef idx="0">
-            <a:schemeClr val="accent1"/>
-          </a:fillRef>
-          <a:effectRef idx="0">
-            <a:schemeClr val="accent1"/>
-          </a:effectRef>
-          <a:fontRef idx="minor">
-            <a:schemeClr val="tx1"/>
-          </a:fontRef>
-        </p:style>
-      </p:cxnSp>
-      <p:sp>
-        <p:nvSpPr>
-          <p:cNvPr id="7" name="Flowchart: Card 6">
-            <a:extLst>
-              <a:ext uri="{FF2B5EF4-FFF2-40B4-BE49-F238E27FC236}">
-                <a16:creationId xmlns:a16="http://schemas.microsoft.com/office/drawing/2014/main" id="{800B6688-1F14-A589-2967-3D0B2B72AD62}"/>
-              </a:ext>
-            </a:extLst>
-          </p:cNvPr>
-          <p:cNvSpPr/>
-          <p:nvPr/>
-        </p:nvSpPr>
-        <p:spPr>
-          <a:xfrm flipH="1">
-            <a:off x="1262986" y="1871452"/>
-            <a:ext cx="9585842" cy="4036943"/>
-          </a:xfrm>
-          <a:prstGeom prst="flowChartPunchedCard">
-            <a:avLst/>
-          </a:prstGeom>
-          <a:solidFill>
-            <a:schemeClr val="bg2"/>
-          </a:solidFill>
-          <a:ln>
-            <a:solidFill>
-              <a:srgbClr val="E0E0E0"/>
-            </a:solidFill>
-          </a:ln>
-        </p:spPr>
-        <p:style>
-          <a:lnRef idx="2">
-            <a:schemeClr val="accent1">
-              <a:shade val="15000"/>
-            </a:schemeClr>
-          </a:lnRef>
-          <a:fillRef idx="1">
-            <a:schemeClr val="accent1"/>
-          </a:fillRef>
-          <a:effectRef idx="0">
-            <a:schemeClr val="accent1"/>
-          </a:effectRef>
-          <a:fontRef idx="minor">
-            <a:schemeClr val="lt1"/>
-          </a:fontRef>
-        </p:style>
-        <p:txBody>
-          <a:bodyPr rtlCol="0" anchor="ctr"/>
-          <a:lstStyle/>
-          <a:p>
-            <a:pPr algn="ctr"/>
-            <a:endParaRPr lang="en-US" dirty="0"/>
-          </a:p>
-        </p:txBody>
-      </p:sp>
-      <p:sp>
-        <p:nvSpPr>
-          <p:cNvPr id="9" name="TextBox 8">
-            <a:extLst>
-              <a:ext uri="{FF2B5EF4-FFF2-40B4-BE49-F238E27FC236}">
-                <a16:creationId xmlns:a16="http://schemas.microsoft.com/office/drawing/2014/main" id="{2067F548-9F09-AE13-5378-5AA5D3393C3B}"/>
-              </a:ext>
-            </a:extLst>
-          </p:cNvPr>
-          <p:cNvSpPr txBox="1"/>
-          <p:nvPr/>
-        </p:nvSpPr>
-        <p:spPr>
-          <a:xfrm>
-            <a:off x="1534090" y="2093740"/>
-            <a:ext cx="4901406" cy="400110"/>
-          </a:xfrm>
-          <a:prstGeom prst="rect">
-            <a:avLst/>
-          </a:prstGeom>
-          <a:noFill/>
-        </p:spPr>
-        <p:txBody>
-          <a:bodyPr wrap="square">
-            <a:spAutoFit/>
-          </a:bodyPr>
-          <a:lstStyle/>
-          <a:p>
-            <a:pPr>
-              <a:spcAft>
-                <a:spcPts val="600"/>
-              </a:spcAft>
-            </a:pPr>
-            <a:r>
-              <a:rPr lang="en-US" sz="2000" b="1" dirty="0">
-                <a:latin typeface="Arial" panose="020B0604020202020204" pitchFamily="34" charset="0"/>
-                <a:cs typeface="Arial" panose="020B0604020202020204" pitchFamily="34" charset="0"/>
-              </a:rPr>
-              <a:t>Human vs AI Mode</a:t>
-            </a:r>
-          </a:p>
-        </p:txBody>
-      </p:sp>
-      <p:sp>
-        <p:nvSpPr>
-          <p:cNvPr id="11" name="TextBox 10">
-            <a:extLst>
-              <a:ext uri="{FF2B5EF4-FFF2-40B4-BE49-F238E27FC236}">
-                <a16:creationId xmlns:a16="http://schemas.microsoft.com/office/drawing/2014/main" id="{09D3A6E4-1CFC-031C-4E48-8E542CAF8A9C}"/>
-              </a:ext>
-            </a:extLst>
-          </p:cNvPr>
-          <p:cNvSpPr txBox="1"/>
-          <p:nvPr/>
-        </p:nvSpPr>
-        <p:spPr>
-          <a:xfrm>
-            <a:off x="1534090" y="2616036"/>
-            <a:ext cx="4901406" cy="1554272"/>
-          </a:xfrm>
-          <a:prstGeom prst="rect">
-            <a:avLst/>
-          </a:prstGeom>
-          <a:noFill/>
-        </p:spPr>
-        <p:txBody>
-          <a:bodyPr wrap="square">
-            <a:spAutoFit/>
-          </a:bodyPr>
-          <a:lstStyle/>
-          <a:p>
-            <a:pPr marL="285750" indent="-285750">
-              <a:spcAft>
-                <a:spcPts val="600"/>
-              </a:spcAft>
-              <a:buFont typeface="Arial" panose="020B0604020202020204" pitchFamily="34" charset="0"/>
-              <a:buChar char="•"/>
-            </a:pPr>
-            <a:r>
-              <a:rPr lang="en-US" sz="1600" dirty="0">
-                <a:latin typeface="Arial" panose="020B0604020202020204" pitchFamily="34" charset="0"/>
-                <a:cs typeface="Arial" panose="020B0604020202020204" pitchFamily="34" charset="0"/>
-              </a:rPr>
-              <a:t>Generate move using rand() function</a:t>
-            </a:r>
-          </a:p>
-          <a:p>
-            <a:pPr marL="285750" indent="-285750">
-              <a:spcAft>
-                <a:spcPts val="600"/>
-              </a:spcAft>
-              <a:buFont typeface="Arial" panose="020B0604020202020204" pitchFamily="34" charset="0"/>
-              <a:buChar char="•"/>
-            </a:pPr>
-            <a:r>
-              <a:rPr lang="en-US" sz="1600" dirty="0">
-                <a:latin typeface="Arial" panose="020B0604020202020204" pitchFamily="34" charset="0"/>
-                <a:cs typeface="Arial" panose="020B0604020202020204" pitchFamily="34" charset="0"/>
-              </a:rPr>
-              <a:t>Seed by </a:t>
-            </a:r>
-            <a:r>
-              <a:rPr lang="en-US" sz="1600" dirty="0" err="1">
-                <a:latin typeface="Arial" panose="020B0604020202020204" pitchFamily="34" charset="0"/>
-                <a:cs typeface="Arial" panose="020B0604020202020204" pitchFamily="34" charset="0"/>
-              </a:rPr>
-              <a:t>srand</a:t>
-            </a:r>
-            <a:r>
-              <a:rPr lang="en-US" sz="1600" dirty="0">
-                <a:latin typeface="Arial" panose="020B0604020202020204" pitchFamily="34" charset="0"/>
-                <a:cs typeface="Arial" panose="020B0604020202020204" pitchFamily="34" charset="0"/>
-              </a:rPr>
-              <a:t>() and time() from &lt;</a:t>
-            </a:r>
-            <a:r>
-              <a:rPr lang="en-US" sz="1600" dirty="0" err="1">
-                <a:latin typeface="Arial" panose="020B0604020202020204" pitchFamily="34" charset="0"/>
-                <a:cs typeface="Arial" panose="020B0604020202020204" pitchFamily="34" charset="0"/>
-              </a:rPr>
-              <a:t>time.h</a:t>
-            </a:r>
-            <a:r>
-              <a:rPr lang="en-US" sz="1600" dirty="0">
-                <a:latin typeface="Arial" panose="020B0604020202020204" pitchFamily="34" charset="0"/>
-                <a:cs typeface="Arial" panose="020B0604020202020204" pitchFamily="34" charset="0"/>
-              </a:rPr>
-              <a:t>&gt; file</a:t>
-            </a:r>
-          </a:p>
-          <a:p>
-            <a:pPr marL="285750" indent="-285750">
-              <a:spcAft>
-                <a:spcPts val="600"/>
-              </a:spcAft>
-              <a:buFont typeface="Arial" panose="020B0604020202020204" pitchFamily="34" charset="0"/>
-              <a:buChar char="•"/>
-            </a:pPr>
-            <a:r>
-              <a:rPr lang="en-US" sz="1600" dirty="0">
-                <a:latin typeface="Arial" panose="020B0604020202020204" pitchFamily="34" charset="0"/>
-                <a:cs typeface="Arial" panose="020B0604020202020204" pitchFamily="34" charset="0"/>
-              </a:rPr>
-              <a:t>Using pointer variables to return two values (row and column)</a:t>
-            </a:r>
-          </a:p>
-          <a:p>
-            <a:pPr marL="285750" indent="-285750">
-              <a:spcAft>
-                <a:spcPts val="600"/>
-              </a:spcAft>
-              <a:buFont typeface="Arial" panose="020B0604020202020204" pitchFamily="34" charset="0"/>
-              <a:buChar char="•"/>
-            </a:pPr>
-            <a:r>
-              <a:rPr lang="en-US" sz="1600" dirty="0">
-                <a:latin typeface="Arial" panose="020B0604020202020204" pitchFamily="34" charset="0"/>
-                <a:cs typeface="Arial" panose="020B0604020202020204" pitchFamily="34" charset="0"/>
-              </a:rPr>
-              <a:t>Scalable code – Hard AI and AI vs AI mode</a:t>
-            </a:r>
-          </a:p>
-        </p:txBody>
-      </p:sp>
-    </p:spTree>
-    <p:extLst>
-      <p:ext uri="{BB962C8B-B14F-4D97-AF65-F5344CB8AC3E}">
-        <p14:creationId xmlns:p14="http://schemas.microsoft.com/office/powerpoint/2010/main" val="3910344058"/>
       </p:ext>
     </p:extLst>
   </p:cSld>

--- a/others/update_presentation.pptx
+++ b/others/update_presentation.pptx
@@ -128,7 +128,7 @@
 <file path=ppt/revisionInfo.xml><?xml version="1.0" encoding="utf-8"?>
 <p1510:revInfo xmlns:a="http://schemas.openxmlformats.org/drawingml/2006/main" xmlns:r="http://schemas.openxmlformats.org/officeDocument/2006/relationships" xmlns:p1510="http://schemas.microsoft.com/office/powerpoint/2015/10/main">
   <p1510:revLst>
-    <p1510:client id="{5DC25D61-3FC5-4CF2-A57F-38293948189E}" v="4" dt="2025-07-05T18:17:36.943"/>
+    <p1510:client id="{5DC25D61-3FC5-4CF2-A57F-38293948189E}" v="9" dt="2025-07-05T18:24:07.712"/>
   </p1510:revLst>
 </p1510:revInfo>
 </file>
@@ -138,7 +138,7 @@
   <pc:docChgLst>
     <pc:chgData name="Md Ishrak Mashroor" userId="e451b154c326eb62" providerId="LiveId" clId="{5DC25D61-3FC5-4CF2-A57F-38293948189E}"/>
     <pc:docChg chg="undo custSel addSld modSld">
-      <pc:chgData name="Md Ishrak Mashroor" userId="e451b154c326eb62" providerId="LiveId" clId="{5DC25D61-3FC5-4CF2-A57F-38293948189E}" dt="2025-07-05T18:18:19.253" v="119" actId="1076"/>
+      <pc:chgData name="Md Ishrak Mashroor" userId="e451b154c326eb62" providerId="LiveId" clId="{5DC25D61-3FC5-4CF2-A57F-38293948189E}" dt="2025-07-05T18:29:50.597" v="271" actId="12"/>
       <pc:docMkLst>
         <pc:docMk/>
       </pc:docMkLst>
@@ -165,14 +165,83 @@
           </ac:picMkLst>
         </pc:picChg>
       </pc:sldChg>
+      <pc:sldChg chg="modSp mod">
+        <pc:chgData name="Md Ishrak Mashroor" userId="e451b154c326eb62" providerId="LiveId" clId="{5DC25D61-3FC5-4CF2-A57F-38293948189E}" dt="2025-07-05T18:21:31.552" v="121" actId="1076"/>
+        <pc:sldMkLst>
+          <pc:docMk/>
+          <pc:sldMk cId="3317183055" sldId="263"/>
+        </pc:sldMkLst>
+        <pc:spChg chg="mod">
+          <ac:chgData name="Md Ishrak Mashroor" userId="e451b154c326eb62" providerId="LiveId" clId="{5DC25D61-3FC5-4CF2-A57F-38293948189E}" dt="2025-07-05T18:21:31.552" v="121" actId="1076"/>
+          <ac:spMkLst>
+            <pc:docMk/>
+            <pc:sldMk cId="3317183055" sldId="263"/>
+            <ac:spMk id="38" creationId="{A9ACF919-0274-597A-2611-48C69FC6E343}"/>
+          </ac:spMkLst>
+        </pc:spChg>
+      </pc:sldChg>
+      <pc:sldChg chg="modSp mod">
+        <pc:chgData name="Md Ishrak Mashroor" userId="e451b154c326eb62" providerId="LiveId" clId="{5DC25D61-3FC5-4CF2-A57F-38293948189E}" dt="2025-07-05T18:23:18.257" v="122" actId="20577"/>
+        <pc:sldMkLst>
+          <pc:docMk/>
+          <pc:sldMk cId="3910344058" sldId="264"/>
+        </pc:sldMkLst>
+        <pc:spChg chg="mod">
+          <ac:chgData name="Md Ishrak Mashroor" userId="e451b154c326eb62" providerId="LiveId" clId="{5DC25D61-3FC5-4CF2-A57F-38293948189E}" dt="2025-07-05T18:23:18.257" v="122" actId="20577"/>
+          <ac:spMkLst>
+            <pc:docMk/>
+            <pc:sldMk cId="3910344058" sldId="264"/>
+            <ac:spMk id="11" creationId="{09D3A6E4-1CFC-031C-4E48-8E542CAF8A9C}"/>
+          </ac:spMkLst>
+        </pc:spChg>
+      </pc:sldChg>
+      <pc:sldChg chg="modSp mod">
+        <pc:chgData name="Md Ishrak Mashroor" userId="e451b154c326eb62" providerId="LiveId" clId="{5DC25D61-3FC5-4CF2-A57F-38293948189E}" dt="2025-07-05T18:25:45.555" v="149" actId="20577"/>
+        <pc:sldMkLst>
+          <pc:docMk/>
+          <pc:sldMk cId="1406542301" sldId="266"/>
+        </pc:sldMkLst>
+        <pc:spChg chg="mod">
+          <ac:chgData name="Md Ishrak Mashroor" userId="e451b154c326eb62" providerId="LiveId" clId="{5DC25D61-3FC5-4CF2-A57F-38293948189E}" dt="2025-07-05T18:25:45.555" v="149" actId="20577"/>
+          <ac:spMkLst>
+            <pc:docMk/>
+            <pc:sldMk cId="1406542301" sldId="266"/>
+            <ac:spMk id="3" creationId="{798E751C-39E7-B546-AC11-D203D78BB202}"/>
+          </ac:spMkLst>
+        </pc:spChg>
+      </pc:sldChg>
       <pc:sldChg chg="addSp delSp modSp new mod setBg setClrOvrMap">
-        <pc:chgData name="Md Ishrak Mashroor" userId="e451b154c326eb62" providerId="LiveId" clId="{5DC25D61-3FC5-4CF2-A57F-38293948189E}" dt="2025-07-05T18:18:19.253" v="119" actId="1076"/>
+        <pc:chgData name="Md Ishrak Mashroor" userId="e451b154c326eb62" providerId="LiveId" clId="{5DC25D61-3FC5-4CF2-A57F-38293948189E}" dt="2025-07-05T18:29:50.597" v="271" actId="12"/>
         <pc:sldMkLst>
           <pc:docMk/>
           <pc:sldMk cId="3836086495" sldId="268"/>
         </pc:sldMkLst>
         <pc:spChg chg="add mod">
-          <ac:chgData name="Md Ishrak Mashroor" userId="e451b154c326eb62" providerId="LiveId" clId="{5DC25D61-3FC5-4CF2-A57F-38293948189E}" dt="2025-07-05T18:18:19.253" v="119" actId="1076"/>
+          <ac:chgData name="Md Ishrak Mashroor" userId="e451b154c326eb62" providerId="LiveId" clId="{5DC25D61-3FC5-4CF2-A57F-38293948189E}" dt="2025-07-05T18:24:03.404" v="132" actId="14100"/>
+          <ac:spMkLst>
+            <pc:docMk/>
+            <pc:sldMk cId="3836086495" sldId="268"/>
+            <ac:spMk id="2" creationId="{7955A393-7ED4-7AE7-8D43-0FFFA3F8083F}"/>
+          </ac:spMkLst>
+        </pc:spChg>
+        <pc:spChg chg="add mod">
+          <ac:chgData name="Md Ishrak Mashroor" userId="e451b154c326eb62" providerId="LiveId" clId="{5DC25D61-3FC5-4CF2-A57F-38293948189E}" dt="2025-07-05T18:28:05.051" v="219" actId="1076"/>
+          <ac:spMkLst>
+            <pc:docMk/>
+            <pc:sldMk cId="3836086495" sldId="268"/>
+            <ac:spMk id="4" creationId="{ABCA22A3-F17A-3566-74CA-957CDFD9C086}"/>
+          </ac:spMkLst>
+        </pc:spChg>
+        <pc:spChg chg="add mod">
+          <ac:chgData name="Md Ishrak Mashroor" userId="e451b154c326eb62" providerId="LiveId" clId="{5DC25D61-3FC5-4CF2-A57F-38293948189E}" dt="2025-07-05T18:24:37.877" v="138" actId="1076"/>
+          <ac:spMkLst>
+            <pc:docMk/>
+            <pc:sldMk cId="3836086495" sldId="268"/>
+            <ac:spMk id="5" creationId="{D7CB8858-F6AC-E025-08EA-AC2C491CD80A}"/>
+          </ac:spMkLst>
+        </pc:spChg>
+        <pc:spChg chg="add mod">
+          <ac:chgData name="Md Ishrak Mashroor" userId="e451b154c326eb62" providerId="LiveId" clId="{5DC25D61-3FC5-4CF2-A57F-38293948189E}" dt="2025-07-05T18:29:19.225" v="263" actId="20577"/>
           <ac:spMkLst>
             <pc:docMk/>
             <pc:sldMk cId="3836086495" sldId="268"/>
@@ -188,7 +257,7 @@
           </ac:spMkLst>
         </pc:spChg>
         <pc:spChg chg="add mod">
-          <ac:chgData name="Md Ishrak Mashroor" userId="e451b154c326eb62" providerId="LiveId" clId="{5DC25D61-3FC5-4CF2-A57F-38293948189E}" dt="2025-07-05T18:17:33.397" v="96" actId="1076"/>
+          <ac:chgData name="Md Ishrak Mashroor" userId="e451b154c326eb62" providerId="LiveId" clId="{5DC25D61-3FC5-4CF2-A57F-38293948189E}" dt="2025-07-05T18:24:50.572" v="140" actId="1076"/>
           <ac:spMkLst>
             <pc:docMk/>
             <pc:sldMk cId="3836086495" sldId="268"/>
@@ -204,7 +273,7 @@
           </ac:spMkLst>
         </pc:spChg>
         <pc:spChg chg="add mod">
-          <ac:chgData name="Md Ishrak Mashroor" userId="e451b154c326eb62" providerId="LiveId" clId="{5DC25D61-3FC5-4CF2-A57F-38293948189E}" dt="2025-07-05T18:18:16.019" v="118" actId="1076"/>
+          <ac:chgData name="Md Ishrak Mashroor" userId="e451b154c326eb62" providerId="LiveId" clId="{5DC25D61-3FC5-4CF2-A57F-38293948189E}" dt="2025-07-05T18:29:50.597" v="271" actId="12"/>
           <ac:spMkLst>
             <pc:docMk/>
             <pc:sldMk cId="3836086495" sldId="268"/>
@@ -523,7 +592,7 @@
           <a:p>
             <a:fld id="{2A5697F4-FBBD-4C19-8363-2A765E07F564}" type="datetimeFigureOut">
               <a:rPr lang="en-US" smtClean="0"/>
-              <a:t>7/5/2025</a:t>
+              <a:t>7/6/2025</a:t>
             </a:fld>
             <a:endParaRPr lang="en-US"/>
           </a:p>
@@ -7858,7 +7927,7 @@
                 <a:latin typeface="Arial" panose="020B0604020202020204" pitchFamily="34" charset="0"/>
                 <a:cs typeface="Arial" panose="020B0604020202020204" pitchFamily="34" charset="0"/>
               </a:rPr>
-              <a:t>Scalable code – Hard AI and AI vs AI mode</a:t>
+              <a:t>Scalable code – Hard AI, and AI vs AI mode</a:t>
             </a:r>
           </a:p>
         </p:txBody>
@@ -8171,23 +8240,7 @@
                 <a:latin typeface="Arial" panose="020B0604020202020204" pitchFamily="34" charset="0"/>
                 <a:cs typeface="Arial" panose="020B0604020202020204" pitchFamily="34" charset="0"/>
               </a:rPr>
-              <a:t>Course Instructor: Mohammad </a:t>
-            </a:r>
-            <a:r>
-              <a:rPr lang="en-US" sz="2800" dirty="0" err="1">
-                <a:ln w="0"/>
-                <a:latin typeface="Arial" panose="020B0604020202020204" pitchFamily="34" charset="0"/>
-                <a:cs typeface="Arial" panose="020B0604020202020204" pitchFamily="34" charset="0"/>
-              </a:rPr>
-              <a:t>Shifat</a:t>
-            </a:r>
-            <a:r>
-              <a:rPr lang="en-US" sz="2800" dirty="0">
-                <a:ln w="0"/>
-                <a:latin typeface="Arial" panose="020B0604020202020204" pitchFamily="34" charset="0"/>
-                <a:cs typeface="Arial" panose="020B0604020202020204" pitchFamily="34" charset="0"/>
-              </a:rPr>
-              <a:t>-E-Rabbi</a:t>
+              <a:t>Course Instructor: Mohammad Shifat-E-Rabbi</a:t>
             </a:r>
             <a:endParaRPr lang="en-US" sz="2800" cap="none" spc="0" dirty="0">
               <a:ln w="0"/>
@@ -8230,7 +8283,7 @@
                 <a:latin typeface="Arial" panose="020B0604020202020204" pitchFamily="34" charset="0"/>
                 <a:cs typeface="Arial" panose="020B0604020202020204" pitchFamily="34" charset="0"/>
               </a:rPr>
-              <a:t>Avishek Dutta 				– 	2524093042</a:t>
+              <a:t>Avishek Dutta (Lead) 		– 	2524093042</a:t>
             </a:r>
           </a:p>
           <a:p>
@@ -8247,23 +8300,7 @@
                 <a:latin typeface="Arial" panose="020B0604020202020204" pitchFamily="34" charset="0"/>
                 <a:cs typeface="Arial" panose="020B0604020202020204" pitchFamily="34" charset="0"/>
               </a:rPr>
-              <a:t>Md Ishrak </a:t>
-            </a:r>
-            <a:r>
-              <a:rPr lang="en-US" sz="2400" dirty="0" err="1">
-                <a:ln w="0"/>
-                <a:latin typeface="Arial" panose="020B0604020202020204" pitchFamily="34" charset="0"/>
-                <a:cs typeface="Arial" panose="020B0604020202020204" pitchFamily="34" charset="0"/>
-              </a:rPr>
-              <a:t>Mashroor</a:t>
-            </a:r>
-            <a:r>
-              <a:rPr lang="en-US" sz="2400" dirty="0">
-                <a:ln w="0"/>
-                <a:latin typeface="Arial" panose="020B0604020202020204" pitchFamily="34" charset="0"/>
-                <a:cs typeface="Arial" panose="020B0604020202020204" pitchFamily="34" charset="0"/>
-              </a:rPr>
-              <a:t>		– 	2524709042</a:t>
+              <a:t>Md Ishrak Mashroor		– 	2524709042</a:t>
             </a:r>
           </a:p>
           <a:p>
@@ -10305,7 +10342,7 @@
         <p:spPr>
           <a:xfrm>
             <a:off x="4236987" y="1008668"/>
-            <a:ext cx="1326004" cy="369332"/>
+            <a:ext cx="1970411" cy="1384995"/>
           </a:xfrm>
           <a:prstGeom prst="rect">
             <a:avLst/>
@@ -10324,6 +10361,60 @@
                 <a:cs typeface="Arial" panose="020B0604020202020204" pitchFamily="34" charset="0"/>
               </a:rPr>
               <a:t>Main Menu</a:t>
+            </a:r>
+          </a:p>
+          <a:p>
+            <a:endParaRPr lang="en-US" dirty="0">
+              <a:latin typeface="Arial" panose="020B0604020202020204" pitchFamily="34" charset="0"/>
+              <a:cs typeface="Arial" panose="020B0604020202020204" pitchFamily="34" charset="0"/>
+            </a:endParaRPr>
+          </a:p>
+          <a:p>
+            <a:pPr marL="171450" indent="-171450">
+              <a:buFont typeface="Arial" panose="020B0604020202020204" pitchFamily="34" charset="0"/>
+              <a:buChar char="•"/>
+            </a:pPr>
+            <a:r>
+              <a:rPr lang="en-US" sz="1200" dirty="0">
+                <a:latin typeface="Arial" panose="020B0604020202020204" pitchFamily="34" charset="0"/>
+                <a:cs typeface="Arial" panose="020B0604020202020204" pitchFamily="34" charset="0"/>
+              </a:rPr>
+              <a:t>Player chooses desired</a:t>
+            </a:r>
+          </a:p>
+          <a:p>
+            <a:r>
+              <a:rPr lang="en-US" sz="1200" dirty="0">
+                <a:latin typeface="Arial" panose="020B0604020202020204" pitchFamily="34" charset="0"/>
+                <a:cs typeface="Arial" panose="020B0604020202020204" pitchFamily="34" charset="0"/>
+              </a:rPr>
+              <a:t>    game-mode</a:t>
+            </a:r>
+          </a:p>
+          <a:p>
+            <a:pPr marL="171450" indent="-171450">
+              <a:buFont typeface="Arial" panose="020B0604020202020204" pitchFamily="34" charset="0"/>
+              <a:buChar char="•"/>
+            </a:pPr>
+            <a:r>
+              <a:rPr lang="en-US" sz="1200" dirty="0">
+                <a:latin typeface="Arial" panose="020B0604020202020204" pitchFamily="34" charset="0"/>
+                <a:cs typeface="Arial" panose="020B0604020202020204" pitchFamily="34" charset="0"/>
+              </a:rPr>
+              <a:t>Enter choice and press </a:t>
+            </a:r>
+            <a:br>
+              <a:rPr lang="en-US" sz="1200" dirty="0">
+                <a:latin typeface="Arial" panose="020B0604020202020204" pitchFamily="34" charset="0"/>
+                <a:cs typeface="Arial" panose="020B0604020202020204" pitchFamily="34" charset="0"/>
+              </a:rPr>
+            </a:br>
+            <a:r>
+              <a:rPr lang="en-US" sz="1200" dirty="0">
+                <a:latin typeface="Arial" panose="020B0604020202020204" pitchFamily="34" charset="0"/>
+                <a:cs typeface="Arial" panose="020B0604020202020204" pitchFamily="34" charset="0"/>
+              </a:rPr>
+              <a:t>return</a:t>
             </a:r>
           </a:p>
         </p:txBody>
@@ -10342,7 +10433,7 @@
         </p:nvSpPr>
         <p:spPr>
           <a:xfrm>
-            <a:off x="9790773" y="2856142"/>
+            <a:off x="7494309" y="2707027"/>
             <a:ext cx="1236236" cy="369332"/>
           </a:xfrm>
           <a:prstGeom prst="rect">
@@ -10381,7 +10472,7 @@
         <p:spPr>
           <a:xfrm>
             <a:off x="4236987" y="3429000"/>
-            <a:ext cx="2086151" cy="369332"/>
+            <a:ext cx="2086151" cy="830997"/>
           </a:xfrm>
           <a:prstGeom prst="rect">
             <a:avLst/>
@@ -10401,6 +10492,202 @@
               </a:rPr>
               <a:t>About menu </a:t>
             </a:r>
+          </a:p>
+          <a:p>
+            <a:endParaRPr lang="en-US" dirty="0">
+              <a:latin typeface="Arial" panose="020B0604020202020204" pitchFamily="34" charset="0"/>
+              <a:cs typeface="Arial" panose="020B0604020202020204" pitchFamily="34" charset="0"/>
+            </a:endParaRPr>
+          </a:p>
+          <a:p>
+            <a:pPr marL="171450" indent="-171450">
+              <a:buFont typeface="Arial" panose="020B0604020202020204" pitchFamily="34" charset="0"/>
+              <a:buChar char="•"/>
+            </a:pPr>
+            <a:endParaRPr lang="en-US" sz="1200" dirty="0">
+              <a:latin typeface="Arial" panose="020B0604020202020204" pitchFamily="34" charset="0"/>
+              <a:cs typeface="Arial" panose="020B0604020202020204" pitchFamily="34" charset="0"/>
+            </a:endParaRPr>
+          </a:p>
+        </p:txBody>
+      </p:sp>
+      <p:sp>
+        <p:nvSpPr>
+          <p:cNvPr id="2" name="Rectangle: Folded Corner 1">
+            <a:extLst>
+              <a:ext uri="{FF2B5EF4-FFF2-40B4-BE49-F238E27FC236}">
+                <a16:creationId xmlns:a16="http://schemas.microsoft.com/office/drawing/2014/main" id="{7955A393-7ED4-7AE7-8D43-0FFFA3F8083F}"/>
+              </a:ext>
+            </a:extLst>
+          </p:cNvPr>
+          <p:cNvSpPr/>
+          <p:nvPr/>
+        </p:nvSpPr>
+        <p:spPr>
+          <a:xfrm>
+            <a:off x="4236987" y="1008668"/>
+            <a:ext cx="1503937" cy="380955"/>
+          </a:xfrm>
+          <a:prstGeom prst="foldedCorner">
+            <a:avLst>
+              <a:gd name="adj" fmla="val 18391"/>
+            </a:avLst>
+          </a:prstGeom>
+          <a:noFill/>
+          <a:ln>
+            <a:solidFill>
+              <a:schemeClr val="tx1"/>
+            </a:solidFill>
+          </a:ln>
+        </p:spPr>
+        <p:style>
+          <a:lnRef idx="2">
+            <a:schemeClr val="accent1">
+              <a:shade val="15000"/>
+            </a:schemeClr>
+          </a:lnRef>
+          <a:fillRef idx="1">
+            <a:schemeClr val="accent1"/>
+          </a:fillRef>
+          <a:effectRef idx="0">
+            <a:schemeClr val="accent1"/>
+          </a:effectRef>
+          <a:fontRef idx="minor">
+            <a:schemeClr val="lt1"/>
+          </a:fontRef>
+        </p:style>
+        <p:txBody>
+          <a:bodyPr rtlCol="0" anchor="ctr"/>
+          <a:lstStyle/>
+          <a:p>
+            <a:pPr algn="ctr"/>
+            <a:endParaRPr lang="en-US" dirty="0">
+              <a:solidFill>
+                <a:schemeClr val="tx1"/>
+              </a:solidFill>
+              <a:latin typeface="Arial" panose="020B0604020202020204" pitchFamily="34" charset="0"/>
+              <a:cs typeface="Arial" panose="020B0604020202020204" pitchFamily="34" charset="0"/>
+            </a:endParaRPr>
+          </a:p>
+        </p:txBody>
+      </p:sp>
+      <p:sp>
+        <p:nvSpPr>
+          <p:cNvPr id="4" name="Rectangle: Folded Corner 3">
+            <a:extLst>
+              <a:ext uri="{FF2B5EF4-FFF2-40B4-BE49-F238E27FC236}">
+                <a16:creationId xmlns:a16="http://schemas.microsoft.com/office/drawing/2014/main" id="{ABCA22A3-F17A-3566-74CA-957CDFD9C086}"/>
+              </a:ext>
+            </a:extLst>
+          </p:cNvPr>
+          <p:cNvSpPr/>
+          <p:nvPr/>
+        </p:nvSpPr>
+        <p:spPr>
+          <a:xfrm>
+            <a:off x="4236986" y="3429000"/>
+            <a:ext cx="1503937" cy="380955"/>
+          </a:xfrm>
+          <a:prstGeom prst="foldedCorner">
+            <a:avLst>
+              <a:gd name="adj" fmla="val 18391"/>
+            </a:avLst>
+          </a:prstGeom>
+          <a:noFill/>
+          <a:ln>
+            <a:solidFill>
+              <a:schemeClr val="tx1"/>
+            </a:solidFill>
+          </a:ln>
+        </p:spPr>
+        <p:style>
+          <a:lnRef idx="2">
+            <a:schemeClr val="accent1">
+              <a:shade val="15000"/>
+            </a:schemeClr>
+          </a:lnRef>
+          <a:fillRef idx="1">
+            <a:schemeClr val="accent1"/>
+          </a:fillRef>
+          <a:effectRef idx="0">
+            <a:schemeClr val="accent1"/>
+          </a:effectRef>
+          <a:fontRef idx="minor">
+            <a:schemeClr val="lt1"/>
+          </a:fontRef>
+        </p:style>
+        <p:txBody>
+          <a:bodyPr rtlCol="0" anchor="ctr"/>
+          <a:lstStyle/>
+          <a:p>
+            <a:pPr algn="ctr"/>
+            <a:endParaRPr lang="en-US" dirty="0">
+              <a:solidFill>
+                <a:schemeClr val="tx1"/>
+              </a:solidFill>
+              <a:latin typeface="Arial" panose="020B0604020202020204" pitchFamily="34" charset="0"/>
+              <a:cs typeface="Arial" panose="020B0604020202020204" pitchFamily="34" charset="0"/>
+            </a:endParaRPr>
+          </a:p>
+        </p:txBody>
+      </p:sp>
+      <p:sp>
+        <p:nvSpPr>
+          <p:cNvPr id="5" name="Rectangle: Folded Corner 4">
+            <a:extLst>
+              <a:ext uri="{FF2B5EF4-FFF2-40B4-BE49-F238E27FC236}">
+                <a16:creationId xmlns:a16="http://schemas.microsoft.com/office/drawing/2014/main" id="{D7CB8858-F6AC-E025-08EA-AC2C491CD80A}"/>
+              </a:ext>
+            </a:extLst>
+          </p:cNvPr>
+          <p:cNvSpPr/>
+          <p:nvPr/>
+        </p:nvSpPr>
+        <p:spPr>
+          <a:xfrm>
+            <a:off x="7523500" y="2707027"/>
+            <a:ext cx="1408852" cy="399816"/>
+          </a:xfrm>
+          <a:prstGeom prst="foldedCorner">
+            <a:avLst>
+              <a:gd name="adj" fmla="val 18391"/>
+            </a:avLst>
+          </a:prstGeom>
+          <a:noFill/>
+          <a:ln>
+            <a:solidFill>
+              <a:schemeClr val="tx1"/>
+            </a:solidFill>
+          </a:ln>
+        </p:spPr>
+        <p:style>
+          <a:lnRef idx="2">
+            <a:schemeClr val="accent1">
+              <a:shade val="15000"/>
+            </a:schemeClr>
+          </a:lnRef>
+          <a:fillRef idx="1">
+            <a:schemeClr val="accent1"/>
+          </a:fillRef>
+          <a:effectRef idx="0">
+            <a:schemeClr val="accent1"/>
+          </a:effectRef>
+          <a:fontRef idx="minor">
+            <a:schemeClr val="lt1"/>
+          </a:fontRef>
+        </p:style>
+        <p:txBody>
+          <a:bodyPr rtlCol="0" anchor="ctr"/>
+          <a:lstStyle/>
+          <a:p>
+            <a:pPr algn="ctr"/>
+            <a:endParaRPr lang="en-US" dirty="0">
+              <a:solidFill>
+                <a:schemeClr val="tx1"/>
+              </a:solidFill>
+              <a:latin typeface="Arial" panose="020B0604020202020204" pitchFamily="34" charset="0"/>
+              <a:cs typeface="Arial" panose="020B0604020202020204" pitchFamily="34" charset="0"/>
+            </a:endParaRPr>
           </a:p>
         </p:txBody>
       </p:sp>
@@ -11381,21 +11668,7 @@
                 <a:latin typeface="Arial" panose="020B0604020202020204" pitchFamily="34" charset="0"/>
                 <a:cs typeface="Arial" panose="020B0604020202020204" pitchFamily="34" charset="0"/>
               </a:rPr>
-              <a:t>The </a:t>
-            </a:r>
-            <a:r>
-              <a:rPr lang="en-US" dirty="0" err="1">
-                <a:latin typeface="Arial" panose="020B0604020202020204" pitchFamily="34" charset="0"/>
-                <a:cs typeface="Arial" panose="020B0604020202020204" pitchFamily="34" charset="0"/>
-              </a:rPr>
-              <a:t>scanf</a:t>
-            </a:r>
-            <a:r>
-              <a:rPr lang="en-US" dirty="0">
-                <a:latin typeface="Arial" panose="020B0604020202020204" pitchFamily="34" charset="0"/>
-                <a:cs typeface="Arial" panose="020B0604020202020204" pitchFamily="34" charset="0"/>
-              </a:rPr>
-              <a:t>() function handled both int and string input to avoid buffer issues</a:t>
+              <a:t>The scanf() function handled both int and string input to avoid buffer issues</a:t>
             </a:r>
           </a:p>
         </p:txBody>
@@ -11791,27 +12064,7 @@
                 <a:latin typeface="Arial" panose="020B0604020202020204" pitchFamily="34" charset="0"/>
                 <a:cs typeface="Arial" panose="020B0604020202020204" pitchFamily="34" charset="0"/>
               </a:rPr>
-              <a:t>After using </a:t>
-            </a:r>
-            <a:r>
-              <a:rPr lang="en-US" sz="1600" dirty="0" err="1">
-                <a:solidFill>
-                  <a:schemeClr val="bg2"/>
-                </a:solidFill>
-                <a:latin typeface="Arial" panose="020B0604020202020204" pitchFamily="34" charset="0"/>
-                <a:cs typeface="Arial" panose="020B0604020202020204" pitchFamily="34" charset="0"/>
-              </a:rPr>
-              <a:t>scanf</a:t>
-            </a:r>
-            <a:r>
-              <a:rPr lang="en-US" sz="1600" dirty="0">
-                <a:solidFill>
-                  <a:schemeClr val="bg2"/>
-                </a:solidFill>
-                <a:latin typeface="Arial" panose="020B0604020202020204" pitchFamily="34" charset="0"/>
-                <a:cs typeface="Arial" panose="020B0604020202020204" pitchFamily="34" charset="0"/>
-              </a:rPr>
-              <a:t>(), left over newline characters caused unintended skips.</a:t>
+              <a:t>After using scanf(), left over newline characters caused unintended skips.</a:t>
             </a:r>
           </a:p>
         </p:txBody>

--- a/others/update_presentation.pptx
+++ b/others/update_presentation.pptx
@@ -128,7 +128,7 @@
 <file path=ppt/revisionInfo.xml><?xml version="1.0" encoding="utf-8"?>
 <p1510:revInfo xmlns:a="http://schemas.openxmlformats.org/drawingml/2006/main" xmlns:r="http://schemas.openxmlformats.org/officeDocument/2006/relationships" xmlns:p1510="http://schemas.microsoft.com/office/powerpoint/2015/10/main">
   <p1510:revLst>
-    <p1510:client id="{5DC25D61-3FC5-4CF2-A57F-38293948189E}" v="9" dt="2025-07-05T18:24:07.712"/>
+    <p1510:client id="{5DC25D61-3FC5-4CF2-A57F-38293948189E}" v="10" dt="2025-07-05T18:40:52.729"/>
   </p1510:revLst>
 </p1510:revInfo>
 </file>
@@ -138,7 +138,7 @@
   <pc:docChgLst>
     <pc:chgData name="Md Ishrak Mashroor" userId="e451b154c326eb62" providerId="LiveId" clId="{5DC25D61-3FC5-4CF2-A57F-38293948189E}"/>
     <pc:docChg chg="undo custSel addSld modSld">
-      <pc:chgData name="Md Ishrak Mashroor" userId="e451b154c326eb62" providerId="LiveId" clId="{5DC25D61-3FC5-4CF2-A57F-38293948189E}" dt="2025-07-05T18:29:50.597" v="271" actId="12"/>
+      <pc:chgData name="Md Ishrak Mashroor" userId="e451b154c326eb62" providerId="LiveId" clId="{5DC25D61-3FC5-4CF2-A57F-38293948189E}" dt="2025-07-05T18:43:15.566" v="478" actId="1076"/>
       <pc:docMkLst>
         <pc:docMk/>
       </pc:docMkLst>
@@ -211,13 +211,13 @@
         </pc:spChg>
       </pc:sldChg>
       <pc:sldChg chg="addSp delSp modSp new mod setBg setClrOvrMap">
-        <pc:chgData name="Md Ishrak Mashroor" userId="e451b154c326eb62" providerId="LiveId" clId="{5DC25D61-3FC5-4CF2-A57F-38293948189E}" dt="2025-07-05T18:29:50.597" v="271" actId="12"/>
+        <pc:chgData name="Md Ishrak Mashroor" userId="e451b154c326eb62" providerId="LiveId" clId="{5DC25D61-3FC5-4CF2-A57F-38293948189E}" dt="2025-07-05T18:43:15.566" v="478" actId="1076"/>
         <pc:sldMkLst>
           <pc:docMk/>
           <pc:sldMk cId="3836086495" sldId="268"/>
         </pc:sldMkLst>
         <pc:spChg chg="add mod">
-          <ac:chgData name="Md Ishrak Mashroor" userId="e451b154c326eb62" providerId="LiveId" clId="{5DC25D61-3FC5-4CF2-A57F-38293948189E}" dt="2025-07-05T18:24:03.404" v="132" actId="14100"/>
+          <ac:chgData name="Md Ishrak Mashroor" userId="e451b154c326eb62" providerId="LiveId" clId="{5DC25D61-3FC5-4CF2-A57F-38293948189E}" dt="2025-07-05T18:40:41.721" v="284" actId="1076"/>
           <ac:spMkLst>
             <pc:docMk/>
             <pc:sldMk cId="3836086495" sldId="268"/>
@@ -225,7 +225,7 @@
           </ac:spMkLst>
         </pc:spChg>
         <pc:spChg chg="add mod">
-          <ac:chgData name="Md Ishrak Mashroor" userId="e451b154c326eb62" providerId="LiveId" clId="{5DC25D61-3FC5-4CF2-A57F-38293948189E}" dt="2025-07-05T18:28:05.051" v="219" actId="1076"/>
+          <ac:chgData name="Md Ishrak Mashroor" userId="e451b154c326eb62" providerId="LiveId" clId="{5DC25D61-3FC5-4CF2-A57F-38293948189E}" dt="2025-07-05T18:43:12.700" v="477" actId="1076"/>
           <ac:spMkLst>
             <pc:docMk/>
             <pc:sldMk cId="3836086495" sldId="268"/>
@@ -241,7 +241,15 @@
           </ac:spMkLst>
         </pc:spChg>
         <pc:spChg chg="add mod">
-          <ac:chgData name="Md Ishrak Mashroor" userId="e451b154c326eb62" providerId="LiveId" clId="{5DC25D61-3FC5-4CF2-A57F-38293948189E}" dt="2025-07-05T18:29:19.225" v="263" actId="20577"/>
+          <ac:chgData name="Md Ishrak Mashroor" userId="e451b154c326eb62" providerId="LiveId" clId="{5DC25D61-3FC5-4CF2-A57F-38293948189E}" dt="2025-07-05T18:42:55.087" v="476" actId="20577"/>
+          <ac:spMkLst>
+            <pc:docMk/>
+            <pc:sldMk cId="3836086495" sldId="268"/>
+            <ac:spMk id="6" creationId="{BD338744-D514-E25F-6BBB-7F675E792C6A}"/>
+          </ac:spMkLst>
+        </pc:spChg>
+        <pc:spChg chg="add mod">
+          <ac:chgData name="Md Ishrak Mashroor" userId="e451b154c326eb62" providerId="LiveId" clId="{5DC25D61-3FC5-4CF2-A57F-38293948189E}" dt="2025-07-05T18:40:39.323" v="283" actId="1076"/>
           <ac:spMkLst>
             <pc:docMk/>
             <pc:sldMk cId="3836086495" sldId="268"/>
@@ -273,7 +281,7 @@
           </ac:spMkLst>
         </pc:spChg>
         <pc:spChg chg="add mod">
-          <ac:chgData name="Md Ishrak Mashroor" userId="e451b154c326eb62" providerId="LiveId" clId="{5DC25D61-3FC5-4CF2-A57F-38293948189E}" dt="2025-07-05T18:29:50.597" v="271" actId="12"/>
+          <ac:chgData name="Md Ishrak Mashroor" userId="e451b154c326eb62" providerId="LiveId" clId="{5DC25D61-3FC5-4CF2-A57F-38293948189E}" dt="2025-07-05T18:43:15.566" v="478" actId="1076"/>
           <ac:spMkLst>
             <pc:docMk/>
             <pc:sldMk cId="3836086495" sldId="268"/>
@@ -473,7 +481,7 @@
           </ac:spMkLst>
         </pc:spChg>
         <pc:picChg chg="add mod ord">
-          <ac:chgData name="Md Ishrak Mashroor" userId="e451b154c326eb62" providerId="LiveId" clId="{5DC25D61-3FC5-4CF2-A57F-38293948189E}" dt="2025-07-05T18:17:09.525" v="92" actId="1076"/>
+          <ac:chgData name="Md Ishrak Mashroor" userId="e451b154c326eb62" providerId="LiveId" clId="{5DC25D61-3FC5-4CF2-A57F-38293948189E}" dt="2025-07-05T18:40:34.295" v="282" actId="1076"/>
           <ac:picMkLst>
             <pc:docMk/>
             <pc:sldMk cId="3836086495" sldId="268"/>
@@ -489,7 +497,7 @@
           </ac:picMkLst>
         </pc:picChg>
         <pc:picChg chg="add mod">
-          <ac:chgData name="Md Ishrak Mashroor" userId="e451b154c326eb62" providerId="LiveId" clId="{5DC25D61-3FC5-4CF2-A57F-38293948189E}" dt="2025-07-05T18:17:11.139" v="93" actId="1076"/>
+          <ac:chgData name="Md Ishrak Mashroor" userId="e451b154c326eb62" providerId="LiveId" clId="{5DC25D61-3FC5-4CF2-A57F-38293948189E}" dt="2025-07-05T18:40:24.280" v="279" actId="1076"/>
           <ac:picMkLst>
             <pc:docMk/>
             <pc:sldMk cId="3836086495" sldId="268"/>
@@ -10225,7 +10233,7 @@
         </p:blipFill>
         <p:spPr>
           <a:xfrm>
-            <a:off x="842004" y="802653"/>
+            <a:off x="637055" y="1552500"/>
             <a:ext cx="3398125" cy="1827293"/>
           </a:xfrm>
           <a:prstGeom prst="rect">
@@ -10272,8 +10280,8 @@
         </p:blipFill>
         <p:spPr>
           <a:xfrm>
-            <a:off x="842004" y="3429000"/>
-            <a:ext cx="3460877" cy="2516401"/>
+            <a:off x="644042" y="3818838"/>
+            <a:ext cx="3075934" cy="2236509"/>
           </a:xfrm>
           <a:prstGeom prst="rect">
             <a:avLst/>
@@ -10341,7 +10349,7 @@
         </p:nvSpPr>
         <p:spPr>
           <a:xfrm>
-            <a:off x="4236987" y="1008668"/>
+            <a:off x="3810395" y="1552500"/>
             <a:ext cx="1970411" cy="1384995"/>
           </a:xfrm>
           <a:prstGeom prst="rect">
@@ -10471,8 +10479,8 @@
         </p:nvSpPr>
         <p:spPr>
           <a:xfrm>
-            <a:off x="4236987" y="3429000"/>
-            <a:ext cx="2086151" cy="830997"/>
+            <a:off x="3810395" y="4127059"/>
+            <a:ext cx="2086151" cy="738664"/>
           </a:xfrm>
           <a:prstGeom prst="rect">
             <a:avLst/>
@@ -10494,7 +10502,7 @@
             </a:r>
           </a:p>
           <a:p>
-            <a:endParaRPr lang="en-US" dirty="0">
+            <a:endParaRPr lang="en-US" sz="1200" dirty="0">
               <a:latin typeface="Arial" panose="020B0604020202020204" pitchFamily="34" charset="0"/>
               <a:cs typeface="Arial" panose="020B0604020202020204" pitchFamily="34" charset="0"/>
             </a:endParaRPr>
@@ -10525,7 +10533,7 @@
         </p:nvSpPr>
         <p:spPr>
           <a:xfrm>
-            <a:off x="4236987" y="1008668"/>
+            <a:off x="3810395" y="1580780"/>
             <a:ext cx="1503937" cy="380955"/>
           </a:xfrm>
           <a:prstGeom prst="foldedCorner">
@@ -10585,7 +10593,7 @@
         </p:nvSpPr>
         <p:spPr>
           <a:xfrm>
-            <a:off x="4236986" y="3429000"/>
+            <a:off x="3844700" y="4127059"/>
             <a:ext cx="1503937" cy="380955"/>
           </a:xfrm>
           <a:prstGeom prst="foldedCorner">
@@ -10688,6 +10696,44 @@
               <a:latin typeface="Arial" panose="020B0604020202020204" pitchFamily="34" charset="0"/>
               <a:cs typeface="Arial" panose="020B0604020202020204" pitchFamily="34" charset="0"/>
             </a:endParaRPr>
+          </a:p>
+        </p:txBody>
+      </p:sp>
+      <p:sp>
+        <p:nvSpPr>
+          <p:cNvPr id="6" name="TextBox 5">
+            <a:extLst>
+              <a:ext uri="{FF2B5EF4-FFF2-40B4-BE49-F238E27FC236}">
+                <a16:creationId xmlns:a16="http://schemas.microsoft.com/office/drawing/2014/main" id="{BD338744-D514-E25F-6BBB-7F675E792C6A}"/>
+              </a:ext>
+            </a:extLst>
+          </p:cNvPr>
+          <p:cNvSpPr txBox="1"/>
+          <p:nvPr/>
+        </p:nvSpPr>
+        <p:spPr>
+          <a:xfrm>
+            <a:off x="637055" y="593888"/>
+            <a:ext cx="10982494" cy="646331"/>
+          </a:xfrm>
+          <a:prstGeom prst="rect">
+            <a:avLst/>
+          </a:prstGeom>
+          <a:noFill/>
+        </p:spPr>
+        <p:txBody>
+          <a:bodyPr wrap="none" rtlCol="0">
+            <a:spAutoFit/>
+          </a:bodyPr>
+          <a:lstStyle/>
+          <a:p>
+            <a:r>
+              <a:rPr lang="en-US" sz="3600" u="sng" dirty="0">
+                <a:latin typeface="Arial" panose="020B0604020202020204" pitchFamily="34" charset="0"/>
+                <a:cs typeface="Arial" panose="020B0604020202020204" pitchFamily="34" charset="0"/>
+              </a:rPr>
+              <a:t>User Interface/User Experience                                  </a:t>
+            </a:r>
           </a:p>
         </p:txBody>
       </p:sp>

--- a/others/update_presentation.pptx
+++ b/others/update_presentation.pptx
@@ -138,12 +138,33 @@
   <pc:docChgLst>
     <pc:chgData name="Md Ishrak Mashroor" userId="e451b154c326eb62" providerId="LiveId" clId="{5DC25D61-3FC5-4CF2-A57F-38293948189E}"/>
     <pc:docChg chg="undo custSel addSld modSld">
-      <pc:chgData name="Md Ishrak Mashroor" userId="e451b154c326eb62" providerId="LiveId" clId="{5DC25D61-3FC5-4CF2-A57F-38293948189E}" dt="2025-07-05T18:43:15.566" v="478" actId="1076"/>
+      <pc:chgData name="Md Ishrak Mashroor" userId="e451b154c326eb62" providerId="LiveId" clId="{5DC25D61-3FC5-4CF2-A57F-38293948189E}" dt="2025-07-06T19:18:33.440" v="545" actId="20577"/>
       <pc:docMkLst>
         <pc:docMk/>
       </pc:docMkLst>
-      <pc:sldChg chg="addSp delSp modSp mod">
-        <pc:chgData name="Md Ishrak Mashroor" userId="e451b154c326eb62" providerId="LiveId" clId="{5DC25D61-3FC5-4CF2-A57F-38293948189E}" dt="2025-07-05T18:15:09.609" v="55" actId="22"/>
+      <pc:sldChg chg="modNotesTx">
+        <pc:chgData name="Md Ishrak Mashroor" userId="e451b154c326eb62" providerId="LiveId" clId="{5DC25D61-3FC5-4CF2-A57F-38293948189E}" dt="2025-07-06T19:17:09.051" v="489" actId="20577"/>
+        <pc:sldMkLst>
+          <pc:docMk/>
+          <pc:sldMk cId="3477554770" sldId="257"/>
+        </pc:sldMkLst>
+      </pc:sldChg>
+      <pc:sldChg chg="modNotesTx">
+        <pc:chgData name="Md Ishrak Mashroor" userId="e451b154c326eb62" providerId="LiveId" clId="{5DC25D61-3FC5-4CF2-A57F-38293948189E}" dt="2025-07-06T19:17:12.474" v="495" actId="20577"/>
+        <pc:sldMkLst>
+          <pc:docMk/>
+          <pc:sldMk cId="3828035909" sldId="258"/>
+        </pc:sldMkLst>
+      </pc:sldChg>
+      <pc:sldChg chg="modNotesTx">
+        <pc:chgData name="Md Ishrak Mashroor" userId="e451b154c326eb62" providerId="LiveId" clId="{5DC25D61-3FC5-4CF2-A57F-38293948189E}" dt="2025-07-06T19:18:23.053" v="533" actId="20577"/>
+        <pc:sldMkLst>
+          <pc:docMk/>
+          <pc:sldMk cId="1589292078" sldId="259"/>
+        </pc:sldMkLst>
+      </pc:sldChg>
+      <pc:sldChg chg="addSp delSp modSp mod modNotesTx">
+        <pc:chgData name="Md Ishrak Mashroor" userId="e451b154c326eb62" providerId="LiveId" clId="{5DC25D61-3FC5-4CF2-A57F-38293948189E}" dt="2025-07-06T19:17:02.643" v="483" actId="20577"/>
         <pc:sldMkLst>
           <pc:docMk/>
           <pc:sldMk cId="4085894783" sldId="262"/>
@@ -165,8 +186,8 @@
           </ac:picMkLst>
         </pc:picChg>
       </pc:sldChg>
-      <pc:sldChg chg="modSp mod">
-        <pc:chgData name="Md Ishrak Mashroor" userId="e451b154c326eb62" providerId="LiveId" clId="{5DC25D61-3FC5-4CF2-A57F-38293948189E}" dt="2025-07-05T18:21:31.552" v="121" actId="1076"/>
+      <pc:sldChg chg="modSp mod modNotesTx">
+        <pc:chgData name="Md Ishrak Mashroor" userId="e451b154c326eb62" providerId="LiveId" clId="{5DC25D61-3FC5-4CF2-A57F-38293948189E}" dt="2025-07-06T19:18:27.295" v="539" actId="20577"/>
         <pc:sldMkLst>
           <pc:docMk/>
           <pc:sldMk cId="3317183055" sldId="263"/>
@@ -180,8 +201,8 @@
           </ac:spMkLst>
         </pc:spChg>
       </pc:sldChg>
-      <pc:sldChg chg="modSp mod">
-        <pc:chgData name="Md Ishrak Mashroor" userId="e451b154c326eb62" providerId="LiveId" clId="{5DC25D61-3FC5-4CF2-A57F-38293948189E}" dt="2025-07-05T18:23:18.257" v="122" actId="20577"/>
+      <pc:sldChg chg="modSp mod modNotesTx">
+        <pc:chgData name="Md Ishrak Mashroor" userId="e451b154c326eb62" providerId="LiveId" clId="{5DC25D61-3FC5-4CF2-A57F-38293948189E}" dt="2025-07-06T19:18:30.143" v="542" actId="20577"/>
         <pc:sldMkLst>
           <pc:docMk/>
           <pc:sldMk cId="3910344058" sldId="264"/>
@@ -194,6 +215,13 @@
             <ac:spMk id="11" creationId="{09D3A6E4-1CFC-031C-4E48-8E542CAF8A9C}"/>
           </ac:spMkLst>
         </pc:spChg>
+      </pc:sldChg>
+      <pc:sldChg chg="modNotesTx">
+        <pc:chgData name="Md Ishrak Mashroor" userId="e451b154c326eb62" providerId="LiveId" clId="{5DC25D61-3FC5-4CF2-A57F-38293948189E}" dt="2025-07-06T19:18:33.440" v="545" actId="20577"/>
+        <pc:sldMkLst>
+          <pc:docMk/>
+          <pc:sldMk cId="476987411" sldId="265"/>
+        </pc:sldMkLst>
       </pc:sldChg>
       <pc:sldChg chg="modSp mod">
         <pc:chgData name="Md Ishrak Mashroor" userId="e451b154c326eb62" providerId="LiveId" clId="{5DC25D61-3FC5-4CF2-A57F-38293948189E}" dt="2025-07-05T18:25:45.555" v="149" actId="20577"/>
@@ -210,8 +238,15 @@
           </ac:spMkLst>
         </pc:spChg>
       </pc:sldChg>
-      <pc:sldChg chg="addSp delSp modSp new mod setBg setClrOvrMap">
-        <pc:chgData name="Md Ishrak Mashroor" userId="e451b154c326eb62" providerId="LiveId" clId="{5DC25D61-3FC5-4CF2-A57F-38293948189E}" dt="2025-07-05T18:43:15.566" v="478" actId="1076"/>
+      <pc:sldChg chg="modNotesTx">
+        <pc:chgData name="Md Ishrak Mashroor" userId="e451b154c326eb62" providerId="LiveId" clId="{5DC25D61-3FC5-4CF2-A57F-38293948189E}" dt="2025-07-06T19:18:15.214" v="518" actId="20577"/>
+        <pc:sldMkLst>
+          <pc:docMk/>
+          <pc:sldMk cId="1231504496" sldId="267"/>
+        </pc:sldMkLst>
+      </pc:sldChg>
+      <pc:sldChg chg="addSp delSp modSp new mod setBg setClrOvrMap modNotesTx">
+        <pc:chgData name="Md Ishrak Mashroor" userId="e451b154c326eb62" providerId="LiveId" clId="{5DC25D61-3FC5-4CF2-A57F-38293948189E}" dt="2025-07-06T19:17:19.158" v="498" actId="20577"/>
         <pc:sldMkLst>
           <pc:docMk/>
           <pc:sldMk cId="3836086495" sldId="268"/>
@@ -600,7 +635,7 @@
           <a:p>
             <a:fld id="{2A5697F4-FBBD-4C19-8363-2A765E07F564}" type="datetimeFigureOut">
               <a:rPr lang="en-US" smtClean="0"/>
-              <a:t>7/6/2025</a:t>
+              <a:t>7/7/2025</a:t>
             </a:fld>
             <a:endParaRPr lang="en-US"/>
           </a:p>
@@ -865,6 +900,798 @@
     </a:lvl9pPr>
   </p:notesStyle>
 </p:notesMaster>
+</file>
+
+<file path=ppt/notesSlides/notesSlide1.xml><?xml version="1.0" encoding="utf-8"?>
+<p:notes xmlns:a="http://schemas.openxmlformats.org/drawingml/2006/main" xmlns:r="http://schemas.openxmlformats.org/officeDocument/2006/relationships" xmlns:p="http://schemas.openxmlformats.org/presentationml/2006/main">
+  <p:cSld>
+    <p:spTree>
+      <p:nvGrpSpPr>
+        <p:cNvPr id="1" name=""/>
+        <p:cNvGrpSpPr/>
+        <p:nvPr/>
+      </p:nvGrpSpPr>
+      <p:grpSpPr>
+        <a:xfrm>
+          <a:off x="0" y="0"/>
+          <a:ext cx="0" cy="0"/>
+          <a:chOff x="0" y="0"/>
+          <a:chExt cx="0" cy="0"/>
+        </a:xfrm>
+      </p:grpSpPr>
+      <p:sp>
+        <p:nvSpPr>
+          <p:cNvPr id="2" name="Slide Image Placeholder 1"/>
+          <p:cNvSpPr>
+            <a:spLocks noGrp="1" noRot="1" noChangeAspect="1"/>
+          </p:cNvSpPr>
+          <p:nvPr>
+            <p:ph type="sldImg"/>
+          </p:nvPr>
+        </p:nvSpPr>
+        <p:spPr/>
+      </p:sp>
+      <p:sp>
+        <p:nvSpPr>
+          <p:cNvPr id="3" name="Notes Placeholder 2"/>
+          <p:cNvSpPr>
+            <a:spLocks noGrp="1"/>
+          </p:cNvSpPr>
+          <p:nvPr>
+            <p:ph type="body" idx="1"/>
+          </p:nvPr>
+        </p:nvSpPr>
+        <p:spPr/>
+        <p:txBody>
+          <a:bodyPr/>
+          <a:lstStyle/>
+          <a:p>
+            <a:r>
+              <a:rPr lang="en-US" dirty="0" err="1"/>
+              <a:t>sneha</a:t>
+            </a:r>
+            <a:endParaRPr lang="en-US" dirty="0"/>
+          </a:p>
+        </p:txBody>
+      </p:sp>
+      <p:sp>
+        <p:nvSpPr>
+          <p:cNvPr id="4" name="Slide Number Placeholder 3"/>
+          <p:cNvSpPr>
+            <a:spLocks noGrp="1"/>
+          </p:cNvSpPr>
+          <p:nvPr>
+            <p:ph type="sldNum" sz="quarter" idx="5"/>
+          </p:nvPr>
+        </p:nvSpPr>
+        <p:spPr/>
+        <p:txBody>
+          <a:bodyPr/>
+          <a:lstStyle/>
+          <a:p>
+            <a:fld id="{64D83C0C-FC36-481B-864C-9B998D8900B9}" type="slidenum">
+              <a:rPr lang="en-US" smtClean="0"/>
+              <a:t>3</a:t>
+            </a:fld>
+            <a:endParaRPr lang="en-US"/>
+          </a:p>
+        </p:txBody>
+      </p:sp>
+    </p:spTree>
+    <p:extLst>
+      <p:ext uri="{BB962C8B-B14F-4D97-AF65-F5344CB8AC3E}">
+        <p14:creationId xmlns:p14="http://schemas.microsoft.com/office/powerpoint/2010/main" val="2161696387"/>
+      </p:ext>
+    </p:extLst>
+  </p:cSld>
+  <p:clrMapOvr>
+    <a:masterClrMapping/>
+  </p:clrMapOvr>
+</p:notes>
+</file>
+
+<file path=ppt/notesSlides/notesSlide2.xml><?xml version="1.0" encoding="utf-8"?>
+<p:notes xmlns:a="http://schemas.openxmlformats.org/drawingml/2006/main" xmlns:r="http://schemas.openxmlformats.org/officeDocument/2006/relationships" xmlns:p="http://schemas.openxmlformats.org/presentationml/2006/main">
+  <p:cSld>
+    <p:spTree>
+      <p:nvGrpSpPr>
+        <p:cNvPr id="1" name=""/>
+        <p:cNvGrpSpPr/>
+        <p:nvPr/>
+      </p:nvGrpSpPr>
+      <p:grpSpPr>
+        <a:xfrm>
+          <a:off x="0" y="0"/>
+          <a:ext cx="0" cy="0"/>
+          <a:chOff x="0" y="0"/>
+          <a:chExt cx="0" cy="0"/>
+        </a:xfrm>
+      </p:grpSpPr>
+      <p:sp>
+        <p:nvSpPr>
+          <p:cNvPr id="2" name="Slide Image Placeholder 1"/>
+          <p:cNvSpPr>
+            <a:spLocks noGrp="1" noRot="1" noChangeAspect="1"/>
+          </p:cNvSpPr>
+          <p:nvPr>
+            <p:ph type="sldImg"/>
+          </p:nvPr>
+        </p:nvSpPr>
+        <p:spPr/>
+      </p:sp>
+      <p:sp>
+        <p:nvSpPr>
+          <p:cNvPr id="3" name="Notes Placeholder 2"/>
+          <p:cNvSpPr>
+            <a:spLocks noGrp="1"/>
+          </p:cNvSpPr>
+          <p:nvPr>
+            <p:ph type="body" idx="1"/>
+          </p:nvPr>
+        </p:nvSpPr>
+        <p:spPr/>
+        <p:txBody>
+          <a:bodyPr/>
+          <a:lstStyle/>
+          <a:p>
+            <a:r>
+              <a:rPr lang="en-US" dirty="0" err="1"/>
+              <a:t>rafsan</a:t>
+            </a:r>
+            <a:endParaRPr lang="en-US" dirty="0"/>
+          </a:p>
+        </p:txBody>
+      </p:sp>
+      <p:sp>
+        <p:nvSpPr>
+          <p:cNvPr id="4" name="Slide Number Placeholder 3"/>
+          <p:cNvSpPr>
+            <a:spLocks noGrp="1"/>
+          </p:cNvSpPr>
+          <p:nvPr>
+            <p:ph type="sldNum" sz="quarter" idx="5"/>
+          </p:nvPr>
+        </p:nvSpPr>
+        <p:spPr/>
+        <p:txBody>
+          <a:bodyPr/>
+          <a:lstStyle/>
+          <a:p>
+            <a:fld id="{64D83C0C-FC36-481B-864C-9B998D8900B9}" type="slidenum">
+              <a:rPr lang="en-US" smtClean="0"/>
+              <a:t>4</a:t>
+            </a:fld>
+            <a:endParaRPr lang="en-US"/>
+          </a:p>
+        </p:txBody>
+      </p:sp>
+    </p:spTree>
+    <p:extLst>
+      <p:ext uri="{BB962C8B-B14F-4D97-AF65-F5344CB8AC3E}">
+        <p14:creationId xmlns:p14="http://schemas.microsoft.com/office/powerpoint/2010/main" val="159771038"/>
+      </p:ext>
+    </p:extLst>
+  </p:cSld>
+  <p:clrMapOvr>
+    <a:masterClrMapping/>
+  </p:clrMapOvr>
+</p:notes>
+</file>
+
+<file path=ppt/notesSlides/notesSlide3.xml><?xml version="1.0" encoding="utf-8"?>
+<p:notes xmlns:a="http://schemas.openxmlformats.org/drawingml/2006/main" xmlns:r="http://schemas.openxmlformats.org/officeDocument/2006/relationships" xmlns:p="http://schemas.openxmlformats.org/presentationml/2006/main">
+  <p:cSld>
+    <p:spTree>
+      <p:nvGrpSpPr>
+        <p:cNvPr id="1" name=""/>
+        <p:cNvGrpSpPr/>
+        <p:nvPr/>
+      </p:nvGrpSpPr>
+      <p:grpSpPr>
+        <a:xfrm>
+          <a:off x="0" y="0"/>
+          <a:ext cx="0" cy="0"/>
+          <a:chOff x="0" y="0"/>
+          <a:chExt cx="0" cy="0"/>
+        </a:xfrm>
+      </p:grpSpPr>
+      <p:sp>
+        <p:nvSpPr>
+          <p:cNvPr id="2" name="Slide Image Placeholder 1"/>
+          <p:cNvSpPr>
+            <a:spLocks noGrp="1" noRot="1" noChangeAspect="1"/>
+          </p:cNvSpPr>
+          <p:nvPr>
+            <p:ph type="sldImg"/>
+          </p:nvPr>
+        </p:nvSpPr>
+        <p:spPr/>
+      </p:sp>
+      <p:sp>
+        <p:nvSpPr>
+          <p:cNvPr id="3" name="Notes Placeholder 2"/>
+          <p:cNvSpPr>
+            <a:spLocks noGrp="1"/>
+          </p:cNvSpPr>
+          <p:nvPr>
+            <p:ph type="body" idx="1"/>
+          </p:nvPr>
+        </p:nvSpPr>
+        <p:spPr/>
+        <p:txBody>
+          <a:bodyPr/>
+          <a:lstStyle/>
+          <a:p>
+            <a:r>
+              <a:rPr lang="en-US" dirty="0" err="1"/>
+              <a:t>ishrak</a:t>
+            </a:r>
+            <a:endParaRPr lang="en-US" dirty="0"/>
+          </a:p>
+        </p:txBody>
+      </p:sp>
+      <p:sp>
+        <p:nvSpPr>
+          <p:cNvPr id="4" name="Slide Number Placeholder 3"/>
+          <p:cNvSpPr>
+            <a:spLocks noGrp="1"/>
+          </p:cNvSpPr>
+          <p:nvPr>
+            <p:ph type="sldNum" sz="quarter" idx="5"/>
+          </p:nvPr>
+        </p:nvSpPr>
+        <p:spPr/>
+        <p:txBody>
+          <a:bodyPr/>
+          <a:lstStyle/>
+          <a:p>
+            <a:fld id="{64D83C0C-FC36-481B-864C-9B998D8900B9}" type="slidenum">
+              <a:rPr lang="en-US" smtClean="0"/>
+              <a:t>5</a:t>
+            </a:fld>
+            <a:endParaRPr lang="en-US"/>
+          </a:p>
+        </p:txBody>
+      </p:sp>
+    </p:spTree>
+    <p:extLst>
+      <p:ext uri="{BB962C8B-B14F-4D97-AF65-F5344CB8AC3E}">
+        <p14:creationId xmlns:p14="http://schemas.microsoft.com/office/powerpoint/2010/main" val="2122528765"/>
+      </p:ext>
+    </p:extLst>
+  </p:cSld>
+  <p:clrMapOvr>
+    <a:masterClrMapping/>
+  </p:clrMapOvr>
+</p:notes>
+</file>
+
+<file path=ppt/notesSlides/notesSlide4.xml><?xml version="1.0" encoding="utf-8"?>
+<p:notes xmlns:a="http://schemas.openxmlformats.org/drawingml/2006/main" xmlns:r="http://schemas.openxmlformats.org/officeDocument/2006/relationships" xmlns:p="http://schemas.openxmlformats.org/presentationml/2006/main">
+  <p:cSld>
+    <p:spTree>
+      <p:nvGrpSpPr>
+        <p:cNvPr id="1" name=""/>
+        <p:cNvGrpSpPr/>
+        <p:nvPr/>
+      </p:nvGrpSpPr>
+      <p:grpSpPr>
+        <a:xfrm>
+          <a:off x="0" y="0"/>
+          <a:ext cx="0" cy="0"/>
+          <a:chOff x="0" y="0"/>
+          <a:chExt cx="0" cy="0"/>
+        </a:xfrm>
+      </p:grpSpPr>
+      <p:sp>
+        <p:nvSpPr>
+          <p:cNvPr id="2" name="Slide Image Placeholder 1"/>
+          <p:cNvSpPr>
+            <a:spLocks noGrp="1" noRot="1" noChangeAspect="1"/>
+          </p:cNvSpPr>
+          <p:nvPr>
+            <p:ph type="sldImg"/>
+          </p:nvPr>
+        </p:nvSpPr>
+        <p:spPr/>
+      </p:sp>
+      <p:sp>
+        <p:nvSpPr>
+          <p:cNvPr id="3" name="Notes Placeholder 2"/>
+          <p:cNvSpPr>
+            <a:spLocks noGrp="1"/>
+          </p:cNvSpPr>
+          <p:nvPr>
+            <p:ph type="body" idx="1"/>
+          </p:nvPr>
+        </p:nvSpPr>
+        <p:spPr/>
+        <p:txBody>
+          <a:bodyPr/>
+          <a:lstStyle/>
+          <a:p>
+            <a:r>
+              <a:rPr lang="en-US" dirty="0" err="1"/>
+              <a:t>avi</a:t>
+            </a:r>
+            <a:endParaRPr lang="en-US" dirty="0"/>
+          </a:p>
+        </p:txBody>
+      </p:sp>
+      <p:sp>
+        <p:nvSpPr>
+          <p:cNvPr id="4" name="Slide Number Placeholder 3"/>
+          <p:cNvSpPr>
+            <a:spLocks noGrp="1"/>
+          </p:cNvSpPr>
+          <p:nvPr>
+            <p:ph type="sldNum" sz="quarter" idx="5"/>
+          </p:nvPr>
+        </p:nvSpPr>
+        <p:spPr/>
+        <p:txBody>
+          <a:bodyPr/>
+          <a:lstStyle/>
+          <a:p>
+            <a:fld id="{64D83C0C-FC36-481B-864C-9B998D8900B9}" type="slidenum">
+              <a:rPr lang="en-US" smtClean="0"/>
+              <a:t>6</a:t>
+            </a:fld>
+            <a:endParaRPr lang="en-US"/>
+          </a:p>
+        </p:txBody>
+      </p:sp>
+    </p:spTree>
+    <p:extLst>
+      <p:ext uri="{BB962C8B-B14F-4D97-AF65-F5344CB8AC3E}">
+        <p14:creationId xmlns:p14="http://schemas.microsoft.com/office/powerpoint/2010/main" val="158169768"/>
+      </p:ext>
+    </p:extLst>
+  </p:cSld>
+  <p:clrMapOvr>
+    <a:masterClrMapping/>
+  </p:clrMapOvr>
+</p:notes>
+</file>
+
+<file path=ppt/notesSlides/notesSlide5.xml><?xml version="1.0" encoding="utf-8"?>
+<p:notes xmlns:a="http://schemas.openxmlformats.org/drawingml/2006/main" xmlns:r="http://schemas.openxmlformats.org/officeDocument/2006/relationships" xmlns:p="http://schemas.openxmlformats.org/presentationml/2006/main">
+  <p:cSld>
+    <p:spTree>
+      <p:nvGrpSpPr>
+        <p:cNvPr id="1" name=""/>
+        <p:cNvGrpSpPr/>
+        <p:nvPr/>
+      </p:nvGrpSpPr>
+      <p:grpSpPr>
+        <a:xfrm>
+          <a:off x="0" y="0"/>
+          <a:ext cx="0" cy="0"/>
+          <a:chOff x="0" y="0"/>
+          <a:chExt cx="0" cy="0"/>
+        </a:xfrm>
+      </p:grpSpPr>
+      <p:sp>
+        <p:nvSpPr>
+          <p:cNvPr id="2" name="Slide Image Placeholder 1"/>
+          <p:cNvSpPr>
+            <a:spLocks noGrp="1" noRot="1" noChangeAspect="1"/>
+          </p:cNvSpPr>
+          <p:nvPr>
+            <p:ph type="sldImg"/>
+          </p:nvPr>
+        </p:nvSpPr>
+        <p:spPr/>
+      </p:sp>
+      <p:sp>
+        <p:nvSpPr>
+          <p:cNvPr id="3" name="Notes Placeholder 2"/>
+          <p:cNvSpPr>
+            <a:spLocks noGrp="1"/>
+          </p:cNvSpPr>
+          <p:nvPr>
+            <p:ph type="body" idx="1"/>
+          </p:nvPr>
+        </p:nvSpPr>
+        <p:spPr/>
+        <p:txBody>
+          <a:bodyPr/>
+          <a:lstStyle/>
+          <a:p>
+            <a:r>
+              <a:rPr lang="en-US" dirty="0" err="1"/>
+              <a:t>sneha</a:t>
+            </a:r>
+            <a:endParaRPr lang="en-US" dirty="0"/>
+          </a:p>
+        </p:txBody>
+      </p:sp>
+      <p:sp>
+        <p:nvSpPr>
+          <p:cNvPr id="4" name="Slide Number Placeholder 3"/>
+          <p:cNvSpPr>
+            <a:spLocks noGrp="1"/>
+          </p:cNvSpPr>
+          <p:nvPr>
+            <p:ph type="sldNum" sz="quarter" idx="5"/>
+          </p:nvPr>
+        </p:nvSpPr>
+        <p:spPr/>
+        <p:txBody>
+          <a:bodyPr/>
+          <a:lstStyle/>
+          <a:p>
+            <a:fld id="{64D83C0C-FC36-481B-864C-9B998D8900B9}" type="slidenum">
+              <a:rPr lang="en-US" smtClean="0"/>
+              <a:t>7</a:t>
+            </a:fld>
+            <a:endParaRPr lang="en-US"/>
+          </a:p>
+        </p:txBody>
+      </p:sp>
+    </p:spTree>
+    <p:extLst>
+      <p:ext uri="{BB962C8B-B14F-4D97-AF65-F5344CB8AC3E}">
+        <p14:creationId xmlns:p14="http://schemas.microsoft.com/office/powerpoint/2010/main" val="3683127239"/>
+      </p:ext>
+    </p:extLst>
+  </p:cSld>
+  <p:clrMapOvr>
+    <a:masterClrMapping/>
+  </p:clrMapOvr>
+</p:notes>
+</file>
+
+<file path=ppt/notesSlides/notesSlide6.xml><?xml version="1.0" encoding="utf-8"?>
+<p:notes xmlns:a="http://schemas.openxmlformats.org/drawingml/2006/main" xmlns:r="http://schemas.openxmlformats.org/officeDocument/2006/relationships" xmlns:p="http://schemas.openxmlformats.org/presentationml/2006/main">
+  <p:cSld>
+    <p:spTree>
+      <p:nvGrpSpPr>
+        <p:cNvPr id="1" name=""/>
+        <p:cNvGrpSpPr/>
+        <p:nvPr/>
+      </p:nvGrpSpPr>
+      <p:grpSpPr>
+        <a:xfrm>
+          <a:off x="0" y="0"/>
+          <a:ext cx="0" cy="0"/>
+          <a:chOff x="0" y="0"/>
+          <a:chExt cx="0" cy="0"/>
+        </a:xfrm>
+      </p:grpSpPr>
+      <p:sp>
+        <p:nvSpPr>
+          <p:cNvPr id="2" name="Slide Image Placeholder 1"/>
+          <p:cNvSpPr>
+            <a:spLocks noGrp="1" noRot="1" noChangeAspect="1"/>
+          </p:cNvSpPr>
+          <p:nvPr>
+            <p:ph type="sldImg"/>
+          </p:nvPr>
+        </p:nvSpPr>
+        <p:spPr/>
+      </p:sp>
+      <p:sp>
+        <p:nvSpPr>
+          <p:cNvPr id="3" name="Notes Placeholder 2"/>
+          <p:cNvSpPr>
+            <a:spLocks noGrp="1"/>
+          </p:cNvSpPr>
+          <p:nvPr>
+            <p:ph type="body" idx="1"/>
+          </p:nvPr>
+        </p:nvSpPr>
+        <p:spPr/>
+        <p:txBody>
+          <a:bodyPr/>
+          <a:lstStyle/>
+          <a:p>
+            <a:r>
+              <a:rPr lang="en-US" dirty="0" err="1"/>
+              <a:t>rafsan</a:t>
+            </a:r>
+            <a:endParaRPr lang="en-US" dirty="0"/>
+          </a:p>
+        </p:txBody>
+      </p:sp>
+      <p:sp>
+        <p:nvSpPr>
+          <p:cNvPr id="4" name="Slide Number Placeholder 3"/>
+          <p:cNvSpPr>
+            <a:spLocks noGrp="1"/>
+          </p:cNvSpPr>
+          <p:nvPr>
+            <p:ph type="sldNum" sz="quarter" idx="5"/>
+          </p:nvPr>
+        </p:nvSpPr>
+        <p:spPr/>
+        <p:txBody>
+          <a:bodyPr/>
+          <a:lstStyle/>
+          <a:p>
+            <a:fld id="{64D83C0C-FC36-481B-864C-9B998D8900B9}" type="slidenum">
+              <a:rPr lang="en-US" smtClean="0"/>
+              <a:t>8</a:t>
+            </a:fld>
+            <a:endParaRPr lang="en-US"/>
+          </a:p>
+        </p:txBody>
+      </p:sp>
+    </p:spTree>
+    <p:extLst>
+      <p:ext uri="{BB962C8B-B14F-4D97-AF65-F5344CB8AC3E}">
+        <p14:creationId xmlns:p14="http://schemas.microsoft.com/office/powerpoint/2010/main" val="184875826"/>
+      </p:ext>
+    </p:extLst>
+  </p:cSld>
+  <p:clrMapOvr>
+    <a:masterClrMapping/>
+  </p:clrMapOvr>
+</p:notes>
+</file>
+
+<file path=ppt/notesSlides/notesSlide7.xml><?xml version="1.0" encoding="utf-8"?>
+<p:notes xmlns:a="http://schemas.openxmlformats.org/drawingml/2006/main" xmlns:r="http://schemas.openxmlformats.org/officeDocument/2006/relationships" xmlns:p="http://schemas.openxmlformats.org/presentationml/2006/main">
+  <p:cSld>
+    <p:spTree>
+      <p:nvGrpSpPr>
+        <p:cNvPr id="1" name=""/>
+        <p:cNvGrpSpPr/>
+        <p:nvPr/>
+      </p:nvGrpSpPr>
+      <p:grpSpPr>
+        <a:xfrm>
+          <a:off x="0" y="0"/>
+          <a:ext cx="0" cy="0"/>
+          <a:chOff x="0" y="0"/>
+          <a:chExt cx="0" cy="0"/>
+        </a:xfrm>
+      </p:grpSpPr>
+      <p:sp>
+        <p:nvSpPr>
+          <p:cNvPr id="2" name="Slide Image Placeholder 1"/>
+          <p:cNvSpPr>
+            <a:spLocks noGrp="1" noRot="1" noChangeAspect="1"/>
+          </p:cNvSpPr>
+          <p:nvPr>
+            <p:ph type="sldImg"/>
+          </p:nvPr>
+        </p:nvSpPr>
+        <p:spPr/>
+      </p:sp>
+      <p:sp>
+        <p:nvSpPr>
+          <p:cNvPr id="3" name="Notes Placeholder 2"/>
+          <p:cNvSpPr>
+            <a:spLocks noGrp="1"/>
+          </p:cNvSpPr>
+          <p:nvPr>
+            <p:ph type="body" idx="1"/>
+          </p:nvPr>
+        </p:nvSpPr>
+        <p:spPr/>
+        <p:txBody>
+          <a:bodyPr/>
+          <a:lstStyle/>
+          <a:p>
+            <a:r>
+              <a:rPr lang="en-US" dirty="0" err="1"/>
+              <a:t>ishrak</a:t>
+            </a:r>
+            <a:endParaRPr lang="en-US" dirty="0"/>
+          </a:p>
+        </p:txBody>
+      </p:sp>
+      <p:sp>
+        <p:nvSpPr>
+          <p:cNvPr id="4" name="Slide Number Placeholder 3"/>
+          <p:cNvSpPr>
+            <a:spLocks noGrp="1"/>
+          </p:cNvSpPr>
+          <p:nvPr>
+            <p:ph type="sldNum" sz="quarter" idx="5"/>
+          </p:nvPr>
+        </p:nvSpPr>
+        <p:spPr/>
+        <p:txBody>
+          <a:bodyPr/>
+          <a:lstStyle/>
+          <a:p>
+            <a:fld id="{64D83C0C-FC36-481B-864C-9B998D8900B9}" type="slidenum">
+              <a:rPr lang="en-US" smtClean="0"/>
+              <a:t>9</a:t>
+            </a:fld>
+            <a:endParaRPr lang="en-US"/>
+          </a:p>
+        </p:txBody>
+      </p:sp>
+    </p:spTree>
+    <p:extLst>
+      <p:ext uri="{BB962C8B-B14F-4D97-AF65-F5344CB8AC3E}">
+        <p14:creationId xmlns:p14="http://schemas.microsoft.com/office/powerpoint/2010/main" val="1089145186"/>
+      </p:ext>
+    </p:extLst>
+  </p:cSld>
+  <p:clrMapOvr>
+    <a:masterClrMapping/>
+  </p:clrMapOvr>
+</p:notes>
+</file>
+
+<file path=ppt/notesSlides/notesSlide8.xml><?xml version="1.0" encoding="utf-8"?>
+<p:notes xmlns:a="http://schemas.openxmlformats.org/drawingml/2006/main" xmlns:r="http://schemas.openxmlformats.org/officeDocument/2006/relationships" xmlns:p="http://schemas.openxmlformats.org/presentationml/2006/main">
+  <p:cSld>
+    <p:spTree>
+      <p:nvGrpSpPr>
+        <p:cNvPr id="1" name=""/>
+        <p:cNvGrpSpPr/>
+        <p:nvPr/>
+      </p:nvGrpSpPr>
+      <p:grpSpPr>
+        <a:xfrm>
+          <a:off x="0" y="0"/>
+          <a:ext cx="0" cy="0"/>
+          <a:chOff x="0" y="0"/>
+          <a:chExt cx="0" cy="0"/>
+        </a:xfrm>
+      </p:grpSpPr>
+      <p:sp>
+        <p:nvSpPr>
+          <p:cNvPr id="2" name="Slide Image Placeholder 1"/>
+          <p:cNvSpPr>
+            <a:spLocks noGrp="1" noRot="1" noChangeAspect="1"/>
+          </p:cNvSpPr>
+          <p:nvPr>
+            <p:ph type="sldImg"/>
+          </p:nvPr>
+        </p:nvSpPr>
+        <p:spPr/>
+      </p:sp>
+      <p:sp>
+        <p:nvSpPr>
+          <p:cNvPr id="3" name="Notes Placeholder 2"/>
+          <p:cNvSpPr>
+            <a:spLocks noGrp="1"/>
+          </p:cNvSpPr>
+          <p:nvPr>
+            <p:ph type="body" idx="1"/>
+          </p:nvPr>
+        </p:nvSpPr>
+        <p:spPr/>
+        <p:txBody>
+          <a:bodyPr/>
+          <a:lstStyle/>
+          <a:p>
+            <a:r>
+              <a:rPr lang="en-US" dirty="0" err="1"/>
+              <a:t>avi</a:t>
+            </a:r>
+            <a:endParaRPr lang="en-US" dirty="0"/>
+          </a:p>
+        </p:txBody>
+      </p:sp>
+      <p:sp>
+        <p:nvSpPr>
+          <p:cNvPr id="4" name="Slide Number Placeholder 3"/>
+          <p:cNvSpPr>
+            <a:spLocks noGrp="1"/>
+          </p:cNvSpPr>
+          <p:nvPr>
+            <p:ph type="sldNum" sz="quarter" idx="5"/>
+          </p:nvPr>
+        </p:nvSpPr>
+        <p:spPr/>
+        <p:txBody>
+          <a:bodyPr/>
+          <a:lstStyle/>
+          <a:p>
+            <a:fld id="{64D83C0C-FC36-481B-864C-9B998D8900B9}" type="slidenum">
+              <a:rPr lang="en-US" smtClean="0"/>
+              <a:t>10</a:t>
+            </a:fld>
+            <a:endParaRPr lang="en-US"/>
+          </a:p>
+        </p:txBody>
+      </p:sp>
+    </p:spTree>
+    <p:extLst>
+      <p:ext uri="{BB962C8B-B14F-4D97-AF65-F5344CB8AC3E}">
+        <p14:creationId xmlns:p14="http://schemas.microsoft.com/office/powerpoint/2010/main" val="4085070315"/>
+      </p:ext>
+    </p:extLst>
+  </p:cSld>
+  <p:clrMapOvr>
+    <a:masterClrMapping/>
+  </p:clrMapOvr>
+</p:notes>
+</file>
+
+<file path=ppt/notesSlides/notesSlide9.xml><?xml version="1.0" encoding="utf-8"?>
+<p:notes xmlns:a="http://schemas.openxmlformats.org/drawingml/2006/main" xmlns:r="http://schemas.openxmlformats.org/officeDocument/2006/relationships" xmlns:p="http://schemas.openxmlformats.org/presentationml/2006/main">
+  <p:cSld>
+    <p:spTree>
+      <p:nvGrpSpPr>
+        <p:cNvPr id="1" name=""/>
+        <p:cNvGrpSpPr/>
+        <p:nvPr/>
+      </p:nvGrpSpPr>
+      <p:grpSpPr>
+        <a:xfrm>
+          <a:off x="0" y="0"/>
+          <a:ext cx="0" cy="0"/>
+          <a:chOff x="0" y="0"/>
+          <a:chExt cx="0" cy="0"/>
+        </a:xfrm>
+      </p:grpSpPr>
+      <p:sp>
+        <p:nvSpPr>
+          <p:cNvPr id="2" name="Slide Image Placeholder 1"/>
+          <p:cNvSpPr>
+            <a:spLocks noGrp="1" noRot="1" noChangeAspect="1"/>
+          </p:cNvSpPr>
+          <p:nvPr>
+            <p:ph type="sldImg"/>
+          </p:nvPr>
+        </p:nvSpPr>
+        <p:spPr/>
+      </p:sp>
+      <p:sp>
+        <p:nvSpPr>
+          <p:cNvPr id="3" name="Notes Placeholder 2"/>
+          <p:cNvSpPr>
+            <a:spLocks noGrp="1"/>
+          </p:cNvSpPr>
+          <p:nvPr>
+            <p:ph type="body" idx="1"/>
+          </p:nvPr>
+        </p:nvSpPr>
+        <p:spPr/>
+        <p:txBody>
+          <a:bodyPr/>
+          <a:lstStyle/>
+          <a:p>
+            <a:r>
+              <a:rPr lang="en-US" dirty="0" err="1"/>
+              <a:t>avi</a:t>
+            </a:r>
+            <a:endParaRPr lang="en-US" dirty="0"/>
+          </a:p>
+        </p:txBody>
+      </p:sp>
+      <p:sp>
+        <p:nvSpPr>
+          <p:cNvPr id="4" name="Slide Number Placeholder 3"/>
+          <p:cNvSpPr>
+            <a:spLocks noGrp="1"/>
+          </p:cNvSpPr>
+          <p:nvPr>
+            <p:ph type="sldNum" sz="quarter" idx="5"/>
+          </p:nvPr>
+        </p:nvSpPr>
+        <p:spPr/>
+        <p:txBody>
+          <a:bodyPr/>
+          <a:lstStyle/>
+          <a:p>
+            <a:fld id="{64D83C0C-FC36-481B-864C-9B998D8900B9}" type="slidenum">
+              <a:rPr lang="en-US" smtClean="0"/>
+              <a:t>11</a:t>
+            </a:fld>
+            <a:endParaRPr lang="en-US"/>
+          </a:p>
+        </p:txBody>
+      </p:sp>
+    </p:spTree>
+    <p:extLst>
+      <p:ext uri="{BB962C8B-B14F-4D97-AF65-F5344CB8AC3E}">
+        <p14:creationId xmlns:p14="http://schemas.microsoft.com/office/powerpoint/2010/main" val="351510410"/>
+      </p:ext>
+    </p:extLst>
+  </p:cSld>
+  <p:clrMapOvr>
+    <a:masterClrMapping/>
+  </p:clrMapOvr>
+</p:notes>
 </file>
 
 <file path=ppt/slideLayouts/slideLayout1.xml><?xml version="1.0" encoding="utf-8"?>
@@ -7991,7 +8818,7 @@
           <p:nvPr/>
         </p:nvPicPr>
         <p:blipFill>
-          <a:blip r:embed="rId2"/>
+          <a:blip r:embed="rId3"/>
           <a:stretch>
             <a:fillRect/>
           </a:stretch>
@@ -8659,7 +9486,7 @@
           <p:nvPr/>
         </p:nvPicPr>
         <p:blipFill>
-          <a:blip r:embed="rId2"/>
+          <a:blip r:embed="rId3"/>
           <a:stretch>
             <a:fillRect/>
           </a:stretch>
@@ -10226,7 +11053,7 @@
           <p:nvPr/>
         </p:nvPicPr>
         <p:blipFill>
-          <a:blip r:embed="rId2"/>
+          <a:blip r:embed="rId3"/>
           <a:stretch>
             <a:fillRect/>
           </a:stretch>
@@ -10273,7 +11100,7 @@
           <p:nvPr/>
         </p:nvPicPr>
         <p:blipFill>
-          <a:blip r:embed="rId3"/>
+          <a:blip r:embed="rId4"/>
           <a:stretch>
             <a:fillRect/>
           </a:stretch>
@@ -10320,7 +11147,7 @@
           <p:nvPr/>
         </p:nvPicPr>
         <p:blipFill>
-          <a:blip r:embed="rId4"/>
+          <a:blip r:embed="rId5"/>
           <a:stretch>
             <a:fillRect/>
           </a:stretch>

--- a/others/update_presentation.pptx
+++ b/others/update_presentation.pptx
@@ -11176,8 +11176,8 @@
         </p:nvSpPr>
         <p:spPr>
           <a:xfrm>
-            <a:off x="3810395" y="1552500"/>
-            <a:ext cx="1970411" cy="1384995"/>
+            <a:off x="3810395" y="1572596"/>
+            <a:ext cx="1326004" cy="369332"/>
           </a:xfrm>
           <a:prstGeom prst="rect">
             <a:avLst/>
@@ -11197,60 +11197,10 @@
               </a:rPr>
               <a:t>Main Menu</a:t>
             </a:r>
-          </a:p>
-          <a:p>
-            <a:endParaRPr lang="en-US" dirty="0">
+            <a:endParaRPr lang="en-US" sz="1200" dirty="0">
               <a:latin typeface="Arial" panose="020B0604020202020204" pitchFamily="34" charset="0"/>
               <a:cs typeface="Arial" panose="020B0604020202020204" pitchFamily="34" charset="0"/>
             </a:endParaRPr>
-          </a:p>
-          <a:p>
-            <a:pPr marL="171450" indent="-171450">
-              <a:buFont typeface="Arial" panose="020B0604020202020204" pitchFamily="34" charset="0"/>
-              <a:buChar char="•"/>
-            </a:pPr>
-            <a:r>
-              <a:rPr lang="en-US" sz="1200" dirty="0">
-                <a:latin typeface="Arial" panose="020B0604020202020204" pitchFamily="34" charset="0"/>
-                <a:cs typeface="Arial" panose="020B0604020202020204" pitchFamily="34" charset="0"/>
-              </a:rPr>
-              <a:t>Player chooses desired</a:t>
-            </a:r>
-          </a:p>
-          <a:p>
-            <a:r>
-              <a:rPr lang="en-US" sz="1200" dirty="0">
-                <a:latin typeface="Arial" panose="020B0604020202020204" pitchFamily="34" charset="0"/>
-                <a:cs typeface="Arial" panose="020B0604020202020204" pitchFamily="34" charset="0"/>
-              </a:rPr>
-              <a:t>    game-mode</a:t>
-            </a:r>
-          </a:p>
-          <a:p>
-            <a:pPr marL="171450" indent="-171450">
-              <a:buFont typeface="Arial" panose="020B0604020202020204" pitchFamily="34" charset="0"/>
-              <a:buChar char="•"/>
-            </a:pPr>
-            <a:r>
-              <a:rPr lang="en-US" sz="1200" dirty="0">
-                <a:latin typeface="Arial" panose="020B0604020202020204" pitchFamily="34" charset="0"/>
-                <a:cs typeface="Arial" panose="020B0604020202020204" pitchFamily="34" charset="0"/>
-              </a:rPr>
-              <a:t>Enter choice and press </a:t>
-            </a:r>
-            <a:br>
-              <a:rPr lang="en-US" sz="1200" dirty="0">
-                <a:latin typeface="Arial" panose="020B0604020202020204" pitchFamily="34" charset="0"/>
-                <a:cs typeface="Arial" panose="020B0604020202020204" pitchFamily="34" charset="0"/>
-              </a:rPr>
-            </a:br>
-            <a:r>
-              <a:rPr lang="en-US" sz="1200" dirty="0">
-                <a:latin typeface="Arial" panose="020B0604020202020204" pitchFamily="34" charset="0"/>
-                <a:cs typeface="Arial" panose="020B0604020202020204" pitchFamily="34" charset="0"/>
-              </a:rPr>
-              <a:t>return</a:t>
-            </a:r>
           </a:p>
         </p:txBody>
       </p:sp>

--- a/others/update_presentation.pptx
+++ b/others/update_presentation.pptx
@@ -138,7 +138,7 @@
   <pc:docChgLst>
     <pc:chgData name="Md Ishrak Mashroor" userId="e451b154c326eb62" providerId="LiveId" clId="{5DC25D61-3FC5-4CF2-A57F-38293948189E}"/>
     <pc:docChg chg="undo custSel addSld modSld">
-      <pc:chgData name="Md Ishrak Mashroor" userId="e451b154c326eb62" providerId="LiveId" clId="{5DC25D61-3FC5-4CF2-A57F-38293948189E}" dt="2025-07-06T19:18:33.440" v="545" actId="20577"/>
+      <pc:chgData name="Md Ishrak Mashroor" userId="e451b154c326eb62" providerId="LiveId" clId="{5DC25D61-3FC5-4CF2-A57F-38293948189E}" dt="2025-07-06T21:33:13.554" v="789" actId="1076"/>
       <pc:docMkLst>
         <pc:docMk/>
       </pc:docMkLst>
@@ -246,7 +246,7 @@
         </pc:sldMkLst>
       </pc:sldChg>
       <pc:sldChg chg="addSp delSp modSp new mod setBg setClrOvrMap modNotesTx">
-        <pc:chgData name="Md Ishrak Mashroor" userId="e451b154c326eb62" providerId="LiveId" clId="{5DC25D61-3FC5-4CF2-A57F-38293948189E}" dt="2025-07-06T19:17:19.158" v="498" actId="20577"/>
+        <pc:chgData name="Md Ishrak Mashroor" userId="e451b154c326eb62" providerId="LiveId" clId="{5DC25D61-3FC5-4CF2-A57F-38293948189E}" dt="2025-07-06T21:33:13.554" v="789" actId="1076"/>
         <pc:sldMkLst>
           <pc:docMk/>
           <pc:sldMk cId="3836086495" sldId="268"/>
@@ -268,7 +268,7 @@
           </ac:spMkLst>
         </pc:spChg>
         <pc:spChg chg="add mod">
-          <ac:chgData name="Md Ishrak Mashroor" userId="e451b154c326eb62" providerId="LiveId" clId="{5DC25D61-3FC5-4CF2-A57F-38293948189E}" dt="2025-07-05T18:24:37.877" v="138" actId="1076"/>
+          <ac:chgData name="Md Ishrak Mashroor" userId="e451b154c326eb62" providerId="LiveId" clId="{5DC25D61-3FC5-4CF2-A57F-38293948189E}" dt="2025-07-06T21:33:13.554" v="789" actId="1076"/>
           <ac:spMkLst>
             <pc:docMk/>
             <pc:sldMk cId="3836086495" sldId="268"/>
@@ -300,7 +300,7 @@
           </ac:spMkLst>
         </pc:spChg>
         <pc:spChg chg="add mod">
-          <ac:chgData name="Md Ishrak Mashroor" userId="e451b154c326eb62" providerId="LiveId" clId="{5DC25D61-3FC5-4CF2-A57F-38293948189E}" dt="2025-07-05T18:24:50.572" v="140" actId="1076"/>
+          <ac:chgData name="Md Ishrak Mashroor" userId="e451b154c326eb62" providerId="LiveId" clId="{5DC25D61-3FC5-4CF2-A57F-38293948189E}" dt="2025-07-06T21:33:10.902" v="788" actId="1076"/>
           <ac:spMkLst>
             <pc:docMk/>
             <pc:sldMk cId="3836086495" sldId="268"/>
@@ -316,7 +316,7 @@
           </ac:spMkLst>
         </pc:spChg>
         <pc:spChg chg="add mod">
-          <ac:chgData name="Md Ishrak Mashroor" userId="e451b154c326eb62" providerId="LiveId" clId="{5DC25D61-3FC5-4CF2-A57F-38293948189E}" dt="2025-07-05T18:43:15.566" v="478" actId="1076"/>
+          <ac:chgData name="Md Ishrak Mashroor" userId="e451b154c326eb62" providerId="LiveId" clId="{5DC25D61-3FC5-4CF2-A57F-38293948189E}" dt="2025-07-06T21:31:24.687" v="682" actId="20577"/>
           <ac:spMkLst>
             <pc:docMk/>
             <pc:sldMk cId="3836086495" sldId="268"/>
@@ -11268,8 +11268,8 @@
         </p:nvSpPr>
         <p:spPr>
           <a:xfrm>
-            <a:off x="7494309" y="2707027"/>
-            <a:ext cx="1236236" cy="369332"/>
+            <a:off x="7447099" y="2160800"/>
+            <a:ext cx="1913409" cy="1107996"/>
           </a:xfrm>
           <a:prstGeom prst="rect">
             <a:avLst/>
@@ -11289,6 +11289,44 @@
               </a:rPr>
               <a:t>Gameplay</a:t>
             </a:r>
+          </a:p>
+          <a:p>
+            <a:endParaRPr lang="en-US" sz="1200" dirty="0">
+              <a:latin typeface="Arial" panose="020B0604020202020204" pitchFamily="34" charset="0"/>
+              <a:cs typeface="Arial" panose="020B0604020202020204" pitchFamily="34" charset="0"/>
+            </a:endParaRPr>
+          </a:p>
+          <a:p>
+            <a:pPr marL="171450" indent="-171450">
+              <a:buFont typeface="Arial" panose="020B0604020202020204" pitchFamily="34" charset="0"/>
+              <a:buChar char="•"/>
+            </a:pPr>
+            <a:r>
+              <a:rPr lang="en-US" sz="1200" dirty="0">
+                <a:latin typeface="Arial" panose="020B0604020202020204" pitchFamily="34" charset="0"/>
+                <a:cs typeface="Arial" panose="020B0604020202020204" pitchFamily="34" charset="0"/>
+              </a:rPr>
+              <a:t>Game-board display</a:t>
+            </a:r>
+          </a:p>
+          <a:p>
+            <a:pPr marL="171450" indent="-171450">
+              <a:buFont typeface="Arial" panose="020B0604020202020204" pitchFamily="34" charset="0"/>
+              <a:buChar char="•"/>
+            </a:pPr>
+            <a:r>
+              <a:rPr lang="en-US" sz="1200" dirty="0">
+                <a:latin typeface="Arial" panose="020B0604020202020204" pitchFamily="34" charset="0"/>
+                <a:cs typeface="Arial" panose="020B0604020202020204" pitchFamily="34" charset="0"/>
+              </a:rPr>
+              <a:t>Win/Lose/Tie Message</a:t>
+            </a:r>
+          </a:p>
+          <a:p>
+            <a:endParaRPr lang="en-US" sz="1200" dirty="0">
+              <a:latin typeface="Arial" panose="020B0604020202020204" pitchFamily="34" charset="0"/>
+              <a:cs typeface="Arial" panose="020B0604020202020204" pitchFamily="34" charset="0"/>
+            </a:endParaRPr>
           </a:p>
         </p:txBody>
       </p:sp>
@@ -11307,7 +11345,7 @@
         <p:spPr>
           <a:xfrm>
             <a:off x="3810395" y="4127059"/>
-            <a:ext cx="2086151" cy="738664"/>
+            <a:ext cx="2086151" cy="1107996"/>
           </a:xfrm>
           <a:prstGeom prst="rect">
             <a:avLst/>
@@ -11339,10 +11377,39 @@
               <a:buFont typeface="Arial" panose="020B0604020202020204" pitchFamily="34" charset="0"/>
               <a:buChar char="•"/>
             </a:pPr>
-            <a:endParaRPr lang="en-US" sz="1200" dirty="0">
-              <a:latin typeface="Arial" panose="020B0604020202020204" pitchFamily="34" charset="0"/>
-              <a:cs typeface="Arial" panose="020B0604020202020204" pitchFamily="34" charset="0"/>
-            </a:endParaRPr>
+            <a:r>
+              <a:rPr lang="en-US" sz="1200" dirty="0">
+                <a:latin typeface="Arial" panose="020B0604020202020204" pitchFamily="34" charset="0"/>
+                <a:cs typeface="Arial" panose="020B0604020202020204" pitchFamily="34" charset="0"/>
+              </a:rPr>
+              <a:t>Developer details</a:t>
+            </a:r>
+          </a:p>
+          <a:p>
+            <a:pPr marL="171450" indent="-171450">
+              <a:buFont typeface="Arial" panose="020B0604020202020204" pitchFamily="34" charset="0"/>
+              <a:buChar char="•"/>
+            </a:pPr>
+            <a:r>
+              <a:rPr lang="en-US" sz="1200" dirty="0">
+                <a:latin typeface="Arial" panose="020B0604020202020204" pitchFamily="34" charset="0"/>
+                <a:cs typeface="Arial" panose="020B0604020202020204" pitchFamily="34" charset="0"/>
+              </a:rPr>
+              <a:t>Game features</a:t>
+            </a:r>
+          </a:p>
+          <a:p>
+            <a:pPr marL="171450" indent="-171450">
+              <a:buFont typeface="Arial" panose="020B0604020202020204" pitchFamily="34" charset="0"/>
+              <a:buChar char="•"/>
+            </a:pPr>
+            <a:r>
+              <a:rPr lang="en-US" sz="1200" dirty="0">
+                <a:latin typeface="Arial" panose="020B0604020202020204" pitchFamily="34" charset="0"/>
+                <a:cs typeface="Arial" panose="020B0604020202020204" pitchFamily="34" charset="0"/>
+              </a:rPr>
+              <a:t>Collaborators</a:t>
+            </a:r>
           </a:p>
         </p:txBody>
       </p:sp>
@@ -11480,7 +11547,7 @@
         </p:nvSpPr>
         <p:spPr>
           <a:xfrm>
-            <a:off x="7523500" y="2707027"/>
+            <a:off x="7494309" y="2165460"/>
             <a:ext cx="1408852" cy="399816"/>
           </a:xfrm>
           <a:prstGeom prst="foldedCorner">
